--- a/doc/NetPontoNVelocity.pptx
+++ b/doc/NetPontoNVelocity.pptx
@@ -316,7 +316,7 @@
     </p:spTree>
     <p:extLst>
       <p:ext uri="{BB962C8B-B14F-4D97-AF65-F5344CB8AC3E}">
-        <p14:creationId xmlns="" xmlns:p14="http://schemas.microsoft.com/office/powerpoint/2007/7/12/main" val="2941623272"/>
+        <p14:creationId xmlns:p14="http://schemas.microsoft.com/office/powerpoint/2007/7/12/main" xmlns="" val="2941623272"/>
       </p:ext>
     </p:extLst>
   </p:cSld>
@@ -576,7 +576,7 @@
     </p:spTree>
     <p:extLst>
       <p:ext uri="{BB962C8B-B14F-4D97-AF65-F5344CB8AC3E}">
-        <p14:creationId xmlns="" xmlns:p14="http://schemas.microsoft.com/office/powerpoint/2007/7/12/main" val="2042030475"/>
+        <p14:creationId xmlns:p14="http://schemas.microsoft.com/office/powerpoint/2007/7/12/main" xmlns="" val="2042030475"/>
       </p:ext>
     </p:extLst>
   </p:cSld>
@@ -768,7 +768,7 @@
             <a:fld id="{81331B57-0BE5-4F82-AA58-76F53EFF3ADA}" type="datetime8">
               <a:rPr lang="en-US" smtClean="0"/>
               <a:pPr/>
-              <a:t>11/9/2013 2:35 PM</a:t>
+              <a:t>11/9/2013 9:21 PM</a:t>
             </a:fld>
             <a:endParaRPr lang="en-US"/>
           </a:p>
@@ -958,7 +958,7 @@
             <a:fld id="{81331B57-0BE5-4F82-AA58-76F53EFF3ADA}" type="datetime8">
               <a:rPr lang="en-US" smtClean="0"/>
               <a:pPr/>
-              <a:t>11/9/2013 4:17 PM</a:t>
+              <a:t>11/9/2013 9:21 PM</a:t>
             </a:fld>
             <a:endParaRPr lang="en-US"/>
           </a:p>
@@ -1148,7 +1148,7 @@
             <a:fld id="{81331B57-0BE5-4F82-AA58-76F53EFF3ADA}" type="datetime8">
               <a:rPr lang="en-US" smtClean="0"/>
               <a:pPr/>
-              <a:t>11/9/2013 6:40 PM</a:t>
+              <a:t>11/9/2013 9:21 PM</a:t>
             </a:fld>
             <a:endParaRPr lang="en-US"/>
           </a:p>
@@ -1338,7 +1338,7 @@
             <a:fld id="{81331B57-0BE5-4F82-AA58-76F53EFF3ADA}" type="datetime8">
               <a:rPr lang="en-US" smtClean="0"/>
               <a:pPr/>
-              <a:t>11/9/2013 6:40 PM</a:t>
+              <a:t>11/9/2013 9:21 PM</a:t>
             </a:fld>
             <a:endParaRPr lang="en-US"/>
           </a:p>
@@ -1528,7 +1528,7 @@
             <a:fld id="{81331B57-0BE5-4F82-AA58-76F53EFF3ADA}" type="datetime8">
               <a:rPr lang="en-US" smtClean="0"/>
               <a:pPr/>
-              <a:t>11/9/2013 2:06 PM</a:t>
+              <a:t>11/9/2013 9:21 PM</a:t>
             </a:fld>
             <a:endParaRPr lang="en-US"/>
           </a:p>
@@ -1718,7 +1718,7 @@
             <a:fld id="{81331B57-0BE5-4F82-AA58-76F53EFF3ADA}" type="datetime8">
               <a:rPr lang="en-US" smtClean="0"/>
               <a:pPr/>
-              <a:t>11/9/2013 8:18 PM</a:t>
+              <a:t>11/9/2013 9:21 PM</a:t>
             </a:fld>
             <a:endParaRPr lang="en-US"/>
           </a:p>
@@ -1891,7 +1891,7 @@
     </p:spTree>
     <p:extLst>
       <p:ext uri="{BB962C8B-B14F-4D97-AF65-F5344CB8AC3E}">
-        <p14:creationId xmlns="" xmlns:p14="http://schemas.microsoft.com/office/powerpoint/2007/7/12/main" val="2875876222"/>
+        <p14:creationId xmlns:p14="http://schemas.microsoft.com/office/powerpoint/2007/7/12/main" xmlns="" val="2875876222"/>
       </p:ext>
     </p:extLst>
   </p:cSld>
@@ -1935,7 +1935,7 @@
           <a:blip r:embed="rId2" cstate="print">
             <a:extLst>
               <a:ext uri="28A0092B-C50C-407e-A947-70E740481C1C">
-                <a14:useLocalDpi xmlns="" xmlns:a14="http://schemas.microsoft.com/office/drawing/2007/7/7/main" val="0"/>
+                <a14:useLocalDpi xmlns:a14="http://schemas.microsoft.com/office/drawing/2007/7/7/main" xmlns="" val="0"/>
               </a:ext>
             </a:extLst>
           </a:blip>
@@ -1954,14 +1954,14 @@
           </a:prstGeom>
           <a:extLst>
             <a:ext uri="{909E8E84-426E-40dd-AFC4-6F175D3DCCD1}">
-              <a14:hiddenFill xmlns="" xmlns:a14="http://schemas.microsoft.com/office/drawing/2007/7/7/main">
+              <a14:hiddenFill xmlns:a14="http://schemas.microsoft.com/office/drawing/2007/7/7/main" xmlns="">
                 <a:solidFill>
                   <a:schemeClr val="accent1"/>
                 </a:solidFill>
               </a14:hiddenFill>
             </a:ext>
             <a:ext uri="{91240B29-F687-4f45-9708-019B960494DF}">
-              <a14:hiddenLine xmlns="" xmlns:a14="http://schemas.microsoft.com/office/drawing/2007/7/7/main" w="9525">
+              <a14:hiddenLine xmlns:a14="http://schemas.microsoft.com/office/drawing/2007/7/7/main" xmlns="" w="9525">
                 <a:solidFill>
                   <a:schemeClr val="tx1"/>
                 </a:solidFill>
@@ -1971,7 +1971,7 @@
               </a14:hiddenLine>
             </a:ext>
             <a:ext uri="{AF507438-7753-43e0-B8FC-AC1667EBCBE1}">
-              <a14:hiddenEffects xmlns="" xmlns:a14="http://schemas.microsoft.com/office/drawing/2007/7/7/main">
+              <a14:hiddenEffects xmlns:a14="http://schemas.microsoft.com/office/drawing/2007/7/7/main" xmlns="">
                 <a:effectLst>
                   <a:outerShdw blurRad="63500" dist="35921" dir="2700000" algn="ctr" rotWithShape="0">
                     <a:schemeClr val="bg2"/>
@@ -2149,7 +2149,7 @@
           <a:blip r:embed="rId4" cstate="print">
             <a:extLst>
               <a:ext uri="28A0092B-C50C-407e-A947-70E740481C1C">
-                <a14:useLocalDpi xmlns="" xmlns:a14="http://schemas.microsoft.com/office/drawing/2007/7/7/main" val="0"/>
+                <a14:useLocalDpi xmlns:a14="http://schemas.microsoft.com/office/drawing/2007/7/7/main" xmlns="" val="0"/>
               </a:ext>
             </a:extLst>
           </a:blip>
@@ -2169,14 +2169,14 @@
           </a:effectLst>
           <a:extLst>
             <a:ext uri="{909E8E84-426E-40dd-AFC4-6F175D3DCCD1}">
-              <a14:hiddenFill xmlns="" xmlns:a14="http://schemas.microsoft.com/office/drawing/2007/7/7/main">
+              <a14:hiddenFill xmlns:a14="http://schemas.microsoft.com/office/drawing/2007/7/7/main" xmlns="">
                 <a:solidFill>
                   <a:srgbClr xmlns:mc="http://schemas.openxmlformats.org/markup-compatibility/2006" val="FFFFFF" mc:Ignorable=""/>
                 </a:solidFill>
               </a14:hiddenFill>
             </a:ext>
             <a:ext uri="{91240B29-F687-4f45-9708-019B960494DF}">
-              <a14:hiddenLine xmlns="" xmlns:a14="http://schemas.microsoft.com/office/drawing/2007/7/7/main" w="9525">
+              <a14:hiddenLine xmlns:a14="http://schemas.microsoft.com/office/drawing/2007/7/7/main" xmlns="" w="9525">
                 <a:solidFill>
                   <a:srgbClr xmlns:mc="http://schemas.openxmlformats.org/markup-compatibility/2006" val="000000" mc:Ignorable=""/>
                 </a:solidFill>
@@ -2186,7 +2186,7 @@
               </a14:hiddenLine>
             </a:ext>
             <a:ext uri="{53640926-AAD7-44d8-BBD7-CCE9431645EC}">
-              <a14:shadowObscured xmlns="" xmlns:a14="http://schemas.microsoft.com/office/drawing/2007/7/7/main" val="1"/>
+              <a14:shadowObscured xmlns:a14="http://schemas.microsoft.com/office/drawing/2007/7/7/main" xmlns="" val="1"/>
             </a:ext>
           </a:extLst>
         </p:spPr>
@@ -2194,7 +2194,7 @@
     </p:spTree>
     <p:extLst>
       <p:ext uri="{BB962C8B-B14F-4D97-AF65-F5344CB8AC3E}">
-        <p14:creationId xmlns="" xmlns:p14="http://schemas.microsoft.com/office/powerpoint/2007/7/12/main" val="2296204029"/>
+        <p14:creationId xmlns:p14="http://schemas.microsoft.com/office/powerpoint/2007/7/12/main" xmlns="" val="2296204029"/>
       </p:ext>
     </p:extLst>
   </p:cSld>
@@ -2389,7 +2389,7 @@
     </p:spTree>
     <p:extLst>
       <p:ext uri="{BB962C8B-B14F-4D97-AF65-F5344CB8AC3E}">
-        <p14:creationId xmlns="" xmlns:p14="http://schemas.microsoft.com/office/powerpoint/2007/7/12/main" val="1558211039"/>
+        <p14:creationId xmlns:p14="http://schemas.microsoft.com/office/powerpoint/2007/7/12/main" xmlns="" val="1558211039"/>
       </p:ext>
     </p:extLst>
   </p:cSld>
@@ -2507,7 +2507,7 @@
     </p:spTree>
     <p:extLst>
       <p:ext uri="{BB962C8B-B14F-4D97-AF65-F5344CB8AC3E}">
-        <p14:creationId xmlns="" xmlns:p14="http://schemas.microsoft.com/office/powerpoint/2007/7/12/main" val="1628332576"/>
+        <p14:creationId xmlns:p14="http://schemas.microsoft.com/office/powerpoint/2007/7/12/main" xmlns="" val="1628332576"/>
       </p:ext>
     </p:extLst>
   </p:cSld>
@@ -2635,7 +2635,7 @@
     </p:spTree>
     <p:extLst>
       <p:ext uri="{BB962C8B-B14F-4D97-AF65-F5344CB8AC3E}">
-        <p14:creationId xmlns="" xmlns:p14="http://schemas.microsoft.com/office/powerpoint/2007/7/12/main" val="2992743950"/>
+        <p14:creationId xmlns:p14="http://schemas.microsoft.com/office/powerpoint/2007/7/12/main" xmlns="" val="2992743950"/>
       </p:ext>
     </p:extLst>
   </p:cSld>
@@ -2951,7 +2951,7 @@
     </p:spTree>
     <p:extLst>
       <p:ext uri="{BB962C8B-B14F-4D97-AF65-F5344CB8AC3E}">
-        <p14:creationId xmlns="" xmlns:p14="http://schemas.microsoft.com/office/powerpoint/2007/7/12/main" val="2396692856"/>
+        <p14:creationId xmlns:p14="http://schemas.microsoft.com/office/powerpoint/2007/7/12/main" xmlns="" val="2396692856"/>
       </p:ext>
     </p:extLst>
   </p:cSld>
@@ -3065,7 +3065,7 @@
     </p:spTree>
     <p:extLst>
       <p:ext uri="{BB962C8B-B14F-4D97-AF65-F5344CB8AC3E}">
-        <p14:creationId xmlns="" xmlns:p14="http://schemas.microsoft.com/office/powerpoint/2007/7/12/main" val="1884871016"/>
+        <p14:creationId xmlns:p14="http://schemas.microsoft.com/office/powerpoint/2007/7/12/main" xmlns="" val="1884871016"/>
       </p:ext>
     </p:extLst>
   </p:cSld>
@@ -3253,7 +3253,7 @@
     </p:spTree>
     <p:extLst>
       <p:ext uri="{BB962C8B-B14F-4D97-AF65-F5344CB8AC3E}">
-        <p14:creationId xmlns="" xmlns:p14="http://schemas.microsoft.com/office/powerpoint/2007/7/12/main" val="109521083"/>
+        <p14:creationId xmlns:p14="http://schemas.microsoft.com/office/powerpoint/2007/7/12/main" xmlns="" val="109521083"/>
       </p:ext>
     </p:extLst>
   </p:cSld>
@@ -3489,7 +3489,7 @@
     </p:spTree>
     <p:extLst>
       <p:ext uri="{BB962C8B-B14F-4D97-AF65-F5344CB8AC3E}">
-        <p14:creationId xmlns="" xmlns:p14="http://schemas.microsoft.com/office/powerpoint/2007/7/12/main" val="3121598289"/>
+        <p14:creationId xmlns:p14="http://schemas.microsoft.com/office/powerpoint/2007/7/12/main" xmlns="" val="3121598289"/>
       </p:ext>
     </p:extLst>
   </p:cSld>
@@ -3855,7 +3855,7 @@
     </p:spTree>
     <p:extLst>
       <p:ext uri="{BB962C8B-B14F-4D97-AF65-F5344CB8AC3E}">
-        <p14:creationId xmlns="" xmlns:p14="http://schemas.microsoft.com/office/powerpoint/2007/7/12/main" val="217596623"/>
+        <p14:creationId xmlns:p14="http://schemas.microsoft.com/office/powerpoint/2007/7/12/main" xmlns="" val="217596623"/>
       </p:ext>
     </p:extLst>
   </p:cSld>
@@ -4007,7 +4007,7 @@
     </p:spTree>
     <p:extLst>
       <p:ext uri="{BB962C8B-B14F-4D97-AF65-F5344CB8AC3E}">
-        <p14:creationId xmlns="" xmlns:p14="http://schemas.microsoft.com/office/powerpoint/2007/7/12/main" val="3760814106"/>
+        <p14:creationId xmlns:p14="http://schemas.microsoft.com/office/powerpoint/2007/7/12/main" xmlns="" val="3760814106"/>
       </p:ext>
     </p:extLst>
   </p:cSld>
@@ -4128,7 +4128,7 @@
     </p:spTree>
     <p:extLst>
       <p:ext uri="{BB962C8B-B14F-4D97-AF65-F5344CB8AC3E}">
-        <p14:creationId xmlns="" xmlns:p14="http://schemas.microsoft.com/office/powerpoint/2007/7/12/main" val="2449055135"/>
+        <p14:creationId xmlns:p14="http://schemas.microsoft.com/office/powerpoint/2007/7/12/main" xmlns="" val="2449055135"/>
       </p:ext>
     </p:extLst>
   </p:cSld>
@@ -4179,7 +4179,7 @@
           <a:blip r:embed="rId2" cstate="print">
             <a:extLst>
               <a:ext uri="28A0092B-C50C-407e-A947-70E740481C1C">
-                <a14:useLocalDpi xmlns="" xmlns:a14="http://schemas.microsoft.com/office/drawing/2007/7/7/main" val="0"/>
+                <a14:useLocalDpi xmlns:a14="http://schemas.microsoft.com/office/drawing/2007/7/7/main" xmlns="" val="0"/>
               </a:ext>
             </a:extLst>
           </a:blip>
@@ -4198,14 +4198,14 @@
           </a:prstGeom>
           <a:extLst>
             <a:ext uri="{909E8E84-426E-40dd-AFC4-6F175D3DCCD1}">
-              <a14:hiddenFill xmlns="" xmlns:a14="http://schemas.microsoft.com/office/drawing/2007/7/7/main">
+              <a14:hiddenFill xmlns:a14="http://schemas.microsoft.com/office/drawing/2007/7/7/main" xmlns="">
                 <a:solidFill>
                   <a:schemeClr val="accent1"/>
                 </a:solidFill>
               </a14:hiddenFill>
             </a:ext>
             <a:ext uri="{91240B29-F687-4f45-9708-019B960494DF}">
-              <a14:hiddenLine xmlns="" xmlns:a14="http://schemas.microsoft.com/office/drawing/2007/7/7/main" w="9525">
+              <a14:hiddenLine xmlns:a14="http://schemas.microsoft.com/office/drawing/2007/7/7/main" xmlns="" w="9525">
                 <a:solidFill>
                   <a:schemeClr val="tx1"/>
                 </a:solidFill>
@@ -4215,7 +4215,7 @@
               </a14:hiddenLine>
             </a:ext>
             <a:ext uri="{AF507438-7753-43e0-B8FC-AC1667EBCBE1}">
-              <a14:hiddenEffects xmlns="" xmlns:a14="http://schemas.microsoft.com/office/drawing/2007/7/7/main">
+              <a14:hiddenEffects xmlns:a14="http://schemas.microsoft.com/office/drawing/2007/7/7/main" xmlns="">
                 <a:effectLst>
                   <a:outerShdw blurRad="63500" dist="35921" dir="2700000" algn="ctr" rotWithShape="0">
                     <a:schemeClr val="bg2"/>
@@ -4320,7 +4320,7 @@
     </p:spTree>
     <p:extLst>
       <p:ext uri="{BB962C8B-B14F-4D97-AF65-F5344CB8AC3E}">
-        <p14:creationId xmlns="" xmlns:p14="http://schemas.microsoft.com/office/powerpoint/2007/7/12/main" val="1632735767"/>
+        <p14:creationId xmlns:p14="http://schemas.microsoft.com/office/powerpoint/2007/7/12/main" xmlns="" val="1632735767"/>
       </p:ext>
     </p:extLst>
   </p:cSld>
@@ -4539,7 +4539,7 @@
     </p:spTree>
     <p:extLst>
       <p:ext uri="{BB962C8B-B14F-4D97-AF65-F5344CB8AC3E}">
-        <p14:creationId xmlns="" xmlns:p14="http://schemas.microsoft.com/office/powerpoint/2007/7/12/main" val="1239055144"/>
+        <p14:creationId xmlns:p14="http://schemas.microsoft.com/office/powerpoint/2007/7/12/main" xmlns="" val="1239055144"/>
       </p:ext>
     </p:extLst>
   </p:cSld>
@@ -4590,7 +4590,7 @@
           <a:blip r:embed="rId15" cstate="print">
             <a:extLst>
               <a:ext uri="28A0092B-C50C-407e-A947-70E740481C1C">
-                <a14:useLocalDpi xmlns="" xmlns:a14="http://schemas.microsoft.com/office/drawing/2007/7/7/main" val="0"/>
+                <a14:useLocalDpi xmlns:a14="http://schemas.microsoft.com/office/drawing/2007/7/7/main" xmlns="" val="0"/>
               </a:ext>
             </a:extLst>
           </a:blip>
@@ -4609,14 +4609,14 @@
           </a:prstGeom>
           <a:extLst>
             <a:ext uri="{909E8E84-426E-40dd-AFC4-6F175D3DCCD1}">
-              <a14:hiddenFill xmlns="" xmlns:a14="http://schemas.microsoft.com/office/drawing/2007/7/7/main">
+              <a14:hiddenFill xmlns:a14="http://schemas.microsoft.com/office/drawing/2007/7/7/main" xmlns="">
                 <a:solidFill>
                   <a:schemeClr val="accent1"/>
                 </a:solidFill>
               </a14:hiddenFill>
             </a:ext>
             <a:ext uri="{91240B29-F687-4f45-9708-019B960494DF}">
-              <a14:hiddenLine xmlns="" xmlns:a14="http://schemas.microsoft.com/office/drawing/2007/7/7/main" w="9525">
+              <a14:hiddenLine xmlns:a14="http://schemas.microsoft.com/office/drawing/2007/7/7/main" xmlns="" w="9525">
                 <a:solidFill>
                   <a:schemeClr val="tx1"/>
                 </a:solidFill>
@@ -4626,7 +4626,7 @@
               </a14:hiddenLine>
             </a:ext>
             <a:ext uri="{AF507438-7753-43e0-B8FC-AC1667EBCBE1}">
-              <a14:hiddenEffects xmlns="" xmlns:a14="http://schemas.microsoft.com/office/drawing/2007/7/7/main">
+              <a14:hiddenEffects xmlns:a14="http://schemas.microsoft.com/office/drawing/2007/7/7/main" xmlns="">
                 <a:effectLst>
                   <a:outerShdw blurRad="63500" dist="35921" dir="2700000" algn="ctr" rotWithShape="0">
                     <a:schemeClr val="bg2"/>
@@ -4744,7 +4744,7 @@
           <a:blip r:embed="rId16" cstate="print">
             <a:extLst>
               <a:ext uri="28A0092B-C50C-407e-A947-70E740481C1C">
-                <a14:useLocalDpi xmlns="" xmlns:a14="http://schemas.microsoft.com/office/drawing/2007/7/7/main" val="0"/>
+                <a14:useLocalDpi xmlns:a14="http://schemas.microsoft.com/office/drawing/2007/7/7/main" xmlns="" val="0"/>
               </a:ext>
             </a:extLst>
           </a:blip>
@@ -4763,14 +4763,14 @@
           </a:prstGeom>
           <a:extLst>
             <a:ext uri="{909E8E84-426E-40dd-AFC4-6F175D3DCCD1}">
-              <a14:hiddenFill xmlns="" xmlns:a14="http://schemas.microsoft.com/office/drawing/2007/7/7/main">
+              <a14:hiddenFill xmlns:a14="http://schemas.microsoft.com/office/drawing/2007/7/7/main" xmlns="">
                 <a:solidFill>
                   <a:srgbClr xmlns:mc="http://schemas.openxmlformats.org/markup-compatibility/2006" val="FFFFFF" mc:Ignorable=""/>
                 </a:solidFill>
               </a14:hiddenFill>
             </a:ext>
             <a:ext uri="{91240B29-F687-4f45-9708-019B960494DF}">
-              <a14:hiddenLine xmlns="" xmlns:a14="http://schemas.microsoft.com/office/drawing/2007/7/7/main" w="9525">
+              <a14:hiddenLine xmlns:a14="http://schemas.microsoft.com/office/drawing/2007/7/7/main" xmlns="" w="9525">
                 <a:solidFill>
                   <a:srgbClr xmlns:mc="http://schemas.openxmlformats.org/markup-compatibility/2006" val="000000" mc:Ignorable=""/>
                 </a:solidFill>
@@ -4780,7 +4780,7 @@
               </a14:hiddenLine>
             </a:ext>
             <a:ext uri="{53640926-AAD7-44d8-BBD7-CCE9431645EC}">
-              <a14:shadowObscured xmlns="" xmlns:a14="http://schemas.microsoft.com/office/drawing/2007/7/7/main" val="1"/>
+              <a14:shadowObscured xmlns:a14="http://schemas.microsoft.com/office/drawing/2007/7/7/main" xmlns="" val="1"/>
             </a:ext>
           </a:extLst>
         </p:spPr>
@@ -4797,7 +4797,7 @@
           <a:blip r:embed="rId17" cstate="print">
             <a:extLst>
               <a:ext uri="28A0092B-C50C-407e-A947-70E740481C1C">
-                <a14:useLocalDpi xmlns="" xmlns:a14="http://schemas.microsoft.com/office/drawing/2007/7/7/main" val="0"/>
+                <a14:useLocalDpi xmlns:a14="http://schemas.microsoft.com/office/drawing/2007/7/7/main" xmlns="" val="0"/>
               </a:ext>
             </a:extLst>
           </a:blip>
@@ -4816,14 +4816,14 @@
           </a:prstGeom>
           <a:extLst>
             <a:ext uri="{909E8E84-426E-40dd-AFC4-6F175D3DCCD1}">
-              <a14:hiddenFill xmlns="" xmlns:a14="http://schemas.microsoft.com/office/drawing/2007/7/7/main">
+              <a14:hiddenFill xmlns:a14="http://schemas.microsoft.com/office/drawing/2007/7/7/main" xmlns="">
                 <a:solidFill>
                   <a:srgbClr xmlns:mc="http://schemas.openxmlformats.org/markup-compatibility/2006" val="FFFFFF" mc:Ignorable=""/>
                 </a:solidFill>
               </a14:hiddenFill>
             </a:ext>
             <a:ext uri="{91240B29-F687-4f45-9708-019B960494DF}">
-              <a14:hiddenLine xmlns="" xmlns:a14="http://schemas.microsoft.com/office/drawing/2007/7/7/main" w="9525">
+              <a14:hiddenLine xmlns:a14="http://schemas.microsoft.com/office/drawing/2007/7/7/main" xmlns="" w="9525">
                 <a:solidFill>
                   <a:srgbClr xmlns:mc="http://schemas.openxmlformats.org/markup-compatibility/2006" val="000000" mc:Ignorable=""/>
                 </a:solidFill>
@@ -4862,7 +4862,7 @@
     </p:spTree>
     <p:extLst>
       <p:ext uri="{BB962C8B-B14F-4D97-AF65-F5344CB8AC3E}">
-        <p14:creationId xmlns="" xmlns:p14="http://schemas.microsoft.com/office/powerpoint/2007/7/12/main" val="3135767725"/>
+        <p14:creationId xmlns:p14="http://schemas.microsoft.com/office/powerpoint/2007/7/12/main" xmlns="" val="3135767725"/>
       </p:ext>
     </p:extLst>
   </p:cSld>
@@ -5801,7 +5801,7 @@
     </p:spTree>
     <p:extLst>
       <p:ext uri="{BB962C8B-B14F-4D97-AF65-F5344CB8AC3E}">
-        <p14:creationId xmlns="" xmlns:p14="http://schemas.microsoft.com/office/powerpoint/2007/7/12/main" val="1337988155"/>
+        <p14:creationId xmlns:p14="http://schemas.microsoft.com/office/powerpoint/2007/7/12/main" xmlns="" val="1337988155"/>
       </p:ext>
     </p:extLst>
   </p:cSld>
@@ -5855,11 +5855,7 @@
             <a:pPr algn="ctr" fontAlgn="base"/>
             <a:r>
               <a:rPr lang="en-US" sz="3200" dirty="0" smtClean="0"/>
-              <a:t>“Why </a:t>
-            </a:r>
-            <a:r>
-              <a:rPr lang="en-US" sz="3200" dirty="0" smtClean="0"/>
-              <a:t>do people use Velocity and/or </a:t>
+              <a:t>“Why do people use Velocity and/or </a:t>
             </a:r>
             <a:r>
               <a:rPr lang="en-US" sz="3200" dirty="0" err="1" smtClean="0"/>
@@ -5898,19 +5894,7 @@
             </a:pPr>
             <a:r>
               <a:rPr lang="en-US" dirty="0" smtClean="0"/>
-              <a:t>“Since </a:t>
-            </a:r>
-            <a:r>
-              <a:rPr lang="en-US" dirty="0" smtClean="0"/>
-              <a:t>the dawn of web apps, people started to </a:t>
-            </a:r>
-            <a:r>
-              <a:rPr lang="en-US" dirty="0" smtClean="0"/>
-              <a:t>think about </a:t>
-            </a:r>
-            <a:r>
-              <a:rPr lang="en-US" dirty="0" smtClean="0"/>
-              <a:t>separation of concerns in many applications, including web applications. The challenge is to separate what is view code from what is business code, or logic code. When </a:t>
+              <a:t>“Since the dawn of web apps, people started to think about separation of concerns in many applications, including web applications. The challenge is to separate what is view code from what is business code, or logic code. When </a:t>
             </a:r>
             <a:r>
               <a:rPr lang="en-US" dirty="0" err="1" smtClean="0"/>
@@ -5942,11 +5926,7 @@
             </a:r>
             <a:r>
               <a:rPr lang="en-US" dirty="0" smtClean="0"/>
-              <a:t> should be responsible for the presentation, not for the logic</a:t>
-            </a:r>
-            <a:r>
-              <a:rPr lang="en-US" dirty="0" smtClean="0"/>
-              <a:t>).”</a:t>
+              <a:t> should be responsible for the presentation, not for the logic).”</a:t>
             </a:r>
           </a:p>
           <a:p>
@@ -6049,23 +6029,7 @@
             </a:pPr>
             <a:r>
               <a:rPr lang="pt-PT" sz="3200" dirty="0" smtClean="0"/>
-              <a:t>Port </a:t>
-            </a:r>
-            <a:r>
-              <a:rPr lang="pt-PT" sz="3200" dirty="0" smtClean="0"/>
-              <a:t> </a:t>
-            </a:r>
-            <a:r>
-              <a:rPr lang="pt-PT" sz="3200" dirty="0" smtClean="0"/>
-              <a:t>do projeto Apache </a:t>
-            </a:r>
-            <a:r>
-              <a:rPr lang="pt-PT" sz="3200" dirty="0" smtClean="0"/>
-              <a:t>Jakarta </a:t>
-            </a:r>
-            <a:r>
-              <a:rPr lang="pt-PT" sz="3200" dirty="0" smtClean="0"/>
-              <a:t>Velocity</a:t>
+              <a:t>Port  do projeto Apache Jakarta Velocity</a:t>
             </a:r>
           </a:p>
           <a:p>
@@ -6133,14 +6097,13 @@
               <a:rPr lang="pt-PT" sz="3200" dirty="0" smtClean="0"/>
               <a:t>Utilizado por uma grande empresa portuguesa para gerar código automático </a:t>
             </a:r>
-            <a:endParaRPr lang="pt-PT" sz="3200" dirty="0" smtClean="0"/>
           </a:p>
         </p:txBody>
       </p:sp>
     </p:spTree>
     <p:extLst>
       <p:ext uri="{BB962C8B-B14F-4D97-AF65-F5344CB8AC3E}">
-        <p14:creationId xmlns="" xmlns:p14="http://schemas.microsoft.com/office/powerpoint/2007/7/12/main" val="564663352"/>
+        <p14:creationId xmlns:p14="http://schemas.microsoft.com/office/powerpoint/2007/7/12/main" xmlns="" val="564663352"/>
       </p:ext>
     </p:extLst>
   </p:cSld>
@@ -6956,11 +6919,7 @@
             <a:pPr lvl="1"/>
             <a:r>
               <a:rPr lang="pt-PT" dirty="0" smtClean="0"/>
-              <a:t> </a:t>
-            </a:r>
-            <a:r>
-              <a:rPr lang="pt-PT" dirty="0" smtClean="0"/>
-              <a:t>Castle Project (V1.0.3 e V.1.1.1) </a:t>
+              <a:t> Castle Project (V1.0.3 e V.1.1.1) </a:t>
             </a:r>
           </a:p>
           <a:p>
@@ -6975,7 +6934,6 @@
               <a:rPr lang="pt-PT" sz="2400" dirty="0" smtClean="0"/>
               <a:t>http://sourceforge.net/projects/castleproject/files/NVelocity/</a:t>
             </a:r>
-            <a:endParaRPr lang="pt-PT" sz="2400" dirty="0" smtClean="0"/>
           </a:p>
         </p:txBody>
       </p:sp>
@@ -7181,7 +7139,7 @@
     </p:spTree>
     <p:extLst>
       <p:ext uri="{BB962C8B-B14F-4D97-AF65-F5344CB8AC3E}">
-        <p14:creationId xmlns="" xmlns:p14="http://schemas.microsoft.com/office/powerpoint/2007/7/12/main" val="967988230"/>
+        <p14:creationId xmlns:p14="http://schemas.microsoft.com/office/powerpoint/2007/7/12/main" xmlns="" val="967988230"/>
       </p:ext>
     </p:extLst>
   </p:cSld>
@@ -7189,7 +7147,7 @@
     <a:masterClrMapping/>
   </p:clrMapOvr>
   <mc:AlternateContent xmlns:mc="http://schemas.openxmlformats.org/markup-compatibility/2006">
-    <mc:Choice xmlns="" xmlns:p14="http://schemas.microsoft.com/office/powerpoint/2007/7/12/main" Requires="p14">
+    <mc:Choice xmlns:p14="http://schemas.microsoft.com/office/powerpoint/2007/7/12/main" xmlns="" Requires="p14">
       <p:transition p14:dur="0"/>
     </mc:Choice>
     <mc:Fallback>
@@ -7290,7 +7248,7 @@
     </p:spTree>
     <p:extLst>
       <p:ext uri="{BB962C8B-B14F-4D97-AF65-F5344CB8AC3E}">
-        <p14:creationId xmlns="" xmlns:p14="http://schemas.microsoft.com/office/powerpoint/2007/7/12/main" val="967988230"/>
+        <p14:creationId xmlns:p14="http://schemas.microsoft.com/office/powerpoint/2007/7/12/main" xmlns="" val="967988230"/>
       </p:ext>
     </p:extLst>
   </p:cSld>
@@ -7298,7 +7256,7 @@
     <a:masterClrMapping/>
   </p:clrMapOvr>
   <mc:AlternateContent xmlns:mc="http://schemas.openxmlformats.org/markup-compatibility/2006">
-    <mc:Choice xmlns="" xmlns:p14="http://schemas.microsoft.com/office/powerpoint/2007/7/12/main" Requires="p14">
+    <mc:Choice xmlns:p14="http://schemas.microsoft.com/office/powerpoint/2007/7/12/main" xmlns="" Requires="p14">
       <p:transition p14:dur="0"/>
     </mc:Choice>
     <mc:Fallback>
@@ -7547,20 +7505,15 @@
           <a:p>
             <a:r>
               <a:rPr lang="pt-PT" sz="4400" dirty="0" smtClean="0"/>
-              <a:t>Velocity Template Language (VTL</a:t>
-            </a:r>
-            <a:r>
-              <a:rPr lang="pt-PT" sz="4400" dirty="0" smtClean="0"/>
-              <a:t>)</a:t>
-            </a:r>
-            <a:endParaRPr lang="pt-PT" sz="4400" dirty="0" smtClean="0"/>
+              <a:t>Velocity Template Language (VTL)</a:t>
+            </a:r>
           </a:p>
         </p:txBody>
       </p:sp>
     </p:spTree>
     <p:extLst>
       <p:ext uri="{BB962C8B-B14F-4D97-AF65-F5344CB8AC3E}">
-        <p14:creationId xmlns="" xmlns:p14="http://schemas.microsoft.com/office/powerpoint/2007/7/12/main" val="564663352"/>
+        <p14:creationId xmlns:p14="http://schemas.microsoft.com/office/powerpoint/2007/7/12/main" xmlns="" val="564663352"/>
       </p:ext>
     </p:extLst>
   </p:cSld>
@@ -7836,7 +7789,6 @@
               <a:rPr lang="pt-PT" sz="2400" dirty="0" smtClean="0"/>
               <a:t>’ e acabam no fim da linha</a:t>
             </a:r>
-            <a:endParaRPr lang="pt-PT" sz="2400" dirty="0" smtClean="0"/>
           </a:p>
           <a:p>
             <a:pPr lvl="1"/>
@@ -7879,11 +7831,7 @@
             <a:pPr lvl="2"/>
             <a:r>
               <a:rPr lang="pt-PT" sz="2400" dirty="0" smtClean="0"/>
-              <a:t>Começam com </a:t>
-            </a:r>
-            <a:r>
-              <a:rPr lang="pt-PT" sz="2400" dirty="0" smtClean="0"/>
-              <a:t>‘</a:t>
+              <a:t>Começam com ‘</a:t>
             </a:r>
             <a:r>
               <a:rPr lang="pt-PT" sz="2400" b="1" dirty="0" smtClean="0"/>
@@ -7891,15 +7839,7 @@
             </a:r>
             <a:r>
               <a:rPr lang="pt-PT" sz="2400" dirty="0" smtClean="0"/>
-              <a:t>’  </a:t>
-            </a:r>
-            <a:r>
-              <a:rPr lang="pt-PT" sz="2400" dirty="0" smtClean="0"/>
-              <a:t>e terminam com </a:t>
-            </a:r>
-            <a:r>
-              <a:rPr lang="pt-PT" sz="2400" dirty="0" smtClean="0"/>
-              <a:t>‘</a:t>
+              <a:t>’  e terminam com ‘</a:t>
             </a:r>
             <a:r>
               <a:rPr lang="pt-PT" sz="2400" b="1" dirty="0" smtClean="0"/>
@@ -7909,7 +7849,6 @@
               <a:rPr lang="pt-PT" sz="2400" dirty="0" smtClean="0"/>
               <a:t>’</a:t>
             </a:r>
-            <a:endParaRPr lang="pt-PT" sz="2400" dirty="0" smtClean="0"/>
           </a:p>
         </p:txBody>
       </p:sp>
@@ -7952,14 +7891,13 @@
               <a:rPr lang="pt-PT" sz="4400" dirty="0" smtClean="0"/>
               <a:t>VTL - Comentários</a:t>
             </a:r>
-            <a:endParaRPr lang="pt-PT" sz="4400" dirty="0" smtClean="0"/>
           </a:p>
         </p:txBody>
       </p:sp>
     </p:spTree>
     <p:extLst>
       <p:ext uri="{BB962C8B-B14F-4D97-AF65-F5344CB8AC3E}">
-        <p14:creationId xmlns="" xmlns:p14="http://schemas.microsoft.com/office/powerpoint/2007/7/12/main" val="564663352"/>
+        <p14:creationId xmlns:p14="http://schemas.microsoft.com/office/powerpoint/2007/7/12/main" xmlns="" val="564663352"/>
       </p:ext>
     </p:extLst>
   </p:cSld>
@@ -8314,15 +8252,7 @@
                   <a:srgbClr val="008000"/>
                 </a:solidFill>
               </a:rPr>
-              <a:t>Attribution 3.0 </a:t>
-            </a:r>
-            <a:r>
-              <a:rPr lang="pt-PT" sz="2800" b="1" u="sng" dirty="0" smtClean="0">
-                <a:solidFill>
-                  <a:srgbClr val="008000"/>
-                </a:solidFill>
-              </a:rPr>
-              <a:t>Unported</a:t>
+              <a:t>Attribution 3.0 Unported</a:t>
             </a:r>
           </a:p>
           <a:p>
@@ -8347,11 +8277,7 @@
             </a:r>
             <a:r>
               <a:rPr lang="en-US" sz="2600" dirty="0" smtClean="0"/>
-              <a:t> </a:t>
-            </a:r>
-            <a:r>
-              <a:rPr lang="en-US" sz="2600" dirty="0" smtClean="0"/>
-              <a:t>-</a:t>
+              <a:t> -</a:t>
             </a:r>
             <a:r>
               <a:rPr lang="en-US" sz="2800" dirty="0" smtClean="0"/>
@@ -8369,11 +8295,7 @@
             </a:r>
             <a:r>
               <a:rPr lang="en-US" sz="2600" dirty="0" smtClean="0"/>
-              <a:t> </a:t>
-            </a:r>
-            <a:r>
-              <a:rPr lang="en-US" sz="2600" dirty="0" smtClean="0"/>
-              <a:t>-</a:t>
+              <a:t> -</a:t>
             </a:r>
             <a:r>
               <a:rPr lang="en-US" sz="2800" dirty="0" smtClean="0"/>
@@ -8381,19 +8303,7 @@
             </a:r>
             <a:r>
               <a:rPr lang="en-US" sz="2400" dirty="0" smtClean="0"/>
-              <a:t>to adapt the </a:t>
-            </a:r>
-            <a:r>
-              <a:rPr lang="en-US" sz="2400" dirty="0" smtClean="0"/>
-              <a:t>work to </a:t>
-            </a:r>
-            <a:r>
-              <a:rPr lang="en-US" sz="2400" dirty="0" smtClean="0"/>
-              <a:t>make commercial use of the </a:t>
-            </a:r>
-            <a:r>
-              <a:rPr lang="en-US" sz="2400" dirty="0" smtClean="0"/>
-              <a:t>work</a:t>
+              <a:t>to adapt the work to make commercial use of the work</a:t>
             </a:r>
           </a:p>
           <a:p>
@@ -8424,21 +8334,8 @@
             </a:r>
             <a:r>
               <a:rPr lang="en-US" sz="2400" dirty="0" smtClean="0"/>
-              <a:t> — You must attribute the work in the manner specified </a:t>
-            </a:r>
-            <a:r>
-              <a:rPr lang="en-US" sz="2400" dirty="0" smtClean="0"/>
-              <a:t>by the </a:t>
-            </a:r>
-            <a:r>
-              <a:rPr lang="en-US" sz="2400" dirty="0" smtClean="0"/>
-              <a:t>author or licensor (but not in any way that suggests that they endorse you or your use of </a:t>
-            </a:r>
-            <a:r>
-              <a:rPr lang="en-US" sz="2400" dirty="0" smtClean="0"/>
-              <a:t>the work)</a:t>
-            </a:r>
-            <a:endParaRPr lang="en-US" sz="2400" dirty="0" smtClean="0"/>
+              <a:t> — You must attribute the work in the manner specified by the author or licensor (but not in any way that suggests that they endorse you or your use of the work)</a:t>
+            </a:r>
           </a:p>
           <a:p>
             <a:pPr marL="0" indent="0">
@@ -8515,7 +8412,7 @@
     </p:spTree>
     <p:extLst>
       <p:ext uri="{BB962C8B-B14F-4D97-AF65-F5344CB8AC3E}">
-        <p14:creationId xmlns:p14="http://schemas.microsoft.com/office/powerpoint/2007/7/12/main" xmlns="" val="1875469109"/>
+        <p14:creationId xmlns="" xmlns:p14="http://schemas.microsoft.com/office/powerpoint/2007/7/12/main" val="1875469109"/>
       </p:ext>
     </p:extLst>
   </p:cSld>
@@ -8523,7 +8420,7 @@
     <a:masterClrMapping/>
   </p:clrMapOvr>
   <mc:AlternateContent xmlns:mc="http://schemas.openxmlformats.org/markup-compatibility/2006">
-    <mc:Choice xmlns:p14="http://schemas.microsoft.com/office/powerpoint/2007/7/12/main" xmlns="" Requires="p14">
+    <mc:Choice xmlns="" xmlns:p14="http://schemas.microsoft.com/office/powerpoint/2007/7/12/main" Requires="p14">
       <p:transition spd="slow" p14:dur="2000"/>
     </mc:Choice>
     <mc:Fallback>
@@ -8629,41 +8526,8 @@
             </a:r>
             <a:r>
               <a:rPr lang="pt-PT" sz="2400" dirty="0" smtClean="0"/>
-              <a:t> [ ! ][ { ][ </a:t>
-            </a:r>
-            <a:r>
-              <a:rPr lang="pt-PT" sz="2400" dirty="0" smtClean="0"/>
-              <a:t>a-z</a:t>
-            </a:r>
-            <a:r>
-              <a:rPr lang="pt-PT" sz="2400" dirty="0" smtClean="0"/>
-              <a:t>, </a:t>
-            </a:r>
-            <a:r>
-              <a:rPr lang="pt-PT" sz="2400" dirty="0" smtClean="0"/>
-              <a:t>A-Z</a:t>
-            </a:r>
-            <a:r>
-              <a:rPr lang="pt-PT" sz="2400" dirty="0" smtClean="0"/>
-              <a:t> ][ </a:t>
-            </a:r>
-            <a:r>
-              <a:rPr lang="pt-PT" sz="2400" dirty="0" smtClean="0"/>
-              <a:t>a-z</a:t>
-            </a:r>
-            <a:r>
-              <a:rPr lang="pt-PT" sz="2400" dirty="0" smtClean="0"/>
-              <a:t>, </a:t>
-            </a:r>
-            <a:r>
-              <a:rPr lang="pt-PT" sz="2400" dirty="0" smtClean="0"/>
-              <a:t>A-Z</a:t>
-            </a:r>
-            <a:r>
-              <a:rPr lang="pt-PT" sz="2400" dirty="0" smtClean="0"/>
-              <a:t>, 0..9, -, _ ][ } ]</a:t>
-            </a:r>
-            <a:endParaRPr lang="pt-PT" sz="2400" dirty="0" smtClean="0"/>
+              <a:t> [ ! ][ { ][ a-z, A-Z ][ a-z, A-Z, 0..9, -, _ ][ } ]</a:t>
+            </a:r>
           </a:p>
           <a:p>
             <a:pPr lvl="1"/>
@@ -8684,81 +8548,8 @@
             </a:r>
             <a:r>
               <a:rPr lang="pt-PT" sz="1800" dirty="0" smtClean="0"/>
-              <a:t> [ { ][ </a:t>
-            </a:r>
-            <a:r>
-              <a:rPr lang="pt-PT" sz="1800" dirty="0" smtClean="0"/>
-              <a:t>a-z</a:t>
-            </a:r>
-            <a:r>
-              <a:rPr lang="pt-PT" sz="1800" dirty="0" smtClean="0"/>
-              <a:t>, </a:t>
-            </a:r>
-            <a:r>
-              <a:rPr lang="pt-PT" sz="1800" dirty="0" smtClean="0"/>
-              <a:t>A-Z</a:t>
-            </a:r>
-            <a:r>
-              <a:rPr lang="pt-PT" sz="1800" dirty="0" smtClean="0"/>
-              <a:t> ][ </a:t>
-            </a:r>
-            <a:r>
-              <a:rPr lang="pt-PT" sz="1800" dirty="0" smtClean="0"/>
-              <a:t>a-z</a:t>
-            </a:r>
-            <a:r>
-              <a:rPr lang="pt-PT" sz="1800" dirty="0" smtClean="0"/>
-              <a:t>, </a:t>
-            </a:r>
-            <a:r>
-              <a:rPr lang="pt-PT" sz="1800" dirty="0" smtClean="0"/>
-              <a:t>A-Z</a:t>
-            </a:r>
-            <a:r>
-              <a:rPr lang="pt-PT" sz="1800" dirty="0" smtClean="0"/>
-              <a:t>, </a:t>
-            </a:r>
-            <a:r>
-              <a:rPr lang="pt-PT" sz="1800" dirty="0" smtClean="0"/>
-              <a:t>0.-9</a:t>
-            </a:r>
-            <a:r>
-              <a:rPr lang="pt-PT" sz="1800" dirty="0" smtClean="0"/>
-              <a:t>, -, _ ]* .[</a:t>
-            </a:r>
-            <a:r>
-              <a:rPr lang="pt-PT" sz="1800" dirty="0" smtClean="0"/>
-              <a:t>a-z</a:t>
-            </a:r>
-            <a:r>
-              <a:rPr lang="pt-PT" sz="1800" dirty="0" smtClean="0"/>
-              <a:t>, </a:t>
-            </a:r>
-            <a:r>
-              <a:rPr lang="pt-PT" sz="1800" dirty="0" smtClean="0"/>
-              <a:t>A-Z</a:t>
-            </a:r>
-            <a:r>
-              <a:rPr lang="pt-PT" sz="1800" dirty="0" smtClean="0"/>
-              <a:t> ][ </a:t>
-            </a:r>
-            <a:r>
-              <a:rPr lang="pt-PT" sz="1800" dirty="0" smtClean="0"/>
-              <a:t>a-z</a:t>
-            </a:r>
-            <a:r>
-              <a:rPr lang="pt-PT" sz="1800" dirty="0" smtClean="0"/>
-              <a:t>, A-Z, </a:t>
-            </a:r>
-            <a:r>
-              <a:rPr lang="pt-PT" sz="1800" dirty="0" smtClean="0"/>
-              <a:t>0-9</a:t>
-            </a:r>
-            <a:r>
-              <a:rPr lang="pt-PT" sz="1800" dirty="0" smtClean="0"/>
-              <a:t>, -, _ ]* [ } ]</a:t>
-            </a:r>
-            <a:endParaRPr lang="pt-PT" sz="1800" dirty="0" smtClean="0"/>
+              <a:t> [ { ][ a-z, A-Z ][ a-z, A-Z, 0.-9, -, _ ]* .[a-z, A-Z ][ a-z, A-Z, 0-9, -, _ ]* [ } ]</a:t>
+            </a:r>
           </a:p>
           <a:p>
             <a:pPr lvl="1"/>
@@ -8787,13 +8578,8 @@
             </a:r>
             <a:r>
               <a:rPr lang="pt-PT" sz="1800" dirty="0" smtClean="0"/>
-              <a:t> ] ) [ } </a:t>
-            </a:r>
-            <a:r>
-              <a:rPr lang="pt-PT" sz="1800" dirty="0" smtClean="0"/>
-              <a:t>]</a:t>
-            </a:r>
-            <a:endParaRPr lang="pt-PT" sz="1800" dirty="0" smtClean="0"/>
+              <a:t> ] ) [ } ]</a:t>
+            </a:r>
           </a:p>
         </p:txBody>
       </p:sp>
@@ -8834,19 +8620,7 @@
           <a:p>
             <a:r>
               <a:rPr lang="pt-PT" sz="4400" dirty="0" smtClean="0"/>
-              <a:t>VTL</a:t>
-            </a:r>
-            <a:r>
-              <a:rPr lang="pt-PT" sz="4400" dirty="0" smtClean="0"/>
-              <a:t> </a:t>
-            </a:r>
-            <a:r>
-              <a:rPr lang="pt-PT" sz="4400" dirty="0" smtClean="0"/>
-              <a:t>- </a:t>
-            </a:r>
-            <a:r>
-              <a:rPr lang="pt-PT" sz="4400" dirty="0" smtClean="0"/>
-              <a:t>Referências</a:t>
+              <a:t>VTL - Referências</a:t>
             </a:r>
           </a:p>
         </p:txBody>
@@ -8854,7 +8628,7 @@
     </p:spTree>
     <p:extLst>
       <p:ext uri="{BB962C8B-B14F-4D97-AF65-F5344CB8AC3E}">
-        <p14:creationId xmlns="" xmlns:p14="http://schemas.microsoft.com/office/powerpoint/2007/7/12/main" val="564663352"/>
+        <p14:creationId xmlns:p14="http://schemas.microsoft.com/office/powerpoint/2007/7/12/main" xmlns="" val="564663352"/>
       </p:ext>
     </p:extLst>
   </p:cSld>
@@ -9199,17 +8973,8 @@
             </a:pPr>
             <a:r>
               <a:rPr lang="pt-PT" sz="3200" dirty="0" smtClean="0"/>
-              <a:t>Exemplos </a:t>
-            </a:r>
-            <a:r>
-              <a:rPr lang="pt-PT" sz="3200" dirty="0" smtClean="0"/>
-              <a:t>de </a:t>
-            </a:r>
-            <a:r>
-              <a:rPr lang="pt-PT" sz="3200" dirty="0" smtClean="0"/>
-              <a:t>Identificadores VTL</a:t>
-            </a:r>
-            <a:endParaRPr lang="pt-PT" sz="3200" dirty="0" smtClean="0"/>
+              <a:t>Exemplos de Identificadores VTL</a:t>
+            </a:r>
           </a:p>
           <a:p>
             <a:pPr lvl="1"/>
@@ -9254,7 +9019,6 @@
               <a:rPr lang="pt-PT" sz="2400" dirty="0" smtClean="0"/>
               <a:t>Evento.Sessao</a:t>
             </a:r>
-            <a:endParaRPr lang="pt-PT" sz="2400" dirty="0" smtClean="0"/>
           </a:p>
           <a:p>
             <a:pPr lvl="1"/>
@@ -9277,7 +9041,6 @@
               <a:rPr lang="pt-PT" sz="2400" dirty="0" smtClean="0"/>
               <a:t>Evento.getAttendees()</a:t>
             </a:r>
-            <a:endParaRPr lang="pt-PT" sz="2400" dirty="0" smtClean="0"/>
           </a:p>
         </p:txBody>
       </p:sp>
@@ -9326,7 +9089,7 @@
     </p:spTree>
     <p:extLst>
       <p:ext uri="{BB962C8B-B14F-4D97-AF65-F5344CB8AC3E}">
-        <p14:creationId xmlns="" xmlns:p14="http://schemas.microsoft.com/office/powerpoint/2007/7/12/main" val="564663352"/>
+        <p14:creationId xmlns:p14="http://schemas.microsoft.com/office/powerpoint/2007/7/12/main" xmlns="" val="564663352"/>
       </p:ext>
     </p:extLst>
   </p:cSld>
@@ -9673,7 +9436,6 @@
               <a:rPr lang="pt-PT" sz="3200" dirty="0" smtClean="0"/>
               <a:t>Identificadores VTL</a:t>
             </a:r>
-            <a:endParaRPr lang="pt-PT" sz="3200" dirty="0" smtClean="0"/>
           </a:p>
           <a:p>
             <a:pPr lvl="1"/>
@@ -9700,13 +9462,8 @@
             <a:pPr lvl="2"/>
             <a:r>
               <a:rPr lang="pt-PT" sz="2400" dirty="0" smtClean="0"/>
-              <a:t>Colocação de  { }. </a:t>
-            </a:r>
-            <a:r>
-              <a:rPr lang="pt-PT" sz="2400" dirty="0" smtClean="0"/>
-              <a:t>Ex: ${evento}.  ${evento}1 != $evento1</a:t>
-            </a:r>
-            <a:endParaRPr lang="pt-PT" sz="2400" dirty="0" smtClean="0"/>
+              <a:t>Colocação de  { }. Ex: ${evento}.  ${evento}1 != $evento1</a:t>
+            </a:r>
           </a:p>
           <a:p>
             <a:pPr lvl="1"/>
@@ -9719,13 +9476,8 @@
             <a:pPr lvl="2"/>
             <a:r>
               <a:rPr lang="pt-PT" sz="2400" dirty="0" smtClean="0"/>
-              <a:t>Colocação de  ! . Ex: $!evento,  $!{evento</a:t>
-            </a:r>
-            <a:r>
-              <a:rPr lang="pt-PT" sz="2400" dirty="0" smtClean="0"/>
-              <a:t>}</a:t>
-            </a:r>
-            <a:endParaRPr lang="pt-PT" sz="2400" dirty="0" smtClean="0"/>
+              <a:t>Colocação de  ! . Ex: $!evento,  $!{evento}</a:t>
+            </a:r>
           </a:p>
         </p:txBody>
       </p:sp>
@@ -9774,7 +9526,7 @@
     </p:spTree>
     <p:extLst>
       <p:ext uri="{BB962C8B-B14F-4D97-AF65-F5344CB8AC3E}">
-        <p14:creationId xmlns="" xmlns:p14="http://schemas.microsoft.com/office/powerpoint/2007/7/12/main" val="564663352"/>
+        <p14:creationId xmlns:p14="http://schemas.microsoft.com/office/powerpoint/2007/7/12/main" xmlns="" val="564663352"/>
       </p:ext>
     </p:extLst>
   </p:cSld>
@@ -10139,7 +9891,7 @@
     </p:spTree>
     <p:extLst>
       <p:ext uri="{BB962C8B-B14F-4D97-AF65-F5344CB8AC3E}">
-        <p14:creationId xmlns="" xmlns:p14="http://schemas.microsoft.com/office/powerpoint/2007/7/12/main" val="967988230"/>
+        <p14:creationId xmlns:p14="http://schemas.microsoft.com/office/powerpoint/2007/7/12/main" xmlns="" val="967988230"/>
       </p:ext>
     </p:extLst>
   </p:cSld>
@@ -10147,7 +9899,7 @@
     <a:masterClrMapping/>
   </p:clrMapOvr>
   <mc:AlternateContent xmlns:mc="http://schemas.openxmlformats.org/markup-compatibility/2006">
-    <mc:Choice xmlns="" xmlns:p14="http://schemas.microsoft.com/office/powerpoint/2007/7/12/main" Requires="p14">
+    <mc:Choice xmlns:p14="http://schemas.microsoft.com/office/powerpoint/2007/7/12/main" xmlns="" Requires="p14">
       <p:transition p14:dur="0"/>
     </mc:Choice>
     <mc:Fallback>
@@ -10248,7 +10000,7 @@
     </p:spTree>
     <p:extLst>
       <p:ext uri="{BB962C8B-B14F-4D97-AF65-F5344CB8AC3E}">
-        <p14:creationId xmlns="" xmlns:p14="http://schemas.microsoft.com/office/powerpoint/2007/7/12/main" val="967988230"/>
+        <p14:creationId xmlns:p14="http://schemas.microsoft.com/office/powerpoint/2007/7/12/main" xmlns="" val="967988230"/>
       </p:ext>
     </p:extLst>
   </p:cSld>
@@ -10256,7 +10008,7 @@
     <a:masterClrMapping/>
   </p:clrMapOvr>
   <mc:AlternateContent xmlns:mc="http://schemas.openxmlformats.org/markup-compatibility/2006">
-    <mc:Choice xmlns="" xmlns:p14="http://schemas.microsoft.com/office/powerpoint/2007/7/12/main" Requires="p14">
+    <mc:Choice xmlns:p14="http://schemas.microsoft.com/office/powerpoint/2007/7/12/main" xmlns="" Requires="p14">
       <p:transition p14:dur="0"/>
     </mc:Choice>
     <mc:Fallback>
@@ -10432,20 +10184,15 @@
           <a:p>
             <a:r>
               <a:rPr lang="pt-PT" sz="4400" dirty="0" smtClean="0"/>
-              <a:t>VTL - </a:t>
-            </a:r>
-            <a:r>
-              <a:rPr lang="pt-PT" sz="4400" dirty="0" smtClean="0"/>
-              <a:t>Diretivas</a:t>
-            </a:r>
-            <a:endParaRPr lang="pt-PT" sz="4400" dirty="0" smtClean="0"/>
+              <a:t>VTL - Diretivas</a:t>
+            </a:r>
           </a:p>
         </p:txBody>
       </p:sp>
     </p:spTree>
     <p:extLst>
       <p:ext uri="{BB962C8B-B14F-4D97-AF65-F5344CB8AC3E}">
-        <p14:creationId xmlns="" xmlns:p14="http://schemas.microsoft.com/office/powerpoint/2007/7/12/main" val="564663352"/>
+        <p14:creationId xmlns:p14="http://schemas.microsoft.com/office/powerpoint/2007/7/12/main" xmlns="" val="564663352"/>
       </p:ext>
     </p:extLst>
   </p:cSld>
@@ -10867,7 +10614,6 @@
               <a:rPr lang="pt-PT" sz="2400" dirty="0" smtClean="0"/>
               <a:t>Suporta listas, arrays, contantes, literais e variáveis</a:t>
             </a:r>
-            <a:endParaRPr lang="pt-PT" sz="2400" dirty="0" smtClean="0"/>
           </a:p>
         </p:txBody>
       </p:sp>
@@ -10952,7 +10698,6 @@
               <a:rPr lang="pt-PT" sz="4400" dirty="0" smtClean="0"/>
               <a:t>Nota:</a:t>
             </a:r>
-            <a:endParaRPr lang="pt-PT" sz="4400" dirty="0" smtClean="0"/>
           </a:p>
         </p:txBody>
       </p:sp>
@@ -11069,7 +10814,7 @@
     </p:spTree>
     <p:extLst>
       <p:ext uri="{BB962C8B-B14F-4D97-AF65-F5344CB8AC3E}">
-        <p14:creationId xmlns="" xmlns:p14="http://schemas.microsoft.com/office/powerpoint/2007/7/12/main" val="564663352"/>
+        <p14:creationId xmlns:p14="http://schemas.microsoft.com/office/powerpoint/2007/7/12/main" xmlns="" val="564663352"/>
       </p:ext>
     </p:extLst>
   </p:cSld>
@@ -11704,11 +11449,7 @@
             </a:pPr>
             <a:r>
               <a:rPr lang="pt-PT" sz="4400" b="1" dirty="0" smtClean="0"/>
-              <a:t>Expressões aritméticas</a:t>
-            </a:r>
-            <a:r>
-              <a:rPr lang="pt-PT" sz="4400" b="1" dirty="0" smtClean="0"/>
-              <a:t>:</a:t>
+              <a:t>Expressões aritméticas:</a:t>
             </a:r>
             <a:endParaRPr lang="pt-PT" sz="3200" b="1" dirty="0"/>
           </a:p>
@@ -11717,7 +11458,7 @@
     </p:spTree>
     <p:extLst>
       <p:ext uri="{BB962C8B-B14F-4D97-AF65-F5344CB8AC3E}">
-        <p14:creationId xmlns="" xmlns:p14="http://schemas.microsoft.com/office/powerpoint/2007/7/12/main" val="564663352"/>
+        <p14:creationId xmlns:p14="http://schemas.microsoft.com/office/powerpoint/2007/7/12/main" xmlns="" val="564663352"/>
       </p:ext>
     </p:extLst>
   </p:cSld>
@@ -11803,7 +11544,6 @@
               <a:rPr lang="pt-PT" sz="2800" dirty="0" smtClean="0"/>
               <a:t>#IF / #IF-#ELSE / #IF-#ELSEIF-#ELSE</a:t>
             </a:r>
-            <a:endParaRPr lang="pt-PT" sz="2800" dirty="0" smtClean="0"/>
           </a:p>
           <a:p>
             <a:pPr lvl="1">
@@ -11830,17 +11570,8 @@
             </a:pPr>
             <a:r>
               <a:rPr lang="pt-PT" sz="2400" dirty="0" smtClean="0"/>
-              <a:t>[ #ELSEIF </a:t>
-            </a:r>
-            <a:r>
-              <a:rPr lang="pt-PT" sz="2400" dirty="0" smtClean="0"/>
-              <a:t>(Expressão Booleana</a:t>
-            </a:r>
-            <a:r>
-              <a:rPr lang="pt-PT" sz="2400" dirty="0" smtClean="0"/>
-              <a:t>) ] </a:t>
-            </a:r>
-            <a:endParaRPr lang="pt-PT" sz="2400" dirty="0" smtClean="0"/>
+              <a:t>[ #ELSEIF (Expressão Booleana) ] </a:t>
+            </a:r>
           </a:p>
           <a:p>
             <a:pPr lvl="1">
@@ -11854,13 +11585,8 @@
             </a:pPr>
             <a:r>
               <a:rPr lang="pt-PT" sz="2400" dirty="0" smtClean="0"/>
-              <a:t>[ #</a:t>
-            </a:r>
-            <a:r>
-              <a:rPr lang="pt-PT" sz="2400" dirty="0" smtClean="0"/>
-              <a:t>ELSE] </a:t>
-            </a:r>
-            <a:endParaRPr lang="pt-PT" sz="2400" dirty="0" smtClean="0"/>
+              <a:t>[ #ELSE] </a:t>
+            </a:r>
           </a:p>
           <a:p>
             <a:pPr lvl="1">
@@ -11878,15 +11604,7 @@
                   <a:srgbClr val="008000"/>
                 </a:solidFill>
               </a:rPr>
-              <a:t>#</a:t>
-            </a:r>
-            <a:r>
-              <a:rPr lang="pt-PT" sz="2400" b="1" dirty="0" smtClean="0">
-                <a:solidFill>
-                  <a:srgbClr val="008000"/>
-                </a:solidFill>
-              </a:rPr>
-              <a:t>END</a:t>
+              <a:t>#END</a:t>
             </a:r>
           </a:p>
           <a:p>
@@ -11934,20 +11652,15 @@
           <a:p>
             <a:r>
               <a:rPr lang="pt-PT" sz="4400" dirty="0" smtClean="0"/>
-              <a:t>VTL </a:t>
-            </a:r>
-            <a:r>
-              <a:rPr lang="pt-PT" sz="4400" dirty="0" smtClean="0"/>
-              <a:t>– Diretivas – Controlo de Fluxo</a:t>
-            </a:r>
-            <a:endParaRPr lang="pt-PT" sz="4400" dirty="0" smtClean="0"/>
+              <a:t>VTL – Diretivas – Controlo de Fluxo</a:t>
+            </a:r>
           </a:p>
         </p:txBody>
       </p:sp>
     </p:spTree>
     <p:extLst>
       <p:ext uri="{BB962C8B-B14F-4D97-AF65-F5344CB8AC3E}">
-        <p14:creationId xmlns="" xmlns:p14="http://schemas.microsoft.com/office/powerpoint/2007/7/12/main" val="564663352"/>
+        <p14:creationId xmlns:p14="http://schemas.microsoft.com/office/powerpoint/2007/7/12/main" xmlns="" val="564663352"/>
       </p:ext>
     </p:extLst>
   </p:cSld>
@@ -12240,13 +11953,8 @@
           <a:p>
             <a:r>
               <a:rPr lang="pt-PT" sz="4400" dirty="0" smtClean="0"/>
-              <a:t>VTL </a:t>
-            </a:r>
-            <a:r>
-              <a:rPr lang="pt-PT" sz="4400" dirty="0" smtClean="0"/>
-              <a:t>– Diretivas – Controlo de Fluxo</a:t>
-            </a:r>
-            <a:endParaRPr lang="pt-PT" sz="4400" dirty="0" smtClean="0"/>
+              <a:t>VTL – Diretivas – Controlo de Fluxo</a:t>
+            </a:r>
           </a:p>
         </p:txBody>
       </p:sp>
@@ -13033,11 +12741,7 @@
             </a:pPr>
             <a:r>
               <a:rPr lang="pt-PT" sz="4400" b="1" dirty="0" smtClean="0"/>
-              <a:t>Expressões </a:t>
-            </a:r>
-            <a:r>
-              <a:rPr lang="pt-PT" sz="4400" b="1" dirty="0" smtClean="0"/>
-              <a:t>Booleanas:</a:t>
+              <a:t>Expressões Booleanas:</a:t>
             </a:r>
             <a:endParaRPr lang="pt-PT" sz="3200" b="1" dirty="0"/>
           </a:p>
@@ -13046,7 +12750,7 @@
     </p:spTree>
     <p:extLst>
       <p:ext uri="{BB962C8B-B14F-4D97-AF65-F5344CB8AC3E}">
-        <p14:creationId xmlns="" xmlns:p14="http://schemas.microsoft.com/office/powerpoint/2007/7/12/main" val="564663352"/>
+        <p14:creationId xmlns:p14="http://schemas.microsoft.com/office/powerpoint/2007/7/12/main" xmlns="" val="564663352"/>
       </p:ext>
     </p:extLst>
   </p:cSld>
@@ -13327,7 +13031,7 @@
     </p:spTree>
     <p:extLst>
       <p:ext uri="{BB962C8B-B14F-4D97-AF65-F5344CB8AC3E}">
-        <p14:creationId xmlns="" xmlns:p14="http://schemas.microsoft.com/office/powerpoint/2007/7/12/main" val="1875469109"/>
+        <p14:creationId xmlns:p14="http://schemas.microsoft.com/office/powerpoint/2007/7/12/main" xmlns="" val="1875469109"/>
       </p:ext>
     </p:extLst>
   </p:cSld>
@@ -13335,7 +13039,7 @@
     <a:masterClrMapping/>
   </p:clrMapOvr>
   <mc:AlternateContent xmlns:mc="http://schemas.openxmlformats.org/markup-compatibility/2006">
-    <mc:Choice xmlns="" xmlns:p14="http://schemas.microsoft.com/office/powerpoint/2007/7/12/main" Requires="p14">
+    <mc:Choice xmlns:p14="http://schemas.microsoft.com/office/powerpoint/2007/7/12/main" xmlns="" Requires="p14">
       <p:transition spd="slow" p14:dur="2000"/>
     </mc:Choice>
     <mc:Fallback>
@@ -13434,11 +13138,7 @@
             </a:pPr>
             <a:r>
               <a:rPr lang="pt-PT" sz="2800" dirty="0" smtClean="0"/>
-              <a:t>	</a:t>
-            </a:r>
-            <a:r>
-              <a:rPr lang="pt-PT" sz="2800" dirty="0" smtClean="0"/>
-              <a:t>	</a:t>
+              <a:t>		</a:t>
             </a:r>
             <a:r>
               <a:rPr lang="pt-PT" sz="2400" b="1" dirty="0" smtClean="0">
@@ -13448,11 +13148,6 @@
               </a:rPr>
               <a:t>#FOREACH (Lista)</a:t>
             </a:r>
-            <a:endParaRPr lang="pt-PT" sz="2400" b="1" dirty="0" smtClean="0">
-              <a:solidFill>
-                <a:srgbClr val="008000"/>
-              </a:solidFill>
-            </a:endParaRPr>
           </a:p>
           <a:p>
             <a:pPr>
@@ -13472,11 +13167,7 @@
             </a:pPr>
             <a:r>
               <a:rPr lang="pt-PT" sz="2800" dirty="0" smtClean="0"/>
-              <a:t>	</a:t>
-            </a:r>
-            <a:r>
-              <a:rPr lang="pt-PT" sz="2800" dirty="0" smtClean="0"/>
-              <a:t>	</a:t>
+              <a:t>		</a:t>
             </a:r>
             <a:r>
               <a:rPr lang="pt-PT" sz="2400" b="1" dirty="0" smtClean="0">
@@ -13530,20 +13221,15 @@
           <a:p>
             <a:r>
               <a:rPr lang="pt-PT" sz="4400" dirty="0" smtClean="0"/>
-              <a:t>VTL </a:t>
-            </a:r>
-            <a:r>
-              <a:rPr lang="pt-PT" sz="4400" dirty="0" smtClean="0"/>
-              <a:t>– Diretivas - Loops</a:t>
-            </a:r>
-            <a:endParaRPr lang="pt-PT" sz="4400" dirty="0" smtClean="0"/>
+              <a:t>VTL – Diretivas - Loops</a:t>
+            </a:r>
           </a:p>
         </p:txBody>
       </p:sp>
     </p:spTree>
     <p:extLst>
       <p:ext uri="{BB962C8B-B14F-4D97-AF65-F5344CB8AC3E}">
-        <p14:creationId xmlns="" xmlns:p14="http://schemas.microsoft.com/office/powerpoint/2007/7/12/main" val="564663352"/>
+        <p14:creationId xmlns:p14="http://schemas.microsoft.com/office/powerpoint/2007/7/12/main" xmlns="" val="564663352"/>
       </p:ext>
     </p:extLst>
   </p:cSld>
@@ -13810,13 +13496,8 @@
           <a:p>
             <a:r>
               <a:rPr lang="pt-PT" sz="4400" dirty="0" smtClean="0"/>
-              <a:t>VTL </a:t>
-            </a:r>
-            <a:r>
-              <a:rPr lang="pt-PT" sz="4400" dirty="0" smtClean="0"/>
-              <a:t>– Diretivas - Loops</a:t>
-            </a:r>
-            <a:endParaRPr lang="pt-PT" sz="4400" dirty="0" smtClean="0"/>
+              <a:t>VTL – Diretivas - Loops</a:t>
+            </a:r>
           </a:p>
         </p:txBody>
       </p:sp>
@@ -14235,7 +13916,7 @@
     </p:spTree>
     <p:extLst>
       <p:ext uri="{BB962C8B-B14F-4D97-AF65-F5344CB8AC3E}">
-        <p14:creationId xmlns="" xmlns:p14="http://schemas.microsoft.com/office/powerpoint/2007/7/12/main" val="564663352"/>
+        <p14:creationId xmlns:p14="http://schemas.microsoft.com/office/powerpoint/2007/7/12/main" xmlns="" val="564663352"/>
       </p:ext>
     </p:extLst>
   </p:cSld>
@@ -14337,19 +14018,7 @@
             </a:pPr>
             <a:r>
               <a:rPr lang="pt-PT" sz="2400" dirty="0" smtClean="0"/>
-              <a:t>#</a:t>
-            </a:r>
-            <a:r>
-              <a:rPr lang="pt-PT" sz="2400" dirty="0" smtClean="0"/>
-              <a:t>include ( </a:t>
-            </a:r>
-            <a:r>
-              <a:rPr lang="pt-PT" sz="2400" dirty="0" smtClean="0"/>
-              <a:t>"one.txt" </a:t>
-            </a:r>
-            <a:r>
-              <a:rPr lang="pt-PT" sz="2400" dirty="0" smtClean="0"/>
-              <a:t>)</a:t>
+              <a:t>#include ( "one.txt" )</a:t>
             </a:r>
           </a:p>
           <a:p>
@@ -14360,7 +14029,6 @@
               <a:rPr lang="pt-PT" sz="2800" dirty="0" smtClean="0"/>
               <a:t>Não é feito o render do ficheiro</a:t>
             </a:r>
-            <a:endParaRPr lang="pt-PT" sz="2800" dirty="0" smtClean="0"/>
           </a:p>
           <a:p>
             <a:pPr>
@@ -14370,7 +14038,6 @@
               <a:rPr lang="pt-PT" sz="2800" dirty="0" smtClean="0"/>
               <a:t>#PARSE</a:t>
             </a:r>
-            <a:endParaRPr lang="pt-PT" sz="2800" dirty="0" smtClean="0"/>
           </a:p>
           <a:p>
             <a:pPr lvl="1">
@@ -14378,13 +14045,8 @@
             </a:pPr>
             <a:r>
               <a:rPr lang="pt-PT" sz="2600" dirty="0" smtClean="0"/>
-              <a:t>Importa um </a:t>
-            </a:r>
-            <a:r>
-              <a:rPr lang="pt-PT" sz="2600" dirty="0" smtClean="0"/>
-              <a:t>ficheiro local e faz render dele</a:t>
-            </a:r>
-            <a:endParaRPr lang="pt-PT" sz="2600" dirty="0" smtClean="0"/>
+              <a:t>Importa um ficheiro local e faz render dele</a:t>
+            </a:r>
           </a:p>
           <a:p>
             <a:pPr lvl="2">
@@ -14392,17 +14054,8 @@
             </a:pPr>
             <a:r>
               <a:rPr lang="pt-PT" sz="2400" dirty="0" smtClean="0"/>
-              <a:t>#parse </a:t>
-            </a:r>
-            <a:r>
-              <a:rPr lang="pt-PT" sz="2400" dirty="0" smtClean="0"/>
-              <a:t>( "</a:t>
-            </a:r>
-            <a:r>
-              <a:rPr lang="pt-PT" sz="2400" dirty="0" smtClean="0"/>
-              <a:t>one.vm" )</a:t>
-            </a:r>
-            <a:endParaRPr lang="pt-PT" sz="2400" dirty="0" smtClean="0"/>
+              <a:t>#parse ( "one.vm" )</a:t>
+            </a:r>
           </a:p>
         </p:txBody>
       </p:sp>
@@ -14451,7 +14104,7 @@
     </p:spTree>
     <p:extLst>
       <p:ext uri="{BB962C8B-B14F-4D97-AF65-F5344CB8AC3E}">
-        <p14:creationId xmlns="" xmlns:p14="http://schemas.microsoft.com/office/powerpoint/2007/7/12/main" val="564663352"/>
+        <p14:creationId xmlns:p14="http://schemas.microsoft.com/office/powerpoint/2007/7/12/main" xmlns="" val="564663352"/>
       </p:ext>
     </p:extLst>
   </p:cSld>
@@ -14841,19 +14494,13 @@
               <a:rPr lang="pt-PT" sz="2800" dirty="0" smtClean="0"/>
               <a:t>#STOP</a:t>
             </a:r>
-            <a:endParaRPr lang="pt-PT" sz="2800" dirty="0" smtClean="0"/>
           </a:p>
           <a:p>
             <a:pPr lvl="1"/>
             <a:r>
               <a:rPr lang="pt-PT" sz="2600" dirty="0" smtClean="0"/>
-              <a:t>Pára </a:t>
-            </a:r>
-            <a:r>
-              <a:rPr lang="pt-PT" sz="2600" dirty="0" smtClean="0"/>
-              <a:t>o processamento do template</a:t>
-            </a:r>
-            <a:endParaRPr lang="pt-PT" sz="2600" dirty="0" smtClean="0"/>
+              <a:t>Pára o processamento do template</a:t>
+            </a:r>
           </a:p>
           <a:p>
             <a:pPr lvl="2">
@@ -14861,11 +14508,7 @@
             </a:pPr>
             <a:r>
               <a:rPr lang="pt-PT" sz="2400" dirty="0" smtClean="0"/>
-              <a:t>#</a:t>
-            </a:r>
-            <a:r>
-              <a:rPr lang="pt-PT" sz="2400" dirty="0" smtClean="0"/>
-              <a:t>break</a:t>
+              <a:t>#break</a:t>
             </a:r>
           </a:p>
           <a:p>
@@ -14874,7 +14517,6 @@
               <a:rPr lang="pt-PT" sz="2600" dirty="0" smtClean="0"/>
               <a:t>Útil para debugging</a:t>
             </a:r>
-            <a:endParaRPr lang="pt-PT" sz="2600" dirty="0" smtClean="0"/>
           </a:p>
         </p:txBody>
       </p:sp>
@@ -14923,7 +14565,7 @@
     </p:spTree>
     <p:extLst>
       <p:ext uri="{BB962C8B-B14F-4D97-AF65-F5344CB8AC3E}">
-        <p14:creationId xmlns="" xmlns:p14="http://schemas.microsoft.com/office/powerpoint/2007/7/12/main" val="564663352"/>
+        <p14:creationId xmlns:p14="http://schemas.microsoft.com/office/powerpoint/2007/7/12/main" xmlns="" val="564663352"/>
       </p:ext>
     </p:extLst>
   </p:cSld>
@@ -15406,7 +15048,7 @@
     </p:spTree>
     <p:extLst>
       <p:ext uri="{BB962C8B-B14F-4D97-AF65-F5344CB8AC3E}">
-        <p14:creationId xmlns="" xmlns:p14="http://schemas.microsoft.com/office/powerpoint/2007/7/12/main" val="564663352"/>
+        <p14:creationId xmlns:p14="http://schemas.microsoft.com/office/powerpoint/2007/7/12/main" xmlns="" val="564663352"/>
       </p:ext>
     </p:extLst>
   </p:cSld>
@@ -15820,7 +15462,7 @@
     </p:spTree>
     <p:extLst>
       <p:ext uri="{BB962C8B-B14F-4D97-AF65-F5344CB8AC3E}">
-        <p14:creationId xmlns="" xmlns:p14="http://schemas.microsoft.com/office/powerpoint/2007/7/12/main" val="967988230"/>
+        <p14:creationId xmlns:p14="http://schemas.microsoft.com/office/powerpoint/2007/7/12/main" xmlns="" val="967988230"/>
       </p:ext>
     </p:extLst>
   </p:cSld>
@@ -15828,7 +15470,7 @@
     <a:masterClrMapping/>
   </p:clrMapOvr>
   <mc:AlternateContent xmlns:mc="http://schemas.openxmlformats.org/markup-compatibility/2006">
-    <mc:Choice xmlns="" xmlns:p14="http://schemas.microsoft.com/office/powerpoint/2007/7/12/main" Requires="p14">
+    <mc:Choice xmlns:p14="http://schemas.microsoft.com/office/powerpoint/2007/7/12/main" xmlns="" Requires="p14">
       <p:transition p14:dur="0"/>
     </mc:Choice>
     <mc:Fallback>
@@ -15929,7 +15571,7 @@
     </p:spTree>
     <p:extLst>
       <p:ext uri="{BB962C8B-B14F-4D97-AF65-F5344CB8AC3E}">
-        <p14:creationId xmlns="" xmlns:p14="http://schemas.microsoft.com/office/powerpoint/2007/7/12/main" val="967988230"/>
+        <p14:creationId xmlns:p14="http://schemas.microsoft.com/office/powerpoint/2007/7/12/main" xmlns="" val="967988230"/>
       </p:ext>
     </p:extLst>
   </p:cSld>
@@ -15937,7 +15579,7 @@
     <a:masterClrMapping/>
   </p:clrMapOvr>
   <mc:AlternateContent xmlns:mc="http://schemas.openxmlformats.org/markup-compatibility/2006">
-    <mc:Choice xmlns="" xmlns:p14="http://schemas.microsoft.com/office/powerpoint/2007/7/12/main" Requires="p14">
+    <mc:Choice xmlns:p14="http://schemas.microsoft.com/office/powerpoint/2007/7/12/main" xmlns="" Requires="p14">
       <p:transition p14:dur="0"/>
     </mc:Choice>
     <mc:Fallback>
@@ -16144,7 +15786,6 @@
               <a:rPr lang="pt-PT" sz="2600" dirty="0" smtClean="0"/>
               <a:t>Com o caracter backslash: ‘\’</a:t>
             </a:r>
-            <a:endParaRPr lang="pt-PT" sz="2600" dirty="0" smtClean="0"/>
           </a:p>
           <a:p>
             <a:pPr>
@@ -16201,20 +15842,15 @@
           <a:p>
             <a:r>
               <a:rPr lang="pt-PT" sz="4400" dirty="0" smtClean="0"/>
-              <a:t>VTL - </a:t>
-            </a:r>
-            <a:r>
-              <a:rPr lang="pt-PT" sz="4400" dirty="0" smtClean="0"/>
-              <a:t>Escaping</a:t>
-            </a:r>
-            <a:endParaRPr lang="pt-PT" sz="4400" dirty="0" smtClean="0"/>
+              <a:t>VTL - Escaping</a:t>
+            </a:r>
           </a:p>
         </p:txBody>
       </p:sp>
     </p:spTree>
     <p:extLst>
       <p:ext uri="{BB962C8B-B14F-4D97-AF65-F5344CB8AC3E}">
-        <p14:creationId xmlns="" xmlns:p14="http://schemas.microsoft.com/office/powerpoint/2007/7/12/main" val="564663352"/>
+        <p14:creationId xmlns:p14="http://schemas.microsoft.com/office/powerpoint/2007/7/12/main" xmlns="" val="564663352"/>
       </p:ext>
     </p:extLst>
   </p:cSld>
@@ -16672,20 +16308,15 @@
           <a:p>
             <a:r>
               <a:rPr lang="pt-PT" sz="4400" dirty="0" smtClean="0"/>
-              <a:t>VTL - </a:t>
-            </a:r>
-            <a:r>
-              <a:rPr lang="pt-PT" sz="4400" dirty="0" smtClean="0"/>
-              <a:t>Formatação</a:t>
-            </a:r>
-            <a:endParaRPr lang="pt-PT" sz="4400" dirty="0" smtClean="0"/>
+              <a:t>VTL - Formatação</a:t>
+            </a:r>
           </a:p>
         </p:txBody>
       </p:sp>
     </p:spTree>
     <p:extLst>
       <p:ext uri="{BB962C8B-B14F-4D97-AF65-F5344CB8AC3E}">
-        <p14:creationId xmlns="" xmlns:p14="http://schemas.microsoft.com/office/powerpoint/2007/7/12/main" val="564663352"/>
+        <p14:creationId xmlns:p14="http://schemas.microsoft.com/office/powerpoint/2007/7/12/main" xmlns="" val="564663352"/>
       </p:ext>
     </p:extLst>
   </p:cSld>
@@ -16975,7 +16606,7 @@
     </p:spTree>
     <p:extLst>
       <p:ext uri="{BB962C8B-B14F-4D97-AF65-F5344CB8AC3E}">
-        <p14:creationId xmlns="" xmlns:p14="http://schemas.microsoft.com/office/powerpoint/2007/7/12/main" val="242698022"/>
+        <p14:creationId xmlns:p14="http://schemas.microsoft.com/office/powerpoint/2007/7/12/main" xmlns="" val="242698022"/>
       </p:ext>
     </p:extLst>
   </p:cSld>
@@ -17083,11 +16714,7 @@
             </a:pPr>
             <a:r>
               <a:rPr lang="pt-PT" sz="2400" dirty="0" smtClean="0"/>
-              <a:t>[n..m</a:t>
-            </a:r>
-            <a:r>
-              <a:rPr lang="pt-PT" sz="2400" dirty="0" smtClean="0"/>
-              <a:t>]</a:t>
+              <a:t>[n..m]</a:t>
             </a:r>
           </a:p>
           <a:p>
@@ -17122,19 +16749,11 @@
             </a:r>
             <a:r>
               <a:rPr lang="en-US" sz="2400" dirty="0" smtClean="0"/>
-              <a:t> #</a:t>
-            </a:r>
-            <a:r>
-              <a:rPr lang="en-US" sz="2400" dirty="0" smtClean="0"/>
-              <a:t>end (</a:t>
+              <a:t> #end (</a:t>
             </a:r>
             <a:r>
               <a:rPr lang="pt-PT" sz="2400" dirty="0" smtClean="0"/>
-              <a:t>1 2 3 4 </a:t>
-            </a:r>
-            <a:r>
-              <a:rPr lang="pt-PT" sz="2400" dirty="0" smtClean="0"/>
-              <a:t>5)</a:t>
+              <a:t>1 2 3 4 5)</a:t>
             </a:r>
             <a:endParaRPr lang="en-US" sz="2400" dirty="0" smtClean="0"/>
           </a:p>
@@ -17146,11 +16765,7 @@
             </a:pPr>
             <a:r>
               <a:rPr lang="pt-PT" sz="2400" dirty="0" smtClean="0"/>
-              <a:t>#foreach( $bar in [2..-2] ) $bar #end (2 1 0 -1 -</a:t>
-            </a:r>
-            <a:r>
-              <a:rPr lang="pt-PT" sz="2400" dirty="0" smtClean="0"/>
-              <a:t>2)</a:t>
+              <a:t>#foreach( $bar in [2..-2] ) $bar #end (2 1 0 -1 -2)</a:t>
             </a:r>
           </a:p>
         </p:txBody>
@@ -17192,20 +16807,15 @@
           <a:p>
             <a:r>
               <a:rPr lang="pt-PT" sz="4400" dirty="0" smtClean="0"/>
-              <a:t>VTL - </a:t>
-            </a:r>
-            <a:r>
-              <a:rPr lang="pt-PT" sz="4400" dirty="0" smtClean="0"/>
-              <a:t>Ranges</a:t>
-            </a:r>
-            <a:endParaRPr lang="pt-PT" sz="4400" dirty="0" smtClean="0"/>
+              <a:t>VTL - Ranges</a:t>
+            </a:r>
           </a:p>
         </p:txBody>
       </p:sp>
     </p:spTree>
     <p:extLst>
       <p:ext uri="{BB962C8B-B14F-4D97-AF65-F5344CB8AC3E}">
-        <p14:creationId xmlns="" xmlns:p14="http://schemas.microsoft.com/office/powerpoint/2007/7/12/main" val="564663352"/>
+        <p14:creationId xmlns:p14="http://schemas.microsoft.com/office/powerpoint/2007/7/12/main" xmlns="" val="564663352"/>
       </p:ext>
     </p:extLst>
   </p:cSld>
@@ -17508,13 +17118,8 @@
             </a:pPr>
             <a:r>
               <a:rPr lang="pt-PT" sz="3200" dirty="0" smtClean="0"/>
-              <a:t>Simples </a:t>
-            </a:r>
-            <a:r>
-              <a:rPr lang="pt-PT" sz="3200" dirty="0" smtClean="0"/>
-              <a:t>de Aprender</a:t>
-            </a:r>
-            <a:endParaRPr lang="pt-PT" sz="3200" dirty="0" smtClean="0"/>
+              <a:t>Simples de Aprender</a:t>
+            </a:r>
           </a:p>
           <a:p>
             <a:pPr>
@@ -17595,7 +17200,7 @@
     </p:spTree>
     <p:extLst>
       <p:ext uri="{BB962C8B-B14F-4D97-AF65-F5344CB8AC3E}">
-        <p14:creationId xmlns="" xmlns:p14="http://schemas.microsoft.com/office/powerpoint/2007/7/12/main" val="564663352"/>
+        <p14:creationId xmlns:p14="http://schemas.microsoft.com/office/powerpoint/2007/7/12/main" xmlns="" val="564663352"/>
       </p:ext>
     </p:extLst>
   </p:cSld>
@@ -17966,7 +17571,7 @@
     </p:spTree>
     <p:extLst>
       <p:ext uri="{BB962C8B-B14F-4D97-AF65-F5344CB8AC3E}">
-        <p14:creationId xmlns="" xmlns:p14="http://schemas.microsoft.com/office/powerpoint/2007/7/12/main" val="1125168898"/>
+        <p14:creationId xmlns:p14="http://schemas.microsoft.com/office/powerpoint/2007/7/12/main" xmlns="" val="1125168898"/>
       </p:ext>
     </p:extLst>
   </p:cSld>
@@ -18179,7 +17784,7 @@
     </p:spTree>
     <p:extLst>
       <p:ext uri="{BB962C8B-B14F-4D97-AF65-F5344CB8AC3E}">
-        <p14:creationId xmlns="" xmlns:p14="http://schemas.microsoft.com/office/powerpoint/2007/7/12/main" val="237563067"/>
+        <p14:creationId xmlns:p14="http://schemas.microsoft.com/office/powerpoint/2007/7/12/main" xmlns="" val="237563067"/>
       </p:ext>
     </p:extLst>
   </p:cSld>
@@ -18254,7 +17859,7 @@
           </a:prstGeom>
           <a:extLst>
             <a:ext uri="{909E8E84-426E-40dd-AFC4-6F175D3DCCD1}">
-              <a14:hiddenFill xmlns="" xmlns:a14="http://schemas.microsoft.com/office/drawing/2007/7/7/main">
+              <a14:hiddenFill xmlns:a14="http://schemas.microsoft.com/office/drawing/2007/7/7/main" xmlns="">
                 <a:solidFill>
                   <a:srgbClr xmlns:mc="http://schemas.openxmlformats.org/markup-compatibility/2006" val="FFFFFF" mc:Ignorable=""/>
                 </a:solidFill>
@@ -18292,7 +17897,7 @@
           </a:prstGeom>
           <a:extLst>
             <a:ext uri="{909E8E84-426E-40dd-AFC4-6F175D3DCCD1}">
-              <a14:hiddenFill xmlns="" xmlns:a14="http://schemas.microsoft.com/office/drawing/2007/7/7/main">
+              <a14:hiddenFill xmlns:a14="http://schemas.microsoft.com/office/drawing/2007/7/7/main" xmlns="">
                 <a:solidFill>
                   <a:srgbClr xmlns:mc="http://schemas.openxmlformats.org/markup-compatibility/2006" val="FFFFFF" mc:Ignorable=""/>
                 </a:solidFill>
@@ -18330,7 +17935,7 @@
           </a:prstGeom>
           <a:extLst>
             <a:ext uri="{909E8E84-426E-40dd-AFC4-6F175D3DCCD1}">
-              <a14:hiddenFill xmlns="" xmlns:a14="http://schemas.microsoft.com/office/drawing/2007/7/7/main">
+              <a14:hiddenFill xmlns:a14="http://schemas.microsoft.com/office/drawing/2007/7/7/main" xmlns="">
                 <a:solidFill>
                   <a:srgbClr xmlns:mc="http://schemas.openxmlformats.org/markup-compatibility/2006" val="FFFFFF" mc:Ignorable=""/>
                 </a:solidFill>
@@ -18385,7 +17990,7 @@
     </p:spTree>
     <p:extLst>
       <p:ext uri="{BB962C8B-B14F-4D97-AF65-F5344CB8AC3E}">
-        <p14:creationId xmlns="" xmlns:p14="http://schemas.microsoft.com/office/powerpoint/2007/7/12/main" val="3704673230"/>
+        <p14:creationId xmlns:p14="http://schemas.microsoft.com/office/powerpoint/2007/7/12/main" xmlns="" val="3704673230"/>
       </p:ext>
     </p:extLst>
   </p:cSld>
@@ -18517,7 +18122,7 @@
         </p:blipFill>
         <p:spPr>
           <a:xfrm>
-            <a:off x="704528" y="4077072"/>
+            <a:off x="848544" y="2888940"/>
             <a:ext cx="609600" cy="609600"/>
           </a:xfrm>
           <a:prstGeom prst="rect">
@@ -18544,7 +18149,7 @@
         </p:blipFill>
         <p:spPr>
           <a:xfrm>
-            <a:off x="758534" y="5013176"/>
+            <a:off x="812540" y="3645024"/>
             <a:ext cx="609600" cy="609600"/>
           </a:xfrm>
           <a:prstGeom prst="rect">
@@ -18571,7 +18176,7 @@
         </p:blipFill>
         <p:spPr>
           <a:xfrm>
-            <a:off x="704528" y="3164971"/>
+            <a:off x="5817096" y="2204864"/>
             <a:ext cx="609600" cy="609600"/>
           </a:xfrm>
           <a:prstGeom prst="rect">
@@ -18728,8 +18333,8 @@
         </p:nvSpPr>
         <p:spPr>
           <a:xfrm>
-            <a:off x="1478614" y="3164971"/>
-            <a:ext cx="6662700" cy="612068"/>
+            <a:off x="6591182" y="2204864"/>
+            <a:ext cx="2322258" cy="612068"/>
           </a:xfrm>
           <a:prstGeom prst="rect">
             <a:avLst/>
@@ -18788,7 +18393,7 @@
         </p:nvSpPr>
         <p:spPr>
           <a:xfrm>
-            <a:off x="1478614" y="4077072"/>
+            <a:off x="1478614" y="2924944"/>
             <a:ext cx="6662700" cy="612068"/>
           </a:xfrm>
           <a:prstGeom prst="rect">
@@ -18837,7 +18442,7 @@
         </p:nvSpPr>
         <p:spPr>
           <a:xfrm>
-            <a:off x="1478614" y="5013176"/>
+            <a:off x="1478614" y="3657025"/>
             <a:ext cx="6662700" cy="612068"/>
           </a:xfrm>
           <a:prstGeom prst="rect">
@@ -18892,7 +18497,7 @@
         </p:blipFill>
         <p:spPr>
           <a:xfrm>
-            <a:off x="7401272" y="1448780"/>
+            <a:off x="7581292" y="3248980"/>
             <a:ext cx="1905000" cy="1905000"/>
           </a:xfrm>
           <a:prstGeom prst="rect">
@@ -18900,34 +18505,108 @@
           </a:prstGeom>
         </p:spPr>
       </p:pic>
-      <p:pic>
-        <p:nvPicPr>
-          <p:cNvPr id="16" name="Picture 15" descr="Nuno_Cancelo.jpg"/>
-          <p:cNvPicPr>
-            <a:picLocks noChangeAspect="1"/>
-          </p:cNvPicPr>
+      <p:sp>
+        <p:nvSpPr>
+          <p:cNvPr id="17" name="Content Placeholder 1"/>
+          <p:cNvSpPr txBox="1">
+            <a:spLocks/>
+          </p:cNvSpPr>
           <p:nvPr/>
-        </p:nvPicPr>
-        <p:blipFill>
-          <a:blip r:embed="rId9" cstate="print"/>
-          <a:stretch>
-            <a:fillRect/>
-          </a:stretch>
-        </p:blipFill>
+        </p:nvSpPr>
         <p:spPr>
           <a:xfrm>
-            <a:off x="7725308" y="3429000"/>
-            <a:ext cx="1463040" cy="1901952"/>
+            <a:off x="1478614" y="4389106"/>
+            <a:ext cx="6662700" cy="612068"/>
           </a:xfrm>
           <a:prstGeom prst="rect">
             <a:avLst/>
           </a:prstGeom>
         </p:spPr>
-      </p:pic>
+        <p:txBody>
+          <a:bodyPr vert="horz" lIns="91440" tIns="45720" rIns="91440" bIns="45720" rtlCol="0">
+            <a:normAutofit/>
+          </a:bodyPr>
+          <a:lstStyle/>
+          <a:p>
+            <a:pPr lvl="0">
+              <a:spcBef>
+                <a:spcPct val="20000"/>
+              </a:spcBef>
+            </a:pPr>
+            <a:r>
+              <a:rPr lang="pt-PT" sz="2800" dirty="0" smtClean="0"/>
+              <a:t>www.github.com/masterzdran</a:t>
+            </a:r>
+            <a:endParaRPr kumimoji="0" lang="pt-PT" sz="2800" b="0" i="0" u="none" strike="noStrike" kern="1200" cap="none" spc="0" normalizeH="0" baseline="0" noProof="0" dirty="0" smtClean="0">
+              <a:ln>
+                <a:noFill/>
+              </a:ln>
+              <a:solidFill>
+                <a:schemeClr val="tx1"/>
+              </a:solidFill>
+              <a:effectLst/>
+              <a:uLnTx/>
+              <a:uFillTx/>
+              <a:latin typeface="+mn-lt"/>
+              <a:ea typeface="+mn-ea"/>
+              <a:cs typeface="+mn-cs"/>
+            </a:endParaRPr>
+          </a:p>
+        </p:txBody>
+      </p:sp>
+      <p:sp>
+        <p:nvSpPr>
+          <p:cNvPr id="18" name="Content Placeholder 1"/>
+          <p:cNvSpPr txBox="1">
+            <a:spLocks/>
+          </p:cNvSpPr>
+          <p:nvPr/>
+        </p:nvSpPr>
+        <p:spPr>
+          <a:xfrm>
+            <a:off x="1478614" y="5121188"/>
+            <a:ext cx="6662700" cy="612068"/>
+          </a:xfrm>
+          <a:prstGeom prst="rect">
+            <a:avLst/>
+          </a:prstGeom>
+        </p:spPr>
+        <p:txBody>
+          <a:bodyPr vert="horz" lIns="91440" tIns="45720" rIns="91440" bIns="45720" rtlCol="0">
+            <a:normAutofit/>
+          </a:bodyPr>
+          <a:lstStyle/>
+          <a:p>
+            <a:pPr lvl="0">
+              <a:spcBef>
+                <a:spcPct val="20000"/>
+              </a:spcBef>
+            </a:pPr>
+            <a:r>
+              <a:rPr lang="pt-PT" sz="2800" dirty="0" smtClean="0"/>
+              <a:t>www.bitbucket.org/masterzdran</a:t>
+            </a:r>
+            <a:endParaRPr kumimoji="0" lang="pt-PT" sz="2800" b="0" i="0" u="none" strike="noStrike" kern="1200" cap="none" spc="0" normalizeH="0" baseline="0" noProof="0" dirty="0" smtClean="0">
+              <a:ln>
+                <a:noFill/>
+              </a:ln>
+              <a:solidFill>
+                <a:schemeClr val="tx1"/>
+              </a:solidFill>
+              <a:effectLst/>
+              <a:uLnTx/>
+              <a:uFillTx/>
+              <a:latin typeface="+mn-lt"/>
+              <a:ea typeface="+mn-ea"/>
+              <a:cs typeface="+mn-cs"/>
+            </a:endParaRPr>
+          </a:p>
+        </p:txBody>
+      </p:sp>
     </p:spTree>
     <p:extLst>
       <p:ext uri="{BB962C8B-B14F-4D97-AF65-F5344CB8AC3E}">
-        <p14:creationId xmlns="" xmlns:p14="http://schemas.microsoft.com/office/powerpoint/2007/7/12/main" val="2914442395"/>
+        <p14:creationId xmlns:p14="http://schemas.microsoft.com/office/powerpoint/2007/7/12/main" xmlns="" val="2914442395"/>
       </p:ext>
     </p:extLst>
   </p:cSld>
@@ -19132,7 +18811,7 @@
     </p:spTree>
     <p:extLst>
       <p:ext uri="{BB962C8B-B14F-4D97-AF65-F5344CB8AC3E}">
-        <p14:creationId xmlns="" xmlns:p14="http://schemas.microsoft.com/office/powerpoint/2007/7/12/main" val="564663352"/>
+        <p14:creationId xmlns:p14="http://schemas.microsoft.com/office/powerpoint/2007/7/12/main" xmlns="" val="564663352"/>
       </p:ext>
     </p:extLst>
   </p:cSld>
@@ -19423,7 +19102,6 @@
               <a:rPr lang="pt-PT" sz="2800" dirty="0" smtClean="0"/>
               <a:t>Controller</a:t>
             </a:r>
-            <a:endParaRPr lang="pt-PT" sz="2800" dirty="0" smtClean="0"/>
           </a:p>
           <a:p>
             <a:endParaRPr lang="pt-PT" sz="3200" dirty="0" smtClean="0"/>
@@ -19433,7 +19111,7 @@
     </p:spTree>
     <p:extLst>
       <p:ext uri="{BB962C8B-B14F-4D97-AF65-F5344CB8AC3E}">
-        <p14:creationId xmlns="" xmlns:p14="http://schemas.microsoft.com/office/powerpoint/2007/7/12/main" val="564663352"/>
+        <p14:creationId xmlns:p14="http://schemas.microsoft.com/office/powerpoint/2007/7/12/main" xmlns="" val="564663352"/>
       </p:ext>
     </p:extLst>
   </p:cSld>
@@ -19857,7 +19535,7 @@
     </p:spTree>
     <p:extLst>
       <p:ext uri="{BB962C8B-B14F-4D97-AF65-F5344CB8AC3E}">
-        <p14:creationId xmlns="" xmlns:p14="http://schemas.microsoft.com/office/powerpoint/2007/7/12/main" val="564663352"/>
+        <p14:creationId xmlns:p14="http://schemas.microsoft.com/office/powerpoint/2007/7/12/main" xmlns="" val="564663352"/>
       </p:ext>
     </p:extLst>
   </p:cSld>

--- a/doc/NetPontoNVelocity.pptx
+++ b/doc/NetPontoNVelocity.pptx
@@ -5,10 +5,10 @@
     <p:sldMasterId id="2147483648" r:id="rId2"/>
   </p:sldMasterIdLst>
   <p:notesMasterIdLst>
-    <p:notesMasterId r:id="rId48"/>
+    <p:notesMasterId r:id="rId49"/>
   </p:notesMasterIdLst>
   <p:handoutMasterIdLst>
-    <p:handoutMasterId r:id="rId49"/>
+    <p:handoutMasterId r:id="rId50"/>
   </p:handoutMasterIdLst>
   <p:sldIdLst>
     <p:sldId id="256" r:id="rId3"/>
@@ -51,11 +51,12 @@
     <p:sldId id="410" r:id="rId40"/>
     <p:sldId id="414" r:id="rId41"/>
     <p:sldId id="413" r:id="rId42"/>
-    <p:sldId id="421" r:id="rId43"/>
-    <p:sldId id="328" r:id="rId44"/>
-    <p:sldId id="311" r:id="rId45"/>
-    <p:sldId id="368" r:id="rId46"/>
-    <p:sldId id="293" r:id="rId47"/>
+    <p:sldId id="422" r:id="rId43"/>
+    <p:sldId id="421" r:id="rId44"/>
+    <p:sldId id="328" r:id="rId45"/>
+    <p:sldId id="311" r:id="rId46"/>
+    <p:sldId id="368" r:id="rId47"/>
+    <p:sldId id="293" r:id="rId48"/>
   </p:sldIdLst>
   <p:sldSz cx="9906000" cy="6858000" type="A4"/>
   <p:notesSz cx="6858000" cy="9144000"/>
@@ -240,7 +241,7 @@
             <a:fld id="{ADFD96CD-F9A7-4B23-9F0C-9C94434A7F7D}" type="datetimeFigureOut">
               <a:rPr lang="pt-PT" smtClean="0"/>
               <a:pPr/>
-              <a:t>09/11/2013</a:t>
+              <a:t>10/11/2013</a:t>
             </a:fld>
             <a:endParaRPr lang="pt-PT"/>
           </a:p>
@@ -316,7 +317,7 @@
     </p:spTree>
     <p:extLst>
       <p:ext uri="{BB962C8B-B14F-4D97-AF65-F5344CB8AC3E}">
-        <p14:creationId xmlns:p14="http://schemas.microsoft.com/office/powerpoint/2007/7/12/main" xmlns="" val="2941623272"/>
+        <p14:creationId xmlns="" xmlns:p14="http://schemas.microsoft.com/office/powerpoint/2007/7/12/main" val="2941623272"/>
       </p:ext>
     </p:extLst>
   </p:cSld>
@@ -407,7 +408,7 @@
             <a:fld id="{F1680C6F-1AC0-45E8-AE4C-9DD1ADA0D880}" type="datetimeFigureOut">
               <a:rPr lang="pt-PT" smtClean="0"/>
               <a:pPr/>
-              <a:t>09/11/2013</a:t>
+              <a:t>10/11/2013</a:t>
             </a:fld>
             <a:endParaRPr lang="pt-PT"/>
           </a:p>
@@ -576,7 +577,7 @@
     </p:spTree>
     <p:extLst>
       <p:ext uri="{BB962C8B-B14F-4D97-AF65-F5344CB8AC3E}">
-        <p14:creationId xmlns:p14="http://schemas.microsoft.com/office/powerpoint/2007/7/12/main" xmlns="" val="2042030475"/>
+        <p14:creationId xmlns="" xmlns:p14="http://schemas.microsoft.com/office/powerpoint/2007/7/12/main" val="2042030475"/>
       </p:ext>
     </p:extLst>
   </p:cSld>
@@ -768,7 +769,7 @@
             <a:fld id="{81331B57-0BE5-4F82-AA58-76F53EFF3ADA}" type="datetime8">
               <a:rPr lang="en-US" smtClean="0"/>
               <a:pPr/>
-              <a:t>11/9/2013 9:21 PM</a:t>
+              <a:t>11/10/2013 6:52 PM</a:t>
             </a:fld>
             <a:endParaRPr lang="en-US"/>
           </a:p>
@@ -958,7 +959,7 @@
             <a:fld id="{81331B57-0BE5-4F82-AA58-76F53EFF3ADA}" type="datetime8">
               <a:rPr lang="en-US" smtClean="0"/>
               <a:pPr/>
-              <a:t>11/9/2013 9:21 PM</a:t>
+              <a:t>11/10/2013 6:52 PM</a:t>
             </a:fld>
             <a:endParaRPr lang="en-US"/>
           </a:p>
@@ -1148,7 +1149,7 @@
             <a:fld id="{81331B57-0BE5-4F82-AA58-76F53EFF3ADA}" type="datetime8">
               <a:rPr lang="en-US" smtClean="0"/>
               <a:pPr/>
-              <a:t>11/9/2013 9:21 PM</a:t>
+              <a:t>11/10/2013 6:52 PM</a:t>
             </a:fld>
             <a:endParaRPr lang="en-US"/>
           </a:p>
@@ -1338,7 +1339,7 @@
             <a:fld id="{81331B57-0BE5-4F82-AA58-76F53EFF3ADA}" type="datetime8">
               <a:rPr lang="en-US" smtClean="0"/>
               <a:pPr/>
-              <a:t>11/9/2013 9:21 PM</a:t>
+              <a:t>11/10/2013 6:52 PM</a:t>
             </a:fld>
             <a:endParaRPr lang="en-US"/>
           </a:p>
@@ -1528,7 +1529,7 @@
             <a:fld id="{81331B57-0BE5-4F82-AA58-76F53EFF3ADA}" type="datetime8">
               <a:rPr lang="en-US" smtClean="0"/>
               <a:pPr/>
-              <a:t>11/9/2013 9:21 PM</a:t>
+              <a:t>11/10/2013 6:52 PM</a:t>
             </a:fld>
             <a:endParaRPr lang="en-US"/>
           </a:p>
@@ -1718,7 +1719,7 @@
             <a:fld id="{81331B57-0BE5-4F82-AA58-76F53EFF3ADA}" type="datetime8">
               <a:rPr lang="en-US" smtClean="0"/>
               <a:pPr/>
-              <a:t>11/9/2013 9:21 PM</a:t>
+              <a:t>11/10/2013 6:52 PM</a:t>
             </a:fld>
             <a:endParaRPr lang="en-US"/>
           </a:p>
@@ -1882,7 +1883,7 @@
             <a:fld id="{4A3EE754-1482-4D08-B801-58AD7081021E}" type="slidenum">
               <a:rPr lang="pt-PT" smtClean="0"/>
               <a:pPr/>
-              <a:t>45</a:t>
+              <a:t>46</a:t>
             </a:fld>
             <a:endParaRPr lang="pt-PT"/>
           </a:p>
@@ -1891,7 +1892,7 @@
     </p:spTree>
     <p:extLst>
       <p:ext uri="{BB962C8B-B14F-4D97-AF65-F5344CB8AC3E}">
-        <p14:creationId xmlns:p14="http://schemas.microsoft.com/office/powerpoint/2007/7/12/main" xmlns="" val="2875876222"/>
+        <p14:creationId xmlns="" xmlns:p14="http://schemas.microsoft.com/office/powerpoint/2007/7/12/main" val="2875876222"/>
       </p:ext>
     </p:extLst>
   </p:cSld>
@@ -1935,7 +1936,7 @@
           <a:blip r:embed="rId2" cstate="print">
             <a:extLst>
               <a:ext uri="28A0092B-C50C-407e-A947-70E740481C1C">
-                <a14:useLocalDpi xmlns:a14="http://schemas.microsoft.com/office/drawing/2007/7/7/main" xmlns="" val="0"/>
+                <a14:useLocalDpi xmlns="" xmlns:a14="http://schemas.microsoft.com/office/drawing/2007/7/7/main" val="0"/>
               </a:ext>
             </a:extLst>
           </a:blip>
@@ -1954,14 +1955,14 @@
           </a:prstGeom>
           <a:extLst>
             <a:ext uri="{909E8E84-426E-40dd-AFC4-6F175D3DCCD1}">
-              <a14:hiddenFill xmlns:a14="http://schemas.microsoft.com/office/drawing/2007/7/7/main" xmlns="">
+              <a14:hiddenFill xmlns="" xmlns:a14="http://schemas.microsoft.com/office/drawing/2007/7/7/main">
                 <a:solidFill>
                   <a:schemeClr val="accent1"/>
                 </a:solidFill>
               </a14:hiddenFill>
             </a:ext>
             <a:ext uri="{91240B29-F687-4f45-9708-019B960494DF}">
-              <a14:hiddenLine xmlns:a14="http://schemas.microsoft.com/office/drawing/2007/7/7/main" xmlns="" w="9525">
+              <a14:hiddenLine xmlns="" xmlns:a14="http://schemas.microsoft.com/office/drawing/2007/7/7/main" w="9525">
                 <a:solidFill>
                   <a:schemeClr val="tx1"/>
                 </a:solidFill>
@@ -1971,7 +1972,7 @@
               </a14:hiddenLine>
             </a:ext>
             <a:ext uri="{AF507438-7753-43e0-B8FC-AC1667EBCBE1}">
-              <a14:hiddenEffects xmlns:a14="http://schemas.microsoft.com/office/drawing/2007/7/7/main" xmlns="">
+              <a14:hiddenEffects xmlns="" xmlns:a14="http://schemas.microsoft.com/office/drawing/2007/7/7/main">
                 <a:effectLst>
                   <a:outerShdw blurRad="63500" dist="35921" dir="2700000" algn="ctr" rotWithShape="0">
                     <a:schemeClr val="bg2"/>
@@ -2149,7 +2150,7 @@
           <a:blip r:embed="rId4" cstate="print">
             <a:extLst>
               <a:ext uri="28A0092B-C50C-407e-A947-70E740481C1C">
-                <a14:useLocalDpi xmlns:a14="http://schemas.microsoft.com/office/drawing/2007/7/7/main" xmlns="" val="0"/>
+                <a14:useLocalDpi xmlns="" xmlns:a14="http://schemas.microsoft.com/office/drawing/2007/7/7/main" val="0"/>
               </a:ext>
             </a:extLst>
           </a:blip>
@@ -2169,14 +2170,14 @@
           </a:effectLst>
           <a:extLst>
             <a:ext uri="{909E8E84-426E-40dd-AFC4-6F175D3DCCD1}">
-              <a14:hiddenFill xmlns:a14="http://schemas.microsoft.com/office/drawing/2007/7/7/main" xmlns="">
+              <a14:hiddenFill xmlns="" xmlns:a14="http://schemas.microsoft.com/office/drawing/2007/7/7/main">
                 <a:solidFill>
                   <a:srgbClr xmlns:mc="http://schemas.openxmlformats.org/markup-compatibility/2006" val="FFFFFF" mc:Ignorable=""/>
                 </a:solidFill>
               </a14:hiddenFill>
             </a:ext>
             <a:ext uri="{91240B29-F687-4f45-9708-019B960494DF}">
-              <a14:hiddenLine xmlns:a14="http://schemas.microsoft.com/office/drawing/2007/7/7/main" xmlns="" w="9525">
+              <a14:hiddenLine xmlns="" xmlns:a14="http://schemas.microsoft.com/office/drawing/2007/7/7/main" w="9525">
                 <a:solidFill>
                   <a:srgbClr xmlns:mc="http://schemas.openxmlformats.org/markup-compatibility/2006" val="000000" mc:Ignorable=""/>
                 </a:solidFill>
@@ -2186,7 +2187,7 @@
               </a14:hiddenLine>
             </a:ext>
             <a:ext uri="{53640926-AAD7-44d8-BBD7-CCE9431645EC}">
-              <a14:shadowObscured xmlns:a14="http://schemas.microsoft.com/office/drawing/2007/7/7/main" xmlns="" val="1"/>
+              <a14:shadowObscured xmlns="" xmlns:a14="http://schemas.microsoft.com/office/drawing/2007/7/7/main" val="1"/>
             </a:ext>
           </a:extLst>
         </p:spPr>
@@ -2194,7 +2195,7 @@
     </p:spTree>
     <p:extLst>
       <p:ext uri="{BB962C8B-B14F-4D97-AF65-F5344CB8AC3E}">
-        <p14:creationId xmlns:p14="http://schemas.microsoft.com/office/powerpoint/2007/7/12/main" xmlns="" val="2296204029"/>
+        <p14:creationId xmlns="" xmlns:p14="http://schemas.microsoft.com/office/powerpoint/2007/7/12/main" val="2296204029"/>
       </p:ext>
     </p:extLst>
   </p:cSld>
@@ -2389,7 +2390,7 @@
     </p:spTree>
     <p:extLst>
       <p:ext uri="{BB962C8B-B14F-4D97-AF65-F5344CB8AC3E}">
-        <p14:creationId xmlns:p14="http://schemas.microsoft.com/office/powerpoint/2007/7/12/main" xmlns="" val="1558211039"/>
+        <p14:creationId xmlns="" xmlns:p14="http://schemas.microsoft.com/office/powerpoint/2007/7/12/main" val="1558211039"/>
       </p:ext>
     </p:extLst>
   </p:cSld>
@@ -2507,7 +2508,7 @@
     </p:spTree>
     <p:extLst>
       <p:ext uri="{BB962C8B-B14F-4D97-AF65-F5344CB8AC3E}">
-        <p14:creationId xmlns:p14="http://schemas.microsoft.com/office/powerpoint/2007/7/12/main" xmlns="" val="1628332576"/>
+        <p14:creationId xmlns="" xmlns:p14="http://schemas.microsoft.com/office/powerpoint/2007/7/12/main" val="1628332576"/>
       </p:ext>
     </p:extLst>
   </p:cSld>
@@ -2635,7 +2636,7 @@
     </p:spTree>
     <p:extLst>
       <p:ext uri="{BB962C8B-B14F-4D97-AF65-F5344CB8AC3E}">
-        <p14:creationId xmlns:p14="http://schemas.microsoft.com/office/powerpoint/2007/7/12/main" xmlns="" val="2992743950"/>
+        <p14:creationId xmlns="" xmlns:p14="http://schemas.microsoft.com/office/powerpoint/2007/7/12/main" val="2992743950"/>
       </p:ext>
     </p:extLst>
   </p:cSld>
@@ -2951,7 +2952,7 @@
     </p:spTree>
     <p:extLst>
       <p:ext uri="{BB962C8B-B14F-4D97-AF65-F5344CB8AC3E}">
-        <p14:creationId xmlns:p14="http://schemas.microsoft.com/office/powerpoint/2007/7/12/main" xmlns="" val="2396692856"/>
+        <p14:creationId xmlns="" xmlns:p14="http://schemas.microsoft.com/office/powerpoint/2007/7/12/main" val="2396692856"/>
       </p:ext>
     </p:extLst>
   </p:cSld>
@@ -3065,7 +3066,7 @@
     </p:spTree>
     <p:extLst>
       <p:ext uri="{BB962C8B-B14F-4D97-AF65-F5344CB8AC3E}">
-        <p14:creationId xmlns:p14="http://schemas.microsoft.com/office/powerpoint/2007/7/12/main" xmlns="" val="1884871016"/>
+        <p14:creationId xmlns="" xmlns:p14="http://schemas.microsoft.com/office/powerpoint/2007/7/12/main" val="1884871016"/>
       </p:ext>
     </p:extLst>
   </p:cSld>
@@ -3253,7 +3254,7 @@
     </p:spTree>
     <p:extLst>
       <p:ext uri="{BB962C8B-B14F-4D97-AF65-F5344CB8AC3E}">
-        <p14:creationId xmlns:p14="http://schemas.microsoft.com/office/powerpoint/2007/7/12/main" xmlns="" val="109521083"/>
+        <p14:creationId xmlns="" xmlns:p14="http://schemas.microsoft.com/office/powerpoint/2007/7/12/main" val="109521083"/>
       </p:ext>
     </p:extLst>
   </p:cSld>
@@ -3489,7 +3490,7 @@
     </p:spTree>
     <p:extLst>
       <p:ext uri="{BB962C8B-B14F-4D97-AF65-F5344CB8AC3E}">
-        <p14:creationId xmlns:p14="http://schemas.microsoft.com/office/powerpoint/2007/7/12/main" xmlns="" val="3121598289"/>
+        <p14:creationId xmlns="" xmlns:p14="http://schemas.microsoft.com/office/powerpoint/2007/7/12/main" val="3121598289"/>
       </p:ext>
     </p:extLst>
   </p:cSld>
@@ -3855,7 +3856,7 @@
     </p:spTree>
     <p:extLst>
       <p:ext uri="{BB962C8B-B14F-4D97-AF65-F5344CB8AC3E}">
-        <p14:creationId xmlns:p14="http://schemas.microsoft.com/office/powerpoint/2007/7/12/main" xmlns="" val="217596623"/>
+        <p14:creationId xmlns="" xmlns:p14="http://schemas.microsoft.com/office/powerpoint/2007/7/12/main" val="217596623"/>
       </p:ext>
     </p:extLst>
   </p:cSld>
@@ -4007,7 +4008,7 @@
     </p:spTree>
     <p:extLst>
       <p:ext uri="{BB962C8B-B14F-4D97-AF65-F5344CB8AC3E}">
-        <p14:creationId xmlns:p14="http://schemas.microsoft.com/office/powerpoint/2007/7/12/main" xmlns="" val="3760814106"/>
+        <p14:creationId xmlns="" xmlns:p14="http://schemas.microsoft.com/office/powerpoint/2007/7/12/main" val="3760814106"/>
       </p:ext>
     </p:extLst>
   </p:cSld>
@@ -4128,7 +4129,7 @@
     </p:spTree>
     <p:extLst>
       <p:ext uri="{BB962C8B-B14F-4D97-AF65-F5344CB8AC3E}">
-        <p14:creationId xmlns:p14="http://schemas.microsoft.com/office/powerpoint/2007/7/12/main" xmlns="" val="2449055135"/>
+        <p14:creationId xmlns="" xmlns:p14="http://schemas.microsoft.com/office/powerpoint/2007/7/12/main" val="2449055135"/>
       </p:ext>
     </p:extLst>
   </p:cSld>
@@ -4179,7 +4180,7 @@
           <a:blip r:embed="rId2" cstate="print">
             <a:extLst>
               <a:ext uri="28A0092B-C50C-407e-A947-70E740481C1C">
-                <a14:useLocalDpi xmlns:a14="http://schemas.microsoft.com/office/drawing/2007/7/7/main" xmlns="" val="0"/>
+                <a14:useLocalDpi xmlns="" xmlns:a14="http://schemas.microsoft.com/office/drawing/2007/7/7/main" val="0"/>
               </a:ext>
             </a:extLst>
           </a:blip>
@@ -4198,14 +4199,14 @@
           </a:prstGeom>
           <a:extLst>
             <a:ext uri="{909E8E84-426E-40dd-AFC4-6F175D3DCCD1}">
-              <a14:hiddenFill xmlns:a14="http://schemas.microsoft.com/office/drawing/2007/7/7/main" xmlns="">
+              <a14:hiddenFill xmlns="" xmlns:a14="http://schemas.microsoft.com/office/drawing/2007/7/7/main">
                 <a:solidFill>
                   <a:schemeClr val="accent1"/>
                 </a:solidFill>
               </a14:hiddenFill>
             </a:ext>
             <a:ext uri="{91240B29-F687-4f45-9708-019B960494DF}">
-              <a14:hiddenLine xmlns:a14="http://schemas.microsoft.com/office/drawing/2007/7/7/main" xmlns="" w="9525">
+              <a14:hiddenLine xmlns="" xmlns:a14="http://schemas.microsoft.com/office/drawing/2007/7/7/main" w="9525">
                 <a:solidFill>
                   <a:schemeClr val="tx1"/>
                 </a:solidFill>
@@ -4215,7 +4216,7 @@
               </a14:hiddenLine>
             </a:ext>
             <a:ext uri="{AF507438-7753-43e0-B8FC-AC1667EBCBE1}">
-              <a14:hiddenEffects xmlns:a14="http://schemas.microsoft.com/office/drawing/2007/7/7/main" xmlns="">
+              <a14:hiddenEffects xmlns="" xmlns:a14="http://schemas.microsoft.com/office/drawing/2007/7/7/main">
                 <a:effectLst>
                   <a:outerShdw blurRad="63500" dist="35921" dir="2700000" algn="ctr" rotWithShape="0">
                     <a:schemeClr val="bg2"/>
@@ -4320,7 +4321,7 @@
     </p:spTree>
     <p:extLst>
       <p:ext uri="{BB962C8B-B14F-4D97-AF65-F5344CB8AC3E}">
-        <p14:creationId xmlns:p14="http://schemas.microsoft.com/office/powerpoint/2007/7/12/main" xmlns="" val="1632735767"/>
+        <p14:creationId xmlns="" xmlns:p14="http://schemas.microsoft.com/office/powerpoint/2007/7/12/main" val="1632735767"/>
       </p:ext>
     </p:extLst>
   </p:cSld>
@@ -4539,7 +4540,7 @@
     </p:spTree>
     <p:extLst>
       <p:ext uri="{BB962C8B-B14F-4D97-AF65-F5344CB8AC3E}">
-        <p14:creationId xmlns:p14="http://schemas.microsoft.com/office/powerpoint/2007/7/12/main" xmlns="" val="1239055144"/>
+        <p14:creationId xmlns="" xmlns:p14="http://schemas.microsoft.com/office/powerpoint/2007/7/12/main" val="1239055144"/>
       </p:ext>
     </p:extLst>
   </p:cSld>
@@ -4590,7 +4591,7 @@
           <a:blip r:embed="rId15" cstate="print">
             <a:extLst>
               <a:ext uri="28A0092B-C50C-407e-A947-70E740481C1C">
-                <a14:useLocalDpi xmlns:a14="http://schemas.microsoft.com/office/drawing/2007/7/7/main" xmlns="" val="0"/>
+                <a14:useLocalDpi xmlns="" xmlns:a14="http://schemas.microsoft.com/office/drawing/2007/7/7/main" val="0"/>
               </a:ext>
             </a:extLst>
           </a:blip>
@@ -4609,14 +4610,14 @@
           </a:prstGeom>
           <a:extLst>
             <a:ext uri="{909E8E84-426E-40dd-AFC4-6F175D3DCCD1}">
-              <a14:hiddenFill xmlns:a14="http://schemas.microsoft.com/office/drawing/2007/7/7/main" xmlns="">
+              <a14:hiddenFill xmlns="" xmlns:a14="http://schemas.microsoft.com/office/drawing/2007/7/7/main">
                 <a:solidFill>
                   <a:schemeClr val="accent1"/>
                 </a:solidFill>
               </a14:hiddenFill>
             </a:ext>
             <a:ext uri="{91240B29-F687-4f45-9708-019B960494DF}">
-              <a14:hiddenLine xmlns:a14="http://schemas.microsoft.com/office/drawing/2007/7/7/main" xmlns="" w="9525">
+              <a14:hiddenLine xmlns="" xmlns:a14="http://schemas.microsoft.com/office/drawing/2007/7/7/main" w="9525">
                 <a:solidFill>
                   <a:schemeClr val="tx1"/>
                 </a:solidFill>
@@ -4626,7 +4627,7 @@
               </a14:hiddenLine>
             </a:ext>
             <a:ext uri="{AF507438-7753-43e0-B8FC-AC1667EBCBE1}">
-              <a14:hiddenEffects xmlns:a14="http://schemas.microsoft.com/office/drawing/2007/7/7/main" xmlns="">
+              <a14:hiddenEffects xmlns="" xmlns:a14="http://schemas.microsoft.com/office/drawing/2007/7/7/main">
                 <a:effectLst>
                   <a:outerShdw blurRad="63500" dist="35921" dir="2700000" algn="ctr" rotWithShape="0">
                     <a:schemeClr val="bg2"/>
@@ -4744,7 +4745,7 @@
           <a:blip r:embed="rId16" cstate="print">
             <a:extLst>
               <a:ext uri="28A0092B-C50C-407e-A947-70E740481C1C">
-                <a14:useLocalDpi xmlns:a14="http://schemas.microsoft.com/office/drawing/2007/7/7/main" xmlns="" val="0"/>
+                <a14:useLocalDpi xmlns="" xmlns:a14="http://schemas.microsoft.com/office/drawing/2007/7/7/main" val="0"/>
               </a:ext>
             </a:extLst>
           </a:blip>
@@ -4763,14 +4764,14 @@
           </a:prstGeom>
           <a:extLst>
             <a:ext uri="{909E8E84-426E-40dd-AFC4-6F175D3DCCD1}">
-              <a14:hiddenFill xmlns:a14="http://schemas.microsoft.com/office/drawing/2007/7/7/main" xmlns="">
+              <a14:hiddenFill xmlns="" xmlns:a14="http://schemas.microsoft.com/office/drawing/2007/7/7/main">
                 <a:solidFill>
                   <a:srgbClr xmlns:mc="http://schemas.openxmlformats.org/markup-compatibility/2006" val="FFFFFF" mc:Ignorable=""/>
                 </a:solidFill>
               </a14:hiddenFill>
             </a:ext>
             <a:ext uri="{91240B29-F687-4f45-9708-019B960494DF}">
-              <a14:hiddenLine xmlns:a14="http://schemas.microsoft.com/office/drawing/2007/7/7/main" xmlns="" w="9525">
+              <a14:hiddenLine xmlns="" xmlns:a14="http://schemas.microsoft.com/office/drawing/2007/7/7/main" w="9525">
                 <a:solidFill>
                   <a:srgbClr xmlns:mc="http://schemas.openxmlformats.org/markup-compatibility/2006" val="000000" mc:Ignorable=""/>
                 </a:solidFill>
@@ -4780,7 +4781,7 @@
               </a14:hiddenLine>
             </a:ext>
             <a:ext uri="{53640926-AAD7-44d8-BBD7-CCE9431645EC}">
-              <a14:shadowObscured xmlns:a14="http://schemas.microsoft.com/office/drawing/2007/7/7/main" xmlns="" val="1"/>
+              <a14:shadowObscured xmlns="" xmlns:a14="http://schemas.microsoft.com/office/drawing/2007/7/7/main" val="1"/>
             </a:ext>
           </a:extLst>
         </p:spPr>
@@ -4797,7 +4798,7 @@
           <a:blip r:embed="rId17" cstate="print">
             <a:extLst>
               <a:ext uri="28A0092B-C50C-407e-A947-70E740481C1C">
-                <a14:useLocalDpi xmlns:a14="http://schemas.microsoft.com/office/drawing/2007/7/7/main" xmlns="" val="0"/>
+                <a14:useLocalDpi xmlns="" xmlns:a14="http://schemas.microsoft.com/office/drawing/2007/7/7/main" val="0"/>
               </a:ext>
             </a:extLst>
           </a:blip>
@@ -4816,14 +4817,14 @@
           </a:prstGeom>
           <a:extLst>
             <a:ext uri="{909E8E84-426E-40dd-AFC4-6F175D3DCCD1}">
-              <a14:hiddenFill xmlns:a14="http://schemas.microsoft.com/office/drawing/2007/7/7/main" xmlns="">
+              <a14:hiddenFill xmlns="" xmlns:a14="http://schemas.microsoft.com/office/drawing/2007/7/7/main">
                 <a:solidFill>
                   <a:srgbClr xmlns:mc="http://schemas.openxmlformats.org/markup-compatibility/2006" val="FFFFFF" mc:Ignorable=""/>
                 </a:solidFill>
               </a14:hiddenFill>
             </a:ext>
             <a:ext uri="{91240B29-F687-4f45-9708-019B960494DF}">
-              <a14:hiddenLine xmlns:a14="http://schemas.microsoft.com/office/drawing/2007/7/7/main" xmlns="" w="9525">
+              <a14:hiddenLine xmlns="" xmlns:a14="http://schemas.microsoft.com/office/drawing/2007/7/7/main" w="9525">
                 <a:solidFill>
                   <a:srgbClr xmlns:mc="http://schemas.openxmlformats.org/markup-compatibility/2006" val="000000" mc:Ignorable=""/>
                 </a:solidFill>
@@ -4862,7 +4863,7 @@
     </p:spTree>
     <p:extLst>
       <p:ext uri="{BB962C8B-B14F-4D97-AF65-F5344CB8AC3E}">
-        <p14:creationId xmlns:p14="http://schemas.microsoft.com/office/powerpoint/2007/7/12/main" xmlns="" val="3135767725"/>
+        <p14:creationId xmlns="" xmlns:p14="http://schemas.microsoft.com/office/powerpoint/2007/7/12/main" val="3135767725"/>
       </p:ext>
     </p:extLst>
   </p:cSld>
@@ -5801,7 +5802,7 @@
     </p:spTree>
     <p:extLst>
       <p:ext uri="{BB962C8B-B14F-4D97-AF65-F5344CB8AC3E}">
-        <p14:creationId xmlns:p14="http://schemas.microsoft.com/office/powerpoint/2007/7/12/main" xmlns="" val="1337988155"/>
+        <p14:creationId xmlns="" xmlns:p14="http://schemas.microsoft.com/office/powerpoint/2007/7/12/main" val="1337988155"/>
       </p:ext>
     </p:extLst>
   </p:cSld>
@@ -6103,7 +6104,7 @@
     </p:spTree>
     <p:extLst>
       <p:ext uri="{BB962C8B-B14F-4D97-AF65-F5344CB8AC3E}">
-        <p14:creationId xmlns:p14="http://schemas.microsoft.com/office/powerpoint/2007/7/12/main" xmlns="" val="564663352"/>
+        <p14:creationId xmlns="" xmlns:p14="http://schemas.microsoft.com/office/powerpoint/2007/7/12/main" val="564663352"/>
       </p:ext>
     </p:extLst>
   </p:cSld>
@@ -7139,7 +7140,7 @@
     </p:spTree>
     <p:extLst>
       <p:ext uri="{BB962C8B-B14F-4D97-AF65-F5344CB8AC3E}">
-        <p14:creationId xmlns:p14="http://schemas.microsoft.com/office/powerpoint/2007/7/12/main" xmlns="" val="967988230"/>
+        <p14:creationId xmlns="" xmlns:p14="http://schemas.microsoft.com/office/powerpoint/2007/7/12/main" val="967988230"/>
       </p:ext>
     </p:extLst>
   </p:cSld>
@@ -7147,7 +7148,7 @@
     <a:masterClrMapping/>
   </p:clrMapOvr>
   <mc:AlternateContent xmlns:mc="http://schemas.openxmlformats.org/markup-compatibility/2006">
-    <mc:Choice xmlns:p14="http://schemas.microsoft.com/office/powerpoint/2007/7/12/main" xmlns="" Requires="p14">
+    <mc:Choice xmlns="" xmlns:p14="http://schemas.microsoft.com/office/powerpoint/2007/7/12/main" Requires="p14">
       <p:transition p14:dur="0"/>
     </mc:Choice>
     <mc:Fallback>
@@ -7248,7 +7249,7 @@
     </p:spTree>
     <p:extLst>
       <p:ext uri="{BB962C8B-B14F-4D97-AF65-F5344CB8AC3E}">
-        <p14:creationId xmlns:p14="http://schemas.microsoft.com/office/powerpoint/2007/7/12/main" xmlns="" val="967988230"/>
+        <p14:creationId xmlns="" xmlns:p14="http://schemas.microsoft.com/office/powerpoint/2007/7/12/main" val="967988230"/>
       </p:ext>
     </p:extLst>
   </p:cSld>
@@ -7256,7 +7257,7 @@
     <a:masterClrMapping/>
   </p:clrMapOvr>
   <mc:AlternateContent xmlns:mc="http://schemas.openxmlformats.org/markup-compatibility/2006">
-    <mc:Choice xmlns:p14="http://schemas.microsoft.com/office/powerpoint/2007/7/12/main" xmlns="" Requires="p14">
+    <mc:Choice xmlns="" xmlns:p14="http://schemas.microsoft.com/office/powerpoint/2007/7/12/main" Requires="p14">
       <p:transition p14:dur="0"/>
     </mc:Choice>
     <mc:Fallback>
@@ -7513,7 +7514,7 @@
     </p:spTree>
     <p:extLst>
       <p:ext uri="{BB962C8B-B14F-4D97-AF65-F5344CB8AC3E}">
-        <p14:creationId xmlns:p14="http://schemas.microsoft.com/office/powerpoint/2007/7/12/main" xmlns="" val="564663352"/>
+        <p14:creationId xmlns="" xmlns:p14="http://schemas.microsoft.com/office/powerpoint/2007/7/12/main" val="564663352"/>
       </p:ext>
     </p:extLst>
   </p:cSld>
@@ -7897,7 +7898,7 @@
     </p:spTree>
     <p:extLst>
       <p:ext uri="{BB962C8B-B14F-4D97-AF65-F5344CB8AC3E}">
-        <p14:creationId xmlns:p14="http://schemas.microsoft.com/office/powerpoint/2007/7/12/main" xmlns="" val="564663352"/>
+        <p14:creationId xmlns="" xmlns:p14="http://schemas.microsoft.com/office/powerpoint/2007/7/12/main" val="564663352"/>
       </p:ext>
     </p:extLst>
   </p:cSld>
@@ -8412,7 +8413,7 @@
     </p:spTree>
     <p:extLst>
       <p:ext uri="{BB962C8B-B14F-4D97-AF65-F5344CB8AC3E}">
-        <p14:creationId xmlns="" xmlns:p14="http://schemas.microsoft.com/office/powerpoint/2007/7/12/main" val="1875469109"/>
+        <p14:creationId xmlns:p14="http://schemas.microsoft.com/office/powerpoint/2007/7/12/main" xmlns="" val="1875469109"/>
       </p:ext>
     </p:extLst>
   </p:cSld>
@@ -8420,7 +8421,7 @@
     <a:masterClrMapping/>
   </p:clrMapOvr>
   <mc:AlternateContent xmlns:mc="http://schemas.openxmlformats.org/markup-compatibility/2006">
-    <mc:Choice xmlns="" xmlns:p14="http://schemas.microsoft.com/office/powerpoint/2007/7/12/main" Requires="p14">
+    <mc:Choice xmlns:p14="http://schemas.microsoft.com/office/powerpoint/2007/7/12/main" xmlns="" Requires="p14">
       <p:transition spd="slow" p14:dur="2000"/>
     </mc:Choice>
     <mc:Fallback>
@@ -8628,7 +8629,7 @@
     </p:spTree>
     <p:extLst>
       <p:ext uri="{BB962C8B-B14F-4D97-AF65-F5344CB8AC3E}">
-        <p14:creationId xmlns:p14="http://schemas.microsoft.com/office/powerpoint/2007/7/12/main" xmlns="" val="564663352"/>
+        <p14:creationId xmlns="" xmlns:p14="http://schemas.microsoft.com/office/powerpoint/2007/7/12/main" val="564663352"/>
       </p:ext>
     </p:extLst>
   </p:cSld>
@@ -9089,7 +9090,7 @@
     </p:spTree>
     <p:extLst>
       <p:ext uri="{BB962C8B-B14F-4D97-AF65-F5344CB8AC3E}">
-        <p14:creationId xmlns:p14="http://schemas.microsoft.com/office/powerpoint/2007/7/12/main" xmlns="" val="564663352"/>
+        <p14:creationId xmlns="" xmlns:p14="http://schemas.microsoft.com/office/powerpoint/2007/7/12/main" val="564663352"/>
       </p:ext>
     </p:extLst>
   </p:cSld>
@@ -9526,7 +9527,7 @@
     </p:spTree>
     <p:extLst>
       <p:ext uri="{BB962C8B-B14F-4D97-AF65-F5344CB8AC3E}">
-        <p14:creationId xmlns:p14="http://schemas.microsoft.com/office/powerpoint/2007/7/12/main" xmlns="" val="564663352"/>
+        <p14:creationId xmlns="" xmlns:p14="http://schemas.microsoft.com/office/powerpoint/2007/7/12/main" val="564663352"/>
       </p:ext>
     </p:extLst>
   </p:cSld>
@@ -9891,7 +9892,7 @@
     </p:spTree>
     <p:extLst>
       <p:ext uri="{BB962C8B-B14F-4D97-AF65-F5344CB8AC3E}">
-        <p14:creationId xmlns:p14="http://schemas.microsoft.com/office/powerpoint/2007/7/12/main" xmlns="" val="967988230"/>
+        <p14:creationId xmlns="" xmlns:p14="http://schemas.microsoft.com/office/powerpoint/2007/7/12/main" val="967988230"/>
       </p:ext>
     </p:extLst>
   </p:cSld>
@@ -9899,7 +9900,7 @@
     <a:masterClrMapping/>
   </p:clrMapOvr>
   <mc:AlternateContent xmlns:mc="http://schemas.openxmlformats.org/markup-compatibility/2006">
-    <mc:Choice xmlns:p14="http://schemas.microsoft.com/office/powerpoint/2007/7/12/main" xmlns="" Requires="p14">
+    <mc:Choice xmlns="" xmlns:p14="http://schemas.microsoft.com/office/powerpoint/2007/7/12/main" Requires="p14">
       <p:transition p14:dur="0"/>
     </mc:Choice>
     <mc:Fallback>
@@ -10000,7 +10001,7 @@
     </p:spTree>
     <p:extLst>
       <p:ext uri="{BB962C8B-B14F-4D97-AF65-F5344CB8AC3E}">
-        <p14:creationId xmlns:p14="http://schemas.microsoft.com/office/powerpoint/2007/7/12/main" xmlns="" val="967988230"/>
+        <p14:creationId xmlns="" xmlns:p14="http://schemas.microsoft.com/office/powerpoint/2007/7/12/main" val="967988230"/>
       </p:ext>
     </p:extLst>
   </p:cSld>
@@ -10008,7 +10009,7 @@
     <a:masterClrMapping/>
   </p:clrMapOvr>
   <mc:AlternateContent xmlns:mc="http://schemas.openxmlformats.org/markup-compatibility/2006">
-    <mc:Choice xmlns:p14="http://schemas.microsoft.com/office/powerpoint/2007/7/12/main" xmlns="" Requires="p14">
+    <mc:Choice xmlns="" xmlns:p14="http://schemas.microsoft.com/office/powerpoint/2007/7/12/main" Requires="p14">
       <p:transition p14:dur="0"/>
     </mc:Choice>
     <mc:Fallback>
@@ -10192,7 +10193,7 @@
     </p:spTree>
     <p:extLst>
       <p:ext uri="{BB962C8B-B14F-4D97-AF65-F5344CB8AC3E}">
-        <p14:creationId xmlns:p14="http://schemas.microsoft.com/office/powerpoint/2007/7/12/main" xmlns="" val="564663352"/>
+        <p14:creationId xmlns="" xmlns:p14="http://schemas.microsoft.com/office/powerpoint/2007/7/12/main" val="564663352"/>
       </p:ext>
     </p:extLst>
   </p:cSld>
@@ -10814,7 +10815,7 @@
     </p:spTree>
     <p:extLst>
       <p:ext uri="{BB962C8B-B14F-4D97-AF65-F5344CB8AC3E}">
-        <p14:creationId xmlns:p14="http://schemas.microsoft.com/office/powerpoint/2007/7/12/main" xmlns="" val="564663352"/>
+        <p14:creationId xmlns="" xmlns:p14="http://schemas.microsoft.com/office/powerpoint/2007/7/12/main" val="564663352"/>
       </p:ext>
     </p:extLst>
   </p:cSld>
@@ -11458,7 +11459,7 @@
     </p:spTree>
     <p:extLst>
       <p:ext uri="{BB962C8B-B14F-4D97-AF65-F5344CB8AC3E}">
-        <p14:creationId xmlns:p14="http://schemas.microsoft.com/office/powerpoint/2007/7/12/main" xmlns="" val="564663352"/>
+        <p14:creationId xmlns="" xmlns:p14="http://schemas.microsoft.com/office/powerpoint/2007/7/12/main" val="564663352"/>
       </p:ext>
     </p:extLst>
   </p:cSld>
@@ -11660,7 +11661,7 @@
     </p:spTree>
     <p:extLst>
       <p:ext uri="{BB962C8B-B14F-4D97-AF65-F5344CB8AC3E}">
-        <p14:creationId xmlns:p14="http://schemas.microsoft.com/office/powerpoint/2007/7/12/main" xmlns="" val="564663352"/>
+        <p14:creationId xmlns="" xmlns:p14="http://schemas.microsoft.com/office/powerpoint/2007/7/12/main" val="564663352"/>
       </p:ext>
     </p:extLst>
   </p:cSld>
@@ -12750,7 +12751,7 @@
     </p:spTree>
     <p:extLst>
       <p:ext uri="{BB962C8B-B14F-4D97-AF65-F5344CB8AC3E}">
-        <p14:creationId xmlns:p14="http://schemas.microsoft.com/office/powerpoint/2007/7/12/main" xmlns="" val="564663352"/>
+        <p14:creationId xmlns="" xmlns:p14="http://schemas.microsoft.com/office/powerpoint/2007/7/12/main" val="564663352"/>
       </p:ext>
     </p:extLst>
   </p:cSld>
@@ -13031,7 +13032,7 @@
     </p:spTree>
     <p:extLst>
       <p:ext uri="{BB962C8B-B14F-4D97-AF65-F5344CB8AC3E}">
-        <p14:creationId xmlns:p14="http://schemas.microsoft.com/office/powerpoint/2007/7/12/main" xmlns="" val="1875469109"/>
+        <p14:creationId xmlns="" xmlns:p14="http://schemas.microsoft.com/office/powerpoint/2007/7/12/main" val="1875469109"/>
       </p:ext>
     </p:extLst>
   </p:cSld>
@@ -13039,7 +13040,7 @@
     <a:masterClrMapping/>
   </p:clrMapOvr>
   <mc:AlternateContent xmlns:mc="http://schemas.openxmlformats.org/markup-compatibility/2006">
-    <mc:Choice xmlns:p14="http://schemas.microsoft.com/office/powerpoint/2007/7/12/main" xmlns="" Requires="p14">
+    <mc:Choice xmlns="" xmlns:p14="http://schemas.microsoft.com/office/powerpoint/2007/7/12/main" Requires="p14">
       <p:transition spd="slow" p14:dur="2000"/>
     </mc:Choice>
     <mc:Fallback>
@@ -13229,7 +13230,7 @@
     </p:spTree>
     <p:extLst>
       <p:ext uri="{BB962C8B-B14F-4D97-AF65-F5344CB8AC3E}">
-        <p14:creationId xmlns:p14="http://schemas.microsoft.com/office/powerpoint/2007/7/12/main" xmlns="" val="564663352"/>
+        <p14:creationId xmlns="" xmlns:p14="http://schemas.microsoft.com/office/powerpoint/2007/7/12/main" val="564663352"/>
       </p:ext>
     </p:extLst>
   </p:cSld>
@@ -13916,7 +13917,7 @@
     </p:spTree>
     <p:extLst>
       <p:ext uri="{BB962C8B-B14F-4D97-AF65-F5344CB8AC3E}">
-        <p14:creationId xmlns:p14="http://schemas.microsoft.com/office/powerpoint/2007/7/12/main" xmlns="" val="564663352"/>
+        <p14:creationId xmlns="" xmlns:p14="http://schemas.microsoft.com/office/powerpoint/2007/7/12/main" val="564663352"/>
       </p:ext>
     </p:extLst>
   </p:cSld>
@@ -14104,7 +14105,7 @@
     </p:spTree>
     <p:extLst>
       <p:ext uri="{BB962C8B-B14F-4D97-AF65-F5344CB8AC3E}">
-        <p14:creationId xmlns:p14="http://schemas.microsoft.com/office/powerpoint/2007/7/12/main" xmlns="" val="564663352"/>
+        <p14:creationId xmlns="" xmlns:p14="http://schemas.microsoft.com/office/powerpoint/2007/7/12/main" val="564663352"/>
       </p:ext>
     </p:extLst>
   </p:cSld>
@@ -14565,7 +14566,7 @@
     </p:spTree>
     <p:extLst>
       <p:ext uri="{BB962C8B-B14F-4D97-AF65-F5344CB8AC3E}">
-        <p14:creationId xmlns:p14="http://schemas.microsoft.com/office/powerpoint/2007/7/12/main" xmlns="" val="564663352"/>
+        <p14:creationId xmlns="" xmlns:p14="http://schemas.microsoft.com/office/powerpoint/2007/7/12/main" val="564663352"/>
       </p:ext>
     </p:extLst>
   </p:cSld>
@@ -15048,7 +15049,7 @@
     </p:spTree>
     <p:extLst>
       <p:ext uri="{BB962C8B-B14F-4D97-AF65-F5344CB8AC3E}">
-        <p14:creationId xmlns:p14="http://schemas.microsoft.com/office/powerpoint/2007/7/12/main" xmlns="" val="564663352"/>
+        <p14:creationId xmlns="" xmlns:p14="http://schemas.microsoft.com/office/powerpoint/2007/7/12/main" val="564663352"/>
       </p:ext>
     </p:extLst>
   </p:cSld>
@@ -15462,7 +15463,7 @@
     </p:spTree>
     <p:extLst>
       <p:ext uri="{BB962C8B-B14F-4D97-AF65-F5344CB8AC3E}">
-        <p14:creationId xmlns:p14="http://schemas.microsoft.com/office/powerpoint/2007/7/12/main" xmlns="" val="967988230"/>
+        <p14:creationId xmlns="" xmlns:p14="http://schemas.microsoft.com/office/powerpoint/2007/7/12/main" val="967988230"/>
       </p:ext>
     </p:extLst>
   </p:cSld>
@@ -15470,7 +15471,7 @@
     <a:masterClrMapping/>
   </p:clrMapOvr>
   <mc:AlternateContent xmlns:mc="http://schemas.openxmlformats.org/markup-compatibility/2006">
-    <mc:Choice xmlns:p14="http://schemas.microsoft.com/office/powerpoint/2007/7/12/main" xmlns="" Requires="p14">
+    <mc:Choice xmlns="" xmlns:p14="http://schemas.microsoft.com/office/powerpoint/2007/7/12/main" Requires="p14">
       <p:transition p14:dur="0"/>
     </mc:Choice>
     <mc:Fallback>
@@ -15571,7 +15572,7 @@
     </p:spTree>
     <p:extLst>
       <p:ext uri="{BB962C8B-B14F-4D97-AF65-F5344CB8AC3E}">
-        <p14:creationId xmlns:p14="http://schemas.microsoft.com/office/powerpoint/2007/7/12/main" xmlns="" val="967988230"/>
+        <p14:creationId xmlns="" xmlns:p14="http://schemas.microsoft.com/office/powerpoint/2007/7/12/main" val="967988230"/>
       </p:ext>
     </p:extLst>
   </p:cSld>
@@ -15579,7 +15580,7 @@
     <a:masterClrMapping/>
   </p:clrMapOvr>
   <mc:AlternateContent xmlns:mc="http://schemas.openxmlformats.org/markup-compatibility/2006">
-    <mc:Choice xmlns:p14="http://schemas.microsoft.com/office/powerpoint/2007/7/12/main" xmlns="" Requires="p14">
+    <mc:Choice xmlns="" xmlns:p14="http://schemas.microsoft.com/office/powerpoint/2007/7/12/main" Requires="p14">
       <p:transition p14:dur="0"/>
     </mc:Choice>
     <mc:Fallback>
@@ -15850,7 +15851,7 @@
     </p:spTree>
     <p:extLst>
       <p:ext uri="{BB962C8B-B14F-4D97-AF65-F5344CB8AC3E}">
-        <p14:creationId xmlns:p14="http://schemas.microsoft.com/office/powerpoint/2007/7/12/main" xmlns="" val="564663352"/>
+        <p14:creationId xmlns="" xmlns:p14="http://schemas.microsoft.com/office/powerpoint/2007/7/12/main" val="564663352"/>
       </p:ext>
     </p:extLst>
   </p:cSld>
@@ -16316,7 +16317,7 @@
     </p:spTree>
     <p:extLst>
       <p:ext uri="{BB962C8B-B14F-4D97-AF65-F5344CB8AC3E}">
-        <p14:creationId xmlns:p14="http://schemas.microsoft.com/office/powerpoint/2007/7/12/main" xmlns="" val="564663352"/>
+        <p14:creationId xmlns="" xmlns:p14="http://schemas.microsoft.com/office/powerpoint/2007/7/12/main" val="564663352"/>
       </p:ext>
     </p:extLst>
   </p:cSld>
@@ -16606,7 +16607,7 @@
     </p:spTree>
     <p:extLst>
       <p:ext uri="{BB962C8B-B14F-4D97-AF65-F5344CB8AC3E}">
-        <p14:creationId xmlns:p14="http://schemas.microsoft.com/office/powerpoint/2007/7/12/main" xmlns="" val="242698022"/>
+        <p14:creationId xmlns="" xmlns:p14="http://schemas.microsoft.com/office/powerpoint/2007/7/12/main" val="242698022"/>
       </p:ext>
     </p:extLst>
   </p:cSld>
@@ -16815,7 +16816,7 @@
     </p:spTree>
     <p:extLst>
       <p:ext uri="{BB962C8B-B14F-4D97-AF65-F5344CB8AC3E}">
-        <p14:creationId xmlns:p14="http://schemas.microsoft.com/office/powerpoint/2007/7/12/main" xmlns="" val="564663352"/>
+        <p14:creationId xmlns="" xmlns:p14="http://schemas.microsoft.com/office/powerpoint/2007/7/12/main" val="564663352"/>
       </p:ext>
     </p:extLst>
   </p:cSld>
@@ -17083,6 +17084,464 @@
           <a:p>
             <a:r>
               <a:rPr lang="pt-PT" dirty="0" smtClean="0"/>
+              <a:t>NVelocity – Síntaxe	</a:t>
+            </a:r>
+            <a:endParaRPr lang="pt-PT" dirty="0"/>
+          </a:p>
+        </p:txBody>
+      </p:sp>
+      <p:sp>
+        <p:nvSpPr>
+          <p:cNvPr id="4" name="Content Placeholder 3"/>
+          <p:cNvSpPr>
+            <a:spLocks noGrp="1"/>
+          </p:cNvSpPr>
+          <p:nvPr>
+            <p:ph idx="1"/>
+          </p:nvPr>
+        </p:nvSpPr>
+        <p:spPr>
+          <a:xfrm>
+            <a:off x="416496" y="2384884"/>
+            <a:ext cx="8915400" cy="3672408"/>
+          </a:xfrm>
+        </p:spPr>
+        <p:txBody>
+          <a:bodyPr>
+            <a:noAutofit/>
+          </a:bodyPr>
+          <a:lstStyle/>
+          <a:p>
+            <a:pPr>
+              <a:lnSpc>
+                <a:spcPct val="150000"/>
+              </a:lnSpc>
+            </a:pPr>
+            <a:r>
+              <a:rPr lang="pt-PT" sz="2800" dirty="0" smtClean="0"/>
+              <a:t>Numero da Iteração através </a:t>
+            </a:r>
+            <a:r>
+              <a:rPr lang="pt-PT" sz="2800" dirty="0" smtClean="0"/>
+              <a:t>$velocityCount</a:t>
+            </a:r>
+            <a:endParaRPr lang="pt-PT" sz="2800" dirty="0" smtClean="0"/>
+          </a:p>
+          <a:p>
+            <a:pPr>
+              <a:lnSpc>
+                <a:spcPct val="150000"/>
+              </a:lnSpc>
+            </a:pPr>
+            <a:r>
+              <a:rPr lang="pt-PT" sz="2800" dirty="0" smtClean="0"/>
+              <a:t>Aceder a uma posição da coleção</a:t>
+            </a:r>
+          </a:p>
+          <a:p>
+            <a:pPr lvl="1">
+              <a:lnSpc>
+                <a:spcPct val="150000"/>
+              </a:lnSpc>
+            </a:pPr>
+            <a:r>
+              <a:rPr lang="pt-PT" sz="2400" dirty="0" smtClean="0"/>
+              <a:t>$collection.get_Item(index)</a:t>
+            </a:r>
+          </a:p>
+          <a:p>
+            <a:pPr lvl="2">
+              <a:lnSpc>
+                <a:spcPct val="150000"/>
+              </a:lnSpc>
+            </a:pPr>
+            <a:r>
+              <a:rPr lang="pt-PT" sz="1600" dirty="0" smtClean="0"/>
+              <a:t>$Events.get_Item(3</a:t>
+            </a:r>
+            <a:r>
+              <a:rPr lang="pt-PT" sz="1600" dirty="0" smtClean="0"/>
+              <a:t>)</a:t>
+            </a:r>
+          </a:p>
+          <a:p>
+            <a:pPr lvl="2">
+              <a:lnSpc>
+                <a:spcPct val="150000"/>
+              </a:lnSpc>
+            </a:pPr>
+            <a:r>
+              <a:rPr lang="pt-PT" sz="1600" dirty="0" smtClean="0"/>
+              <a:t>$Events.get_Item(3).</a:t>
+            </a:r>
+            <a:r>
+              <a:rPr lang="pt-PT" sz="1600" dirty="0" smtClean="0"/>
+              <a:t>EventName</a:t>
+            </a:r>
+          </a:p>
+          <a:p>
+            <a:pPr lvl="2">
+              <a:lnSpc>
+                <a:spcPct val="150000"/>
+              </a:lnSpc>
+            </a:pPr>
+            <a:r>
+              <a:rPr lang="pt-PT" sz="1600" dirty="0" smtClean="0"/>
+              <a:t>$Events.get_Item(3).EventLocalization</a:t>
+            </a:r>
+            <a:endParaRPr lang="pt-PT" sz="1600" dirty="0" smtClean="0"/>
+          </a:p>
+        </p:txBody>
+      </p:sp>
+      <p:sp>
+        <p:nvSpPr>
+          <p:cNvPr id="6" name="TextBox 5"/>
+          <p:cNvSpPr txBox="1"/>
+          <p:nvPr/>
+        </p:nvSpPr>
+        <p:spPr>
+          <a:xfrm>
+            <a:off x="452500" y="1340768"/>
+            <a:ext cx="8928992" cy="769441"/>
+          </a:xfrm>
+          <a:prstGeom prst="rect">
+            <a:avLst/>
+          </a:prstGeom>
+        </p:spPr>
+        <p:style>
+          <a:lnRef idx="3">
+            <a:schemeClr val="lt1"/>
+          </a:lnRef>
+          <a:fillRef idx="1">
+            <a:schemeClr val="accent3"/>
+          </a:fillRef>
+          <a:effectRef idx="1">
+            <a:schemeClr val="accent3"/>
+          </a:effectRef>
+          <a:fontRef idx="minor">
+            <a:schemeClr val="lt1"/>
+          </a:fontRef>
+        </p:style>
+        <p:txBody>
+          <a:bodyPr wrap="square" rtlCol="0">
+            <a:spAutoFit/>
+          </a:bodyPr>
+          <a:lstStyle/>
+          <a:p>
+            <a:r>
+              <a:rPr lang="pt-PT" sz="4400" dirty="0" smtClean="0"/>
+              <a:t>VTL </a:t>
+            </a:r>
+            <a:r>
+              <a:rPr lang="pt-PT" sz="4400" dirty="0" smtClean="0"/>
+              <a:t>– Good to Know</a:t>
+            </a:r>
+            <a:endParaRPr lang="pt-PT" sz="4400" dirty="0" smtClean="0"/>
+          </a:p>
+        </p:txBody>
+      </p:sp>
+    </p:spTree>
+    <p:extLst>
+      <p:ext uri="{BB962C8B-B14F-4D97-AF65-F5344CB8AC3E}">
+        <p14:creationId xmlns="" xmlns:p14="http://schemas.microsoft.com/office/powerpoint/2007/7/12/main" val="564663352"/>
+      </p:ext>
+    </p:extLst>
+  </p:cSld>
+  <p:clrMapOvr>
+    <a:masterClrMapping/>
+  </p:clrMapOvr>
+  <p:timing>
+    <p:tnLst>
+      <p:par>
+        <p:cTn id="1" dur="indefinite" restart="never" nodeType="tmRoot">
+          <p:childTnLst>
+            <p:seq concurrent="1" nextAc="seek">
+              <p:cTn id="2" dur="indefinite" nodeType="mainSeq">
+                <p:childTnLst>
+                  <p:par>
+                    <p:cTn id="3" fill="hold">
+                      <p:stCondLst>
+                        <p:cond delay="indefinite"/>
+                      </p:stCondLst>
+                      <p:childTnLst>
+                        <p:par>
+                          <p:cTn id="4" fill="hold">
+                            <p:stCondLst>
+                              <p:cond delay="0"/>
+                            </p:stCondLst>
+                            <p:childTnLst>
+                              <p:par>
+                                <p:cTn id="5" presetID="1" presetClass="entr" presetSubtype="0" fill="hold" grpId="0" nodeType="clickEffect">
+                                  <p:stCondLst>
+                                    <p:cond delay="0"/>
+                                  </p:stCondLst>
+                                  <p:childTnLst>
+                                    <p:set>
+                                      <p:cBhvr>
+                                        <p:cTn id="6" dur="1" fill="hold">
+                                          <p:stCondLst>
+                                            <p:cond delay="0"/>
+                                          </p:stCondLst>
+                                        </p:cTn>
+                                        <p:tgtEl>
+                                          <p:spTgt spid="4">
+                                            <p:txEl>
+                                              <p:pRg st="0" end="0"/>
+                                            </p:txEl>
+                                          </p:spTgt>
+                                        </p:tgtEl>
+                                        <p:attrNameLst>
+                                          <p:attrName>style.visibility</p:attrName>
+                                        </p:attrNameLst>
+                                      </p:cBhvr>
+                                      <p:to>
+                                        <p:strVal val="visible"/>
+                                      </p:to>
+                                    </p:set>
+                                  </p:childTnLst>
+                                </p:cTn>
+                              </p:par>
+                            </p:childTnLst>
+                          </p:cTn>
+                        </p:par>
+                      </p:childTnLst>
+                    </p:cTn>
+                  </p:par>
+                  <p:par>
+                    <p:cTn id="7" fill="hold">
+                      <p:stCondLst>
+                        <p:cond delay="indefinite"/>
+                      </p:stCondLst>
+                      <p:childTnLst>
+                        <p:par>
+                          <p:cTn id="8" fill="hold">
+                            <p:stCondLst>
+                              <p:cond delay="0"/>
+                            </p:stCondLst>
+                            <p:childTnLst>
+                              <p:par>
+                                <p:cTn id="9" presetID="1" presetClass="entr" presetSubtype="0" fill="hold" grpId="0" nodeType="clickEffect">
+                                  <p:stCondLst>
+                                    <p:cond delay="0"/>
+                                  </p:stCondLst>
+                                  <p:childTnLst>
+                                    <p:set>
+                                      <p:cBhvr>
+                                        <p:cTn id="10" dur="1" fill="hold">
+                                          <p:stCondLst>
+                                            <p:cond delay="0"/>
+                                          </p:stCondLst>
+                                        </p:cTn>
+                                        <p:tgtEl>
+                                          <p:spTgt spid="4">
+                                            <p:txEl>
+                                              <p:pRg st="1" end="1"/>
+                                            </p:txEl>
+                                          </p:spTgt>
+                                        </p:tgtEl>
+                                        <p:attrNameLst>
+                                          <p:attrName>style.visibility</p:attrName>
+                                        </p:attrNameLst>
+                                      </p:cBhvr>
+                                      <p:to>
+                                        <p:strVal val="visible"/>
+                                      </p:to>
+                                    </p:set>
+                                  </p:childTnLst>
+                                </p:cTn>
+                              </p:par>
+                              <p:par>
+                                <p:cTn id="11" presetID="1" presetClass="entr" presetSubtype="0" fill="hold" grpId="0" nodeType="withEffect">
+                                  <p:stCondLst>
+                                    <p:cond delay="0"/>
+                                  </p:stCondLst>
+                                  <p:childTnLst>
+                                    <p:set>
+                                      <p:cBhvr>
+                                        <p:cTn id="12" dur="1" fill="hold">
+                                          <p:stCondLst>
+                                            <p:cond delay="0"/>
+                                          </p:stCondLst>
+                                        </p:cTn>
+                                        <p:tgtEl>
+                                          <p:spTgt spid="4">
+                                            <p:txEl>
+                                              <p:pRg st="2" end="2"/>
+                                            </p:txEl>
+                                          </p:spTgt>
+                                        </p:tgtEl>
+                                        <p:attrNameLst>
+                                          <p:attrName>style.visibility</p:attrName>
+                                        </p:attrNameLst>
+                                      </p:cBhvr>
+                                      <p:to>
+                                        <p:strVal val="visible"/>
+                                      </p:to>
+                                    </p:set>
+                                  </p:childTnLst>
+                                </p:cTn>
+                              </p:par>
+                              <p:par>
+                                <p:cTn id="13" presetID="1" presetClass="entr" presetSubtype="0" fill="hold" grpId="0" nodeType="withEffect">
+                                  <p:stCondLst>
+                                    <p:cond delay="0"/>
+                                  </p:stCondLst>
+                                  <p:childTnLst>
+                                    <p:set>
+                                      <p:cBhvr>
+                                        <p:cTn id="14" dur="1" fill="hold">
+                                          <p:stCondLst>
+                                            <p:cond delay="0"/>
+                                          </p:stCondLst>
+                                        </p:cTn>
+                                        <p:tgtEl>
+                                          <p:spTgt spid="4">
+                                            <p:txEl>
+                                              <p:pRg st="3" end="3"/>
+                                            </p:txEl>
+                                          </p:spTgt>
+                                        </p:tgtEl>
+                                        <p:attrNameLst>
+                                          <p:attrName>style.visibility</p:attrName>
+                                        </p:attrNameLst>
+                                      </p:cBhvr>
+                                      <p:to>
+                                        <p:strVal val="visible"/>
+                                      </p:to>
+                                    </p:set>
+                                  </p:childTnLst>
+                                </p:cTn>
+                              </p:par>
+                              <p:par>
+                                <p:cTn id="15" presetID="1" presetClass="entr" presetSubtype="0" fill="hold" grpId="0" nodeType="withEffect">
+                                  <p:stCondLst>
+                                    <p:cond delay="0"/>
+                                  </p:stCondLst>
+                                  <p:childTnLst>
+                                    <p:set>
+                                      <p:cBhvr>
+                                        <p:cTn id="16" dur="1" fill="hold">
+                                          <p:stCondLst>
+                                            <p:cond delay="0"/>
+                                          </p:stCondLst>
+                                        </p:cTn>
+                                        <p:tgtEl>
+                                          <p:spTgt spid="4">
+                                            <p:txEl>
+                                              <p:pRg st="4" end="4"/>
+                                            </p:txEl>
+                                          </p:spTgt>
+                                        </p:tgtEl>
+                                        <p:attrNameLst>
+                                          <p:attrName>style.visibility</p:attrName>
+                                        </p:attrNameLst>
+                                      </p:cBhvr>
+                                      <p:to>
+                                        <p:strVal val="visible"/>
+                                      </p:to>
+                                    </p:set>
+                                  </p:childTnLst>
+                                </p:cTn>
+                              </p:par>
+                              <p:par>
+                                <p:cTn id="17" presetID="1" presetClass="entr" presetSubtype="0" fill="hold" grpId="0" nodeType="withEffect">
+                                  <p:stCondLst>
+                                    <p:cond delay="0"/>
+                                  </p:stCondLst>
+                                  <p:childTnLst>
+                                    <p:set>
+                                      <p:cBhvr>
+                                        <p:cTn id="18" dur="1" fill="hold">
+                                          <p:stCondLst>
+                                            <p:cond delay="0"/>
+                                          </p:stCondLst>
+                                        </p:cTn>
+                                        <p:tgtEl>
+                                          <p:spTgt spid="4">
+                                            <p:txEl>
+                                              <p:pRg st="5" end="5"/>
+                                            </p:txEl>
+                                          </p:spTgt>
+                                        </p:tgtEl>
+                                        <p:attrNameLst>
+                                          <p:attrName>style.visibility</p:attrName>
+                                        </p:attrNameLst>
+                                      </p:cBhvr>
+                                      <p:to>
+                                        <p:strVal val="visible"/>
+                                      </p:to>
+                                    </p:set>
+                                  </p:childTnLst>
+                                </p:cTn>
+                              </p:par>
+                            </p:childTnLst>
+                          </p:cTn>
+                        </p:par>
+                      </p:childTnLst>
+                    </p:cTn>
+                  </p:par>
+                </p:childTnLst>
+              </p:cTn>
+              <p:prevCondLst>
+                <p:cond evt="onPrev" delay="0">
+                  <p:tgtEl>
+                    <p:sldTgt/>
+                  </p:tgtEl>
+                </p:cond>
+              </p:prevCondLst>
+              <p:nextCondLst>
+                <p:cond evt="onNext" delay="0">
+                  <p:tgtEl>
+                    <p:sldTgt/>
+                  </p:tgtEl>
+                </p:cond>
+              </p:nextCondLst>
+            </p:seq>
+          </p:childTnLst>
+        </p:cTn>
+      </p:par>
+    </p:tnLst>
+    <p:bldLst>
+      <p:bldP spid="4" grpId="0" build="p"/>
+    </p:bldLst>
+  </p:timing>
+</p:sld>
+</file>
+
+<file path=ppt/slides/slide42.xml><?xml version="1.0" encoding="utf-8"?>
+<p:sld xmlns:a="http://schemas.openxmlformats.org/drawingml/2006/main" xmlns:r="http://schemas.openxmlformats.org/officeDocument/2006/relationships" xmlns:p="http://schemas.openxmlformats.org/presentationml/2006/main">
+  <p:cSld>
+    <p:spTree>
+      <p:nvGrpSpPr>
+        <p:cNvPr id="1" name=""/>
+        <p:cNvGrpSpPr/>
+        <p:nvPr/>
+      </p:nvGrpSpPr>
+      <p:grpSpPr>
+        <a:xfrm>
+          <a:off x="0" y="0"/>
+          <a:ext cx="0" cy="0"/>
+          <a:chOff x="0" y="0"/>
+          <a:chExt cx="0" cy="0"/>
+        </a:xfrm>
+      </p:grpSpPr>
+      <p:sp>
+        <p:nvSpPr>
+          <p:cNvPr id="2" name="Title 1"/>
+          <p:cNvSpPr>
+            <a:spLocks noGrp="1"/>
+          </p:cNvSpPr>
+          <p:nvPr>
+            <p:ph type="title"/>
+          </p:nvPr>
+        </p:nvSpPr>
+        <p:spPr/>
+        <p:txBody>
+          <a:bodyPr/>
+          <a:lstStyle/>
+          <a:p>
+            <a:r>
+              <a:rPr lang="pt-PT" dirty="0" smtClean="0"/>
               <a:t>Conclusão	</a:t>
             </a:r>
             <a:endParaRPr lang="pt-PT" dirty="0"/>
@@ -17200,7 +17659,7 @@
     </p:spTree>
     <p:extLst>
       <p:ext uri="{BB962C8B-B14F-4D97-AF65-F5344CB8AC3E}">
-        <p14:creationId xmlns:p14="http://schemas.microsoft.com/office/powerpoint/2007/7/12/main" xmlns="" val="564663352"/>
+        <p14:creationId xmlns="" xmlns:p14="http://schemas.microsoft.com/office/powerpoint/2007/7/12/main" val="564663352"/>
       </p:ext>
     </p:extLst>
   </p:cSld>
@@ -17532,7 +17991,7 @@
 </p:sld>
 </file>
 
-<file path=ppt/slides/slide42.xml><?xml version="1.0" encoding="utf-8"?>
+<file path=ppt/slides/slide43.xml><?xml version="1.0" encoding="utf-8"?>
 <p:sld xmlns:a="http://schemas.openxmlformats.org/drawingml/2006/main" xmlns:r="http://schemas.openxmlformats.org/officeDocument/2006/relationships" xmlns:p="http://schemas.openxmlformats.org/presentationml/2006/main">
   <p:cSld>
     <p:spTree>
@@ -17571,220 +18030,7 @@
     </p:spTree>
     <p:extLst>
       <p:ext uri="{BB962C8B-B14F-4D97-AF65-F5344CB8AC3E}">
-        <p14:creationId xmlns:p14="http://schemas.microsoft.com/office/powerpoint/2007/7/12/main" xmlns="" val="1125168898"/>
-      </p:ext>
-    </p:extLst>
-  </p:cSld>
-  <p:clrMapOvr>
-    <a:masterClrMapping/>
-  </p:clrMapOvr>
-  <p:timing>
-    <p:tnLst>
-      <p:par>
-        <p:cTn id="1" dur="indefinite" restart="never" nodeType="tmRoot"/>
-      </p:par>
-    </p:tnLst>
-  </p:timing>
-</p:sld>
-</file>
-
-<file path=ppt/slides/slide43.xml><?xml version="1.0" encoding="utf-8"?>
-<p:sld xmlns:a="http://schemas.openxmlformats.org/drawingml/2006/main" xmlns:r="http://schemas.openxmlformats.org/officeDocument/2006/relationships" xmlns:p="http://schemas.openxmlformats.org/presentationml/2006/main">
-  <p:cSld>
-    <p:spTree>
-      <p:nvGrpSpPr>
-        <p:cNvPr id="1" name=""/>
-        <p:cNvGrpSpPr/>
-        <p:nvPr/>
-      </p:nvGrpSpPr>
-      <p:grpSpPr>
-        <a:xfrm>
-          <a:off x="0" y="0"/>
-          <a:ext cx="0" cy="0"/>
-          <a:chOff x="0" y="0"/>
-          <a:chExt cx="0" cy="0"/>
-        </a:xfrm>
-      </p:grpSpPr>
-      <p:sp>
-        <p:nvSpPr>
-          <p:cNvPr id="2" name="Title 1"/>
-          <p:cNvSpPr>
-            <a:spLocks noGrp="1"/>
-          </p:cNvSpPr>
-          <p:nvPr>
-            <p:ph type="title"/>
-          </p:nvPr>
-        </p:nvSpPr>
-        <p:spPr/>
-        <p:txBody>
-          <a:bodyPr/>
-          <a:lstStyle/>
-          <a:p>
-            <a:r>
-              <a:rPr lang="pt-PT" dirty="0" smtClean="0"/>
-              <a:t>Referências</a:t>
-            </a:r>
-            <a:endParaRPr lang="pt-PT" dirty="0"/>
-          </a:p>
-        </p:txBody>
-      </p:sp>
-      <p:sp>
-        <p:nvSpPr>
-          <p:cNvPr id="3" name="Content Placeholder 2"/>
-          <p:cNvSpPr>
-            <a:spLocks noGrp="1"/>
-          </p:cNvSpPr>
-          <p:nvPr>
-            <p:ph idx="1"/>
-          </p:nvPr>
-        </p:nvSpPr>
-        <p:spPr/>
-        <p:txBody>
-          <a:bodyPr>
-            <a:noAutofit/>
-          </a:bodyPr>
-          <a:lstStyle/>
-          <a:p>
-            <a:pPr marL="0" indent="0">
-              <a:buNone/>
-            </a:pPr>
-            <a:r>
-              <a:rPr lang="pt-PT" sz="2400" dirty="0" smtClean="0"/>
-              <a:t>VTL Reference Guide </a:t>
-            </a:r>
-            <a:r>
-              <a:rPr lang="pt-PT" sz="1200" dirty="0" smtClean="0"/>
-              <a:t>[visitado Novembro/2013]</a:t>
-            </a:r>
-            <a:endParaRPr lang="en-US" sz="1200" dirty="0" smtClean="0"/>
-          </a:p>
-          <a:p>
-            <a:pPr lvl="1"/>
-            <a:r>
-              <a:rPr lang="pt-PT" sz="1800" dirty="0" smtClean="0">
-                <a:hlinkClick r:id="rId2"/>
-              </a:rPr>
-              <a:t>http://velocity.apache.org/engine/releases/velocity-1.5/vtl-reference-guide.html</a:t>
-            </a:r>
-            <a:r>
-              <a:rPr lang="en-US" sz="1800" dirty="0" smtClean="0"/>
-              <a:t> </a:t>
-            </a:r>
-            <a:endParaRPr lang="en-US" sz="2000" dirty="0" smtClean="0"/>
-          </a:p>
-          <a:p>
-            <a:pPr marL="0" indent="0">
-              <a:buNone/>
-            </a:pPr>
-            <a:endParaRPr lang="pt-PT" sz="2400" dirty="0" smtClean="0"/>
-          </a:p>
-          <a:p>
-            <a:pPr marL="0" indent="0">
-              <a:buNone/>
-            </a:pPr>
-            <a:r>
-              <a:rPr lang="pt-PT" sz="2400" dirty="0" smtClean="0"/>
-              <a:t>Apache Developer Guide  </a:t>
-            </a:r>
-            <a:r>
-              <a:rPr lang="pt-PT" sz="1200" dirty="0" smtClean="0"/>
-              <a:t>[visitado Novembro/2013]</a:t>
-            </a:r>
-            <a:endParaRPr lang="en-US" sz="1200" dirty="0"/>
-          </a:p>
-          <a:p>
-            <a:pPr lvl="1"/>
-            <a:r>
-              <a:rPr lang="pt-PT" sz="1800" dirty="0" smtClean="0">
-                <a:hlinkClick r:id="rId3"/>
-              </a:rPr>
-              <a:t>http://velocity.apache.org/engine/devel/developer-gu</a:t>
-            </a:r>
-            <a:r>
-              <a:rPr lang="pt-PT" sz="2000" dirty="0" smtClean="0">
-                <a:hlinkClick r:id="rId3"/>
-              </a:rPr>
-              <a:t>ide.html </a:t>
-            </a:r>
-            <a:endParaRPr lang="pt-PT" sz="2000" dirty="0" smtClean="0"/>
-          </a:p>
-          <a:p>
-            <a:pPr marL="0" indent="0">
-              <a:buNone/>
-            </a:pPr>
-            <a:endParaRPr lang="pt-PT" sz="2400" dirty="0" smtClean="0"/>
-          </a:p>
-          <a:p>
-            <a:pPr marL="0" indent="0">
-              <a:buNone/>
-            </a:pPr>
-            <a:r>
-              <a:rPr lang="pt-PT" sz="2400" dirty="0" smtClean="0"/>
-              <a:t>Apache User Guide  </a:t>
-            </a:r>
-            <a:r>
-              <a:rPr lang="pt-PT" sz="1200" dirty="0" smtClean="0"/>
-              <a:t>[visitado Novembro/2013]</a:t>
-            </a:r>
-            <a:endParaRPr lang="en-US" sz="1200" dirty="0" smtClean="0"/>
-          </a:p>
-          <a:p>
-            <a:pPr lvl="1"/>
-            <a:r>
-              <a:rPr lang="pt-PT" sz="1800" dirty="0" smtClean="0">
-                <a:hlinkClick r:id="rId4"/>
-              </a:rPr>
-              <a:t>http://velocity.apache.org/engine/devel/user-guide.html</a:t>
-            </a:r>
-            <a:r>
-              <a:rPr lang="pt-PT" sz="2000" dirty="0" smtClean="0">
-                <a:hlinkClick r:id="rId3"/>
-              </a:rPr>
-              <a:t> </a:t>
-            </a:r>
-            <a:r>
-              <a:rPr lang="en-US" sz="2000" dirty="0" smtClean="0"/>
-              <a:t/>
-            </a:r>
-            <a:br>
-              <a:rPr lang="en-US" sz="2000" dirty="0" smtClean="0"/>
-            </a:br>
-            <a:endParaRPr lang="en-US" sz="2000" dirty="0" smtClean="0"/>
-          </a:p>
-          <a:p>
-            <a:pPr marL="0" indent="0">
-              <a:buNone/>
-            </a:pPr>
-            <a:r>
-              <a:rPr lang="pt-PT" sz="2400" dirty="0" smtClean="0"/>
-              <a:t>Castle Project Nvelocity </a:t>
-            </a:r>
-            <a:r>
-              <a:rPr lang="pt-PT" sz="1800" dirty="0" smtClean="0"/>
-              <a:t>[visitado Novembro/2013]</a:t>
-            </a:r>
-            <a:endParaRPr lang="en-US" sz="1800" dirty="0" smtClean="0"/>
-          </a:p>
-          <a:p>
-            <a:pPr lvl="1"/>
-            <a:r>
-              <a:rPr lang="pt-PT" sz="1800" dirty="0" smtClean="0">
-                <a:hlinkClick r:id="rId5"/>
-              </a:rPr>
-              <a:t>http://docs.castleproject.org/MonoRail.NVelocity.ashx</a:t>
-            </a:r>
-            <a:r>
-              <a:rPr lang="en-US" sz="2000" dirty="0" smtClean="0"/>
-              <a:t> </a:t>
-            </a:r>
-            <a:endParaRPr lang="en-US" sz="2000" dirty="0"/>
-          </a:p>
-        </p:txBody>
-      </p:sp>
-    </p:spTree>
-    <p:extLst>
-      <p:ext uri="{BB962C8B-B14F-4D97-AF65-F5344CB8AC3E}">
-        <p14:creationId xmlns:p14="http://schemas.microsoft.com/office/powerpoint/2007/7/12/main" xmlns="" val="237563067"/>
+        <p14:creationId xmlns="" xmlns:p14="http://schemas.microsoft.com/office/powerpoint/2007/7/12/main" val="1125168898"/>
       </p:ext>
     </p:extLst>
   </p:cSld>
@@ -17835,6 +18081,242 @@
           <a:p>
             <a:r>
               <a:rPr lang="pt-PT" dirty="0" smtClean="0"/>
+              <a:t>Referências</a:t>
+            </a:r>
+            <a:endParaRPr lang="pt-PT" dirty="0"/>
+          </a:p>
+        </p:txBody>
+      </p:sp>
+      <p:sp>
+        <p:nvSpPr>
+          <p:cNvPr id="3" name="Content Placeholder 2"/>
+          <p:cNvSpPr>
+            <a:spLocks noGrp="1"/>
+          </p:cNvSpPr>
+          <p:nvPr>
+            <p:ph idx="1"/>
+          </p:nvPr>
+        </p:nvSpPr>
+        <p:spPr/>
+        <p:txBody>
+          <a:bodyPr>
+            <a:noAutofit/>
+          </a:bodyPr>
+          <a:lstStyle/>
+          <a:p>
+            <a:pPr marL="0" indent="0">
+              <a:buNone/>
+            </a:pPr>
+            <a:r>
+              <a:rPr lang="pt-PT" sz="2400" dirty="0" smtClean="0"/>
+              <a:t>VTL Reference Guide </a:t>
+            </a:r>
+            <a:r>
+              <a:rPr lang="pt-PT" sz="1200" dirty="0" smtClean="0"/>
+              <a:t>[visitado Novembro/2013]</a:t>
+            </a:r>
+            <a:endParaRPr lang="en-US" sz="1200" dirty="0" smtClean="0"/>
+          </a:p>
+          <a:p>
+            <a:pPr lvl="1"/>
+            <a:r>
+              <a:rPr lang="pt-PT" sz="1800" dirty="0" smtClean="0">
+                <a:hlinkClick r:id="rId2"/>
+              </a:rPr>
+              <a:t>http://velocity.apache.org/engine/releases/velocity-1.5/vtl-reference-guide.html</a:t>
+            </a:r>
+            <a:r>
+              <a:rPr lang="en-US" sz="1800" dirty="0" smtClean="0"/>
+              <a:t> </a:t>
+            </a:r>
+            <a:endParaRPr lang="en-US" sz="2000" dirty="0" smtClean="0"/>
+          </a:p>
+          <a:p>
+            <a:pPr marL="0" indent="0">
+              <a:buNone/>
+            </a:pPr>
+            <a:r>
+              <a:rPr lang="pt-PT" sz="2400" dirty="0" smtClean="0"/>
+              <a:t>Apache </a:t>
+            </a:r>
+            <a:r>
+              <a:rPr lang="pt-PT" sz="2400" dirty="0" smtClean="0"/>
+              <a:t>Developer Guide  </a:t>
+            </a:r>
+            <a:r>
+              <a:rPr lang="pt-PT" sz="1200" dirty="0" smtClean="0"/>
+              <a:t>[visitado Novembro/2013]</a:t>
+            </a:r>
+            <a:endParaRPr lang="en-US" sz="1200" dirty="0"/>
+          </a:p>
+          <a:p>
+            <a:pPr lvl="1"/>
+            <a:r>
+              <a:rPr lang="pt-PT" sz="1800" dirty="0" smtClean="0">
+                <a:hlinkClick r:id="rId3"/>
+              </a:rPr>
+              <a:t>http://velocity.apache.org/engine/devel/developer-gu</a:t>
+            </a:r>
+            <a:r>
+              <a:rPr lang="pt-PT" sz="2000" dirty="0" smtClean="0">
+                <a:hlinkClick r:id="rId3"/>
+              </a:rPr>
+              <a:t>ide.html </a:t>
+            </a:r>
+            <a:endParaRPr lang="pt-PT" sz="2000" dirty="0" smtClean="0"/>
+          </a:p>
+          <a:p>
+            <a:pPr marL="0" indent="0">
+              <a:buNone/>
+            </a:pPr>
+            <a:r>
+              <a:rPr lang="pt-PT" sz="2400" dirty="0" smtClean="0"/>
+              <a:t>Apache User Guide  </a:t>
+            </a:r>
+            <a:r>
+              <a:rPr lang="pt-PT" sz="1200" dirty="0" smtClean="0"/>
+              <a:t>[visitado Novembro/2013]</a:t>
+            </a:r>
+            <a:endParaRPr lang="en-US" sz="1200" dirty="0" smtClean="0"/>
+          </a:p>
+          <a:p>
+            <a:pPr lvl="1"/>
+            <a:r>
+              <a:rPr lang="pt-PT" sz="1800" dirty="0" smtClean="0">
+                <a:hlinkClick r:id="rId4"/>
+              </a:rPr>
+              <a:t>http</a:t>
+            </a:r>
+            <a:r>
+              <a:rPr lang="pt-PT" sz="1800" dirty="0" smtClean="0">
+                <a:hlinkClick r:id="rId4"/>
+              </a:rPr>
+              <a:t>://velocity.apache.org/engine/devel/user-guide.html</a:t>
+            </a:r>
+            <a:r>
+              <a:rPr lang="pt-PT" sz="2000" dirty="0" smtClean="0">
+                <a:hlinkClick r:id="rId3"/>
+              </a:rPr>
+              <a:t> </a:t>
+            </a:r>
+            <a:endParaRPr lang="en-US" sz="2000" dirty="0" smtClean="0"/>
+          </a:p>
+          <a:p>
+            <a:pPr marL="0" indent="0">
+              <a:buNone/>
+            </a:pPr>
+            <a:r>
+              <a:rPr lang="pt-PT" sz="2400" dirty="0" smtClean="0"/>
+              <a:t>Castle Project Nvelocity </a:t>
+            </a:r>
+            <a:r>
+              <a:rPr lang="pt-PT" sz="1800" dirty="0" smtClean="0"/>
+              <a:t>[visitado Novembro/2013]</a:t>
+            </a:r>
+            <a:endParaRPr lang="en-US" sz="1800" dirty="0" smtClean="0"/>
+          </a:p>
+          <a:p>
+            <a:pPr lvl="1"/>
+            <a:r>
+              <a:rPr lang="pt-PT" sz="1800" dirty="0" smtClean="0">
+                <a:hlinkClick r:id="rId5"/>
+              </a:rPr>
+              <a:t>http://docs.castleproject.org/MonoRail.NVelocity.ashx</a:t>
+            </a:r>
+            <a:r>
+              <a:rPr lang="en-US" sz="2000" dirty="0" smtClean="0"/>
+              <a:t> </a:t>
+            </a:r>
+            <a:endParaRPr lang="en-US" sz="2000" dirty="0" smtClean="0"/>
+          </a:p>
+          <a:p>
+            <a:pPr marL="0" indent="0">
+              <a:buNone/>
+            </a:pPr>
+            <a:r>
+              <a:rPr lang="en-US" sz="2400" dirty="0" err="1" smtClean="0"/>
+              <a:t>NVelocity</a:t>
+            </a:r>
+            <a:r>
+              <a:rPr lang="en-US" sz="2400" dirty="0" smtClean="0"/>
+              <a:t> and Collections (and Possibly Arrays)</a:t>
+            </a:r>
+            <a:r>
+              <a:rPr lang="pt-PT" sz="2400" dirty="0" smtClean="0"/>
+              <a:t> </a:t>
+            </a:r>
+            <a:r>
+              <a:rPr lang="pt-PT" sz="1800" dirty="0" smtClean="0"/>
+              <a:t>[visitado Novembro/2013]</a:t>
+            </a:r>
+            <a:endParaRPr lang="en-US" sz="1800" dirty="0" smtClean="0"/>
+          </a:p>
+          <a:p>
+            <a:pPr lvl="1"/>
+            <a:r>
+              <a:rPr lang="pt-PT" sz="1800" dirty="0" smtClean="0">
+                <a:hlinkClick r:id="rId6"/>
+              </a:rPr>
+              <a:t>http://thiglife.com/2008/06/04/nvelocity-and-collections-and-possibly-arrays/</a:t>
+            </a:r>
+            <a:endParaRPr lang="en-US" sz="2400" dirty="0"/>
+          </a:p>
+        </p:txBody>
+      </p:sp>
+    </p:spTree>
+    <p:extLst>
+      <p:ext uri="{BB962C8B-B14F-4D97-AF65-F5344CB8AC3E}">
+        <p14:creationId xmlns="" xmlns:p14="http://schemas.microsoft.com/office/powerpoint/2007/7/12/main" val="237563067"/>
+      </p:ext>
+    </p:extLst>
+  </p:cSld>
+  <p:clrMapOvr>
+    <a:masterClrMapping/>
+  </p:clrMapOvr>
+  <p:timing>
+    <p:tnLst>
+      <p:par>
+        <p:cTn id="1" dur="indefinite" restart="never" nodeType="tmRoot"/>
+      </p:par>
+    </p:tnLst>
+  </p:timing>
+</p:sld>
+</file>
+
+<file path=ppt/slides/slide45.xml><?xml version="1.0" encoding="utf-8"?>
+<p:sld xmlns:a="http://schemas.openxmlformats.org/drawingml/2006/main" xmlns:r="http://schemas.openxmlformats.org/officeDocument/2006/relationships" xmlns:p="http://schemas.openxmlformats.org/presentationml/2006/main">
+  <p:cSld>
+    <p:spTree>
+      <p:nvGrpSpPr>
+        <p:cNvPr id="1" name=""/>
+        <p:cNvGrpSpPr/>
+        <p:nvPr/>
+      </p:nvGrpSpPr>
+      <p:grpSpPr>
+        <a:xfrm>
+          <a:off x="0" y="0"/>
+          <a:ext cx="0" cy="0"/>
+          <a:chOff x="0" y="0"/>
+          <a:chExt cx="0" cy="0"/>
+        </a:xfrm>
+      </p:grpSpPr>
+      <p:sp>
+        <p:nvSpPr>
+          <p:cNvPr id="2" name="Title 1"/>
+          <p:cNvSpPr>
+            <a:spLocks noGrp="1"/>
+          </p:cNvSpPr>
+          <p:nvPr>
+            <p:ph type="title"/>
+          </p:nvPr>
+        </p:nvSpPr>
+        <p:spPr/>
+        <p:txBody>
+          <a:bodyPr/>
+          <a:lstStyle/>
+          <a:p>
+            <a:r>
+              <a:rPr lang="pt-PT" dirty="0" smtClean="0"/>
               <a:t>Patrocinador desta reunião</a:t>
             </a:r>
             <a:endParaRPr lang="pt-PT" dirty="0"/>
@@ -17859,7 +18341,7 @@
           </a:prstGeom>
           <a:extLst>
             <a:ext uri="{909E8E84-426E-40dd-AFC4-6F175D3DCCD1}">
-              <a14:hiddenFill xmlns:a14="http://schemas.microsoft.com/office/drawing/2007/7/7/main" xmlns="">
+              <a14:hiddenFill xmlns="" xmlns:a14="http://schemas.microsoft.com/office/drawing/2007/7/7/main">
                 <a:solidFill>
                   <a:srgbClr xmlns:mc="http://schemas.openxmlformats.org/markup-compatibility/2006" val="FFFFFF" mc:Ignorable=""/>
                 </a:solidFill>
@@ -17897,7 +18379,7 @@
           </a:prstGeom>
           <a:extLst>
             <a:ext uri="{909E8E84-426E-40dd-AFC4-6F175D3DCCD1}">
-              <a14:hiddenFill xmlns:a14="http://schemas.microsoft.com/office/drawing/2007/7/7/main" xmlns="">
+              <a14:hiddenFill xmlns="" xmlns:a14="http://schemas.microsoft.com/office/drawing/2007/7/7/main">
                 <a:solidFill>
                   <a:srgbClr xmlns:mc="http://schemas.openxmlformats.org/markup-compatibility/2006" val="FFFFFF" mc:Ignorable=""/>
                 </a:solidFill>
@@ -17935,7 +18417,7 @@
           </a:prstGeom>
           <a:extLst>
             <a:ext uri="{909E8E84-426E-40dd-AFC4-6F175D3DCCD1}">
-              <a14:hiddenFill xmlns:a14="http://schemas.microsoft.com/office/drawing/2007/7/7/main" xmlns="">
+              <a14:hiddenFill xmlns="" xmlns:a14="http://schemas.microsoft.com/office/drawing/2007/7/7/main">
                 <a:solidFill>
                   <a:srgbClr xmlns:mc="http://schemas.openxmlformats.org/markup-compatibility/2006" val="FFFFFF" mc:Ignorable=""/>
                 </a:solidFill>
@@ -17990,7 +18472,7 @@
     </p:spTree>
     <p:extLst>
       <p:ext uri="{BB962C8B-B14F-4D97-AF65-F5344CB8AC3E}">
-        <p14:creationId xmlns:p14="http://schemas.microsoft.com/office/powerpoint/2007/7/12/main" xmlns="" val="3704673230"/>
+        <p14:creationId xmlns="" xmlns:p14="http://schemas.microsoft.com/office/powerpoint/2007/7/12/main" val="3704673230"/>
       </p:ext>
     </p:extLst>
   </p:cSld>
@@ -18007,7 +18489,7 @@
 </p:sld>
 </file>
 
-<file path=ppt/slides/slide45.xml><?xml version="1.0" encoding="utf-8"?>
+<file path=ppt/slides/slide46.xml><?xml version="1.0" encoding="utf-8"?>
 <p:sld xmlns:a="http://schemas.openxmlformats.org/drawingml/2006/main" xmlns:r="http://schemas.openxmlformats.org/officeDocument/2006/relationships" xmlns:p="http://schemas.openxmlformats.org/presentationml/2006/main">
   <p:cSld>
     <p:spTree>
@@ -18606,7 +19088,7 @@
     </p:spTree>
     <p:extLst>
       <p:ext uri="{BB962C8B-B14F-4D97-AF65-F5344CB8AC3E}">
-        <p14:creationId xmlns:p14="http://schemas.microsoft.com/office/powerpoint/2007/7/12/main" xmlns="" val="2914442395"/>
+        <p14:creationId xmlns="" xmlns:p14="http://schemas.microsoft.com/office/powerpoint/2007/7/12/main" val="2914442395"/>
       </p:ext>
     </p:extLst>
   </p:cSld>
@@ -18811,7 +19293,7 @@
     </p:spTree>
     <p:extLst>
       <p:ext uri="{BB962C8B-B14F-4D97-AF65-F5344CB8AC3E}">
-        <p14:creationId xmlns:p14="http://schemas.microsoft.com/office/powerpoint/2007/7/12/main" xmlns="" val="564663352"/>
+        <p14:creationId xmlns="" xmlns:p14="http://schemas.microsoft.com/office/powerpoint/2007/7/12/main" val="564663352"/>
       </p:ext>
     </p:extLst>
   </p:cSld>
@@ -19111,7 +19593,7 @@
     </p:spTree>
     <p:extLst>
       <p:ext uri="{BB962C8B-B14F-4D97-AF65-F5344CB8AC3E}">
-        <p14:creationId xmlns:p14="http://schemas.microsoft.com/office/powerpoint/2007/7/12/main" xmlns="" val="564663352"/>
+        <p14:creationId xmlns="" xmlns:p14="http://schemas.microsoft.com/office/powerpoint/2007/7/12/main" val="564663352"/>
       </p:ext>
     </p:extLst>
   </p:cSld>
@@ -19535,7 +20017,7 @@
     </p:spTree>
     <p:extLst>
       <p:ext uri="{BB962C8B-B14F-4D97-AF65-F5344CB8AC3E}">
-        <p14:creationId xmlns:p14="http://schemas.microsoft.com/office/powerpoint/2007/7/12/main" xmlns="" val="564663352"/>
+        <p14:creationId xmlns="" xmlns:p14="http://schemas.microsoft.com/office/powerpoint/2007/7/12/main" val="564663352"/>
       </p:ext>
     </p:extLst>
   </p:cSld>

--- a/doc/NetPontoNVelocity.pptx
+++ b/doc/NetPontoNVelocity.pptx
@@ -5,58 +5,65 @@
     <p:sldMasterId id="2147483648" r:id="rId2"/>
   </p:sldMasterIdLst>
   <p:notesMasterIdLst>
-    <p:notesMasterId r:id="rId49"/>
+    <p:notesMasterId r:id="rId56"/>
   </p:notesMasterIdLst>
   <p:handoutMasterIdLst>
-    <p:handoutMasterId r:id="rId50"/>
+    <p:handoutMasterId r:id="rId57"/>
   </p:handoutMasterIdLst>
   <p:sldIdLst>
     <p:sldId id="256" r:id="rId3"/>
-    <p:sldId id="373" r:id="rId4"/>
-    <p:sldId id="343" r:id="rId5"/>
-    <p:sldId id="301" r:id="rId6"/>
-    <p:sldId id="415" r:id="rId7"/>
-    <p:sldId id="416" r:id="rId8"/>
-    <p:sldId id="374" r:id="rId9"/>
-    <p:sldId id="375" r:id="rId10"/>
-    <p:sldId id="393" r:id="rId11"/>
-    <p:sldId id="417" r:id="rId12"/>
-    <p:sldId id="388" r:id="rId13"/>
-    <p:sldId id="389" r:id="rId14"/>
-    <p:sldId id="390" r:id="rId15"/>
-    <p:sldId id="391" r:id="rId16"/>
-    <p:sldId id="387" r:id="rId17"/>
-    <p:sldId id="392" r:id="rId18"/>
-    <p:sldId id="411" r:id="rId19"/>
-    <p:sldId id="394" r:id="rId20"/>
-    <p:sldId id="395" r:id="rId21"/>
-    <p:sldId id="396" r:id="rId22"/>
-    <p:sldId id="397" r:id="rId23"/>
-    <p:sldId id="398" r:id="rId24"/>
-    <p:sldId id="418" r:id="rId25"/>
-    <p:sldId id="419" r:id="rId26"/>
-    <p:sldId id="401" r:id="rId27"/>
-    <p:sldId id="400" r:id="rId28"/>
-    <p:sldId id="399" r:id="rId29"/>
-    <p:sldId id="403" r:id="rId30"/>
-    <p:sldId id="406" r:id="rId31"/>
-    <p:sldId id="404" r:id="rId32"/>
-    <p:sldId id="407" r:id="rId33"/>
-    <p:sldId id="405" r:id="rId34"/>
-    <p:sldId id="408" r:id="rId35"/>
-    <p:sldId id="409" r:id="rId36"/>
-    <p:sldId id="324" r:id="rId37"/>
-    <p:sldId id="420" r:id="rId38"/>
-    <p:sldId id="412" r:id="rId39"/>
-    <p:sldId id="410" r:id="rId40"/>
-    <p:sldId id="414" r:id="rId41"/>
-    <p:sldId id="413" r:id="rId42"/>
-    <p:sldId id="422" r:id="rId43"/>
-    <p:sldId id="421" r:id="rId44"/>
-    <p:sldId id="328" r:id="rId45"/>
-    <p:sldId id="311" r:id="rId46"/>
-    <p:sldId id="368" r:id="rId47"/>
-    <p:sldId id="293" r:id="rId48"/>
+    <p:sldId id="423" r:id="rId4"/>
+    <p:sldId id="424" r:id="rId5"/>
+    <p:sldId id="425" r:id="rId6"/>
+    <p:sldId id="426" r:id="rId7"/>
+    <p:sldId id="373" r:id="rId8"/>
+    <p:sldId id="343" r:id="rId9"/>
+    <p:sldId id="301" r:id="rId10"/>
+    <p:sldId id="415" r:id="rId11"/>
+    <p:sldId id="416" r:id="rId12"/>
+    <p:sldId id="374" r:id="rId13"/>
+    <p:sldId id="375" r:id="rId14"/>
+    <p:sldId id="393" r:id="rId15"/>
+    <p:sldId id="417" r:id="rId16"/>
+    <p:sldId id="388" r:id="rId17"/>
+    <p:sldId id="389" r:id="rId18"/>
+    <p:sldId id="390" r:id="rId19"/>
+    <p:sldId id="391" r:id="rId20"/>
+    <p:sldId id="387" r:id="rId21"/>
+    <p:sldId id="392" r:id="rId22"/>
+    <p:sldId id="411" r:id="rId23"/>
+    <p:sldId id="394" r:id="rId24"/>
+    <p:sldId id="395" r:id="rId25"/>
+    <p:sldId id="396" r:id="rId26"/>
+    <p:sldId id="397" r:id="rId27"/>
+    <p:sldId id="398" r:id="rId28"/>
+    <p:sldId id="418" r:id="rId29"/>
+    <p:sldId id="419" r:id="rId30"/>
+    <p:sldId id="401" r:id="rId31"/>
+    <p:sldId id="400" r:id="rId32"/>
+    <p:sldId id="399" r:id="rId33"/>
+    <p:sldId id="403" r:id="rId34"/>
+    <p:sldId id="406" r:id="rId35"/>
+    <p:sldId id="404" r:id="rId36"/>
+    <p:sldId id="407" r:id="rId37"/>
+    <p:sldId id="405" r:id="rId38"/>
+    <p:sldId id="408" r:id="rId39"/>
+    <p:sldId id="409" r:id="rId40"/>
+    <p:sldId id="324" r:id="rId41"/>
+    <p:sldId id="420" r:id="rId42"/>
+    <p:sldId id="412" r:id="rId43"/>
+    <p:sldId id="410" r:id="rId44"/>
+    <p:sldId id="414" r:id="rId45"/>
+    <p:sldId id="413" r:id="rId46"/>
+    <p:sldId id="422" r:id="rId47"/>
+    <p:sldId id="421" r:id="rId48"/>
+    <p:sldId id="328" r:id="rId49"/>
+    <p:sldId id="311" r:id="rId50"/>
+    <p:sldId id="427" r:id="rId51"/>
+    <p:sldId id="428" r:id="rId52"/>
+    <p:sldId id="429" r:id="rId53"/>
+    <p:sldId id="430" r:id="rId54"/>
+    <p:sldId id="293" r:id="rId55"/>
   </p:sldIdLst>
   <p:sldSz cx="9906000" cy="6858000" type="A4"/>
   <p:notesSz cx="6858000" cy="9144000"/>
@@ -241,7 +248,7 @@
             <a:fld id="{ADFD96CD-F9A7-4B23-9F0C-9C94434A7F7D}" type="datetimeFigureOut">
               <a:rPr lang="pt-PT" smtClean="0"/>
               <a:pPr/>
-              <a:t>10/11/2013</a:t>
+              <a:t>20/11/2013</a:t>
             </a:fld>
             <a:endParaRPr lang="pt-PT"/>
           </a:p>
@@ -317,7 +324,7 @@
     </p:spTree>
     <p:extLst>
       <p:ext uri="{BB962C8B-B14F-4D97-AF65-F5344CB8AC3E}">
-        <p14:creationId xmlns="" xmlns:p14="http://schemas.microsoft.com/office/powerpoint/2007/7/12/main" val="2941623272"/>
+        <p14:creationId xmlns:p14="http://schemas.microsoft.com/office/powerpoint/2007/7/12/main" xmlns="" val="2941623272"/>
       </p:ext>
     </p:extLst>
   </p:cSld>
@@ -408,7 +415,7 @@
             <a:fld id="{F1680C6F-1AC0-45E8-AE4C-9DD1ADA0D880}" type="datetimeFigureOut">
               <a:rPr lang="pt-PT" smtClean="0"/>
               <a:pPr/>
-              <a:t>10/11/2013</a:t>
+              <a:t>20/11/2013</a:t>
             </a:fld>
             <a:endParaRPr lang="pt-PT"/>
           </a:p>
@@ -577,7 +584,7 @@
     </p:spTree>
     <p:extLst>
       <p:ext uri="{BB962C8B-B14F-4D97-AF65-F5344CB8AC3E}">
-        <p14:creationId xmlns="" xmlns:p14="http://schemas.microsoft.com/office/powerpoint/2007/7/12/main" val="2042030475"/>
+        <p14:creationId xmlns:p14="http://schemas.microsoft.com/office/powerpoint/2007/7/12/main" xmlns="" val="2042030475"/>
       </p:ext>
     </p:extLst>
   </p:cSld>
@@ -769,7 +776,7 @@
             <a:fld id="{81331B57-0BE5-4F82-AA58-76F53EFF3ADA}" type="datetime8">
               <a:rPr lang="en-US" smtClean="0"/>
               <a:pPr/>
-              <a:t>11/10/2013 6:52 PM</a:t>
+              <a:t>11/20/2013 7:47 PM</a:t>
             </a:fld>
             <a:endParaRPr lang="en-US"/>
           </a:p>
@@ -853,7 +860,7 @@
             <a:fld id="{EC87E0CF-87F6-4B58-B8B8-DCAB2DAAF3CA}" type="slidenum">
               <a:rPr lang="en-US" smtClean="0"/>
               <a:pPr/>
-              <a:t>15</a:t>
+              <a:t>19</a:t>
             </a:fld>
             <a:endParaRPr lang="en-US" dirty="0"/>
           </a:p>
@@ -959,7 +966,7 @@
             <a:fld id="{81331B57-0BE5-4F82-AA58-76F53EFF3ADA}" type="datetime8">
               <a:rPr lang="en-US" smtClean="0"/>
               <a:pPr/>
-              <a:t>11/10/2013 6:52 PM</a:t>
+              <a:t>11/20/2013 7:47 PM</a:t>
             </a:fld>
             <a:endParaRPr lang="en-US"/>
           </a:p>
@@ -1043,7 +1050,7 @@
             <a:fld id="{EC87E0CF-87F6-4B58-B8B8-DCAB2DAAF3CA}" type="slidenum">
               <a:rPr lang="en-US" smtClean="0"/>
               <a:pPr/>
-              <a:t>16</a:t>
+              <a:t>20</a:t>
             </a:fld>
             <a:endParaRPr lang="en-US" dirty="0"/>
           </a:p>
@@ -1149,7 +1156,7 @@
             <a:fld id="{81331B57-0BE5-4F82-AA58-76F53EFF3ADA}" type="datetime8">
               <a:rPr lang="en-US" smtClean="0"/>
               <a:pPr/>
-              <a:t>11/10/2013 6:52 PM</a:t>
+              <a:t>11/20/2013 7:47 PM</a:t>
             </a:fld>
             <a:endParaRPr lang="en-US"/>
           </a:p>
@@ -1233,7 +1240,7 @@
             <a:fld id="{EC87E0CF-87F6-4B58-B8B8-DCAB2DAAF3CA}" type="slidenum">
               <a:rPr lang="en-US" smtClean="0"/>
               <a:pPr/>
-              <a:t>23</a:t>
+              <a:t>27</a:t>
             </a:fld>
             <a:endParaRPr lang="en-US" dirty="0"/>
           </a:p>
@@ -1339,7 +1346,7 @@
             <a:fld id="{81331B57-0BE5-4F82-AA58-76F53EFF3ADA}" type="datetime8">
               <a:rPr lang="en-US" smtClean="0"/>
               <a:pPr/>
-              <a:t>11/10/2013 6:52 PM</a:t>
+              <a:t>11/20/2013 7:47 PM</a:t>
             </a:fld>
             <a:endParaRPr lang="en-US"/>
           </a:p>
@@ -1423,7 +1430,7 @@
             <a:fld id="{EC87E0CF-87F6-4B58-B8B8-DCAB2DAAF3CA}" type="slidenum">
               <a:rPr lang="en-US" smtClean="0"/>
               <a:pPr/>
-              <a:t>24</a:t>
+              <a:t>28</a:t>
             </a:fld>
             <a:endParaRPr lang="en-US" dirty="0"/>
           </a:p>
@@ -1529,7 +1536,7 @@
             <a:fld id="{81331B57-0BE5-4F82-AA58-76F53EFF3ADA}" type="datetime8">
               <a:rPr lang="en-US" smtClean="0"/>
               <a:pPr/>
-              <a:t>11/10/2013 6:52 PM</a:t>
+              <a:t>11/20/2013 7:48 PM</a:t>
             </a:fld>
             <a:endParaRPr lang="en-US"/>
           </a:p>
@@ -1613,7 +1620,7 @@
             <a:fld id="{EC87E0CF-87F6-4B58-B8B8-DCAB2DAAF3CA}" type="slidenum">
               <a:rPr lang="en-US" smtClean="0"/>
               <a:pPr/>
-              <a:t>35</a:t>
+              <a:t>39</a:t>
             </a:fld>
             <a:endParaRPr lang="en-US" dirty="0"/>
           </a:p>
@@ -1719,7 +1726,7 @@
             <a:fld id="{81331B57-0BE5-4F82-AA58-76F53EFF3ADA}" type="datetime8">
               <a:rPr lang="en-US" smtClean="0"/>
               <a:pPr/>
-              <a:t>11/10/2013 6:52 PM</a:t>
+              <a:t>11/20/2013 7:48 PM</a:t>
             </a:fld>
             <a:endParaRPr lang="en-US"/>
           </a:p>
@@ -1803,7 +1810,7 @@
             <a:fld id="{EC87E0CF-87F6-4B58-B8B8-DCAB2DAAF3CA}" type="slidenum">
               <a:rPr lang="en-US" smtClean="0"/>
               <a:pPr/>
-              <a:t>36</a:t>
+              <a:t>40</a:t>
             </a:fld>
             <a:endParaRPr lang="en-US" dirty="0"/>
           </a:p>
@@ -1883,7 +1890,7 @@
             <a:fld id="{4A3EE754-1482-4D08-B801-58AD7081021E}" type="slidenum">
               <a:rPr lang="pt-PT" smtClean="0"/>
               <a:pPr/>
-              <a:t>46</a:t>
+              <a:t>53</a:t>
             </a:fld>
             <a:endParaRPr lang="pt-PT"/>
           </a:p>
@@ -1892,7 +1899,7 @@
     </p:spTree>
     <p:extLst>
       <p:ext uri="{BB962C8B-B14F-4D97-AF65-F5344CB8AC3E}">
-        <p14:creationId xmlns="" xmlns:p14="http://schemas.microsoft.com/office/powerpoint/2007/7/12/main" val="2875876222"/>
+        <p14:creationId xmlns:p14="http://schemas.microsoft.com/office/powerpoint/2007/7/12/main" xmlns="" val="2875876222"/>
       </p:ext>
     </p:extLst>
   </p:cSld>
@@ -1936,7 +1943,7 @@
           <a:blip r:embed="rId2" cstate="print">
             <a:extLst>
               <a:ext uri="28A0092B-C50C-407e-A947-70E740481C1C">
-                <a14:useLocalDpi xmlns="" xmlns:a14="http://schemas.microsoft.com/office/drawing/2007/7/7/main" val="0"/>
+                <a14:useLocalDpi xmlns:a14="http://schemas.microsoft.com/office/drawing/2007/7/7/main" xmlns="" val="0"/>
               </a:ext>
             </a:extLst>
           </a:blip>
@@ -1955,14 +1962,14 @@
           </a:prstGeom>
           <a:extLst>
             <a:ext uri="{909E8E84-426E-40dd-AFC4-6F175D3DCCD1}">
-              <a14:hiddenFill xmlns="" xmlns:a14="http://schemas.microsoft.com/office/drawing/2007/7/7/main">
+              <a14:hiddenFill xmlns:a14="http://schemas.microsoft.com/office/drawing/2007/7/7/main" xmlns="">
                 <a:solidFill>
                   <a:schemeClr val="accent1"/>
                 </a:solidFill>
               </a14:hiddenFill>
             </a:ext>
             <a:ext uri="{91240B29-F687-4f45-9708-019B960494DF}">
-              <a14:hiddenLine xmlns="" xmlns:a14="http://schemas.microsoft.com/office/drawing/2007/7/7/main" w="9525">
+              <a14:hiddenLine xmlns:a14="http://schemas.microsoft.com/office/drawing/2007/7/7/main" xmlns="" w="9525">
                 <a:solidFill>
                   <a:schemeClr val="tx1"/>
                 </a:solidFill>
@@ -1972,7 +1979,7 @@
               </a14:hiddenLine>
             </a:ext>
             <a:ext uri="{AF507438-7753-43e0-B8FC-AC1667EBCBE1}">
-              <a14:hiddenEffects xmlns="" xmlns:a14="http://schemas.microsoft.com/office/drawing/2007/7/7/main">
+              <a14:hiddenEffects xmlns:a14="http://schemas.microsoft.com/office/drawing/2007/7/7/main" xmlns="">
                 <a:effectLst>
                   <a:outerShdw blurRad="63500" dist="35921" dir="2700000" algn="ctr" rotWithShape="0">
                     <a:schemeClr val="bg2"/>
@@ -2150,7 +2157,7 @@
           <a:blip r:embed="rId4" cstate="print">
             <a:extLst>
               <a:ext uri="28A0092B-C50C-407e-A947-70E740481C1C">
-                <a14:useLocalDpi xmlns="" xmlns:a14="http://schemas.microsoft.com/office/drawing/2007/7/7/main" val="0"/>
+                <a14:useLocalDpi xmlns:a14="http://schemas.microsoft.com/office/drawing/2007/7/7/main" xmlns="" val="0"/>
               </a:ext>
             </a:extLst>
           </a:blip>
@@ -2170,14 +2177,14 @@
           </a:effectLst>
           <a:extLst>
             <a:ext uri="{909E8E84-426E-40dd-AFC4-6F175D3DCCD1}">
-              <a14:hiddenFill xmlns="" xmlns:a14="http://schemas.microsoft.com/office/drawing/2007/7/7/main">
+              <a14:hiddenFill xmlns:a14="http://schemas.microsoft.com/office/drawing/2007/7/7/main" xmlns="">
                 <a:solidFill>
                   <a:srgbClr xmlns:mc="http://schemas.openxmlformats.org/markup-compatibility/2006" val="FFFFFF" mc:Ignorable=""/>
                 </a:solidFill>
               </a14:hiddenFill>
             </a:ext>
             <a:ext uri="{91240B29-F687-4f45-9708-019B960494DF}">
-              <a14:hiddenLine xmlns="" xmlns:a14="http://schemas.microsoft.com/office/drawing/2007/7/7/main" w="9525">
+              <a14:hiddenLine xmlns:a14="http://schemas.microsoft.com/office/drawing/2007/7/7/main" xmlns="" w="9525">
                 <a:solidFill>
                   <a:srgbClr xmlns:mc="http://schemas.openxmlformats.org/markup-compatibility/2006" val="000000" mc:Ignorable=""/>
                 </a:solidFill>
@@ -2187,7 +2194,7 @@
               </a14:hiddenLine>
             </a:ext>
             <a:ext uri="{53640926-AAD7-44d8-BBD7-CCE9431645EC}">
-              <a14:shadowObscured xmlns="" xmlns:a14="http://schemas.microsoft.com/office/drawing/2007/7/7/main" val="1"/>
+              <a14:shadowObscured xmlns:a14="http://schemas.microsoft.com/office/drawing/2007/7/7/main" xmlns="" val="1"/>
             </a:ext>
           </a:extLst>
         </p:spPr>
@@ -2195,7 +2202,7 @@
     </p:spTree>
     <p:extLst>
       <p:ext uri="{BB962C8B-B14F-4D97-AF65-F5344CB8AC3E}">
-        <p14:creationId xmlns="" xmlns:p14="http://schemas.microsoft.com/office/powerpoint/2007/7/12/main" val="2296204029"/>
+        <p14:creationId xmlns:p14="http://schemas.microsoft.com/office/powerpoint/2007/7/12/main" xmlns="" val="2296204029"/>
       </p:ext>
     </p:extLst>
   </p:cSld>
@@ -2390,7 +2397,7 @@
     </p:spTree>
     <p:extLst>
       <p:ext uri="{BB962C8B-B14F-4D97-AF65-F5344CB8AC3E}">
-        <p14:creationId xmlns="" xmlns:p14="http://schemas.microsoft.com/office/powerpoint/2007/7/12/main" val="1558211039"/>
+        <p14:creationId xmlns:p14="http://schemas.microsoft.com/office/powerpoint/2007/7/12/main" xmlns="" val="1558211039"/>
       </p:ext>
     </p:extLst>
   </p:cSld>
@@ -2508,7 +2515,7 @@
     </p:spTree>
     <p:extLst>
       <p:ext uri="{BB962C8B-B14F-4D97-AF65-F5344CB8AC3E}">
-        <p14:creationId xmlns="" xmlns:p14="http://schemas.microsoft.com/office/powerpoint/2007/7/12/main" val="1628332576"/>
+        <p14:creationId xmlns:p14="http://schemas.microsoft.com/office/powerpoint/2007/7/12/main" xmlns="" val="1628332576"/>
       </p:ext>
     </p:extLst>
   </p:cSld>
@@ -2636,7 +2643,7 @@
     </p:spTree>
     <p:extLst>
       <p:ext uri="{BB962C8B-B14F-4D97-AF65-F5344CB8AC3E}">
-        <p14:creationId xmlns="" xmlns:p14="http://schemas.microsoft.com/office/powerpoint/2007/7/12/main" val="2992743950"/>
+        <p14:creationId xmlns:p14="http://schemas.microsoft.com/office/powerpoint/2007/7/12/main" xmlns="" val="2992743950"/>
       </p:ext>
     </p:extLst>
   </p:cSld>
@@ -2952,7 +2959,7 @@
     </p:spTree>
     <p:extLst>
       <p:ext uri="{BB962C8B-B14F-4D97-AF65-F5344CB8AC3E}">
-        <p14:creationId xmlns="" xmlns:p14="http://schemas.microsoft.com/office/powerpoint/2007/7/12/main" val="2396692856"/>
+        <p14:creationId xmlns:p14="http://schemas.microsoft.com/office/powerpoint/2007/7/12/main" xmlns="" val="2396692856"/>
       </p:ext>
     </p:extLst>
   </p:cSld>
@@ -3066,7 +3073,7 @@
     </p:spTree>
     <p:extLst>
       <p:ext uri="{BB962C8B-B14F-4D97-AF65-F5344CB8AC3E}">
-        <p14:creationId xmlns="" xmlns:p14="http://schemas.microsoft.com/office/powerpoint/2007/7/12/main" val="1884871016"/>
+        <p14:creationId xmlns:p14="http://schemas.microsoft.com/office/powerpoint/2007/7/12/main" xmlns="" val="1884871016"/>
       </p:ext>
     </p:extLst>
   </p:cSld>
@@ -3254,7 +3261,7 @@
     </p:spTree>
     <p:extLst>
       <p:ext uri="{BB962C8B-B14F-4D97-AF65-F5344CB8AC3E}">
-        <p14:creationId xmlns="" xmlns:p14="http://schemas.microsoft.com/office/powerpoint/2007/7/12/main" val="109521083"/>
+        <p14:creationId xmlns:p14="http://schemas.microsoft.com/office/powerpoint/2007/7/12/main" xmlns="" val="109521083"/>
       </p:ext>
     </p:extLst>
   </p:cSld>
@@ -3490,7 +3497,7 @@
     </p:spTree>
     <p:extLst>
       <p:ext uri="{BB962C8B-B14F-4D97-AF65-F5344CB8AC3E}">
-        <p14:creationId xmlns="" xmlns:p14="http://schemas.microsoft.com/office/powerpoint/2007/7/12/main" val="3121598289"/>
+        <p14:creationId xmlns:p14="http://schemas.microsoft.com/office/powerpoint/2007/7/12/main" xmlns="" val="3121598289"/>
       </p:ext>
     </p:extLst>
   </p:cSld>
@@ -3856,7 +3863,7 @@
     </p:spTree>
     <p:extLst>
       <p:ext uri="{BB962C8B-B14F-4D97-AF65-F5344CB8AC3E}">
-        <p14:creationId xmlns="" xmlns:p14="http://schemas.microsoft.com/office/powerpoint/2007/7/12/main" val="217596623"/>
+        <p14:creationId xmlns:p14="http://schemas.microsoft.com/office/powerpoint/2007/7/12/main" xmlns="" val="217596623"/>
       </p:ext>
     </p:extLst>
   </p:cSld>
@@ -4008,7 +4015,7 @@
     </p:spTree>
     <p:extLst>
       <p:ext uri="{BB962C8B-B14F-4D97-AF65-F5344CB8AC3E}">
-        <p14:creationId xmlns="" xmlns:p14="http://schemas.microsoft.com/office/powerpoint/2007/7/12/main" val="3760814106"/>
+        <p14:creationId xmlns:p14="http://schemas.microsoft.com/office/powerpoint/2007/7/12/main" xmlns="" val="3760814106"/>
       </p:ext>
     </p:extLst>
   </p:cSld>
@@ -4129,7 +4136,7 @@
     </p:spTree>
     <p:extLst>
       <p:ext uri="{BB962C8B-B14F-4D97-AF65-F5344CB8AC3E}">
-        <p14:creationId xmlns="" xmlns:p14="http://schemas.microsoft.com/office/powerpoint/2007/7/12/main" val="2449055135"/>
+        <p14:creationId xmlns:p14="http://schemas.microsoft.com/office/powerpoint/2007/7/12/main" xmlns="" val="2449055135"/>
       </p:ext>
     </p:extLst>
   </p:cSld>
@@ -4180,7 +4187,7 @@
           <a:blip r:embed="rId2" cstate="print">
             <a:extLst>
               <a:ext uri="28A0092B-C50C-407e-A947-70E740481C1C">
-                <a14:useLocalDpi xmlns="" xmlns:a14="http://schemas.microsoft.com/office/drawing/2007/7/7/main" val="0"/>
+                <a14:useLocalDpi xmlns:a14="http://schemas.microsoft.com/office/drawing/2007/7/7/main" xmlns="" val="0"/>
               </a:ext>
             </a:extLst>
           </a:blip>
@@ -4199,14 +4206,14 @@
           </a:prstGeom>
           <a:extLst>
             <a:ext uri="{909E8E84-426E-40dd-AFC4-6F175D3DCCD1}">
-              <a14:hiddenFill xmlns="" xmlns:a14="http://schemas.microsoft.com/office/drawing/2007/7/7/main">
+              <a14:hiddenFill xmlns:a14="http://schemas.microsoft.com/office/drawing/2007/7/7/main" xmlns="">
                 <a:solidFill>
                   <a:schemeClr val="accent1"/>
                 </a:solidFill>
               </a14:hiddenFill>
             </a:ext>
             <a:ext uri="{91240B29-F687-4f45-9708-019B960494DF}">
-              <a14:hiddenLine xmlns="" xmlns:a14="http://schemas.microsoft.com/office/drawing/2007/7/7/main" w="9525">
+              <a14:hiddenLine xmlns:a14="http://schemas.microsoft.com/office/drawing/2007/7/7/main" xmlns="" w="9525">
                 <a:solidFill>
                   <a:schemeClr val="tx1"/>
                 </a:solidFill>
@@ -4216,7 +4223,7 @@
               </a14:hiddenLine>
             </a:ext>
             <a:ext uri="{AF507438-7753-43e0-B8FC-AC1667EBCBE1}">
-              <a14:hiddenEffects xmlns="" xmlns:a14="http://schemas.microsoft.com/office/drawing/2007/7/7/main">
+              <a14:hiddenEffects xmlns:a14="http://schemas.microsoft.com/office/drawing/2007/7/7/main" xmlns="">
                 <a:effectLst>
                   <a:outerShdw blurRad="63500" dist="35921" dir="2700000" algn="ctr" rotWithShape="0">
                     <a:schemeClr val="bg2"/>
@@ -4321,7 +4328,7 @@
     </p:spTree>
     <p:extLst>
       <p:ext uri="{BB962C8B-B14F-4D97-AF65-F5344CB8AC3E}">
-        <p14:creationId xmlns="" xmlns:p14="http://schemas.microsoft.com/office/powerpoint/2007/7/12/main" val="1632735767"/>
+        <p14:creationId xmlns:p14="http://schemas.microsoft.com/office/powerpoint/2007/7/12/main" xmlns="" val="1632735767"/>
       </p:ext>
     </p:extLst>
   </p:cSld>
@@ -4540,7 +4547,7 @@
     </p:spTree>
     <p:extLst>
       <p:ext uri="{BB962C8B-B14F-4D97-AF65-F5344CB8AC3E}">
-        <p14:creationId xmlns="" xmlns:p14="http://schemas.microsoft.com/office/powerpoint/2007/7/12/main" val="1239055144"/>
+        <p14:creationId xmlns:p14="http://schemas.microsoft.com/office/powerpoint/2007/7/12/main" xmlns="" val="1239055144"/>
       </p:ext>
     </p:extLst>
   </p:cSld>
@@ -4591,7 +4598,7 @@
           <a:blip r:embed="rId15" cstate="print">
             <a:extLst>
               <a:ext uri="28A0092B-C50C-407e-A947-70E740481C1C">
-                <a14:useLocalDpi xmlns="" xmlns:a14="http://schemas.microsoft.com/office/drawing/2007/7/7/main" val="0"/>
+                <a14:useLocalDpi xmlns:a14="http://schemas.microsoft.com/office/drawing/2007/7/7/main" xmlns="" val="0"/>
               </a:ext>
             </a:extLst>
           </a:blip>
@@ -4610,14 +4617,14 @@
           </a:prstGeom>
           <a:extLst>
             <a:ext uri="{909E8E84-426E-40dd-AFC4-6F175D3DCCD1}">
-              <a14:hiddenFill xmlns="" xmlns:a14="http://schemas.microsoft.com/office/drawing/2007/7/7/main">
+              <a14:hiddenFill xmlns:a14="http://schemas.microsoft.com/office/drawing/2007/7/7/main" xmlns="">
                 <a:solidFill>
                   <a:schemeClr val="accent1"/>
                 </a:solidFill>
               </a14:hiddenFill>
             </a:ext>
             <a:ext uri="{91240B29-F687-4f45-9708-019B960494DF}">
-              <a14:hiddenLine xmlns="" xmlns:a14="http://schemas.microsoft.com/office/drawing/2007/7/7/main" w="9525">
+              <a14:hiddenLine xmlns:a14="http://schemas.microsoft.com/office/drawing/2007/7/7/main" xmlns="" w="9525">
                 <a:solidFill>
                   <a:schemeClr val="tx1"/>
                 </a:solidFill>
@@ -4627,7 +4634,7 @@
               </a14:hiddenLine>
             </a:ext>
             <a:ext uri="{AF507438-7753-43e0-B8FC-AC1667EBCBE1}">
-              <a14:hiddenEffects xmlns="" xmlns:a14="http://schemas.microsoft.com/office/drawing/2007/7/7/main">
+              <a14:hiddenEffects xmlns:a14="http://schemas.microsoft.com/office/drawing/2007/7/7/main" xmlns="">
                 <a:effectLst>
                   <a:outerShdw blurRad="63500" dist="35921" dir="2700000" algn="ctr" rotWithShape="0">
                     <a:schemeClr val="bg2"/>
@@ -4745,7 +4752,7 @@
           <a:blip r:embed="rId16" cstate="print">
             <a:extLst>
               <a:ext uri="28A0092B-C50C-407e-A947-70E740481C1C">
-                <a14:useLocalDpi xmlns="" xmlns:a14="http://schemas.microsoft.com/office/drawing/2007/7/7/main" val="0"/>
+                <a14:useLocalDpi xmlns:a14="http://schemas.microsoft.com/office/drawing/2007/7/7/main" xmlns="" val="0"/>
               </a:ext>
             </a:extLst>
           </a:blip>
@@ -4764,14 +4771,14 @@
           </a:prstGeom>
           <a:extLst>
             <a:ext uri="{909E8E84-426E-40dd-AFC4-6F175D3DCCD1}">
-              <a14:hiddenFill xmlns="" xmlns:a14="http://schemas.microsoft.com/office/drawing/2007/7/7/main">
+              <a14:hiddenFill xmlns:a14="http://schemas.microsoft.com/office/drawing/2007/7/7/main" xmlns="">
                 <a:solidFill>
                   <a:srgbClr xmlns:mc="http://schemas.openxmlformats.org/markup-compatibility/2006" val="FFFFFF" mc:Ignorable=""/>
                 </a:solidFill>
               </a14:hiddenFill>
             </a:ext>
             <a:ext uri="{91240B29-F687-4f45-9708-019B960494DF}">
-              <a14:hiddenLine xmlns="" xmlns:a14="http://schemas.microsoft.com/office/drawing/2007/7/7/main" w="9525">
+              <a14:hiddenLine xmlns:a14="http://schemas.microsoft.com/office/drawing/2007/7/7/main" xmlns="" w="9525">
                 <a:solidFill>
                   <a:srgbClr xmlns:mc="http://schemas.openxmlformats.org/markup-compatibility/2006" val="000000" mc:Ignorable=""/>
                 </a:solidFill>
@@ -4781,7 +4788,7 @@
               </a14:hiddenLine>
             </a:ext>
             <a:ext uri="{53640926-AAD7-44d8-BBD7-CCE9431645EC}">
-              <a14:shadowObscured xmlns="" xmlns:a14="http://schemas.microsoft.com/office/drawing/2007/7/7/main" val="1"/>
+              <a14:shadowObscured xmlns:a14="http://schemas.microsoft.com/office/drawing/2007/7/7/main" xmlns="" val="1"/>
             </a:ext>
           </a:extLst>
         </p:spPr>
@@ -4798,7 +4805,7 @@
           <a:blip r:embed="rId17" cstate="print">
             <a:extLst>
               <a:ext uri="28A0092B-C50C-407e-A947-70E740481C1C">
-                <a14:useLocalDpi xmlns="" xmlns:a14="http://schemas.microsoft.com/office/drawing/2007/7/7/main" val="0"/>
+                <a14:useLocalDpi xmlns:a14="http://schemas.microsoft.com/office/drawing/2007/7/7/main" xmlns="" val="0"/>
               </a:ext>
             </a:extLst>
           </a:blip>
@@ -4817,14 +4824,14 @@
           </a:prstGeom>
           <a:extLst>
             <a:ext uri="{909E8E84-426E-40dd-AFC4-6F175D3DCCD1}">
-              <a14:hiddenFill xmlns="" xmlns:a14="http://schemas.microsoft.com/office/drawing/2007/7/7/main">
+              <a14:hiddenFill xmlns:a14="http://schemas.microsoft.com/office/drawing/2007/7/7/main" xmlns="">
                 <a:solidFill>
                   <a:srgbClr xmlns:mc="http://schemas.openxmlformats.org/markup-compatibility/2006" val="FFFFFF" mc:Ignorable=""/>
                 </a:solidFill>
               </a14:hiddenFill>
             </a:ext>
             <a:ext uri="{91240B29-F687-4f45-9708-019B960494DF}">
-              <a14:hiddenLine xmlns="" xmlns:a14="http://schemas.microsoft.com/office/drawing/2007/7/7/main" w="9525">
+              <a14:hiddenLine xmlns:a14="http://schemas.microsoft.com/office/drawing/2007/7/7/main" xmlns="" w="9525">
                 <a:solidFill>
                   <a:srgbClr xmlns:mc="http://schemas.openxmlformats.org/markup-compatibility/2006" val="000000" mc:Ignorable=""/>
                 </a:solidFill>
@@ -4863,7 +4870,7 @@
     </p:spTree>
     <p:extLst>
       <p:ext uri="{BB962C8B-B14F-4D97-AF65-F5344CB8AC3E}">
-        <p14:creationId xmlns="" xmlns:p14="http://schemas.microsoft.com/office/powerpoint/2007/7/12/main" val="3135767725"/>
+        <p14:creationId xmlns:p14="http://schemas.microsoft.com/office/powerpoint/2007/7/12/main" xmlns="" val="3135767725"/>
       </p:ext>
     </p:extLst>
   </p:cSld>
@@ -5802,7 +5809,7 @@
     </p:spTree>
     <p:extLst>
       <p:ext uri="{BB962C8B-B14F-4D97-AF65-F5344CB8AC3E}">
-        <p14:creationId xmlns="" xmlns:p14="http://schemas.microsoft.com/office/powerpoint/2007/7/12/main" val="1337988155"/>
+        <p14:creationId xmlns:p14="http://schemas.microsoft.com/office/powerpoint/2007/7/12/main" xmlns="" val="1337988155"/>
       </p:ext>
     </p:extLst>
   </p:cSld>
@@ -5848,31 +5855,20 @@
         </p:nvSpPr>
         <p:spPr/>
         <p:txBody>
-          <a:bodyPr>
-            <a:noAutofit/>
-          </a:bodyPr>
+          <a:bodyPr/>
           <a:lstStyle/>
           <a:p>
-            <a:pPr algn="ctr" fontAlgn="base"/>
-            <a:r>
-              <a:rPr lang="en-US" sz="3200" dirty="0" smtClean="0"/>
-              <a:t>“Why do people use Velocity and/or </a:t>
-            </a:r>
-            <a:r>
-              <a:rPr lang="en-US" sz="3200" dirty="0" err="1" smtClean="0"/>
-              <a:t>NVelocity</a:t>
-            </a:r>
-            <a:r>
-              <a:rPr lang="en-US" sz="3200" dirty="0" smtClean="0"/>
-              <a:t>?”</a:t>
-            </a:r>
-            <a:endParaRPr lang="en-US" sz="3200" dirty="0"/>
+            <a:r>
+              <a:rPr lang="pt-PT" dirty="0" smtClean="0"/>
+              <a:t>Template</a:t>
+            </a:r>
+            <a:endParaRPr lang="pt-PT" dirty="0"/>
           </a:p>
         </p:txBody>
       </p:sp>
       <p:sp>
         <p:nvSpPr>
-          <p:cNvPr id="3" name="Content Placeholder 2"/>
+          <p:cNvPr id="4" name="Content Placeholder 3"/>
           <p:cNvSpPr>
             <a:spLocks noGrp="1"/>
           </p:cNvSpPr>
@@ -5883,75 +5879,61 @@
         <p:spPr/>
         <p:txBody>
           <a:bodyPr>
-            <a:normAutofit fontScale="77500" lnSpcReduction="20000"/>
+            <a:noAutofit/>
           </a:bodyPr>
           <a:lstStyle/>
           <a:p>
-            <a:pPr marL="0" algn="just">
-              <a:spcBef>
-                <a:spcPts val="0"/>
-              </a:spcBef>
-              <a:buNone/>
+            <a:pPr lvl="1">
+              <a:lnSpc>
+                <a:spcPct val="200000"/>
+              </a:lnSpc>
             </a:pPr>
             <a:r>
-              <a:rPr lang="en-US" dirty="0" smtClean="0"/>
-              <a:t>“Since the dawn of web apps, people started to think about separation of concerns in many applications, including web applications. The challenge is to separate what is view code from what is business code, or logic code. When </a:t>
-            </a:r>
-            <a:r>
-              <a:rPr lang="en-US" dirty="0" err="1" smtClean="0"/>
-              <a:t>jsps</a:t>
-            </a:r>
-            <a:r>
-              <a:rPr lang="en-US" dirty="0" smtClean="0"/>
-              <a:t> first arrived, many people where coding lots of logic in </a:t>
-            </a:r>
-            <a:r>
-              <a:rPr lang="en-US" dirty="0" err="1" smtClean="0"/>
-              <a:t>jsps</a:t>
-            </a:r>
-            <a:r>
-              <a:rPr lang="en-US" dirty="0" smtClean="0"/>
-              <a:t> directly (stuff like db access and other), breaking the basic principle of </a:t>
-            </a:r>
-            <a:r>
-              <a:rPr lang="en-US" b="1" dirty="0" smtClean="0"/>
-              <a:t>separation of concerns</a:t>
-            </a:r>
-            <a:r>
-              <a:rPr lang="en-US" dirty="0" smtClean="0"/>
-              <a:t> (</a:t>
-            </a:r>
-            <a:r>
-              <a:rPr lang="en-US" dirty="0" err="1" smtClean="0"/>
-              <a:t>jsps</a:t>
-            </a:r>
-            <a:r>
-              <a:rPr lang="en-US" dirty="0" smtClean="0"/>
-              <a:t> should be responsible for the presentation, not for the logic).”</a:t>
-            </a:r>
-          </a:p>
-          <a:p>
-            <a:pPr marL="0" algn="just">
-              <a:spcBef>
-                <a:spcPts val="0"/>
-              </a:spcBef>
-              <a:buNone/>
+              <a:rPr lang="pt-PT" sz="3200" dirty="0" smtClean="0"/>
+              <a:t>Utilizado desde o início dos tempos</a:t>
+            </a:r>
+          </a:p>
+          <a:p>
+            <a:pPr lvl="1">
+              <a:lnSpc>
+                <a:spcPct val="200000"/>
+              </a:lnSpc>
             </a:pPr>
             <a:r>
-              <a:rPr lang="pt-PT" sz="1400" dirty="0" smtClean="0"/>
-              <a:t>Source: </a:t>
-            </a:r>
-            <a:r>
-              <a:rPr lang="pt-PT" sz="1400" dirty="0" smtClean="0">
-                <a:hlinkClick r:id="rId2"/>
-              </a:rPr>
-              <a:t>http://stackoverflow.com/questions/503957/why-do-people-use-velocity-and-or-nvelocity</a:t>
-            </a:r>
-            <a:endParaRPr lang="pt-PT" sz="1800" dirty="0"/>
+              <a:rPr lang="pt-PT" sz="3200" dirty="0" smtClean="0"/>
+              <a:t>Em diversas áreas</a:t>
+            </a:r>
+          </a:p>
+          <a:p>
+            <a:pPr lvl="1">
+              <a:lnSpc>
+                <a:spcPct val="200000"/>
+              </a:lnSpc>
+            </a:pPr>
+            <a:r>
+              <a:rPr lang="pt-PT" sz="3200" dirty="0" smtClean="0"/>
+              <a:t>Em todas as empresas</a:t>
+            </a:r>
+          </a:p>
+          <a:p>
+            <a:pPr lvl="1">
+              <a:lnSpc>
+                <a:spcPct val="200000"/>
+              </a:lnSpc>
+            </a:pPr>
+            <a:r>
+              <a:rPr lang="pt-PT" sz="3200" dirty="0" smtClean="0"/>
+              <a:t>É a identificação de um padrão</a:t>
+            </a:r>
           </a:p>
         </p:txBody>
       </p:sp>
     </p:spTree>
+    <p:extLst>
+      <p:ext uri="{BB962C8B-B14F-4D97-AF65-F5344CB8AC3E}">
+        <p14:creationId xmlns:p14="http://schemas.microsoft.com/office/powerpoint/2007/7/12/main" xmlns="" val="564663352"/>
+      </p:ext>
+    </p:extLst>
   </p:cSld>
   <p:clrMapOvr>
     <a:masterClrMapping/>
@@ -5959,9 +5941,177 @@
   <p:timing>
     <p:tnLst>
       <p:par>
-        <p:cTn id="1" dur="indefinite" restart="never" nodeType="tmRoot"/>
+        <p:cTn id="1" dur="indefinite" restart="never" nodeType="tmRoot">
+          <p:childTnLst>
+            <p:seq concurrent="1" nextAc="seek">
+              <p:cTn id="2" dur="indefinite" nodeType="mainSeq">
+                <p:childTnLst>
+                  <p:par>
+                    <p:cTn id="3" fill="hold">
+                      <p:stCondLst>
+                        <p:cond delay="indefinite"/>
+                      </p:stCondLst>
+                      <p:childTnLst>
+                        <p:par>
+                          <p:cTn id="4" fill="hold">
+                            <p:stCondLst>
+                              <p:cond delay="0"/>
+                            </p:stCondLst>
+                            <p:childTnLst>
+                              <p:par>
+                                <p:cTn id="5" presetID="1" presetClass="entr" presetSubtype="0" fill="hold" grpId="0" nodeType="clickEffect">
+                                  <p:stCondLst>
+                                    <p:cond delay="0"/>
+                                  </p:stCondLst>
+                                  <p:childTnLst>
+                                    <p:set>
+                                      <p:cBhvr>
+                                        <p:cTn id="6" dur="1" fill="hold">
+                                          <p:stCondLst>
+                                            <p:cond delay="0"/>
+                                          </p:stCondLst>
+                                        </p:cTn>
+                                        <p:tgtEl>
+                                          <p:spTgt spid="4">
+                                            <p:txEl>
+                                              <p:pRg st="0" end="0"/>
+                                            </p:txEl>
+                                          </p:spTgt>
+                                        </p:tgtEl>
+                                        <p:attrNameLst>
+                                          <p:attrName>style.visibility</p:attrName>
+                                        </p:attrNameLst>
+                                      </p:cBhvr>
+                                      <p:to>
+                                        <p:strVal val="visible"/>
+                                      </p:to>
+                                    </p:set>
+                                  </p:childTnLst>
+                                </p:cTn>
+                              </p:par>
+                              <p:par>
+                                <p:cTn id="7" presetID="1" presetClass="entr" presetSubtype="0" fill="hold" grpId="0" nodeType="withEffect">
+                                  <p:stCondLst>
+                                    <p:cond delay="0"/>
+                                  </p:stCondLst>
+                                  <p:childTnLst>
+                                    <p:set>
+                                      <p:cBhvr>
+                                        <p:cTn id="8" dur="1" fill="hold">
+                                          <p:stCondLst>
+                                            <p:cond delay="0"/>
+                                          </p:stCondLst>
+                                        </p:cTn>
+                                        <p:tgtEl>
+                                          <p:spTgt spid="4">
+                                            <p:txEl>
+                                              <p:pRg st="1" end="1"/>
+                                            </p:txEl>
+                                          </p:spTgt>
+                                        </p:tgtEl>
+                                        <p:attrNameLst>
+                                          <p:attrName>style.visibility</p:attrName>
+                                        </p:attrNameLst>
+                                      </p:cBhvr>
+                                      <p:to>
+                                        <p:strVal val="visible"/>
+                                      </p:to>
+                                    </p:set>
+                                  </p:childTnLst>
+                                </p:cTn>
+                              </p:par>
+                              <p:par>
+                                <p:cTn id="9" presetID="1" presetClass="entr" presetSubtype="0" fill="hold" grpId="0" nodeType="withEffect">
+                                  <p:stCondLst>
+                                    <p:cond delay="0"/>
+                                  </p:stCondLst>
+                                  <p:childTnLst>
+                                    <p:set>
+                                      <p:cBhvr>
+                                        <p:cTn id="10" dur="1" fill="hold">
+                                          <p:stCondLst>
+                                            <p:cond delay="0"/>
+                                          </p:stCondLst>
+                                        </p:cTn>
+                                        <p:tgtEl>
+                                          <p:spTgt spid="4">
+                                            <p:txEl>
+                                              <p:pRg st="2" end="2"/>
+                                            </p:txEl>
+                                          </p:spTgt>
+                                        </p:tgtEl>
+                                        <p:attrNameLst>
+                                          <p:attrName>style.visibility</p:attrName>
+                                        </p:attrNameLst>
+                                      </p:cBhvr>
+                                      <p:to>
+                                        <p:strVal val="visible"/>
+                                      </p:to>
+                                    </p:set>
+                                  </p:childTnLst>
+                                </p:cTn>
+                              </p:par>
+                              <p:par>
+                                <p:cTn id="11" presetID="1" presetClass="entr" presetSubtype="0" fill="hold" grpId="0" nodeType="withEffect">
+                                  <p:stCondLst>
+                                    <p:cond delay="0"/>
+                                  </p:stCondLst>
+                                  <p:childTnLst>
+                                    <p:set>
+                                      <p:cBhvr>
+                                        <p:cTn id="12" dur="1" fill="hold">
+                                          <p:stCondLst>
+                                            <p:cond delay="0"/>
+                                          </p:stCondLst>
+                                        </p:cTn>
+                                        <p:tgtEl>
+                                          <p:spTgt spid="4">
+                                            <p:txEl>
+                                              <p:pRg st="3" end="3"/>
+                                            </p:txEl>
+                                          </p:spTgt>
+                                        </p:tgtEl>
+                                        <p:attrNameLst>
+                                          <p:attrName>style.visibility</p:attrName>
+                                        </p:attrNameLst>
+                                      </p:cBhvr>
+                                      <p:to>
+                                        <p:strVal val="visible"/>
+                                      </p:to>
+                                    </p:set>
+                                  </p:childTnLst>
+                                </p:cTn>
+                              </p:par>
+                            </p:childTnLst>
+                          </p:cTn>
+                        </p:par>
+                      </p:childTnLst>
+                    </p:cTn>
+                  </p:par>
+                </p:childTnLst>
+              </p:cTn>
+              <p:prevCondLst>
+                <p:cond evt="onPrev" delay="0">
+                  <p:tgtEl>
+                    <p:sldTgt/>
+                  </p:tgtEl>
+                </p:cond>
+              </p:prevCondLst>
+              <p:nextCondLst>
+                <p:cond evt="onNext" delay="0">
+                  <p:tgtEl>
+                    <p:sldTgt/>
+                  </p:tgtEl>
+                </p:cond>
+              </p:nextCondLst>
+            </p:seq>
+          </p:childTnLst>
+        </p:cTn>
       </p:par>
     </p:tnLst>
+    <p:bldLst>
+      <p:bldP spid="4" grpId="0" build="p"/>
+    </p:bldLst>
   </p:timing>
 </p:sld>
 </file>
@@ -6000,7 +6150,7 @@
           <a:p>
             <a:r>
               <a:rPr lang="pt-PT" dirty="0" smtClean="0"/>
-              <a:t>NVelocity</a:t>
+              <a:t>Padrões de Desenho</a:t>
             </a:r>
             <a:endParaRPr lang="pt-PT" dirty="0"/>
           </a:p>
@@ -6023,6 +6173,1023 @@
           </a:bodyPr>
           <a:lstStyle/>
           <a:p>
+            <a:r>
+              <a:rPr lang="pt-PT" sz="3200" dirty="0" smtClean="0"/>
+              <a:t>Separation of Concerns</a:t>
+            </a:r>
+          </a:p>
+          <a:p>
+            <a:pPr lvl="1"/>
+            <a:r>
+              <a:rPr lang="pt-PT" sz="2800" dirty="0" smtClean="0"/>
+              <a:t>AOP</a:t>
+            </a:r>
+          </a:p>
+          <a:p>
+            <a:pPr lvl="1"/>
+            <a:r>
+              <a:rPr lang="pt-PT" sz="2800" dirty="0" smtClean="0"/>
+              <a:t>HTML/CSS/Javascript</a:t>
+            </a:r>
+          </a:p>
+          <a:p>
+            <a:pPr lvl="1"/>
+            <a:endParaRPr lang="pt-PT" sz="2800" dirty="0" smtClean="0"/>
+          </a:p>
+          <a:p>
+            <a:r>
+              <a:rPr lang="pt-PT" sz="3200" dirty="0" smtClean="0"/>
+              <a:t>MVC</a:t>
+            </a:r>
+          </a:p>
+          <a:p>
+            <a:pPr lvl="1"/>
+            <a:r>
+              <a:rPr lang="pt-PT" sz="2800" dirty="0" smtClean="0"/>
+              <a:t>Model </a:t>
+            </a:r>
+          </a:p>
+          <a:p>
+            <a:pPr lvl="1"/>
+            <a:r>
+              <a:rPr lang="pt-PT" sz="2800" dirty="0" smtClean="0"/>
+              <a:t>View</a:t>
+            </a:r>
+          </a:p>
+          <a:p>
+            <a:pPr lvl="1"/>
+            <a:r>
+              <a:rPr lang="pt-PT" sz="2800" dirty="0" smtClean="0"/>
+              <a:t>Controller</a:t>
+            </a:r>
+          </a:p>
+          <a:p>
+            <a:endParaRPr lang="pt-PT" sz="3200" dirty="0" smtClean="0"/>
+          </a:p>
+        </p:txBody>
+      </p:sp>
+    </p:spTree>
+    <p:extLst>
+      <p:ext uri="{BB962C8B-B14F-4D97-AF65-F5344CB8AC3E}">
+        <p14:creationId xmlns:p14="http://schemas.microsoft.com/office/powerpoint/2007/7/12/main" xmlns="" val="564663352"/>
+      </p:ext>
+    </p:extLst>
+  </p:cSld>
+  <p:clrMapOvr>
+    <a:masterClrMapping/>
+  </p:clrMapOvr>
+  <p:timing>
+    <p:tnLst>
+      <p:par>
+        <p:cTn id="1" dur="indefinite" restart="never" nodeType="tmRoot">
+          <p:childTnLst>
+            <p:seq concurrent="1" nextAc="seek">
+              <p:cTn id="2" dur="indefinite" nodeType="mainSeq">
+                <p:childTnLst>
+                  <p:par>
+                    <p:cTn id="3" fill="hold">
+                      <p:stCondLst>
+                        <p:cond delay="indefinite"/>
+                      </p:stCondLst>
+                      <p:childTnLst>
+                        <p:par>
+                          <p:cTn id="4" fill="hold">
+                            <p:stCondLst>
+                              <p:cond delay="0"/>
+                            </p:stCondLst>
+                            <p:childTnLst>
+                              <p:par>
+                                <p:cTn id="5" presetID="1" presetClass="entr" presetSubtype="0" fill="hold" grpId="0" nodeType="clickEffect">
+                                  <p:stCondLst>
+                                    <p:cond delay="0"/>
+                                  </p:stCondLst>
+                                  <p:childTnLst>
+                                    <p:set>
+                                      <p:cBhvr>
+                                        <p:cTn id="6" dur="1" fill="hold">
+                                          <p:stCondLst>
+                                            <p:cond delay="0"/>
+                                          </p:stCondLst>
+                                        </p:cTn>
+                                        <p:tgtEl>
+                                          <p:spTgt spid="4">
+                                            <p:txEl>
+                                              <p:pRg st="0" end="0"/>
+                                            </p:txEl>
+                                          </p:spTgt>
+                                        </p:tgtEl>
+                                        <p:attrNameLst>
+                                          <p:attrName>style.visibility</p:attrName>
+                                        </p:attrNameLst>
+                                      </p:cBhvr>
+                                      <p:to>
+                                        <p:strVal val="visible"/>
+                                      </p:to>
+                                    </p:set>
+                                  </p:childTnLst>
+                                </p:cTn>
+                              </p:par>
+                              <p:par>
+                                <p:cTn id="7" presetID="1" presetClass="entr" presetSubtype="0" fill="hold" grpId="0" nodeType="withEffect">
+                                  <p:stCondLst>
+                                    <p:cond delay="0"/>
+                                  </p:stCondLst>
+                                  <p:childTnLst>
+                                    <p:set>
+                                      <p:cBhvr>
+                                        <p:cTn id="8" dur="1" fill="hold">
+                                          <p:stCondLst>
+                                            <p:cond delay="0"/>
+                                          </p:stCondLst>
+                                        </p:cTn>
+                                        <p:tgtEl>
+                                          <p:spTgt spid="4">
+                                            <p:txEl>
+                                              <p:pRg st="1" end="1"/>
+                                            </p:txEl>
+                                          </p:spTgt>
+                                        </p:tgtEl>
+                                        <p:attrNameLst>
+                                          <p:attrName>style.visibility</p:attrName>
+                                        </p:attrNameLst>
+                                      </p:cBhvr>
+                                      <p:to>
+                                        <p:strVal val="visible"/>
+                                      </p:to>
+                                    </p:set>
+                                  </p:childTnLst>
+                                </p:cTn>
+                              </p:par>
+                              <p:par>
+                                <p:cTn id="9" presetID="1" presetClass="entr" presetSubtype="0" fill="hold" grpId="0" nodeType="withEffect">
+                                  <p:stCondLst>
+                                    <p:cond delay="0"/>
+                                  </p:stCondLst>
+                                  <p:childTnLst>
+                                    <p:set>
+                                      <p:cBhvr>
+                                        <p:cTn id="10" dur="1" fill="hold">
+                                          <p:stCondLst>
+                                            <p:cond delay="0"/>
+                                          </p:stCondLst>
+                                        </p:cTn>
+                                        <p:tgtEl>
+                                          <p:spTgt spid="4">
+                                            <p:txEl>
+                                              <p:pRg st="2" end="2"/>
+                                            </p:txEl>
+                                          </p:spTgt>
+                                        </p:tgtEl>
+                                        <p:attrNameLst>
+                                          <p:attrName>style.visibility</p:attrName>
+                                        </p:attrNameLst>
+                                      </p:cBhvr>
+                                      <p:to>
+                                        <p:strVal val="visible"/>
+                                      </p:to>
+                                    </p:set>
+                                  </p:childTnLst>
+                                </p:cTn>
+                              </p:par>
+                            </p:childTnLst>
+                          </p:cTn>
+                        </p:par>
+                      </p:childTnLst>
+                    </p:cTn>
+                  </p:par>
+                  <p:par>
+                    <p:cTn id="11" fill="hold">
+                      <p:stCondLst>
+                        <p:cond delay="indefinite"/>
+                      </p:stCondLst>
+                      <p:childTnLst>
+                        <p:par>
+                          <p:cTn id="12" fill="hold">
+                            <p:stCondLst>
+                              <p:cond delay="0"/>
+                            </p:stCondLst>
+                            <p:childTnLst>
+                              <p:par>
+                                <p:cTn id="13" presetID="1" presetClass="entr" presetSubtype="0" fill="hold" grpId="0" nodeType="clickEffect">
+                                  <p:stCondLst>
+                                    <p:cond delay="0"/>
+                                  </p:stCondLst>
+                                  <p:childTnLst>
+                                    <p:set>
+                                      <p:cBhvr>
+                                        <p:cTn id="14" dur="1" fill="hold">
+                                          <p:stCondLst>
+                                            <p:cond delay="0"/>
+                                          </p:stCondLst>
+                                        </p:cTn>
+                                        <p:tgtEl>
+                                          <p:spTgt spid="4">
+                                            <p:txEl>
+                                              <p:pRg st="4" end="4"/>
+                                            </p:txEl>
+                                          </p:spTgt>
+                                        </p:tgtEl>
+                                        <p:attrNameLst>
+                                          <p:attrName>style.visibility</p:attrName>
+                                        </p:attrNameLst>
+                                      </p:cBhvr>
+                                      <p:to>
+                                        <p:strVal val="visible"/>
+                                      </p:to>
+                                    </p:set>
+                                  </p:childTnLst>
+                                </p:cTn>
+                              </p:par>
+                              <p:par>
+                                <p:cTn id="15" presetID="1" presetClass="entr" presetSubtype="0" fill="hold" grpId="0" nodeType="withEffect">
+                                  <p:stCondLst>
+                                    <p:cond delay="0"/>
+                                  </p:stCondLst>
+                                  <p:childTnLst>
+                                    <p:set>
+                                      <p:cBhvr>
+                                        <p:cTn id="16" dur="1" fill="hold">
+                                          <p:stCondLst>
+                                            <p:cond delay="0"/>
+                                          </p:stCondLst>
+                                        </p:cTn>
+                                        <p:tgtEl>
+                                          <p:spTgt spid="4">
+                                            <p:txEl>
+                                              <p:pRg st="5" end="5"/>
+                                            </p:txEl>
+                                          </p:spTgt>
+                                        </p:tgtEl>
+                                        <p:attrNameLst>
+                                          <p:attrName>style.visibility</p:attrName>
+                                        </p:attrNameLst>
+                                      </p:cBhvr>
+                                      <p:to>
+                                        <p:strVal val="visible"/>
+                                      </p:to>
+                                    </p:set>
+                                  </p:childTnLst>
+                                </p:cTn>
+                              </p:par>
+                              <p:par>
+                                <p:cTn id="17" presetID="1" presetClass="entr" presetSubtype="0" fill="hold" grpId="0" nodeType="withEffect">
+                                  <p:stCondLst>
+                                    <p:cond delay="0"/>
+                                  </p:stCondLst>
+                                  <p:childTnLst>
+                                    <p:set>
+                                      <p:cBhvr>
+                                        <p:cTn id="18" dur="1" fill="hold">
+                                          <p:stCondLst>
+                                            <p:cond delay="0"/>
+                                          </p:stCondLst>
+                                        </p:cTn>
+                                        <p:tgtEl>
+                                          <p:spTgt spid="4">
+                                            <p:txEl>
+                                              <p:pRg st="6" end="6"/>
+                                            </p:txEl>
+                                          </p:spTgt>
+                                        </p:tgtEl>
+                                        <p:attrNameLst>
+                                          <p:attrName>style.visibility</p:attrName>
+                                        </p:attrNameLst>
+                                      </p:cBhvr>
+                                      <p:to>
+                                        <p:strVal val="visible"/>
+                                      </p:to>
+                                    </p:set>
+                                  </p:childTnLst>
+                                </p:cTn>
+                              </p:par>
+                              <p:par>
+                                <p:cTn id="19" presetID="1" presetClass="entr" presetSubtype="0" fill="hold" grpId="0" nodeType="withEffect">
+                                  <p:stCondLst>
+                                    <p:cond delay="0"/>
+                                  </p:stCondLst>
+                                  <p:childTnLst>
+                                    <p:set>
+                                      <p:cBhvr>
+                                        <p:cTn id="20" dur="1" fill="hold">
+                                          <p:stCondLst>
+                                            <p:cond delay="0"/>
+                                          </p:stCondLst>
+                                        </p:cTn>
+                                        <p:tgtEl>
+                                          <p:spTgt spid="4">
+                                            <p:txEl>
+                                              <p:pRg st="7" end="7"/>
+                                            </p:txEl>
+                                          </p:spTgt>
+                                        </p:tgtEl>
+                                        <p:attrNameLst>
+                                          <p:attrName>style.visibility</p:attrName>
+                                        </p:attrNameLst>
+                                      </p:cBhvr>
+                                      <p:to>
+                                        <p:strVal val="visible"/>
+                                      </p:to>
+                                    </p:set>
+                                  </p:childTnLst>
+                                </p:cTn>
+                              </p:par>
+                            </p:childTnLst>
+                          </p:cTn>
+                        </p:par>
+                      </p:childTnLst>
+                    </p:cTn>
+                  </p:par>
+                </p:childTnLst>
+              </p:cTn>
+              <p:prevCondLst>
+                <p:cond evt="onPrev" delay="0">
+                  <p:tgtEl>
+                    <p:sldTgt/>
+                  </p:tgtEl>
+                </p:cond>
+              </p:prevCondLst>
+              <p:nextCondLst>
+                <p:cond evt="onNext" delay="0">
+                  <p:tgtEl>
+                    <p:sldTgt/>
+                  </p:tgtEl>
+                </p:cond>
+              </p:nextCondLst>
+            </p:seq>
+          </p:childTnLst>
+        </p:cTn>
+      </p:par>
+    </p:tnLst>
+    <p:bldLst>
+      <p:bldP spid="4" grpId="0" build="p"/>
+    </p:bldLst>
+  </p:timing>
+</p:sld>
+</file>
+
+<file path=ppt/slides/slide12.xml><?xml version="1.0" encoding="utf-8"?>
+<p:sld xmlns:a="http://schemas.openxmlformats.org/drawingml/2006/main" xmlns:r="http://schemas.openxmlformats.org/officeDocument/2006/relationships" xmlns:p="http://schemas.openxmlformats.org/presentationml/2006/main">
+  <p:cSld>
+    <p:spTree>
+      <p:nvGrpSpPr>
+        <p:cNvPr id="1" name=""/>
+        <p:cNvGrpSpPr/>
+        <p:nvPr/>
+      </p:nvGrpSpPr>
+      <p:grpSpPr>
+        <a:xfrm>
+          <a:off x="0" y="0"/>
+          <a:ext cx="0" cy="0"/>
+          <a:chOff x="0" y="0"/>
+          <a:chExt cx="0" cy="0"/>
+        </a:xfrm>
+      </p:grpSpPr>
+      <p:sp>
+        <p:nvSpPr>
+          <p:cNvPr id="2" name="Title 1"/>
+          <p:cNvSpPr>
+            <a:spLocks noGrp="1"/>
+          </p:cNvSpPr>
+          <p:nvPr>
+            <p:ph type="title"/>
+          </p:nvPr>
+        </p:nvSpPr>
+        <p:spPr/>
+        <p:txBody>
+          <a:bodyPr/>
+          <a:lstStyle/>
+          <a:p>
+            <a:r>
+              <a:rPr lang="pt-PT" dirty="0" smtClean="0"/>
+              <a:t>Template Engine</a:t>
+            </a:r>
+            <a:endParaRPr lang="pt-PT" dirty="0"/>
+          </a:p>
+        </p:txBody>
+      </p:sp>
+      <p:sp>
+        <p:nvSpPr>
+          <p:cNvPr id="4" name="Content Placeholder 3"/>
+          <p:cNvSpPr>
+            <a:spLocks noGrp="1"/>
+          </p:cNvSpPr>
+          <p:nvPr>
+            <p:ph idx="1"/>
+          </p:nvPr>
+        </p:nvSpPr>
+        <p:spPr/>
+        <p:txBody>
+          <a:bodyPr>
+            <a:noAutofit/>
+          </a:bodyPr>
+          <a:lstStyle/>
+          <a:p>
+            <a:pPr>
+              <a:lnSpc>
+                <a:spcPct val="150000"/>
+              </a:lnSpc>
+              <a:buNone/>
+            </a:pPr>
+            <a:r>
+              <a:rPr lang="pt-PT" sz="3200" dirty="0" smtClean="0"/>
+              <a:t>Casos de Uso:</a:t>
+            </a:r>
+          </a:p>
+          <a:p>
+            <a:pPr lvl="1">
+              <a:lnSpc>
+                <a:spcPct val="150000"/>
+              </a:lnSpc>
+            </a:pPr>
+            <a:r>
+              <a:rPr lang="pt-PT" sz="2800" dirty="0" smtClean="0"/>
+              <a:t>Geração de páginas HTML</a:t>
+            </a:r>
+          </a:p>
+          <a:p>
+            <a:pPr lvl="1">
+              <a:lnSpc>
+                <a:spcPct val="150000"/>
+              </a:lnSpc>
+            </a:pPr>
+            <a:r>
+              <a:rPr lang="pt-PT" sz="2800" dirty="0" smtClean="0"/>
+              <a:t>Geração de emails</a:t>
+            </a:r>
+          </a:p>
+          <a:p>
+            <a:pPr lvl="1">
+              <a:lnSpc>
+                <a:spcPct val="150000"/>
+              </a:lnSpc>
+            </a:pPr>
+            <a:r>
+              <a:rPr lang="pt-PT" sz="2800" dirty="0" smtClean="0"/>
+              <a:t>Geração de código automático</a:t>
+            </a:r>
+          </a:p>
+          <a:p>
+            <a:pPr lvl="1">
+              <a:lnSpc>
+                <a:spcPct val="150000"/>
+              </a:lnSpc>
+            </a:pPr>
+            <a:r>
+              <a:rPr lang="pt-PT" sz="2800" dirty="0" smtClean="0"/>
+              <a:t>Geração  de ficheiros em xml</a:t>
+            </a:r>
+          </a:p>
+          <a:p>
+            <a:pPr lvl="1">
+              <a:lnSpc>
+                <a:spcPct val="150000"/>
+              </a:lnSpc>
+            </a:pPr>
+            <a:r>
+              <a:rPr lang="pt-PT" sz="2800" dirty="0" smtClean="0"/>
+              <a:t>Complemento de outras ferramentas</a:t>
+            </a:r>
+          </a:p>
+        </p:txBody>
+      </p:sp>
+    </p:spTree>
+    <p:extLst>
+      <p:ext uri="{BB962C8B-B14F-4D97-AF65-F5344CB8AC3E}">
+        <p14:creationId xmlns:p14="http://schemas.microsoft.com/office/powerpoint/2007/7/12/main" xmlns="" val="564663352"/>
+      </p:ext>
+    </p:extLst>
+  </p:cSld>
+  <p:clrMapOvr>
+    <a:masterClrMapping/>
+  </p:clrMapOvr>
+  <p:timing>
+    <p:tnLst>
+      <p:par>
+        <p:cTn id="1" dur="indefinite" restart="never" nodeType="tmRoot">
+          <p:childTnLst>
+            <p:seq concurrent="1" nextAc="seek">
+              <p:cTn id="2" dur="indefinite" nodeType="mainSeq">
+                <p:childTnLst>
+                  <p:par>
+                    <p:cTn id="3" fill="hold">
+                      <p:stCondLst>
+                        <p:cond delay="indefinite"/>
+                      </p:stCondLst>
+                      <p:childTnLst>
+                        <p:par>
+                          <p:cTn id="4" fill="hold">
+                            <p:stCondLst>
+                              <p:cond delay="0"/>
+                            </p:stCondLst>
+                            <p:childTnLst>
+                              <p:par>
+                                <p:cTn id="5" presetID="1" presetClass="entr" presetSubtype="0" fill="hold" grpId="0" nodeType="clickEffect">
+                                  <p:stCondLst>
+                                    <p:cond delay="0"/>
+                                  </p:stCondLst>
+                                  <p:childTnLst>
+                                    <p:set>
+                                      <p:cBhvr>
+                                        <p:cTn id="6" dur="1" fill="hold">
+                                          <p:stCondLst>
+                                            <p:cond delay="0"/>
+                                          </p:stCondLst>
+                                        </p:cTn>
+                                        <p:tgtEl>
+                                          <p:spTgt spid="4">
+                                            <p:txEl>
+                                              <p:pRg st="0" end="0"/>
+                                            </p:txEl>
+                                          </p:spTgt>
+                                        </p:tgtEl>
+                                        <p:attrNameLst>
+                                          <p:attrName>style.visibility</p:attrName>
+                                        </p:attrNameLst>
+                                      </p:cBhvr>
+                                      <p:to>
+                                        <p:strVal val="visible"/>
+                                      </p:to>
+                                    </p:set>
+                                  </p:childTnLst>
+                                </p:cTn>
+                              </p:par>
+                              <p:par>
+                                <p:cTn id="7" presetID="1" presetClass="entr" presetSubtype="0" fill="hold" grpId="0" nodeType="withEffect">
+                                  <p:stCondLst>
+                                    <p:cond delay="0"/>
+                                  </p:stCondLst>
+                                  <p:childTnLst>
+                                    <p:set>
+                                      <p:cBhvr>
+                                        <p:cTn id="8" dur="1" fill="hold">
+                                          <p:stCondLst>
+                                            <p:cond delay="0"/>
+                                          </p:stCondLst>
+                                        </p:cTn>
+                                        <p:tgtEl>
+                                          <p:spTgt spid="4">
+                                            <p:txEl>
+                                              <p:pRg st="1" end="1"/>
+                                            </p:txEl>
+                                          </p:spTgt>
+                                        </p:tgtEl>
+                                        <p:attrNameLst>
+                                          <p:attrName>style.visibility</p:attrName>
+                                        </p:attrNameLst>
+                                      </p:cBhvr>
+                                      <p:to>
+                                        <p:strVal val="visible"/>
+                                      </p:to>
+                                    </p:set>
+                                  </p:childTnLst>
+                                </p:cTn>
+                              </p:par>
+                              <p:par>
+                                <p:cTn id="9" presetID="1" presetClass="entr" presetSubtype="0" fill="hold" grpId="0" nodeType="withEffect">
+                                  <p:stCondLst>
+                                    <p:cond delay="0"/>
+                                  </p:stCondLst>
+                                  <p:childTnLst>
+                                    <p:set>
+                                      <p:cBhvr>
+                                        <p:cTn id="10" dur="1" fill="hold">
+                                          <p:stCondLst>
+                                            <p:cond delay="0"/>
+                                          </p:stCondLst>
+                                        </p:cTn>
+                                        <p:tgtEl>
+                                          <p:spTgt spid="4">
+                                            <p:txEl>
+                                              <p:pRg st="2" end="2"/>
+                                            </p:txEl>
+                                          </p:spTgt>
+                                        </p:tgtEl>
+                                        <p:attrNameLst>
+                                          <p:attrName>style.visibility</p:attrName>
+                                        </p:attrNameLst>
+                                      </p:cBhvr>
+                                      <p:to>
+                                        <p:strVal val="visible"/>
+                                      </p:to>
+                                    </p:set>
+                                  </p:childTnLst>
+                                </p:cTn>
+                              </p:par>
+                              <p:par>
+                                <p:cTn id="11" presetID="1" presetClass="entr" presetSubtype="0" fill="hold" grpId="0" nodeType="withEffect">
+                                  <p:stCondLst>
+                                    <p:cond delay="0"/>
+                                  </p:stCondLst>
+                                  <p:childTnLst>
+                                    <p:set>
+                                      <p:cBhvr>
+                                        <p:cTn id="12" dur="1" fill="hold">
+                                          <p:stCondLst>
+                                            <p:cond delay="0"/>
+                                          </p:stCondLst>
+                                        </p:cTn>
+                                        <p:tgtEl>
+                                          <p:spTgt spid="4">
+                                            <p:txEl>
+                                              <p:pRg st="3" end="3"/>
+                                            </p:txEl>
+                                          </p:spTgt>
+                                        </p:tgtEl>
+                                        <p:attrNameLst>
+                                          <p:attrName>style.visibility</p:attrName>
+                                        </p:attrNameLst>
+                                      </p:cBhvr>
+                                      <p:to>
+                                        <p:strVal val="visible"/>
+                                      </p:to>
+                                    </p:set>
+                                  </p:childTnLst>
+                                </p:cTn>
+                              </p:par>
+                              <p:par>
+                                <p:cTn id="13" presetID="1" presetClass="entr" presetSubtype="0" fill="hold" grpId="0" nodeType="withEffect">
+                                  <p:stCondLst>
+                                    <p:cond delay="0"/>
+                                  </p:stCondLst>
+                                  <p:childTnLst>
+                                    <p:set>
+                                      <p:cBhvr>
+                                        <p:cTn id="14" dur="1" fill="hold">
+                                          <p:stCondLst>
+                                            <p:cond delay="0"/>
+                                          </p:stCondLst>
+                                        </p:cTn>
+                                        <p:tgtEl>
+                                          <p:spTgt spid="4">
+                                            <p:txEl>
+                                              <p:pRg st="4" end="4"/>
+                                            </p:txEl>
+                                          </p:spTgt>
+                                        </p:tgtEl>
+                                        <p:attrNameLst>
+                                          <p:attrName>style.visibility</p:attrName>
+                                        </p:attrNameLst>
+                                      </p:cBhvr>
+                                      <p:to>
+                                        <p:strVal val="visible"/>
+                                      </p:to>
+                                    </p:set>
+                                  </p:childTnLst>
+                                </p:cTn>
+                              </p:par>
+                              <p:par>
+                                <p:cTn id="15" presetID="1" presetClass="entr" presetSubtype="0" fill="hold" grpId="0" nodeType="withEffect">
+                                  <p:stCondLst>
+                                    <p:cond delay="0"/>
+                                  </p:stCondLst>
+                                  <p:childTnLst>
+                                    <p:set>
+                                      <p:cBhvr>
+                                        <p:cTn id="16" dur="1" fill="hold">
+                                          <p:stCondLst>
+                                            <p:cond delay="0"/>
+                                          </p:stCondLst>
+                                        </p:cTn>
+                                        <p:tgtEl>
+                                          <p:spTgt spid="4">
+                                            <p:txEl>
+                                              <p:pRg st="5" end="5"/>
+                                            </p:txEl>
+                                          </p:spTgt>
+                                        </p:tgtEl>
+                                        <p:attrNameLst>
+                                          <p:attrName>style.visibility</p:attrName>
+                                        </p:attrNameLst>
+                                      </p:cBhvr>
+                                      <p:to>
+                                        <p:strVal val="visible"/>
+                                      </p:to>
+                                    </p:set>
+                                  </p:childTnLst>
+                                </p:cTn>
+                              </p:par>
+                            </p:childTnLst>
+                          </p:cTn>
+                        </p:par>
+                      </p:childTnLst>
+                    </p:cTn>
+                  </p:par>
+                </p:childTnLst>
+              </p:cTn>
+              <p:prevCondLst>
+                <p:cond evt="onPrev" delay="0">
+                  <p:tgtEl>
+                    <p:sldTgt/>
+                  </p:tgtEl>
+                </p:cond>
+              </p:prevCondLst>
+              <p:nextCondLst>
+                <p:cond evt="onNext" delay="0">
+                  <p:tgtEl>
+                    <p:sldTgt/>
+                  </p:tgtEl>
+                </p:cond>
+              </p:nextCondLst>
+            </p:seq>
+          </p:childTnLst>
+        </p:cTn>
+      </p:par>
+    </p:tnLst>
+    <p:bldLst>
+      <p:bldP spid="4" grpId="0" build="p"/>
+    </p:bldLst>
+  </p:timing>
+</p:sld>
+</file>
+
+<file path=ppt/slides/slide13.xml><?xml version="1.0" encoding="utf-8"?>
+<p:sld xmlns:a="http://schemas.openxmlformats.org/drawingml/2006/main" xmlns:r="http://schemas.openxmlformats.org/officeDocument/2006/relationships" xmlns:p="http://schemas.openxmlformats.org/presentationml/2006/main">
+  <p:cSld>
+    <p:spTree>
+      <p:nvGrpSpPr>
+        <p:cNvPr id="1" name=""/>
+        <p:cNvGrpSpPr/>
+        <p:nvPr/>
+      </p:nvGrpSpPr>
+      <p:grpSpPr>
+        <a:xfrm>
+          <a:off x="0" y="0"/>
+          <a:ext cx="0" cy="0"/>
+          <a:chOff x="0" y="0"/>
+          <a:chExt cx="0" cy="0"/>
+        </a:xfrm>
+      </p:grpSpPr>
+      <p:sp>
+        <p:nvSpPr>
+          <p:cNvPr id="2" name="Title 1"/>
+          <p:cNvSpPr>
+            <a:spLocks noGrp="1"/>
+          </p:cNvSpPr>
+          <p:nvPr>
+            <p:ph type="title"/>
+          </p:nvPr>
+        </p:nvSpPr>
+        <p:spPr/>
+        <p:txBody>
+          <a:bodyPr/>
+          <a:lstStyle/>
+          <a:p>
+            <a:endParaRPr lang="pt-PT" dirty="0"/>
+          </a:p>
+        </p:txBody>
+      </p:sp>
+      <p:sp>
+        <p:nvSpPr>
+          <p:cNvPr id="3" name="Content Placeholder 2"/>
+          <p:cNvSpPr>
+            <a:spLocks noGrp="1"/>
+          </p:cNvSpPr>
+          <p:nvPr>
+            <p:ph idx="1"/>
+          </p:nvPr>
+        </p:nvSpPr>
+        <p:spPr>
+          <a:xfrm>
+            <a:off x="2324708" y="2521751"/>
+            <a:ext cx="5256584" cy="1814499"/>
+          </a:xfrm>
+        </p:spPr>
+        <p:txBody>
+          <a:bodyPr>
+            <a:normAutofit/>
+          </a:bodyPr>
+          <a:lstStyle/>
+          <a:p>
+            <a:pPr>
+              <a:buNone/>
+            </a:pPr>
+            <a:r>
+              <a:rPr lang="pt-PT" sz="9600" dirty="0" smtClean="0"/>
+              <a:t>NVelocity</a:t>
+            </a:r>
+            <a:endParaRPr lang="pt-PT" sz="9600" dirty="0"/>
+          </a:p>
+        </p:txBody>
+      </p:sp>
+    </p:spTree>
+  </p:cSld>
+  <p:clrMapOvr>
+    <a:masterClrMapping/>
+  </p:clrMapOvr>
+  <p:timing>
+    <p:tnLst>
+      <p:par>
+        <p:cTn id="1" dur="indefinite" restart="never" nodeType="tmRoot"/>
+      </p:par>
+    </p:tnLst>
+  </p:timing>
+</p:sld>
+</file>
+
+<file path=ppt/slides/slide14.xml><?xml version="1.0" encoding="utf-8"?>
+<p:sld xmlns:a="http://schemas.openxmlformats.org/drawingml/2006/main" xmlns:r="http://schemas.openxmlformats.org/officeDocument/2006/relationships" xmlns:p="http://schemas.openxmlformats.org/presentationml/2006/main">
+  <p:cSld>
+    <p:spTree>
+      <p:nvGrpSpPr>
+        <p:cNvPr id="1" name=""/>
+        <p:cNvGrpSpPr/>
+        <p:nvPr/>
+      </p:nvGrpSpPr>
+      <p:grpSpPr>
+        <a:xfrm>
+          <a:off x="0" y="0"/>
+          <a:ext cx="0" cy="0"/>
+          <a:chOff x="0" y="0"/>
+          <a:chExt cx="0" cy="0"/>
+        </a:xfrm>
+      </p:grpSpPr>
+      <p:sp>
+        <p:nvSpPr>
+          <p:cNvPr id="2" name="Title 1"/>
+          <p:cNvSpPr>
+            <a:spLocks noGrp="1"/>
+          </p:cNvSpPr>
+          <p:nvPr>
+            <p:ph type="title"/>
+          </p:nvPr>
+        </p:nvSpPr>
+        <p:spPr/>
+        <p:txBody>
+          <a:bodyPr>
+            <a:noAutofit/>
+          </a:bodyPr>
+          <a:lstStyle/>
+          <a:p>
+            <a:pPr algn="ctr" fontAlgn="base"/>
+            <a:r>
+              <a:rPr lang="en-US" sz="3200" dirty="0" smtClean="0"/>
+              <a:t>“Why do people use Velocity and/or </a:t>
+            </a:r>
+            <a:r>
+              <a:rPr lang="en-US" sz="3200" dirty="0" err="1" smtClean="0"/>
+              <a:t>NVelocity</a:t>
+            </a:r>
+            <a:r>
+              <a:rPr lang="en-US" sz="3200" dirty="0" smtClean="0"/>
+              <a:t>?”</a:t>
+            </a:r>
+            <a:endParaRPr lang="en-US" sz="3200" dirty="0"/>
+          </a:p>
+        </p:txBody>
+      </p:sp>
+      <p:sp>
+        <p:nvSpPr>
+          <p:cNvPr id="3" name="Content Placeholder 2"/>
+          <p:cNvSpPr>
+            <a:spLocks noGrp="1"/>
+          </p:cNvSpPr>
+          <p:nvPr>
+            <p:ph idx="1"/>
+          </p:nvPr>
+        </p:nvSpPr>
+        <p:spPr/>
+        <p:txBody>
+          <a:bodyPr>
+            <a:normAutofit fontScale="77500" lnSpcReduction="20000"/>
+          </a:bodyPr>
+          <a:lstStyle/>
+          <a:p>
+            <a:pPr marL="0" algn="just">
+              <a:spcBef>
+                <a:spcPts val="0"/>
+              </a:spcBef>
+              <a:buNone/>
+            </a:pPr>
+            <a:r>
+              <a:rPr lang="en-US" dirty="0" smtClean="0"/>
+              <a:t>“Since the dawn of web apps, people started to think about separation of concerns in many applications, including web applications. The challenge is to separate what is view code from what is business code, or logic code. When </a:t>
+            </a:r>
+            <a:r>
+              <a:rPr lang="en-US" dirty="0" err="1" smtClean="0"/>
+              <a:t>jsps</a:t>
+            </a:r>
+            <a:r>
+              <a:rPr lang="en-US" dirty="0" smtClean="0"/>
+              <a:t> first arrived, many people where coding lots of logic in </a:t>
+            </a:r>
+            <a:r>
+              <a:rPr lang="en-US" dirty="0" err="1" smtClean="0"/>
+              <a:t>jsps</a:t>
+            </a:r>
+            <a:r>
+              <a:rPr lang="en-US" dirty="0" smtClean="0"/>
+              <a:t> directly (stuff like db access and other), breaking the basic principle of </a:t>
+            </a:r>
+            <a:r>
+              <a:rPr lang="en-US" b="1" dirty="0" smtClean="0"/>
+              <a:t>separation of concerns</a:t>
+            </a:r>
+            <a:r>
+              <a:rPr lang="en-US" dirty="0" smtClean="0"/>
+              <a:t> (</a:t>
+            </a:r>
+            <a:r>
+              <a:rPr lang="en-US" dirty="0" err="1" smtClean="0"/>
+              <a:t>jsps</a:t>
+            </a:r>
+            <a:r>
+              <a:rPr lang="en-US" dirty="0" smtClean="0"/>
+              <a:t> should be responsible for the presentation, not for the logic).”</a:t>
+            </a:r>
+          </a:p>
+          <a:p>
+            <a:pPr marL="0" algn="just">
+              <a:spcBef>
+                <a:spcPts val="0"/>
+              </a:spcBef>
+              <a:buNone/>
+            </a:pPr>
+            <a:r>
+              <a:rPr lang="pt-PT" sz="1400" dirty="0" smtClean="0"/>
+              <a:t>Source: </a:t>
+            </a:r>
+            <a:r>
+              <a:rPr lang="pt-PT" sz="1400" dirty="0" smtClean="0">
+                <a:hlinkClick r:id="rId2"/>
+              </a:rPr>
+              <a:t>http://stackoverflow.com/questions/503957/why-do-people-use-velocity-and-or-nvelocity</a:t>
+            </a:r>
+            <a:endParaRPr lang="pt-PT" sz="1800" dirty="0"/>
+          </a:p>
+        </p:txBody>
+      </p:sp>
+    </p:spTree>
+  </p:cSld>
+  <p:clrMapOvr>
+    <a:masterClrMapping/>
+  </p:clrMapOvr>
+  <p:timing>
+    <p:tnLst>
+      <p:par>
+        <p:cTn id="1" dur="indefinite" restart="never" nodeType="tmRoot"/>
+      </p:par>
+    </p:tnLst>
+  </p:timing>
+</p:sld>
+</file>
+
+<file path=ppt/slides/slide15.xml><?xml version="1.0" encoding="utf-8"?>
+<p:sld xmlns:a="http://schemas.openxmlformats.org/drawingml/2006/main" xmlns:r="http://schemas.openxmlformats.org/officeDocument/2006/relationships" xmlns:p="http://schemas.openxmlformats.org/presentationml/2006/main">
+  <p:cSld>
+    <p:spTree>
+      <p:nvGrpSpPr>
+        <p:cNvPr id="1" name=""/>
+        <p:cNvGrpSpPr/>
+        <p:nvPr/>
+      </p:nvGrpSpPr>
+      <p:grpSpPr>
+        <a:xfrm>
+          <a:off x="0" y="0"/>
+          <a:ext cx="0" cy="0"/>
+          <a:chOff x="0" y="0"/>
+          <a:chExt cx="0" cy="0"/>
+        </a:xfrm>
+      </p:grpSpPr>
+      <p:sp>
+        <p:nvSpPr>
+          <p:cNvPr id="2" name="Title 1"/>
+          <p:cNvSpPr>
+            <a:spLocks noGrp="1"/>
+          </p:cNvSpPr>
+          <p:nvPr>
+            <p:ph type="title"/>
+          </p:nvPr>
+        </p:nvSpPr>
+        <p:spPr/>
+        <p:txBody>
+          <a:bodyPr/>
+          <a:lstStyle/>
+          <a:p>
+            <a:r>
+              <a:rPr lang="pt-PT" dirty="0" smtClean="0"/>
+              <a:t>NVelocity</a:t>
+            </a:r>
+            <a:endParaRPr lang="pt-PT" dirty="0"/>
+          </a:p>
+        </p:txBody>
+      </p:sp>
+      <p:sp>
+        <p:nvSpPr>
+          <p:cNvPr id="4" name="Content Placeholder 3"/>
+          <p:cNvSpPr>
+            <a:spLocks noGrp="1"/>
+          </p:cNvSpPr>
+          <p:nvPr>
+            <p:ph idx="1"/>
+          </p:nvPr>
+        </p:nvSpPr>
+        <p:spPr/>
+        <p:txBody>
+          <a:bodyPr>
+            <a:noAutofit/>
+          </a:bodyPr>
+          <a:lstStyle/>
+          <a:p>
             <a:pPr>
               <a:lnSpc>
                 <a:spcPts val="3840"/>
@@ -6104,7 +7271,7 @@
     </p:spTree>
     <p:extLst>
       <p:ext uri="{BB962C8B-B14F-4D97-AF65-F5344CB8AC3E}">
-        <p14:creationId xmlns="" xmlns:p14="http://schemas.microsoft.com/office/powerpoint/2007/7/12/main" val="564663352"/>
+        <p14:creationId xmlns:p14="http://schemas.microsoft.com/office/powerpoint/2007/7/12/main" xmlns="" val="564663352"/>
       </p:ext>
     </p:extLst>
   </p:cSld>
@@ -6436,7 +7603,7 @@
 </p:sld>
 </file>
 
-<file path=ppt/slides/slide12.xml><?xml version="1.0" encoding="utf-8"?>
+<file path=ppt/slides/slide16.xml><?xml version="1.0" encoding="utf-8"?>
 <p:sld xmlns:a="http://schemas.openxmlformats.org/drawingml/2006/main" xmlns:r="http://schemas.openxmlformats.org/officeDocument/2006/relationships" xmlns:p="http://schemas.openxmlformats.org/presentationml/2006/main">
   <p:cSld>
     <p:spTree>
@@ -6630,640 +7797,6 @@
   <p:clrMapOvr>
     <a:masterClrMapping/>
   </p:clrMapOvr>
-  <p:timing>
-    <p:tnLst>
-      <p:par>
-        <p:cTn id="1" dur="indefinite" restart="never" nodeType="tmRoot"/>
-      </p:par>
-    </p:tnLst>
-  </p:timing>
-</p:sld>
-</file>
-
-<file path=ppt/slides/slide13.xml><?xml version="1.0" encoding="utf-8"?>
-<p:sld xmlns:a="http://schemas.openxmlformats.org/drawingml/2006/main" xmlns:r="http://schemas.openxmlformats.org/officeDocument/2006/relationships" xmlns:p="http://schemas.openxmlformats.org/presentationml/2006/main">
-  <p:cSld>
-    <p:spTree>
-      <p:nvGrpSpPr>
-        <p:cNvPr id="1" name=""/>
-        <p:cNvGrpSpPr/>
-        <p:nvPr/>
-      </p:nvGrpSpPr>
-      <p:grpSpPr>
-        <a:xfrm>
-          <a:off x="0" y="0"/>
-          <a:ext cx="0" cy="0"/>
-          <a:chOff x="0" y="0"/>
-          <a:chExt cx="0" cy="0"/>
-        </a:xfrm>
-      </p:grpSpPr>
-      <p:sp>
-        <p:nvSpPr>
-          <p:cNvPr id="2" name="Title 1"/>
-          <p:cNvSpPr>
-            <a:spLocks noGrp="1"/>
-          </p:cNvSpPr>
-          <p:nvPr>
-            <p:ph type="title"/>
-          </p:nvPr>
-        </p:nvSpPr>
-        <p:spPr/>
-        <p:txBody>
-          <a:bodyPr>
-            <a:normAutofit/>
-          </a:bodyPr>
-          <a:lstStyle/>
-          <a:p>
-            <a:pPr lvl="0"/>
-            <a:r>
-              <a:rPr lang="pt-PT" dirty="0" smtClean="0"/>
-              <a:t>NVelocity</a:t>
-            </a:r>
-            <a:endParaRPr lang="pt-PT" dirty="0"/>
-          </a:p>
-        </p:txBody>
-      </p:sp>
-      <p:sp>
-        <p:nvSpPr>
-          <p:cNvPr id="3" name="Content Placeholder 2"/>
-          <p:cNvSpPr>
-            <a:spLocks noGrp="1"/>
-          </p:cNvSpPr>
-          <p:nvPr>
-            <p:ph idx="1"/>
-          </p:nvPr>
-        </p:nvSpPr>
-        <p:spPr>
-          <a:xfrm>
-            <a:off x="495300" y="2384884"/>
-            <a:ext cx="8915400" cy="3741280"/>
-          </a:xfrm>
-        </p:spPr>
-        <p:txBody>
-          <a:bodyPr/>
-          <a:lstStyle/>
-          <a:p>
-            <a:r>
-              <a:rPr lang="pt-PT" dirty="0" smtClean="0"/>
-              <a:t>Linguagem interpretada</a:t>
-            </a:r>
-          </a:p>
-          <a:p>
-            <a:r>
-              <a:rPr lang="pt-PT" dirty="0" smtClean="0"/>
-              <a:t>Documentação dispersa</a:t>
-            </a:r>
-          </a:p>
-          <a:p>
-            <a:r>
-              <a:rPr lang="pt-PT" dirty="0" smtClean="0"/>
-              <a:t>Comunidade pouco ativa</a:t>
-            </a:r>
-          </a:p>
-          <a:p>
-            <a:r>
-              <a:rPr lang="pt-PT" dirty="0" smtClean="0"/>
-              <a:t>Projetos ‘parados’ </a:t>
-            </a:r>
-          </a:p>
-          <a:p>
-            <a:endParaRPr lang="pt-PT" dirty="0"/>
-          </a:p>
-        </p:txBody>
-      </p:sp>
-      <p:sp>
-        <p:nvSpPr>
-          <p:cNvPr id="4" name="Title 1"/>
-          <p:cNvSpPr txBox="1">
-            <a:spLocks/>
-          </p:cNvSpPr>
-          <p:nvPr/>
-        </p:nvSpPr>
-        <p:spPr>
-          <a:xfrm>
-            <a:off x="647700" y="427038"/>
-            <a:ext cx="8915400" cy="1143000"/>
-          </a:xfrm>
-          <a:prstGeom prst="rect">
-            <a:avLst/>
-          </a:prstGeom>
-        </p:spPr>
-        <p:txBody>
-          <a:bodyPr vert="horz" lIns="91440" tIns="45720" rIns="91440" bIns="45720" rtlCol="0" anchor="ctr">
-            <a:normAutofit/>
-          </a:bodyPr>
-          <a:lstStyle/>
-          <a:p>
-            <a:pPr marL="0" marR="0" lvl="0" indent="0" algn="l" defTabSz="914400" rtl="0" eaLnBrk="1" fontAlgn="auto" latinLnBrk="0" hangingPunct="1">
-              <a:lnSpc>
-                <a:spcPct val="100000"/>
-              </a:lnSpc>
-              <a:spcBef>
-                <a:spcPct val="0"/>
-              </a:spcBef>
-              <a:spcAft>
-                <a:spcPts val="0"/>
-              </a:spcAft>
-              <a:buClrTx/>
-              <a:buSzTx/>
-              <a:buFontTx/>
-              <a:buNone/>
-              <a:tabLst/>
-              <a:defRPr/>
-            </a:pPr>
-            <a:endParaRPr kumimoji="0" lang="pt-PT" sz="4800" b="1" i="0" u="none" strike="noStrike" kern="1200" cap="none" spc="0" normalizeH="0" baseline="0" noProof="0" dirty="0">
-              <a:ln>
-                <a:noFill/>
-              </a:ln>
-              <a:solidFill>
-                <a:schemeClr val="tx1"/>
-              </a:solidFill>
-              <a:effectLst/>
-              <a:uLnTx/>
-              <a:uFillTx/>
-              <a:latin typeface="+mj-lt"/>
-              <a:ea typeface="+mj-ea"/>
-              <a:cs typeface="+mj-cs"/>
-            </a:endParaRPr>
-          </a:p>
-        </p:txBody>
-      </p:sp>
-      <p:sp>
-        <p:nvSpPr>
-          <p:cNvPr id="5" name="TextBox 4"/>
-          <p:cNvSpPr txBox="1"/>
-          <p:nvPr/>
-        </p:nvSpPr>
-        <p:spPr>
-          <a:xfrm>
-            <a:off x="452500" y="1340768"/>
-            <a:ext cx="8928992" cy="769441"/>
-          </a:xfrm>
-          <a:prstGeom prst="rect">
-            <a:avLst/>
-          </a:prstGeom>
-        </p:spPr>
-        <p:style>
-          <a:lnRef idx="3">
-            <a:schemeClr val="lt1"/>
-          </a:lnRef>
-          <a:fillRef idx="1">
-            <a:schemeClr val="accent2"/>
-          </a:fillRef>
-          <a:effectRef idx="1">
-            <a:schemeClr val="accent2"/>
-          </a:effectRef>
-          <a:fontRef idx="minor">
-            <a:schemeClr val="lt1"/>
-          </a:fontRef>
-        </p:style>
-        <p:txBody>
-          <a:bodyPr wrap="square" rtlCol="0">
-            <a:spAutoFit/>
-          </a:bodyPr>
-          <a:lstStyle/>
-          <a:p>
-            <a:r>
-              <a:rPr lang="pt-PT" sz="4400" dirty="0" smtClean="0"/>
-              <a:t>Contras</a:t>
-            </a:r>
-            <a:endParaRPr lang="pt-PT" sz="4400" dirty="0"/>
-          </a:p>
-        </p:txBody>
-      </p:sp>
-    </p:spTree>
-  </p:cSld>
-  <p:clrMapOvr>
-    <a:masterClrMapping/>
-  </p:clrMapOvr>
-  <p:timing>
-    <p:tnLst>
-      <p:par>
-        <p:cTn id="1" dur="indefinite" restart="never" nodeType="tmRoot"/>
-      </p:par>
-    </p:tnLst>
-  </p:timing>
-</p:sld>
-</file>
-
-<file path=ppt/slides/slide14.xml><?xml version="1.0" encoding="utf-8"?>
-<p:sld xmlns:a="http://schemas.openxmlformats.org/drawingml/2006/main" xmlns:r="http://schemas.openxmlformats.org/officeDocument/2006/relationships" xmlns:p="http://schemas.openxmlformats.org/presentationml/2006/main">
-  <p:cSld>
-    <p:spTree>
-      <p:nvGrpSpPr>
-        <p:cNvPr id="1" name=""/>
-        <p:cNvGrpSpPr/>
-        <p:nvPr/>
-      </p:nvGrpSpPr>
-      <p:grpSpPr>
-        <a:xfrm>
-          <a:off x="0" y="0"/>
-          <a:ext cx="0" cy="0"/>
-          <a:chOff x="0" y="0"/>
-          <a:chExt cx="0" cy="0"/>
-        </a:xfrm>
-      </p:grpSpPr>
-      <p:sp>
-        <p:nvSpPr>
-          <p:cNvPr id="2" name="Title 1"/>
-          <p:cNvSpPr>
-            <a:spLocks noGrp="1"/>
-          </p:cNvSpPr>
-          <p:nvPr>
-            <p:ph type="title"/>
-          </p:nvPr>
-        </p:nvSpPr>
-        <p:spPr/>
-        <p:txBody>
-          <a:bodyPr>
-            <a:normAutofit/>
-          </a:bodyPr>
-          <a:lstStyle/>
-          <a:p>
-            <a:pPr lvl="0"/>
-            <a:r>
-              <a:rPr lang="pt-PT" dirty="0" smtClean="0"/>
-              <a:t>NVelocity</a:t>
-            </a:r>
-            <a:endParaRPr lang="pt-PT" dirty="0"/>
-          </a:p>
-        </p:txBody>
-      </p:sp>
-      <p:sp>
-        <p:nvSpPr>
-          <p:cNvPr id="3" name="Content Placeholder 2"/>
-          <p:cNvSpPr>
-            <a:spLocks noGrp="1"/>
-          </p:cNvSpPr>
-          <p:nvPr>
-            <p:ph idx="1"/>
-          </p:nvPr>
-        </p:nvSpPr>
-        <p:spPr>
-          <a:xfrm>
-            <a:off x="495300" y="2384884"/>
-            <a:ext cx="8915400" cy="3741280"/>
-          </a:xfrm>
-        </p:spPr>
-        <p:txBody>
-          <a:bodyPr>
-            <a:normAutofit/>
-          </a:bodyPr>
-          <a:lstStyle/>
-          <a:p>
-            <a:r>
-              <a:rPr lang="pt-PT" dirty="0" smtClean="0"/>
-              <a:t>Nuget</a:t>
-            </a:r>
-          </a:p>
-          <a:p>
-            <a:pPr lvl="1"/>
-            <a:r>
-              <a:rPr lang="pt-PT" dirty="0" smtClean="0"/>
-              <a:t> Castle Project (V1.0.3 e V.1.1.1) </a:t>
-            </a:r>
-          </a:p>
-          <a:p>
-            <a:r>
-              <a:rPr lang="pt-PT" dirty="0" smtClean="0"/>
-              <a:t>Castle Project</a:t>
-            </a:r>
-          </a:p>
-          <a:p>
-            <a:pPr lvl="1"/>
-            <a:r>
-              <a:rPr lang="pt-PT" sz="2400" dirty="0" smtClean="0"/>
-              <a:t>http://sourceforge.net/projects/castleproject/files/NVelocity/</a:t>
-            </a:r>
-          </a:p>
-        </p:txBody>
-      </p:sp>
-      <p:sp>
-        <p:nvSpPr>
-          <p:cNvPr id="4" name="Title 1"/>
-          <p:cNvSpPr txBox="1">
-            <a:spLocks/>
-          </p:cNvSpPr>
-          <p:nvPr/>
-        </p:nvSpPr>
-        <p:spPr>
-          <a:xfrm>
-            <a:off x="647700" y="427038"/>
-            <a:ext cx="8915400" cy="1143000"/>
-          </a:xfrm>
-          <a:prstGeom prst="rect">
-            <a:avLst/>
-          </a:prstGeom>
-        </p:spPr>
-        <p:txBody>
-          <a:bodyPr vert="horz" lIns="91440" tIns="45720" rIns="91440" bIns="45720" rtlCol="0" anchor="ctr">
-            <a:normAutofit/>
-          </a:bodyPr>
-          <a:lstStyle/>
-          <a:p>
-            <a:pPr marL="0" marR="0" lvl="0" indent="0" algn="l" defTabSz="914400" rtl="0" eaLnBrk="1" fontAlgn="auto" latinLnBrk="0" hangingPunct="1">
-              <a:lnSpc>
-                <a:spcPct val="100000"/>
-              </a:lnSpc>
-              <a:spcBef>
-                <a:spcPct val="0"/>
-              </a:spcBef>
-              <a:spcAft>
-                <a:spcPts val="0"/>
-              </a:spcAft>
-              <a:buClrTx/>
-              <a:buSzTx/>
-              <a:buFontTx/>
-              <a:buNone/>
-              <a:tabLst/>
-              <a:defRPr/>
-            </a:pPr>
-            <a:endParaRPr kumimoji="0" lang="pt-PT" sz="4800" b="1" i="0" u="none" strike="noStrike" kern="1200" cap="none" spc="0" normalizeH="0" baseline="0" noProof="0" dirty="0">
-              <a:ln>
-                <a:noFill/>
-              </a:ln>
-              <a:solidFill>
-                <a:schemeClr val="tx1"/>
-              </a:solidFill>
-              <a:effectLst/>
-              <a:uLnTx/>
-              <a:uFillTx/>
-              <a:latin typeface="+mj-lt"/>
-              <a:ea typeface="+mj-ea"/>
-              <a:cs typeface="+mj-cs"/>
-            </a:endParaRPr>
-          </a:p>
-        </p:txBody>
-      </p:sp>
-      <p:sp>
-        <p:nvSpPr>
-          <p:cNvPr id="5" name="TextBox 4"/>
-          <p:cNvSpPr txBox="1"/>
-          <p:nvPr/>
-        </p:nvSpPr>
-        <p:spPr>
-          <a:xfrm>
-            <a:off x="452500" y="1340768"/>
-            <a:ext cx="8928992" cy="769441"/>
-          </a:xfrm>
-          <a:prstGeom prst="rect">
-            <a:avLst/>
-          </a:prstGeom>
-        </p:spPr>
-        <p:style>
-          <a:lnRef idx="3">
-            <a:schemeClr val="lt1"/>
-          </a:lnRef>
-          <a:fillRef idx="1">
-            <a:schemeClr val="accent6"/>
-          </a:fillRef>
-          <a:effectRef idx="1">
-            <a:schemeClr val="accent6"/>
-          </a:effectRef>
-          <a:fontRef idx="minor">
-            <a:schemeClr val="lt1"/>
-          </a:fontRef>
-        </p:style>
-        <p:txBody>
-          <a:bodyPr wrap="square" rtlCol="0">
-            <a:spAutoFit/>
-          </a:bodyPr>
-          <a:lstStyle/>
-          <a:p>
-            <a:r>
-              <a:rPr lang="pt-PT" sz="4400" dirty="0" smtClean="0"/>
-              <a:t>Instalação</a:t>
-            </a:r>
-            <a:endParaRPr lang="pt-PT" sz="4400" dirty="0"/>
-          </a:p>
-        </p:txBody>
-      </p:sp>
-    </p:spTree>
-  </p:cSld>
-  <p:clrMapOvr>
-    <a:masterClrMapping/>
-  </p:clrMapOvr>
-  <p:timing>
-    <p:tnLst>
-      <p:par>
-        <p:cTn id="1" dur="indefinite" restart="never" nodeType="tmRoot"/>
-      </p:par>
-    </p:tnLst>
-  </p:timing>
-</p:sld>
-</file>
-
-<file path=ppt/slides/slide15.xml><?xml version="1.0" encoding="utf-8"?>
-<p:sld xmlns:a="http://schemas.openxmlformats.org/drawingml/2006/main" xmlns:r="http://schemas.openxmlformats.org/officeDocument/2006/relationships" xmlns:p="http://schemas.openxmlformats.org/presentationml/2006/main">
-  <p:cSld>
-    <p:spTree>
-      <p:nvGrpSpPr>
-        <p:cNvPr id="1" name=""/>
-        <p:cNvGrpSpPr/>
-        <p:nvPr/>
-      </p:nvGrpSpPr>
-      <p:grpSpPr>
-        <a:xfrm>
-          <a:off x="0" y="0"/>
-          <a:ext cx="0" cy="0"/>
-          <a:chOff x="0" y="0"/>
-          <a:chExt cx="0" cy="0"/>
-        </a:xfrm>
-      </p:grpSpPr>
-      <p:sp>
-        <p:nvSpPr>
-          <p:cNvPr id="2" name="Title 1"/>
-          <p:cNvSpPr>
-            <a:spLocks noGrp="1"/>
-          </p:cNvSpPr>
-          <p:nvPr>
-            <p:ph type="ctrTitle"/>
-          </p:nvPr>
-        </p:nvSpPr>
-        <p:spPr>
-          <a:xfrm>
-            <a:off x="2809860" y="4038600"/>
-            <a:ext cx="6292359" cy="1319226"/>
-          </a:xfrm>
-        </p:spPr>
-        <p:txBody>
-          <a:bodyPr/>
-          <a:lstStyle/>
-          <a:p>
-            <a:r>
-              <a:rPr lang="en-US" dirty="0" smtClean="0">
-                <a:solidFill>
-                  <a:schemeClr val="bg1">
-                    <a:lumMod val="50000"/>
-                  </a:schemeClr>
-                </a:solidFill>
-              </a:rPr>
-              <a:t>“Hello World”</a:t>
-            </a:r>
-            <a:endParaRPr lang="en-US" dirty="0">
-              <a:solidFill>
-                <a:schemeClr val="bg1">
-                  <a:lumMod val="50000"/>
-                </a:schemeClr>
-              </a:solidFill>
-            </a:endParaRPr>
-          </a:p>
-        </p:txBody>
-      </p:sp>
-      <p:sp>
-        <p:nvSpPr>
-          <p:cNvPr id="4" name="Text Placeholder 3"/>
-          <p:cNvSpPr>
-            <a:spLocks noGrp="1"/>
-          </p:cNvSpPr>
-          <p:nvPr>
-            <p:ph type="body" sz="quarter" idx="10"/>
-          </p:nvPr>
-        </p:nvSpPr>
-        <p:spPr/>
-        <p:txBody>
-          <a:bodyPr/>
-          <a:lstStyle/>
-          <a:p>
-            <a:r>
-              <a:rPr lang="en-US" dirty="0" err="1" smtClean="0"/>
-              <a:t>demonstração</a:t>
-            </a:r>
-            <a:r>
-              <a:rPr lang="en-US" dirty="0" smtClean="0"/>
-              <a:t> </a:t>
-            </a:r>
-            <a:endParaRPr lang="en-US" dirty="0"/>
-          </a:p>
-        </p:txBody>
-      </p:sp>
-    </p:spTree>
-    <p:extLst>
-      <p:ext uri="{BB962C8B-B14F-4D97-AF65-F5344CB8AC3E}">
-        <p14:creationId xmlns="" xmlns:p14="http://schemas.microsoft.com/office/powerpoint/2007/7/12/main" val="967988230"/>
-      </p:ext>
-    </p:extLst>
-  </p:cSld>
-  <p:clrMapOvr>
-    <a:masterClrMapping/>
-  </p:clrMapOvr>
-  <mc:AlternateContent xmlns:mc="http://schemas.openxmlformats.org/markup-compatibility/2006">
-    <mc:Choice xmlns="" xmlns:p14="http://schemas.microsoft.com/office/powerpoint/2007/7/12/main" Requires="p14">
-      <p:transition p14:dur="0"/>
-    </mc:Choice>
-    <mc:Fallback>
-      <p:transition/>
-    </mc:Fallback>
-  </mc:AlternateContent>
-  <p:timing>
-    <p:tnLst>
-      <p:par>
-        <p:cTn id="1" dur="indefinite" restart="never" nodeType="tmRoot"/>
-      </p:par>
-    </p:tnLst>
-  </p:timing>
-</p:sld>
-</file>
-
-<file path=ppt/slides/slide16.xml><?xml version="1.0" encoding="utf-8"?>
-<p:sld xmlns:a="http://schemas.openxmlformats.org/drawingml/2006/main" xmlns:r="http://schemas.openxmlformats.org/officeDocument/2006/relationships" xmlns:p="http://schemas.openxmlformats.org/presentationml/2006/main">
-  <p:cSld>
-    <p:spTree>
-      <p:nvGrpSpPr>
-        <p:cNvPr id="1" name=""/>
-        <p:cNvGrpSpPr/>
-        <p:nvPr/>
-      </p:nvGrpSpPr>
-      <p:grpSpPr>
-        <a:xfrm>
-          <a:off x="0" y="0"/>
-          <a:ext cx="0" cy="0"/>
-          <a:chOff x="0" y="0"/>
-          <a:chExt cx="0" cy="0"/>
-        </a:xfrm>
-      </p:grpSpPr>
-      <p:sp>
-        <p:nvSpPr>
-          <p:cNvPr id="4" name="Text Placeholder 3"/>
-          <p:cNvSpPr>
-            <a:spLocks noGrp="1"/>
-          </p:cNvSpPr>
-          <p:nvPr>
-            <p:ph type="body" sz="quarter" idx="10"/>
-          </p:nvPr>
-        </p:nvSpPr>
-        <p:spPr>
-          <a:xfrm>
-            <a:off x="380492" y="224644"/>
-            <a:ext cx="8322296" cy="1384994"/>
-          </a:xfrm>
-        </p:spPr>
-        <p:txBody>
-          <a:bodyPr/>
-          <a:lstStyle/>
-          <a:p>
-            <a:r>
-              <a:rPr lang="en-US" dirty="0" err="1" smtClean="0"/>
-              <a:t>demonstração</a:t>
-            </a:r>
-            <a:r>
-              <a:rPr lang="en-US" dirty="0" smtClean="0"/>
-              <a:t> </a:t>
-            </a:r>
-            <a:endParaRPr lang="en-US" dirty="0"/>
-          </a:p>
-        </p:txBody>
-      </p:sp>
-      <p:pic>
-        <p:nvPicPr>
-          <p:cNvPr id="1026" name="Picture 2"/>
-          <p:cNvPicPr>
-            <a:picLocks noChangeAspect="1" noChangeArrowheads="1"/>
-          </p:cNvPicPr>
-          <p:nvPr/>
-        </p:nvPicPr>
-        <p:blipFill>
-          <a:blip r:embed="rId3" cstate="print"/>
-          <a:srcRect/>
-          <a:stretch>
-            <a:fillRect/>
-          </a:stretch>
-        </p:blipFill>
-        <p:spPr bwMode="auto">
-          <a:xfrm>
-            <a:off x="1172580" y="1700808"/>
-            <a:ext cx="8035713" cy="4071270"/>
-          </a:xfrm>
-          <a:prstGeom prst="rect">
-            <a:avLst/>
-          </a:prstGeom>
-          <a:noFill/>
-          <a:ln w="9525">
-            <a:noFill/>
-            <a:miter lim="800000"/>
-            <a:headEnd/>
-            <a:tailEnd/>
-          </a:ln>
-        </p:spPr>
-      </p:pic>
-    </p:spTree>
-    <p:extLst>
-      <p:ext uri="{BB962C8B-B14F-4D97-AF65-F5344CB8AC3E}">
-        <p14:creationId xmlns="" xmlns:p14="http://schemas.microsoft.com/office/powerpoint/2007/7/12/main" val="967988230"/>
-      </p:ext>
-    </p:extLst>
-  </p:cSld>
-  <p:clrMapOvr>
-    <a:masterClrMapping/>
-  </p:clrMapOvr>
-  <mc:AlternateContent xmlns:mc="http://schemas.openxmlformats.org/markup-compatibility/2006">
-    <mc:Choice xmlns="" xmlns:p14="http://schemas.microsoft.com/office/powerpoint/2007/7/12/main" Requires="p14">
-      <p:transition p14:dur="0"/>
-    </mc:Choice>
-    <mc:Fallback>
-      <p:transition/>
-    </mc:Fallback>
-  </mc:AlternateContent>
   <p:timing>
     <p:tnLst>
       <p:par>
@@ -7303,9 +7836,16 @@
         </p:nvSpPr>
         <p:spPr/>
         <p:txBody>
-          <a:bodyPr/>
+          <a:bodyPr>
+            <a:normAutofit/>
+          </a:bodyPr>
           <a:lstStyle/>
           <a:p>
+            <a:pPr lvl="0"/>
+            <a:r>
+              <a:rPr lang="pt-PT" dirty="0" smtClean="0"/>
+              <a:t>NVelocity</a:t>
+            </a:r>
             <a:endParaRPr lang="pt-PT" dirty="0"/>
           </a:p>
         </p:txBody>
@@ -7322,33 +7862,139 @@
         </p:nvSpPr>
         <p:spPr>
           <a:xfrm>
-            <a:off x="2324708" y="2521751"/>
-            <a:ext cx="5256584" cy="1814499"/>
+            <a:off x="495300" y="2384884"/>
+            <a:ext cx="8915400" cy="3741280"/>
           </a:xfrm>
         </p:spPr>
         <p:txBody>
-          <a:bodyPr>
-            <a:normAutofit fontScale="62500" lnSpcReduction="20000"/>
+          <a:bodyPr/>
+          <a:lstStyle/>
+          <a:p>
+            <a:r>
+              <a:rPr lang="pt-PT" dirty="0" smtClean="0"/>
+              <a:t>Linguagem interpretada</a:t>
+            </a:r>
+          </a:p>
+          <a:p>
+            <a:r>
+              <a:rPr lang="pt-PT" dirty="0" smtClean="0"/>
+              <a:t>Documentação dispersa</a:t>
+            </a:r>
+          </a:p>
+          <a:p>
+            <a:r>
+              <a:rPr lang="pt-PT" dirty="0" smtClean="0"/>
+              <a:t>Comunidade pouco ativa</a:t>
+            </a:r>
+          </a:p>
+          <a:p>
+            <a:r>
+              <a:rPr lang="pt-PT" dirty="0" smtClean="0"/>
+              <a:t>Projetos ‘parados’ </a:t>
+            </a:r>
+          </a:p>
+          <a:p>
+            <a:endParaRPr lang="pt-PT" dirty="0"/>
+          </a:p>
+        </p:txBody>
+      </p:sp>
+      <p:sp>
+        <p:nvSpPr>
+          <p:cNvPr id="4" name="Title 1"/>
+          <p:cNvSpPr txBox="1">
+            <a:spLocks/>
+          </p:cNvSpPr>
+          <p:nvPr/>
+        </p:nvSpPr>
+        <p:spPr>
+          <a:xfrm>
+            <a:off x="647700" y="427038"/>
+            <a:ext cx="8915400" cy="1143000"/>
+          </a:xfrm>
+          <a:prstGeom prst="rect">
+            <a:avLst/>
+          </a:prstGeom>
+        </p:spPr>
+        <p:txBody>
+          <a:bodyPr vert="horz" lIns="91440" tIns="45720" rIns="91440" bIns="45720" rtlCol="0" anchor="ctr">
+            <a:normAutofit/>
           </a:bodyPr>
           <a:lstStyle/>
           <a:p>
-            <a:pPr algn="ctr">
+            <a:pPr marL="0" marR="0" lvl="0" indent="0" algn="l" defTabSz="914400" rtl="0" eaLnBrk="1" fontAlgn="auto" latinLnBrk="0" hangingPunct="1">
+              <a:lnSpc>
+                <a:spcPct val="100000"/>
+              </a:lnSpc>
+              <a:spcBef>
+                <a:spcPct val="0"/>
+              </a:spcBef>
+              <a:spcAft>
+                <a:spcPts val="0"/>
+              </a:spcAft>
+              <a:buClrTx/>
+              <a:buSzTx/>
+              <a:buFontTx/>
               <a:buNone/>
+              <a:tabLst/>
+              <a:defRPr/>
             </a:pPr>
-            <a:r>
-              <a:rPr lang="pt-PT" sz="9600" dirty="0" smtClean="0"/>
-              <a:t>NVelocity</a:t>
-            </a:r>
-          </a:p>
-          <a:p>
-            <a:pPr algn="ctr">
-              <a:buNone/>
-            </a:pPr>
-            <a:r>
-              <a:rPr lang="pt-PT" sz="9600" dirty="0" smtClean="0"/>
-              <a:t>Sintaxe</a:t>
-            </a:r>
-            <a:endParaRPr lang="pt-PT" sz="9600" dirty="0"/>
+            <a:endParaRPr kumimoji="0" lang="pt-PT" sz="4800" b="1" i="0" u="none" strike="noStrike" kern="1200" cap="none" spc="0" normalizeH="0" baseline="0" noProof="0" dirty="0">
+              <a:ln>
+                <a:noFill/>
+              </a:ln>
+              <a:solidFill>
+                <a:schemeClr val="tx1"/>
+              </a:solidFill>
+              <a:effectLst/>
+              <a:uLnTx/>
+              <a:uFillTx/>
+              <a:latin typeface="+mj-lt"/>
+              <a:ea typeface="+mj-ea"/>
+              <a:cs typeface="+mj-cs"/>
+            </a:endParaRPr>
+          </a:p>
+        </p:txBody>
+      </p:sp>
+      <p:sp>
+        <p:nvSpPr>
+          <p:cNvPr id="5" name="TextBox 4"/>
+          <p:cNvSpPr txBox="1"/>
+          <p:nvPr/>
+        </p:nvSpPr>
+        <p:spPr>
+          <a:xfrm>
+            <a:off x="452500" y="1340768"/>
+            <a:ext cx="8928992" cy="769441"/>
+          </a:xfrm>
+          <a:prstGeom prst="rect">
+            <a:avLst/>
+          </a:prstGeom>
+        </p:spPr>
+        <p:style>
+          <a:lnRef idx="3">
+            <a:schemeClr val="lt1"/>
+          </a:lnRef>
+          <a:fillRef idx="1">
+            <a:schemeClr val="accent2"/>
+          </a:fillRef>
+          <a:effectRef idx="1">
+            <a:schemeClr val="accent2"/>
+          </a:effectRef>
+          <a:fontRef idx="minor">
+            <a:schemeClr val="lt1"/>
+          </a:fontRef>
+        </p:style>
+        <p:txBody>
+          <a:bodyPr wrap="square" rtlCol="0">
+            <a:spAutoFit/>
+          </a:bodyPr>
+          <a:lstStyle/>
+          <a:p>
+            <a:r>
+              <a:rPr lang="pt-PT" sz="4400" dirty="0" smtClean="0"/>
+              <a:t>Contras</a:t>
+            </a:r>
+            <a:endParaRPr lang="pt-PT" sz="4400" dirty="0"/>
           </a:p>
         </p:txBody>
       </p:sp>
@@ -7396,6 +8042,1077 @@
         </p:nvSpPr>
         <p:spPr/>
         <p:txBody>
+          <a:bodyPr>
+            <a:normAutofit/>
+          </a:bodyPr>
+          <a:lstStyle/>
+          <a:p>
+            <a:pPr lvl="0"/>
+            <a:r>
+              <a:rPr lang="pt-PT" dirty="0" smtClean="0"/>
+              <a:t>NVelocity</a:t>
+            </a:r>
+            <a:endParaRPr lang="pt-PT" dirty="0"/>
+          </a:p>
+        </p:txBody>
+      </p:sp>
+      <p:sp>
+        <p:nvSpPr>
+          <p:cNvPr id="3" name="Content Placeholder 2"/>
+          <p:cNvSpPr>
+            <a:spLocks noGrp="1"/>
+          </p:cNvSpPr>
+          <p:nvPr>
+            <p:ph idx="1"/>
+          </p:nvPr>
+        </p:nvSpPr>
+        <p:spPr>
+          <a:xfrm>
+            <a:off x="495300" y="2384884"/>
+            <a:ext cx="8915400" cy="3741280"/>
+          </a:xfrm>
+        </p:spPr>
+        <p:txBody>
+          <a:bodyPr>
+            <a:normAutofit/>
+          </a:bodyPr>
+          <a:lstStyle/>
+          <a:p>
+            <a:r>
+              <a:rPr lang="pt-PT" dirty="0" smtClean="0"/>
+              <a:t>Nuget</a:t>
+            </a:r>
+          </a:p>
+          <a:p>
+            <a:pPr lvl="1"/>
+            <a:r>
+              <a:rPr lang="pt-PT" dirty="0" smtClean="0"/>
+              <a:t> Castle Project (V1.0.3 e V.1.1.1) </a:t>
+            </a:r>
+          </a:p>
+          <a:p>
+            <a:r>
+              <a:rPr lang="pt-PT" dirty="0" smtClean="0"/>
+              <a:t>Castle Project</a:t>
+            </a:r>
+          </a:p>
+          <a:p>
+            <a:pPr lvl="1"/>
+            <a:r>
+              <a:rPr lang="pt-PT" sz="2400" dirty="0" smtClean="0"/>
+              <a:t>http://sourceforge.net/projects/castleproject/files/NVelocity/</a:t>
+            </a:r>
+          </a:p>
+        </p:txBody>
+      </p:sp>
+      <p:sp>
+        <p:nvSpPr>
+          <p:cNvPr id="4" name="Title 1"/>
+          <p:cNvSpPr txBox="1">
+            <a:spLocks/>
+          </p:cNvSpPr>
+          <p:nvPr/>
+        </p:nvSpPr>
+        <p:spPr>
+          <a:xfrm>
+            <a:off x="647700" y="427038"/>
+            <a:ext cx="8915400" cy="1143000"/>
+          </a:xfrm>
+          <a:prstGeom prst="rect">
+            <a:avLst/>
+          </a:prstGeom>
+        </p:spPr>
+        <p:txBody>
+          <a:bodyPr vert="horz" lIns="91440" tIns="45720" rIns="91440" bIns="45720" rtlCol="0" anchor="ctr">
+            <a:normAutofit/>
+          </a:bodyPr>
+          <a:lstStyle/>
+          <a:p>
+            <a:pPr marL="0" marR="0" lvl="0" indent="0" algn="l" defTabSz="914400" rtl="0" eaLnBrk="1" fontAlgn="auto" latinLnBrk="0" hangingPunct="1">
+              <a:lnSpc>
+                <a:spcPct val="100000"/>
+              </a:lnSpc>
+              <a:spcBef>
+                <a:spcPct val="0"/>
+              </a:spcBef>
+              <a:spcAft>
+                <a:spcPts val="0"/>
+              </a:spcAft>
+              <a:buClrTx/>
+              <a:buSzTx/>
+              <a:buFontTx/>
+              <a:buNone/>
+              <a:tabLst/>
+              <a:defRPr/>
+            </a:pPr>
+            <a:endParaRPr kumimoji="0" lang="pt-PT" sz="4800" b="1" i="0" u="none" strike="noStrike" kern="1200" cap="none" spc="0" normalizeH="0" baseline="0" noProof="0" dirty="0">
+              <a:ln>
+                <a:noFill/>
+              </a:ln>
+              <a:solidFill>
+                <a:schemeClr val="tx1"/>
+              </a:solidFill>
+              <a:effectLst/>
+              <a:uLnTx/>
+              <a:uFillTx/>
+              <a:latin typeface="+mj-lt"/>
+              <a:ea typeface="+mj-ea"/>
+              <a:cs typeface="+mj-cs"/>
+            </a:endParaRPr>
+          </a:p>
+        </p:txBody>
+      </p:sp>
+      <p:sp>
+        <p:nvSpPr>
+          <p:cNvPr id="5" name="TextBox 4"/>
+          <p:cNvSpPr txBox="1"/>
+          <p:nvPr/>
+        </p:nvSpPr>
+        <p:spPr>
+          <a:xfrm>
+            <a:off x="452500" y="1340768"/>
+            <a:ext cx="8928992" cy="769441"/>
+          </a:xfrm>
+          <a:prstGeom prst="rect">
+            <a:avLst/>
+          </a:prstGeom>
+        </p:spPr>
+        <p:style>
+          <a:lnRef idx="3">
+            <a:schemeClr val="lt1"/>
+          </a:lnRef>
+          <a:fillRef idx="1">
+            <a:schemeClr val="accent6"/>
+          </a:fillRef>
+          <a:effectRef idx="1">
+            <a:schemeClr val="accent6"/>
+          </a:effectRef>
+          <a:fontRef idx="minor">
+            <a:schemeClr val="lt1"/>
+          </a:fontRef>
+        </p:style>
+        <p:txBody>
+          <a:bodyPr wrap="square" rtlCol="0">
+            <a:spAutoFit/>
+          </a:bodyPr>
+          <a:lstStyle/>
+          <a:p>
+            <a:r>
+              <a:rPr lang="pt-PT" sz="4400" dirty="0" smtClean="0"/>
+              <a:t>Instalação</a:t>
+            </a:r>
+            <a:endParaRPr lang="pt-PT" sz="4400" dirty="0"/>
+          </a:p>
+        </p:txBody>
+      </p:sp>
+    </p:spTree>
+  </p:cSld>
+  <p:clrMapOvr>
+    <a:masterClrMapping/>
+  </p:clrMapOvr>
+  <p:timing>
+    <p:tnLst>
+      <p:par>
+        <p:cTn id="1" dur="indefinite" restart="never" nodeType="tmRoot"/>
+      </p:par>
+    </p:tnLst>
+  </p:timing>
+</p:sld>
+</file>
+
+<file path=ppt/slides/slide19.xml><?xml version="1.0" encoding="utf-8"?>
+<p:sld xmlns:a="http://schemas.openxmlformats.org/drawingml/2006/main" xmlns:r="http://schemas.openxmlformats.org/officeDocument/2006/relationships" xmlns:p="http://schemas.openxmlformats.org/presentationml/2006/main">
+  <p:cSld>
+    <p:spTree>
+      <p:nvGrpSpPr>
+        <p:cNvPr id="1" name=""/>
+        <p:cNvGrpSpPr/>
+        <p:nvPr/>
+      </p:nvGrpSpPr>
+      <p:grpSpPr>
+        <a:xfrm>
+          <a:off x="0" y="0"/>
+          <a:ext cx="0" cy="0"/>
+          <a:chOff x="0" y="0"/>
+          <a:chExt cx="0" cy="0"/>
+        </a:xfrm>
+      </p:grpSpPr>
+      <p:sp>
+        <p:nvSpPr>
+          <p:cNvPr id="2" name="Title 1"/>
+          <p:cNvSpPr>
+            <a:spLocks noGrp="1"/>
+          </p:cNvSpPr>
+          <p:nvPr>
+            <p:ph type="ctrTitle"/>
+          </p:nvPr>
+        </p:nvSpPr>
+        <p:spPr>
+          <a:xfrm>
+            <a:off x="2809860" y="4038600"/>
+            <a:ext cx="6292359" cy="1319226"/>
+          </a:xfrm>
+        </p:spPr>
+        <p:txBody>
+          <a:bodyPr/>
+          <a:lstStyle/>
+          <a:p>
+            <a:r>
+              <a:rPr lang="en-US" dirty="0" smtClean="0">
+                <a:solidFill>
+                  <a:schemeClr val="bg1">
+                    <a:lumMod val="50000"/>
+                  </a:schemeClr>
+                </a:solidFill>
+              </a:rPr>
+              <a:t>“Hello World”</a:t>
+            </a:r>
+            <a:endParaRPr lang="en-US" dirty="0">
+              <a:solidFill>
+                <a:schemeClr val="bg1">
+                  <a:lumMod val="50000"/>
+                </a:schemeClr>
+              </a:solidFill>
+            </a:endParaRPr>
+          </a:p>
+        </p:txBody>
+      </p:sp>
+      <p:sp>
+        <p:nvSpPr>
+          <p:cNvPr id="4" name="Text Placeholder 3"/>
+          <p:cNvSpPr>
+            <a:spLocks noGrp="1"/>
+          </p:cNvSpPr>
+          <p:nvPr>
+            <p:ph type="body" sz="quarter" idx="10"/>
+          </p:nvPr>
+        </p:nvSpPr>
+        <p:spPr/>
+        <p:txBody>
+          <a:bodyPr/>
+          <a:lstStyle/>
+          <a:p>
+            <a:r>
+              <a:rPr lang="en-US" dirty="0" err="1" smtClean="0"/>
+              <a:t>demonstração</a:t>
+            </a:r>
+            <a:r>
+              <a:rPr lang="en-US" dirty="0" smtClean="0"/>
+              <a:t> </a:t>
+            </a:r>
+            <a:endParaRPr lang="en-US" dirty="0"/>
+          </a:p>
+        </p:txBody>
+      </p:sp>
+    </p:spTree>
+    <p:extLst>
+      <p:ext uri="{BB962C8B-B14F-4D97-AF65-F5344CB8AC3E}">
+        <p14:creationId xmlns:p14="http://schemas.microsoft.com/office/powerpoint/2007/7/12/main" xmlns="" val="967988230"/>
+      </p:ext>
+    </p:extLst>
+  </p:cSld>
+  <p:clrMapOvr>
+    <a:masterClrMapping/>
+  </p:clrMapOvr>
+  <mc:AlternateContent xmlns:mc="http://schemas.openxmlformats.org/markup-compatibility/2006">
+    <mc:Choice xmlns:p14="http://schemas.microsoft.com/office/powerpoint/2007/7/12/main" xmlns="" Requires="p14">
+      <p:transition p14:dur="0"/>
+    </mc:Choice>
+    <mc:Fallback>
+      <p:transition/>
+    </mc:Fallback>
+  </mc:AlternateContent>
+  <p:timing>
+    <p:tnLst>
+      <p:par>
+        <p:cTn id="1" dur="indefinite" restart="never" nodeType="tmRoot"/>
+      </p:par>
+    </p:tnLst>
+  </p:timing>
+</p:sld>
+</file>
+
+<file path=ppt/slides/slide2.xml><?xml version="1.0" encoding="utf-8"?>
+<p:sld xmlns:a="http://schemas.openxmlformats.org/drawingml/2006/main" xmlns:r="http://schemas.openxmlformats.org/officeDocument/2006/relationships" xmlns:p="http://schemas.openxmlformats.org/presentationml/2006/main">
+  <p:cSld>
+    <p:spTree>
+      <p:nvGrpSpPr>
+        <p:cNvPr id="1" name=""/>
+        <p:cNvGrpSpPr/>
+        <p:nvPr/>
+      </p:nvGrpSpPr>
+      <p:grpSpPr>
+        <a:xfrm>
+          <a:off x="0" y="0"/>
+          <a:ext cx="0" cy="0"/>
+          <a:chOff x="0" y="0"/>
+          <a:chExt cx="0" cy="0"/>
+        </a:xfrm>
+      </p:grpSpPr>
+      <p:sp>
+        <p:nvSpPr>
+          <p:cNvPr id="2" name="Title 1"/>
+          <p:cNvSpPr>
+            <a:spLocks noGrp="1"/>
+          </p:cNvSpPr>
+          <p:nvPr>
+            <p:ph type="title"/>
+          </p:nvPr>
+        </p:nvSpPr>
+        <p:spPr/>
+        <p:txBody>
+          <a:bodyPr/>
+          <a:lstStyle/>
+          <a:p>
+            <a:r>
+              <a:rPr lang="pt-PT" dirty="0" smtClean="0"/>
+              <a:t>Patrocinador “GOLD”</a:t>
+            </a:r>
+            <a:endParaRPr lang="pt-PT" dirty="0"/>
+          </a:p>
+        </p:txBody>
+      </p:sp>
+      <p:pic>
+        <p:nvPicPr>
+          <p:cNvPr id="2050" name="Picture 2" descr="F:\Users\Caio Proiete\Desktop\gold-sponsor.png"/>
+          <p:cNvPicPr>
+            <a:picLocks noChangeAspect="1" noChangeArrowheads="1"/>
+          </p:cNvPicPr>
+          <p:nvPr/>
+        </p:nvPicPr>
+        <p:blipFill>
+          <a:blip r:embed="rId2" cstate="print">
+            <a:extLst>
+              <a:ext uri="{28A0092B-C50C-407E-A947-70E740481C1C}">
+                <a14:useLocalDpi xmlns:a14="http://schemas.microsoft.com/office/drawing/2010/main" xmlns="" val="0"/>
+              </a:ext>
+            </a:extLst>
+          </a:blip>
+          <a:stretch>
+            <a:fillRect/>
+          </a:stretch>
+        </p:blipFill>
+        <p:spPr bwMode="auto">
+          <a:xfrm>
+            <a:off x="7936831" y="190195"/>
+            <a:ext cx="905158" cy="1798647"/>
+          </a:xfrm>
+          <a:prstGeom prst="rect">
+            <a:avLst/>
+          </a:prstGeom>
+          <a:noFill/>
+          <a:extLst>
+            <a:ext uri="{909E8E84-426E-40DD-AFC4-6F175D3DCCD1}">
+              <a14:hiddenFill xmlns:a14="http://schemas.microsoft.com/office/drawing/2010/main" xmlns="">
+                <a:solidFill>
+                  <a:srgbClr val="FFFFFF"/>
+                </a:solidFill>
+              </a14:hiddenFill>
+            </a:ext>
+          </a:extLst>
+        </p:spPr>
+      </p:pic>
+      <p:sp>
+        <p:nvSpPr>
+          <p:cNvPr id="5" name="Rectangle 2"/>
+          <p:cNvSpPr txBox="1">
+            <a:spLocks noChangeArrowheads="1"/>
+          </p:cNvSpPr>
+          <p:nvPr/>
+        </p:nvSpPr>
+        <p:spPr>
+          <a:xfrm>
+            <a:off x="1091571" y="4725144"/>
+            <a:ext cx="4329482" cy="940120"/>
+          </a:xfrm>
+          <a:prstGeom prst="rect">
+            <a:avLst/>
+          </a:prstGeom>
+          <a:ln/>
+        </p:spPr>
+        <p:txBody>
+          <a:bodyPr vert="horz" lIns="91440" tIns="45720" rIns="91440" bIns="45720" rtlCol="0">
+            <a:normAutofit/>
+          </a:bodyPr>
+          <a:lstStyle>
+            <a:lvl1pPr marL="342900" indent="-342900" algn="l" defTabSz="914400" rtl="0" eaLnBrk="1" latinLnBrk="0" hangingPunct="1">
+              <a:spcBef>
+                <a:spcPct val="20000"/>
+              </a:spcBef>
+              <a:buFont typeface="Arial" pitchFamily="34" charset="0"/>
+              <a:buChar char="•"/>
+              <a:defRPr sz="4400" kern="1200">
+                <a:solidFill>
+                  <a:schemeClr val="tx1"/>
+                </a:solidFill>
+                <a:latin typeface="+mn-lt"/>
+                <a:ea typeface="+mn-ea"/>
+                <a:cs typeface="+mn-cs"/>
+              </a:defRPr>
+            </a:lvl1pPr>
+            <a:lvl2pPr marL="742950" indent="-285750" algn="l" defTabSz="914400" rtl="0" eaLnBrk="1" latinLnBrk="0" hangingPunct="1">
+              <a:spcBef>
+                <a:spcPct val="20000"/>
+              </a:spcBef>
+              <a:buFont typeface="Arial" pitchFamily="34" charset="0"/>
+              <a:buChar char="–"/>
+              <a:defRPr sz="4000" kern="1200">
+                <a:solidFill>
+                  <a:schemeClr val="tx1"/>
+                </a:solidFill>
+                <a:latin typeface="+mn-lt"/>
+                <a:ea typeface="+mn-ea"/>
+                <a:cs typeface="+mn-cs"/>
+              </a:defRPr>
+            </a:lvl2pPr>
+            <a:lvl3pPr marL="1143000" indent="-228600" algn="l" defTabSz="914400" rtl="0" eaLnBrk="1" latinLnBrk="0" hangingPunct="1">
+              <a:spcBef>
+                <a:spcPct val="20000"/>
+              </a:spcBef>
+              <a:buFont typeface="Arial" pitchFamily="34" charset="0"/>
+              <a:buChar char="•"/>
+              <a:defRPr sz="3600" kern="1200">
+                <a:solidFill>
+                  <a:schemeClr val="tx1"/>
+                </a:solidFill>
+                <a:latin typeface="+mn-lt"/>
+                <a:ea typeface="+mn-ea"/>
+                <a:cs typeface="+mn-cs"/>
+              </a:defRPr>
+            </a:lvl3pPr>
+            <a:lvl4pPr marL="1600200" indent="-228600" algn="l" defTabSz="914400" rtl="0" eaLnBrk="1" latinLnBrk="0" hangingPunct="1">
+              <a:spcBef>
+                <a:spcPct val="20000"/>
+              </a:spcBef>
+              <a:buFont typeface="Arial" pitchFamily="34" charset="0"/>
+              <a:buChar char="–"/>
+              <a:defRPr sz="3200" kern="1200">
+                <a:solidFill>
+                  <a:schemeClr val="tx1"/>
+                </a:solidFill>
+                <a:latin typeface="+mn-lt"/>
+                <a:ea typeface="+mn-ea"/>
+                <a:cs typeface="+mn-cs"/>
+              </a:defRPr>
+            </a:lvl4pPr>
+            <a:lvl5pPr marL="2057400" indent="-228600" algn="l" defTabSz="914400" rtl="0" eaLnBrk="1" latinLnBrk="0" hangingPunct="1">
+              <a:spcBef>
+                <a:spcPct val="20000"/>
+              </a:spcBef>
+              <a:buFont typeface="Arial" pitchFamily="34" charset="0"/>
+              <a:buChar char="»"/>
+              <a:defRPr sz="3200" kern="1200">
+                <a:solidFill>
+                  <a:schemeClr val="tx1"/>
+                </a:solidFill>
+                <a:latin typeface="+mn-lt"/>
+                <a:ea typeface="+mn-ea"/>
+                <a:cs typeface="+mn-cs"/>
+              </a:defRPr>
+            </a:lvl5pPr>
+            <a:lvl6pPr marL="2514600" indent="-228600" algn="l" defTabSz="914400" rtl="0" eaLnBrk="1" latinLnBrk="0" hangingPunct="1">
+              <a:spcBef>
+                <a:spcPct val="20000"/>
+              </a:spcBef>
+              <a:buFont typeface="Arial" pitchFamily="34" charset="0"/>
+              <a:buChar char="•"/>
+              <a:defRPr sz="2000" kern="1200">
+                <a:solidFill>
+                  <a:schemeClr val="tx1"/>
+                </a:solidFill>
+                <a:latin typeface="+mn-lt"/>
+                <a:ea typeface="+mn-ea"/>
+                <a:cs typeface="+mn-cs"/>
+              </a:defRPr>
+            </a:lvl6pPr>
+            <a:lvl7pPr marL="2971800" indent="-228600" algn="l" defTabSz="914400" rtl="0" eaLnBrk="1" latinLnBrk="0" hangingPunct="1">
+              <a:spcBef>
+                <a:spcPct val="20000"/>
+              </a:spcBef>
+              <a:buFont typeface="Arial" pitchFamily="34" charset="0"/>
+              <a:buChar char="•"/>
+              <a:defRPr sz="2000" kern="1200">
+                <a:solidFill>
+                  <a:schemeClr val="tx1"/>
+                </a:solidFill>
+                <a:latin typeface="+mn-lt"/>
+                <a:ea typeface="+mn-ea"/>
+                <a:cs typeface="+mn-cs"/>
+              </a:defRPr>
+            </a:lvl7pPr>
+            <a:lvl8pPr marL="3429000" indent="-228600" algn="l" defTabSz="914400" rtl="0" eaLnBrk="1" latinLnBrk="0" hangingPunct="1">
+              <a:spcBef>
+                <a:spcPct val="20000"/>
+              </a:spcBef>
+              <a:buFont typeface="Arial" pitchFamily="34" charset="0"/>
+              <a:buChar char="•"/>
+              <a:defRPr sz="2000" kern="1200">
+                <a:solidFill>
+                  <a:schemeClr val="tx1"/>
+                </a:solidFill>
+                <a:latin typeface="+mn-lt"/>
+                <a:ea typeface="+mn-ea"/>
+                <a:cs typeface="+mn-cs"/>
+              </a:defRPr>
+            </a:lvl8pPr>
+            <a:lvl9pPr marL="3886200" indent="-228600" algn="l" defTabSz="914400" rtl="0" eaLnBrk="1" latinLnBrk="0" hangingPunct="1">
+              <a:spcBef>
+                <a:spcPct val="20000"/>
+              </a:spcBef>
+              <a:buFont typeface="Arial" pitchFamily="34" charset="0"/>
+              <a:buChar char="•"/>
+              <a:defRPr sz="2000" kern="1200">
+                <a:solidFill>
+                  <a:schemeClr val="tx1"/>
+                </a:solidFill>
+                <a:latin typeface="+mn-lt"/>
+                <a:ea typeface="+mn-ea"/>
+                <a:cs typeface="+mn-cs"/>
+              </a:defRPr>
+            </a:lvl9pPr>
+          </a:lstStyle>
+          <a:p>
+            <a:pPr marL="0" indent="0">
+              <a:buNone/>
+            </a:pPr>
+            <a:r>
+              <a:rPr lang="en-US" sz="3200" dirty="0">
+                <a:effectLst>
+                  <a:outerShdw blurRad="38100" dist="38100" dir="2700000" algn="tl">
+                    <a:srgbClr val="000000">
+                      <a:alpha val="43137"/>
+                    </a:srgbClr>
+                  </a:outerShdw>
+                </a:effectLst>
+                <a:latin typeface="+mj-lt"/>
+                <a:sym typeface="Helvetica Neue" charset="0"/>
+              </a:rPr>
+              <a:t>Twitter: @</a:t>
+            </a:r>
+            <a:r>
+              <a:rPr lang="en-US" sz="3200" dirty="0" err="1">
+                <a:effectLst>
+                  <a:outerShdw blurRad="38100" dist="38100" dir="2700000" algn="tl">
+                    <a:srgbClr val="000000">
+                      <a:alpha val="43137"/>
+                    </a:srgbClr>
+                  </a:outerShdw>
+                </a:effectLst>
+                <a:latin typeface="+mj-lt"/>
+                <a:sym typeface="Helvetica Neue" charset="0"/>
+              </a:rPr>
+              <a:t>PTMicrosoft</a:t>
+            </a:r>
+            <a:endParaRPr lang="en-US" sz="3200" dirty="0">
+              <a:effectLst>
+                <a:outerShdw blurRad="38100" dist="38100" dir="2700000" algn="tl">
+                  <a:srgbClr val="000000">
+                    <a:alpha val="43137"/>
+                  </a:srgbClr>
+                </a:outerShdw>
+              </a:effectLst>
+              <a:latin typeface="+mj-lt"/>
+              <a:sym typeface="Helvetica Neue" charset="0"/>
+            </a:endParaRPr>
+          </a:p>
+        </p:txBody>
+      </p:sp>
+      <p:sp>
+        <p:nvSpPr>
+          <p:cNvPr id="6" name="Rectangle 2"/>
+          <p:cNvSpPr txBox="1">
+            <a:spLocks noChangeArrowheads="1"/>
+          </p:cNvSpPr>
+          <p:nvPr/>
+        </p:nvSpPr>
+        <p:spPr>
+          <a:xfrm>
+            <a:off x="1100572" y="5265204"/>
+            <a:ext cx="6903768" cy="794742"/>
+          </a:xfrm>
+          <a:prstGeom prst="rect">
+            <a:avLst/>
+          </a:prstGeom>
+          <a:ln/>
+        </p:spPr>
+        <p:txBody>
+          <a:bodyPr vert="horz" lIns="91440" tIns="45720" rIns="91440" bIns="45720" rtlCol="0">
+            <a:noAutofit/>
+          </a:bodyPr>
+          <a:lstStyle>
+            <a:lvl1pPr marL="342900" indent="-342900" algn="l" defTabSz="914400" rtl="0" eaLnBrk="1" latinLnBrk="0" hangingPunct="1">
+              <a:spcBef>
+                <a:spcPct val="20000"/>
+              </a:spcBef>
+              <a:buFont typeface="Arial" pitchFamily="34" charset="0"/>
+              <a:buChar char="•"/>
+              <a:defRPr sz="4400" kern="1200">
+                <a:solidFill>
+                  <a:schemeClr val="tx1"/>
+                </a:solidFill>
+                <a:latin typeface="+mn-lt"/>
+                <a:ea typeface="+mn-ea"/>
+                <a:cs typeface="+mn-cs"/>
+              </a:defRPr>
+            </a:lvl1pPr>
+            <a:lvl2pPr marL="742950" indent="-285750" algn="l" defTabSz="914400" rtl="0" eaLnBrk="1" latinLnBrk="0" hangingPunct="1">
+              <a:spcBef>
+                <a:spcPct val="20000"/>
+              </a:spcBef>
+              <a:buFont typeface="Arial" pitchFamily="34" charset="0"/>
+              <a:buChar char="–"/>
+              <a:defRPr sz="4000" kern="1200">
+                <a:solidFill>
+                  <a:schemeClr val="tx1"/>
+                </a:solidFill>
+                <a:latin typeface="+mn-lt"/>
+                <a:ea typeface="+mn-ea"/>
+                <a:cs typeface="+mn-cs"/>
+              </a:defRPr>
+            </a:lvl2pPr>
+            <a:lvl3pPr marL="1143000" indent="-228600" algn="l" defTabSz="914400" rtl="0" eaLnBrk="1" latinLnBrk="0" hangingPunct="1">
+              <a:spcBef>
+                <a:spcPct val="20000"/>
+              </a:spcBef>
+              <a:buFont typeface="Arial" pitchFamily="34" charset="0"/>
+              <a:buChar char="•"/>
+              <a:defRPr sz="3600" kern="1200">
+                <a:solidFill>
+                  <a:schemeClr val="tx1"/>
+                </a:solidFill>
+                <a:latin typeface="+mn-lt"/>
+                <a:ea typeface="+mn-ea"/>
+                <a:cs typeface="+mn-cs"/>
+              </a:defRPr>
+            </a:lvl3pPr>
+            <a:lvl4pPr marL="1600200" indent="-228600" algn="l" defTabSz="914400" rtl="0" eaLnBrk="1" latinLnBrk="0" hangingPunct="1">
+              <a:spcBef>
+                <a:spcPct val="20000"/>
+              </a:spcBef>
+              <a:buFont typeface="Arial" pitchFamily="34" charset="0"/>
+              <a:buChar char="–"/>
+              <a:defRPr sz="3200" kern="1200">
+                <a:solidFill>
+                  <a:schemeClr val="tx1"/>
+                </a:solidFill>
+                <a:latin typeface="+mn-lt"/>
+                <a:ea typeface="+mn-ea"/>
+                <a:cs typeface="+mn-cs"/>
+              </a:defRPr>
+            </a:lvl4pPr>
+            <a:lvl5pPr marL="2057400" indent="-228600" algn="l" defTabSz="914400" rtl="0" eaLnBrk="1" latinLnBrk="0" hangingPunct="1">
+              <a:spcBef>
+                <a:spcPct val="20000"/>
+              </a:spcBef>
+              <a:buFont typeface="Arial" pitchFamily="34" charset="0"/>
+              <a:buChar char="»"/>
+              <a:defRPr sz="3200" kern="1200">
+                <a:solidFill>
+                  <a:schemeClr val="tx1"/>
+                </a:solidFill>
+                <a:latin typeface="+mn-lt"/>
+                <a:ea typeface="+mn-ea"/>
+                <a:cs typeface="+mn-cs"/>
+              </a:defRPr>
+            </a:lvl5pPr>
+            <a:lvl6pPr marL="2514600" indent="-228600" algn="l" defTabSz="914400" rtl="0" eaLnBrk="1" latinLnBrk="0" hangingPunct="1">
+              <a:spcBef>
+                <a:spcPct val="20000"/>
+              </a:spcBef>
+              <a:buFont typeface="Arial" pitchFamily="34" charset="0"/>
+              <a:buChar char="•"/>
+              <a:defRPr sz="2000" kern="1200">
+                <a:solidFill>
+                  <a:schemeClr val="tx1"/>
+                </a:solidFill>
+                <a:latin typeface="+mn-lt"/>
+                <a:ea typeface="+mn-ea"/>
+                <a:cs typeface="+mn-cs"/>
+              </a:defRPr>
+            </a:lvl6pPr>
+            <a:lvl7pPr marL="2971800" indent="-228600" algn="l" defTabSz="914400" rtl="0" eaLnBrk="1" latinLnBrk="0" hangingPunct="1">
+              <a:spcBef>
+                <a:spcPct val="20000"/>
+              </a:spcBef>
+              <a:buFont typeface="Arial" pitchFamily="34" charset="0"/>
+              <a:buChar char="•"/>
+              <a:defRPr sz="2000" kern="1200">
+                <a:solidFill>
+                  <a:schemeClr val="tx1"/>
+                </a:solidFill>
+                <a:latin typeface="+mn-lt"/>
+                <a:ea typeface="+mn-ea"/>
+                <a:cs typeface="+mn-cs"/>
+              </a:defRPr>
+            </a:lvl7pPr>
+            <a:lvl8pPr marL="3429000" indent="-228600" algn="l" defTabSz="914400" rtl="0" eaLnBrk="1" latinLnBrk="0" hangingPunct="1">
+              <a:spcBef>
+                <a:spcPct val="20000"/>
+              </a:spcBef>
+              <a:buFont typeface="Arial" pitchFamily="34" charset="0"/>
+              <a:buChar char="•"/>
+              <a:defRPr sz="2000" kern="1200">
+                <a:solidFill>
+                  <a:schemeClr val="tx1"/>
+                </a:solidFill>
+                <a:latin typeface="+mn-lt"/>
+                <a:ea typeface="+mn-ea"/>
+                <a:cs typeface="+mn-cs"/>
+              </a:defRPr>
+            </a:lvl8pPr>
+            <a:lvl9pPr marL="3886200" indent="-228600" algn="l" defTabSz="914400" rtl="0" eaLnBrk="1" latinLnBrk="0" hangingPunct="1">
+              <a:spcBef>
+                <a:spcPct val="20000"/>
+              </a:spcBef>
+              <a:buFont typeface="Arial" pitchFamily="34" charset="0"/>
+              <a:buChar char="•"/>
+              <a:defRPr sz="2000" kern="1200">
+                <a:solidFill>
+                  <a:schemeClr val="tx1"/>
+                </a:solidFill>
+                <a:latin typeface="+mn-lt"/>
+                <a:ea typeface="+mn-ea"/>
+                <a:cs typeface="+mn-cs"/>
+              </a:defRPr>
+            </a:lvl9pPr>
+          </a:lstStyle>
+          <a:p>
+            <a:pPr marL="0" indent="0">
+              <a:buNone/>
+            </a:pPr>
+            <a:r>
+              <a:rPr lang="en-US" sz="2800" dirty="0">
+                <a:effectLst>
+                  <a:outerShdw blurRad="38100" dist="38100" dir="2700000" algn="tl">
+                    <a:srgbClr val="000000">
+                      <a:alpha val="43137"/>
+                    </a:srgbClr>
+                  </a:outerShdw>
+                </a:effectLst>
+                <a:sym typeface="Helvetica Neue" charset="0"/>
+              </a:rPr>
+              <a:t>http://www.microsoft.com/portugal</a:t>
+            </a:r>
+          </a:p>
+        </p:txBody>
+      </p:sp>
+      <p:pic>
+        <p:nvPicPr>
+          <p:cNvPr id="7" name="Picture 3">
+            <a:hlinkClick r:id="rId3"/>
+          </p:cNvPr>
+          <p:cNvPicPr>
+            <a:picLocks noChangeAspect="1" noChangeArrowheads="1"/>
+          </p:cNvPicPr>
+          <p:nvPr/>
+        </p:nvPicPr>
+        <p:blipFill>
+          <a:blip r:embed="rId4" cstate="print">
+            <a:extLst>
+              <a:ext uri="{28A0092B-C50C-407E-A947-70E740481C1C}">
+                <a14:useLocalDpi xmlns:a14="http://schemas.microsoft.com/office/drawing/2010/main" xmlns="" val="0"/>
+              </a:ext>
+            </a:extLst>
+          </a:blip>
+          <a:srcRect/>
+          <a:stretch>
+            <a:fillRect/>
+          </a:stretch>
+        </p:blipFill>
+        <p:spPr bwMode="auto">
+          <a:xfrm>
+            <a:off x="1501118" y="2348882"/>
+            <a:ext cx="7017316" cy="1967855"/>
+          </a:xfrm>
+          <a:prstGeom prst="rect">
+            <a:avLst/>
+          </a:prstGeom>
+          <a:noFill/>
+          <a:ln>
+            <a:noFill/>
+          </a:ln>
+          <a:effectLst/>
+          <a:extLst>
+            <a:ext uri="{909E8E84-426E-40DD-AFC4-6F175D3DCCD1}">
+              <a14:hiddenFill xmlns:a14="http://schemas.microsoft.com/office/drawing/2010/main" xmlns="">
+                <a:solidFill>
+                  <a:schemeClr val="accent1"/>
+                </a:solidFill>
+              </a14:hiddenFill>
+            </a:ext>
+            <a:ext uri="{91240B29-F687-4F45-9708-019B960494DF}">
+              <a14:hiddenLine xmlns:a14="http://schemas.microsoft.com/office/drawing/2010/main" xmlns="" w="9525">
+                <a:solidFill>
+                  <a:schemeClr val="tx1"/>
+                </a:solidFill>
+                <a:miter lim="800000"/>
+                <a:headEnd/>
+                <a:tailEnd/>
+              </a14:hiddenLine>
+            </a:ext>
+            <a:ext uri="{AF507438-7753-43E0-B8FC-AC1667EBCBE1}">
+              <a14:hiddenEffects xmlns:a14="http://schemas.microsoft.com/office/drawing/2010/main" xmlns="">
+                <a:effectLst>
+                  <a:outerShdw dist="35921" dir="2700000" algn="ctr" rotWithShape="0">
+                    <a:schemeClr val="bg2"/>
+                  </a:outerShdw>
+                </a:effectLst>
+              </a14:hiddenEffects>
+            </a:ext>
+          </a:extLst>
+        </p:spPr>
+      </p:pic>
+    </p:spTree>
+    <p:extLst>
+      <p:ext uri="{BB962C8B-B14F-4D97-AF65-F5344CB8AC3E}">
+        <p14:creationId xmlns:p14="http://schemas.microsoft.com/office/powerpoint/2010/main" xmlns="" val="4211405270"/>
+      </p:ext>
+    </p:extLst>
+  </p:cSld>
+  <p:clrMapOvr>
+    <a:masterClrMapping/>
+  </p:clrMapOvr>
+  <p:timing>
+    <p:tnLst>
+      <p:par>
+        <p:cTn id="1" dur="indefinite" restart="never" nodeType="tmRoot"/>
+      </p:par>
+    </p:tnLst>
+  </p:timing>
+</p:sld>
+</file>
+
+<file path=ppt/slides/slide20.xml><?xml version="1.0" encoding="utf-8"?>
+<p:sld xmlns:a="http://schemas.openxmlformats.org/drawingml/2006/main" xmlns:r="http://schemas.openxmlformats.org/officeDocument/2006/relationships" xmlns:p="http://schemas.openxmlformats.org/presentationml/2006/main">
+  <p:cSld>
+    <p:spTree>
+      <p:nvGrpSpPr>
+        <p:cNvPr id="1" name=""/>
+        <p:cNvGrpSpPr/>
+        <p:nvPr/>
+      </p:nvGrpSpPr>
+      <p:grpSpPr>
+        <a:xfrm>
+          <a:off x="0" y="0"/>
+          <a:ext cx="0" cy="0"/>
+          <a:chOff x="0" y="0"/>
+          <a:chExt cx="0" cy="0"/>
+        </a:xfrm>
+      </p:grpSpPr>
+      <p:sp>
+        <p:nvSpPr>
+          <p:cNvPr id="4" name="Text Placeholder 3"/>
+          <p:cNvSpPr>
+            <a:spLocks noGrp="1"/>
+          </p:cNvSpPr>
+          <p:nvPr>
+            <p:ph type="body" sz="quarter" idx="10"/>
+          </p:nvPr>
+        </p:nvSpPr>
+        <p:spPr>
+          <a:xfrm>
+            <a:off x="380492" y="224644"/>
+            <a:ext cx="8322296" cy="1384994"/>
+          </a:xfrm>
+        </p:spPr>
+        <p:txBody>
+          <a:bodyPr/>
+          <a:lstStyle/>
+          <a:p>
+            <a:r>
+              <a:rPr lang="en-US" dirty="0" err="1" smtClean="0"/>
+              <a:t>demonstração</a:t>
+            </a:r>
+            <a:r>
+              <a:rPr lang="en-US" dirty="0" smtClean="0"/>
+              <a:t> </a:t>
+            </a:r>
+            <a:endParaRPr lang="en-US" dirty="0"/>
+          </a:p>
+        </p:txBody>
+      </p:sp>
+      <p:pic>
+        <p:nvPicPr>
+          <p:cNvPr id="1026" name="Picture 2"/>
+          <p:cNvPicPr>
+            <a:picLocks noChangeAspect="1" noChangeArrowheads="1"/>
+          </p:cNvPicPr>
+          <p:nvPr/>
+        </p:nvPicPr>
+        <p:blipFill>
+          <a:blip r:embed="rId3" cstate="print"/>
+          <a:srcRect/>
+          <a:stretch>
+            <a:fillRect/>
+          </a:stretch>
+        </p:blipFill>
+        <p:spPr bwMode="auto">
+          <a:xfrm>
+            <a:off x="1172580" y="1700808"/>
+            <a:ext cx="8035713" cy="4071270"/>
+          </a:xfrm>
+          <a:prstGeom prst="rect">
+            <a:avLst/>
+          </a:prstGeom>
+          <a:noFill/>
+          <a:ln w="9525">
+            <a:noFill/>
+            <a:miter lim="800000"/>
+            <a:headEnd/>
+            <a:tailEnd/>
+          </a:ln>
+        </p:spPr>
+      </p:pic>
+    </p:spTree>
+    <p:extLst>
+      <p:ext uri="{BB962C8B-B14F-4D97-AF65-F5344CB8AC3E}">
+        <p14:creationId xmlns:p14="http://schemas.microsoft.com/office/powerpoint/2007/7/12/main" xmlns="" val="967988230"/>
+      </p:ext>
+    </p:extLst>
+  </p:cSld>
+  <p:clrMapOvr>
+    <a:masterClrMapping/>
+  </p:clrMapOvr>
+  <mc:AlternateContent xmlns:mc="http://schemas.openxmlformats.org/markup-compatibility/2006">
+    <mc:Choice xmlns:p14="http://schemas.microsoft.com/office/powerpoint/2007/7/12/main" xmlns="" Requires="p14">
+      <p:transition p14:dur="0"/>
+    </mc:Choice>
+    <mc:Fallback>
+      <p:transition/>
+    </mc:Fallback>
+  </mc:AlternateContent>
+  <p:timing>
+    <p:tnLst>
+      <p:par>
+        <p:cTn id="1" dur="indefinite" restart="never" nodeType="tmRoot"/>
+      </p:par>
+    </p:tnLst>
+  </p:timing>
+</p:sld>
+</file>
+
+<file path=ppt/slides/slide21.xml><?xml version="1.0" encoding="utf-8"?>
+<p:sld xmlns:a="http://schemas.openxmlformats.org/drawingml/2006/main" xmlns:r="http://schemas.openxmlformats.org/officeDocument/2006/relationships" xmlns:p="http://schemas.openxmlformats.org/presentationml/2006/main">
+  <p:cSld>
+    <p:spTree>
+      <p:nvGrpSpPr>
+        <p:cNvPr id="1" name=""/>
+        <p:cNvGrpSpPr/>
+        <p:nvPr/>
+      </p:nvGrpSpPr>
+      <p:grpSpPr>
+        <a:xfrm>
+          <a:off x="0" y="0"/>
+          <a:ext cx="0" cy="0"/>
+          <a:chOff x="0" y="0"/>
+          <a:chExt cx="0" cy="0"/>
+        </a:xfrm>
+      </p:grpSpPr>
+      <p:sp>
+        <p:nvSpPr>
+          <p:cNvPr id="2" name="Title 1"/>
+          <p:cNvSpPr>
+            <a:spLocks noGrp="1"/>
+          </p:cNvSpPr>
+          <p:nvPr>
+            <p:ph type="title"/>
+          </p:nvPr>
+        </p:nvSpPr>
+        <p:spPr/>
+        <p:txBody>
+          <a:bodyPr/>
+          <a:lstStyle/>
+          <a:p>
+            <a:endParaRPr lang="pt-PT" dirty="0"/>
+          </a:p>
+        </p:txBody>
+      </p:sp>
+      <p:sp>
+        <p:nvSpPr>
+          <p:cNvPr id="3" name="Content Placeholder 2"/>
+          <p:cNvSpPr>
+            <a:spLocks noGrp="1"/>
+          </p:cNvSpPr>
+          <p:nvPr>
+            <p:ph idx="1"/>
+          </p:nvPr>
+        </p:nvSpPr>
+        <p:spPr>
+          <a:xfrm>
+            <a:off x="2324708" y="2521751"/>
+            <a:ext cx="5256584" cy="1814499"/>
+          </a:xfrm>
+        </p:spPr>
+        <p:txBody>
+          <a:bodyPr>
+            <a:normAutofit fontScale="62500" lnSpcReduction="20000"/>
+          </a:bodyPr>
+          <a:lstStyle/>
+          <a:p>
+            <a:pPr algn="ctr">
+              <a:buNone/>
+            </a:pPr>
+            <a:r>
+              <a:rPr lang="pt-PT" sz="9600" dirty="0" smtClean="0"/>
+              <a:t>NVelocity</a:t>
+            </a:r>
+          </a:p>
+          <a:p>
+            <a:pPr algn="ctr">
+              <a:buNone/>
+            </a:pPr>
+            <a:r>
+              <a:rPr lang="pt-PT" sz="9600" dirty="0" smtClean="0"/>
+              <a:t>Sintaxe</a:t>
+            </a:r>
+            <a:endParaRPr lang="pt-PT" sz="9600" dirty="0"/>
+          </a:p>
+        </p:txBody>
+      </p:sp>
+    </p:spTree>
+  </p:cSld>
+  <p:clrMapOvr>
+    <a:masterClrMapping/>
+  </p:clrMapOvr>
+  <p:timing>
+    <p:tnLst>
+      <p:par>
+        <p:cTn id="1" dur="indefinite" restart="never" nodeType="tmRoot"/>
+      </p:par>
+    </p:tnLst>
+  </p:timing>
+</p:sld>
+</file>
+
+<file path=ppt/slides/slide22.xml><?xml version="1.0" encoding="utf-8"?>
+<p:sld xmlns:a="http://schemas.openxmlformats.org/drawingml/2006/main" xmlns:r="http://schemas.openxmlformats.org/officeDocument/2006/relationships" xmlns:p="http://schemas.openxmlformats.org/presentationml/2006/main">
+  <p:cSld>
+    <p:spTree>
+      <p:nvGrpSpPr>
+        <p:cNvPr id="1" name=""/>
+        <p:cNvGrpSpPr/>
+        <p:nvPr/>
+      </p:nvGrpSpPr>
+      <p:grpSpPr>
+        <a:xfrm>
+          <a:off x="0" y="0"/>
+          <a:ext cx="0" cy="0"/>
+          <a:chOff x="0" y="0"/>
+          <a:chExt cx="0" cy="0"/>
+        </a:xfrm>
+      </p:grpSpPr>
+      <p:sp>
+        <p:nvSpPr>
+          <p:cNvPr id="2" name="Title 1"/>
+          <p:cNvSpPr>
+            <a:spLocks noGrp="1"/>
+          </p:cNvSpPr>
+          <p:nvPr>
+            <p:ph type="title"/>
+          </p:nvPr>
+        </p:nvSpPr>
+        <p:spPr/>
+        <p:txBody>
           <a:bodyPr/>
           <a:lstStyle/>
           <a:p>
@@ -7514,7 +9231,7 @@
     </p:spTree>
     <p:extLst>
       <p:ext uri="{BB962C8B-B14F-4D97-AF65-F5344CB8AC3E}">
-        <p14:creationId xmlns="" xmlns:p14="http://schemas.microsoft.com/office/powerpoint/2007/7/12/main" val="564663352"/>
+        <p14:creationId xmlns:p14="http://schemas.microsoft.com/office/powerpoint/2007/7/12/main" xmlns="" val="564663352"/>
       </p:ext>
     </p:extLst>
   </p:cSld>
@@ -7699,7 +9416,7 @@
 </p:sld>
 </file>
 
-<file path=ppt/slides/slide19.xml><?xml version="1.0" encoding="utf-8"?>
+<file path=ppt/slides/slide23.xml><?xml version="1.0" encoding="utf-8"?>
 <p:sld xmlns:a="http://schemas.openxmlformats.org/drawingml/2006/main" xmlns:r="http://schemas.openxmlformats.org/officeDocument/2006/relationships" xmlns:p="http://schemas.openxmlformats.org/presentationml/2006/main">
   <p:cSld>
     <p:spTree>
@@ -7898,7 +9615,7 @@
     </p:spTree>
     <p:extLst>
       <p:ext uri="{BB962C8B-B14F-4D97-AF65-F5344CB8AC3E}">
-        <p14:creationId xmlns="" xmlns:p14="http://schemas.microsoft.com/office/powerpoint/2007/7/12/main" val="564663352"/>
+        <p14:creationId xmlns:p14="http://schemas.microsoft.com/office/powerpoint/2007/7/12/main" xmlns="" val="564663352"/>
       </p:ext>
     </p:extLst>
   </p:cSld>
@@ -8176,269 +9893,7 @@
 </p:sld>
 </file>
 
-<file path=ppt/slides/slide2.xml><?xml version="1.0" encoding="utf-8"?>
-<p:sld xmlns:a="http://schemas.openxmlformats.org/drawingml/2006/main" xmlns:r="http://schemas.openxmlformats.org/officeDocument/2006/relationships" xmlns:p="http://schemas.openxmlformats.org/presentationml/2006/main">
-  <p:cSld>
-    <p:spTree>
-      <p:nvGrpSpPr>
-        <p:cNvPr id="1" name=""/>
-        <p:cNvGrpSpPr/>
-        <p:nvPr/>
-      </p:nvGrpSpPr>
-      <p:grpSpPr>
-        <a:xfrm>
-          <a:off x="0" y="0"/>
-          <a:ext cx="0" cy="0"/>
-          <a:chOff x="0" y="0"/>
-          <a:chExt cx="0" cy="0"/>
-        </a:xfrm>
-      </p:grpSpPr>
-      <p:sp>
-        <p:nvSpPr>
-          <p:cNvPr id="6" name="Title 1"/>
-          <p:cNvSpPr>
-            <a:spLocks noGrp="1"/>
-          </p:cNvSpPr>
-          <p:nvPr>
-            <p:ph type="title"/>
-          </p:nvPr>
-        </p:nvSpPr>
-        <p:spPr>
-          <a:xfrm>
-            <a:off x="495300" y="274638"/>
-            <a:ext cx="8915400" cy="1143000"/>
-          </a:xfrm>
-          <a:effectLst/>
-        </p:spPr>
-        <p:txBody>
-          <a:bodyPr/>
-          <a:lstStyle/>
-          <a:p>
-            <a:r>
-              <a:rPr lang="pt-PT" dirty="0" smtClean="0"/>
-              <a:t>Licença</a:t>
-            </a:r>
-            <a:endParaRPr lang="pt-PT" dirty="0"/>
-          </a:p>
-        </p:txBody>
-      </p:sp>
-      <p:sp>
-        <p:nvSpPr>
-          <p:cNvPr id="7" name="Content Placeholder 2"/>
-          <p:cNvSpPr>
-            <a:spLocks noGrp="1"/>
-          </p:cNvSpPr>
-          <p:nvPr>
-            <p:ph idx="1"/>
-          </p:nvPr>
-        </p:nvSpPr>
-        <p:spPr>
-          <a:xfrm>
-            <a:off x="495300" y="1600201"/>
-            <a:ext cx="8915400" cy="4817131"/>
-          </a:xfrm>
-        </p:spPr>
-        <p:txBody>
-          <a:bodyPr>
-            <a:noAutofit/>
-          </a:bodyPr>
-          <a:lstStyle/>
-          <a:p>
-            <a:pPr marL="0" indent="0">
-              <a:buNone/>
-            </a:pPr>
-            <a:r>
-              <a:rPr lang="pt-PT" sz="2800" b="1" u="sng" dirty="0" smtClean="0">
-                <a:solidFill>
-                  <a:srgbClr val="008000"/>
-                </a:solidFill>
-              </a:rPr>
-              <a:t>Attribution 3.0 Unported</a:t>
-            </a:r>
-          </a:p>
-          <a:p>
-            <a:pPr>
-              <a:buNone/>
-            </a:pPr>
-            <a:r>
-              <a:rPr lang="en-US" sz="2800" b="1" dirty="0" smtClean="0">
-                <a:solidFill>
-                  <a:schemeClr val="accent3">
-                    <a:lumMod val="50000"/>
-                  </a:schemeClr>
-                </a:solidFill>
-              </a:rPr>
-              <a:t>You are free:</a:t>
-            </a:r>
-          </a:p>
-          <a:p>
-            <a:r>
-              <a:rPr lang="en-US" sz="2600" b="1" dirty="0" smtClean="0"/>
-              <a:t>to Share</a:t>
-            </a:r>
-            <a:r>
-              <a:rPr lang="en-US" sz="2600" dirty="0" smtClean="0"/>
-              <a:t> -</a:t>
-            </a:r>
-            <a:r>
-              <a:rPr lang="en-US" sz="2800" dirty="0" smtClean="0"/>
-              <a:t> </a:t>
-            </a:r>
-            <a:r>
-              <a:rPr lang="en-US" sz="2400" dirty="0" smtClean="0"/>
-              <a:t>to copy, distribute and transmit the work</a:t>
-            </a:r>
-          </a:p>
-          <a:p>
-            <a:r>
-              <a:rPr lang="en-US" sz="2600" b="1" dirty="0" smtClean="0"/>
-              <a:t>to Remix</a:t>
-            </a:r>
-            <a:r>
-              <a:rPr lang="en-US" sz="2600" dirty="0" smtClean="0"/>
-              <a:t> -</a:t>
-            </a:r>
-            <a:r>
-              <a:rPr lang="en-US" sz="2800" dirty="0" smtClean="0"/>
-              <a:t> </a:t>
-            </a:r>
-            <a:r>
-              <a:rPr lang="en-US" sz="2400" dirty="0" smtClean="0"/>
-              <a:t>to adapt the work to make commercial use of the work</a:t>
-            </a:r>
-          </a:p>
-          <a:p>
-            <a:endParaRPr lang="en-US" sz="2400" dirty="0" smtClean="0"/>
-          </a:p>
-          <a:p>
-            <a:pPr>
-              <a:buNone/>
-            </a:pPr>
-            <a:r>
-              <a:rPr lang="pt-PT" sz="2800" b="1" dirty="0" smtClean="0">
-                <a:solidFill>
-                  <a:schemeClr val="accent3">
-                    <a:lumMod val="50000"/>
-                  </a:schemeClr>
-                </a:solidFill>
-              </a:rPr>
-              <a:t>Under the following conditions:</a:t>
-            </a:r>
-          </a:p>
-          <a:p>
-            <a:pPr>
-              <a:buNone/>
-            </a:pPr>
-            <a:r>
-              <a:rPr lang="en-US" sz="2400" b="1" dirty="0" smtClean="0"/>
-              <a:t>Attribution</a:t>
-            </a:r>
-            <a:r>
-              <a:rPr lang="en-US" sz="2400" dirty="0" smtClean="0"/>
-              <a:t> — You must attribute the work in the manner specified by the author or licensor (but not in any way that suggests that they endorse you or your use of the work)</a:t>
-            </a:r>
-          </a:p>
-          <a:p>
-            <a:pPr marL="0" indent="0">
-              <a:buNone/>
-            </a:pPr>
-            <a:endParaRPr lang="pt-PT" sz="1200" dirty="0" smtClean="0"/>
-          </a:p>
-          <a:p>
-            <a:pPr marL="0" indent="0">
-              <a:buNone/>
-            </a:pPr>
-            <a:r>
-              <a:rPr lang="pt-PT" sz="1200" dirty="0" smtClean="0"/>
-              <a:t>Source: </a:t>
-            </a:r>
-            <a:r>
-              <a:rPr lang="pt-PT" sz="1200" dirty="0" smtClean="0">
-                <a:hlinkClick r:id="rId2"/>
-              </a:rPr>
-              <a:t>http://creativecommons.org/licenses/by/3.0/</a:t>
-            </a:r>
-            <a:endParaRPr lang="pt-PT" sz="1200" dirty="0" smtClean="0"/>
-          </a:p>
-        </p:txBody>
-      </p:sp>
-      <p:pic>
-        <p:nvPicPr>
-          <p:cNvPr id="4" name="Picture 3" descr="seal.png"/>
-          <p:cNvPicPr>
-            <a:picLocks noChangeAspect="1"/>
-          </p:cNvPicPr>
-          <p:nvPr/>
-        </p:nvPicPr>
-        <p:blipFill>
-          <a:blip r:embed="rId3" cstate="print"/>
-          <a:stretch>
-            <a:fillRect/>
-          </a:stretch>
-        </p:blipFill>
-        <p:spPr>
-          <a:xfrm>
-            <a:off x="7833320" y="2060848"/>
-            <a:ext cx="1209675" cy="1209675"/>
-          </a:xfrm>
-          <a:prstGeom prst="rect">
-            <a:avLst/>
-          </a:prstGeom>
-        </p:spPr>
-      </p:pic>
-      <p:pic>
-        <p:nvPicPr>
-          <p:cNvPr id="5" name="Picture 4" descr="88x31.png"/>
-          <p:cNvPicPr>
-            <a:picLocks noChangeAspect="1"/>
-          </p:cNvPicPr>
-          <p:nvPr/>
-        </p:nvPicPr>
-        <p:blipFill>
-          <a:blip r:embed="rId4" cstate="print"/>
-          <a:stretch>
-            <a:fillRect/>
-          </a:stretch>
-        </p:blipFill>
-        <p:spPr>
-          <a:xfrm>
-            <a:off x="7869324" y="1592796"/>
-            <a:ext cx="1117460" cy="393651"/>
-          </a:xfrm>
-          <a:prstGeom prst="rect">
-            <a:avLst/>
-          </a:prstGeom>
-        </p:spPr>
-      </p:pic>
-    </p:spTree>
-    <p:extLst>
-      <p:ext uri="{BB962C8B-B14F-4D97-AF65-F5344CB8AC3E}">
-        <p14:creationId xmlns:p14="http://schemas.microsoft.com/office/powerpoint/2007/7/12/main" xmlns="" val="1875469109"/>
-      </p:ext>
-    </p:extLst>
-  </p:cSld>
-  <p:clrMapOvr>
-    <a:masterClrMapping/>
-  </p:clrMapOvr>
-  <mc:AlternateContent xmlns:mc="http://schemas.openxmlformats.org/markup-compatibility/2006">
-    <mc:Choice xmlns:p14="http://schemas.microsoft.com/office/powerpoint/2007/7/12/main" xmlns="" Requires="p14">
-      <p:transition spd="slow" p14:dur="2000"/>
-    </mc:Choice>
-    <mc:Fallback>
-      <p:transition spd="slow"/>
-    </mc:Fallback>
-  </mc:AlternateContent>
-  <p:timing>
-    <p:tnLst>
-      <p:par>
-        <p:cTn id="1" dur="indefinite" restart="never" nodeType="tmRoot"/>
-      </p:par>
-    </p:tnLst>
-  </p:timing>
-</p:sld>
-</file>
-
-<file path=ppt/slides/slide20.xml><?xml version="1.0" encoding="utf-8"?>
+<file path=ppt/slides/slide24.xml><?xml version="1.0" encoding="utf-8"?>
 <p:sld xmlns:a="http://schemas.openxmlformats.org/drawingml/2006/main" xmlns:r="http://schemas.openxmlformats.org/officeDocument/2006/relationships" xmlns:p="http://schemas.openxmlformats.org/presentationml/2006/main">
   <p:cSld>
     <p:spTree>
@@ -8629,7 +10084,7 @@
     </p:spTree>
     <p:extLst>
       <p:ext uri="{BB962C8B-B14F-4D97-AF65-F5344CB8AC3E}">
-        <p14:creationId xmlns="" xmlns:p14="http://schemas.microsoft.com/office/powerpoint/2007/7/12/main" val="564663352"/>
+        <p14:creationId xmlns:p14="http://schemas.microsoft.com/office/powerpoint/2007/7/12/main" xmlns="" val="564663352"/>
       </p:ext>
     </p:extLst>
   </p:cSld>
@@ -8907,7 +10362,7 @@
 </p:sld>
 </file>
 
-<file path=ppt/slides/slide21.xml><?xml version="1.0" encoding="utf-8"?>
+<file path=ppt/slides/slide25.xml><?xml version="1.0" encoding="utf-8"?>
 <p:sld xmlns:a="http://schemas.openxmlformats.org/drawingml/2006/main" xmlns:r="http://schemas.openxmlformats.org/officeDocument/2006/relationships" xmlns:p="http://schemas.openxmlformats.org/presentationml/2006/main">
   <p:cSld>
     <p:spTree>
@@ -9090,7 +10545,7 @@
     </p:spTree>
     <p:extLst>
       <p:ext uri="{BB962C8B-B14F-4D97-AF65-F5344CB8AC3E}">
-        <p14:creationId xmlns="" xmlns:p14="http://schemas.microsoft.com/office/powerpoint/2007/7/12/main" val="564663352"/>
+        <p14:creationId xmlns:p14="http://schemas.microsoft.com/office/powerpoint/2007/7/12/main" xmlns="" val="564663352"/>
       </p:ext>
     </p:extLst>
   </p:cSld>
@@ -9368,7 +10823,7 @@
 </p:sld>
 </file>
 
-<file path=ppt/slides/slide22.xml><?xml version="1.0" encoding="utf-8"?>
+<file path=ppt/slides/slide26.xml><?xml version="1.0" encoding="utf-8"?>
 <p:sld xmlns:a="http://schemas.openxmlformats.org/drawingml/2006/main" xmlns:r="http://schemas.openxmlformats.org/officeDocument/2006/relationships" xmlns:p="http://schemas.openxmlformats.org/presentationml/2006/main">
   <p:cSld>
     <p:spTree>
@@ -9527,7 +10982,7 @@
     </p:spTree>
     <p:extLst>
       <p:ext uri="{BB962C8B-B14F-4D97-AF65-F5344CB8AC3E}">
-        <p14:creationId xmlns="" xmlns:p14="http://schemas.microsoft.com/office/powerpoint/2007/7/12/main" val="564663352"/>
+        <p14:creationId xmlns:p14="http://schemas.microsoft.com/office/powerpoint/2007/7/12/main" xmlns="" val="564663352"/>
       </p:ext>
     </p:extLst>
   </p:cSld>
@@ -9805,7 +11260,7 @@
 </p:sld>
 </file>
 
-<file path=ppt/slides/slide23.xml><?xml version="1.0" encoding="utf-8"?>
+<file path=ppt/slides/slide27.xml><?xml version="1.0" encoding="utf-8"?>
 <p:sld xmlns:a="http://schemas.openxmlformats.org/drawingml/2006/main" xmlns:r="http://schemas.openxmlformats.org/officeDocument/2006/relationships" xmlns:p="http://schemas.openxmlformats.org/presentationml/2006/main">
   <p:cSld>
     <p:spTree>
@@ -9892,7 +11347,7 @@
     </p:spTree>
     <p:extLst>
       <p:ext uri="{BB962C8B-B14F-4D97-AF65-F5344CB8AC3E}">
-        <p14:creationId xmlns="" xmlns:p14="http://schemas.microsoft.com/office/powerpoint/2007/7/12/main" val="967988230"/>
+        <p14:creationId xmlns:p14="http://schemas.microsoft.com/office/powerpoint/2007/7/12/main" xmlns="" val="967988230"/>
       </p:ext>
     </p:extLst>
   </p:cSld>
@@ -9900,7 +11355,7 @@
     <a:masterClrMapping/>
   </p:clrMapOvr>
   <mc:AlternateContent xmlns:mc="http://schemas.openxmlformats.org/markup-compatibility/2006">
-    <mc:Choice xmlns="" xmlns:p14="http://schemas.microsoft.com/office/powerpoint/2007/7/12/main" Requires="p14">
+    <mc:Choice xmlns:p14="http://schemas.microsoft.com/office/powerpoint/2007/7/12/main" xmlns="" Requires="p14">
       <p:transition p14:dur="0"/>
     </mc:Choice>
     <mc:Fallback>
@@ -9917,7 +11372,7 @@
 </p:sld>
 </file>
 
-<file path=ppt/slides/slide24.xml><?xml version="1.0" encoding="utf-8"?>
+<file path=ppt/slides/slide28.xml><?xml version="1.0" encoding="utf-8"?>
 <p:sld xmlns:a="http://schemas.openxmlformats.org/drawingml/2006/main" xmlns:r="http://schemas.openxmlformats.org/officeDocument/2006/relationships" xmlns:p="http://schemas.openxmlformats.org/presentationml/2006/main">
   <p:cSld>
     <p:spTree>
@@ -10001,7 +11456,7 @@
     </p:spTree>
     <p:extLst>
       <p:ext uri="{BB962C8B-B14F-4D97-AF65-F5344CB8AC3E}">
-        <p14:creationId xmlns="" xmlns:p14="http://schemas.microsoft.com/office/powerpoint/2007/7/12/main" val="967988230"/>
+        <p14:creationId xmlns:p14="http://schemas.microsoft.com/office/powerpoint/2007/7/12/main" xmlns="" val="967988230"/>
       </p:ext>
     </p:extLst>
   </p:cSld>
@@ -10009,7 +11464,7 @@
     <a:masterClrMapping/>
   </p:clrMapOvr>
   <mc:AlternateContent xmlns:mc="http://schemas.openxmlformats.org/markup-compatibility/2006">
-    <mc:Choice xmlns="" xmlns:p14="http://schemas.microsoft.com/office/powerpoint/2007/7/12/main" Requires="p14">
+    <mc:Choice xmlns:p14="http://schemas.microsoft.com/office/powerpoint/2007/7/12/main" xmlns="" Requires="p14">
       <p:transition p14:dur="0"/>
     </mc:Choice>
     <mc:Fallback>
@@ -10026,7 +11481,7 @@
 </p:sld>
 </file>
 
-<file path=ppt/slides/slide25.xml><?xml version="1.0" encoding="utf-8"?>
+<file path=ppt/slides/slide29.xml><?xml version="1.0" encoding="utf-8"?>
 <p:sld xmlns:a="http://schemas.openxmlformats.org/drawingml/2006/main" xmlns:r="http://schemas.openxmlformats.org/officeDocument/2006/relationships" xmlns:p="http://schemas.openxmlformats.org/presentationml/2006/main">
   <p:cSld>
     <p:spTree>
@@ -10193,7 +11648,7 @@
     </p:spTree>
     <p:extLst>
       <p:ext uri="{BB962C8B-B14F-4D97-AF65-F5344CB8AC3E}">
-        <p14:creationId xmlns="" xmlns:p14="http://schemas.microsoft.com/office/powerpoint/2007/7/12/main" val="564663352"/>
+        <p14:creationId xmlns:p14="http://schemas.microsoft.com/office/powerpoint/2007/7/12/main" xmlns="" val="564663352"/>
       </p:ext>
     </p:extLst>
   </p:cSld>
@@ -10525,7 +11980,188 @@
 </p:sld>
 </file>
 
-<file path=ppt/slides/slide26.xml><?xml version="1.0" encoding="utf-8"?>
+<file path=ppt/slides/slide3.xml><?xml version="1.0" encoding="utf-8"?>
+<p:sld xmlns:a="http://schemas.openxmlformats.org/drawingml/2006/main" xmlns:r="http://schemas.openxmlformats.org/officeDocument/2006/relationships" xmlns:p="http://schemas.openxmlformats.org/presentationml/2006/main">
+  <p:cSld>
+    <p:spTree>
+      <p:nvGrpSpPr>
+        <p:cNvPr id="1" name=""/>
+        <p:cNvGrpSpPr/>
+        <p:nvPr/>
+      </p:nvGrpSpPr>
+      <p:grpSpPr>
+        <a:xfrm>
+          <a:off x="0" y="0"/>
+          <a:ext cx="0" cy="0"/>
+          <a:chOff x="0" y="0"/>
+          <a:chExt cx="0" cy="0"/>
+        </a:xfrm>
+      </p:grpSpPr>
+      <p:sp>
+        <p:nvSpPr>
+          <p:cNvPr id="2" name="Title 1"/>
+          <p:cNvSpPr>
+            <a:spLocks noGrp="1"/>
+          </p:cNvSpPr>
+          <p:nvPr>
+            <p:ph type="title"/>
+          </p:nvPr>
+        </p:nvSpPr>
+        <p:spPr/>
+        <p:txBody>
+          <a:bodyPr/>
+          <a:lstStyle/>
+          <a:p>
+            <a:r>
+              <a:rPr lang="pt-PT" dirty="0" smtClean="0"/>
+              <a:t>Patrocinadores “Silver”</a:t>
+            </a:r>
+            <a:endParaRPr lang="pt-PT" dirty="0"/>
+          </a:p>
+        </p:txBody>
+      </p:sp>
+      <p:pic>
+        <p:nvPicPr>
+          <p:cNvPr id="8" name="Picture 2" descr="F:\NetPonto\Media\Imagens\Patrocinadores\pluralsight-logo-for-sponsorships-large.png">
+            <a:hlinkClick r:id="rId2"/>
+          </p:cNvPr>
+          <p:cNvPicPr>
+            <a:picLocks noChangeAspect="1" noChangeArrowheads="1"/>
+          </p:cNvPicPr>
+          <p:nvPr/>
+        </p:nvPicPr>
+        <p:blipFill>
+          <a:blip r:embed="rId3" cstate="print">
+            <a:extLst>
+              <a:ext uri="{28A0092B-C50C-407E-A947-70E740481C1C}">
+                <a14:useLocalDpi xmlns:a14="http://schemas.microsoft.com/office/drawing/2010/main" xmlns="" val="0"/>
+              </a:ext>
+            </a:extLst>
+          </a:blip>
+          <a:srcRect/>
+          <a:stretch>
+            <a:fillRect/>
+          </a:stretch>
+        </p:blipFill>
+        <p:spPr bwMode="auto">
+          <a:xfrm>
+            <a:off x="5681971" y="4254081"/>
+            <a:ext cx="2641586" cy="770229"/>
+          </a:xfrm>
+          <a:prstGeom prst="rect">
+            <a:avLst/>
+          </a:prstGeom>
+          <a:noFill/>
+          <a:extLst>
+            <a:ext uri="{909E8E84-426E-40DD-AFC4-6F175D3DCCD1}">
+              <a14:hiddenFill xmlns:a14="http://schemas.microsoft.com/office/drawing/2010/main" xmlns="">
+                <a:solidFill>
+                  <a:srgbClr val="FFFFFF"/>
+                </a:solidFill>
+              </a14:hiddenFill>
+            </a:ext>
+          </a:extLst>
+        </p:spPr>
+      </p:pic>
+      <p:pic>
+        <p:nvPicPr>
+          <p:cNvPr id="3" name="Picture 2"/>
+          <p:cNvPicPr>
+            <a:picLocks noChangeAspect="1"/>
+          </p:cNvPicPr>
+          <p:nvPr/>
+        </p:nvPicPr>
+        <p:blipFill>
+          <a:blip r:embed="rId4" cstate="print"/>
+          <a:stretch>
+            <a:fillRect/>
+          </a:stretch>
+        </p:blipFill>
+        <p:spPr>
+          <a:xfrm>
+            <a:off x="5304040" y="2495039"/>
+            <a:ext cx="3397448" cy="714375"/>
+          </a:xfrm>
+          <a:prstGeom prst="rect">
+            <a:avLst/>
+          </a:prstGeom>
+        </p:spPr>
+      </p:pic>
+      <p:pic>
+        <p:nvPicPr>
+          <p:cNvPr id="7" name="Picture 6"/>
+          <p:cNvPicPr>
+            <a:picLocks noChangeAspect="1"/>
+          </p:cNvPicPr>
+          <p:nvPr/>
+        </p:nvPicPr>
+        <p:blipFill>
+          <a:blip r:embed="rId5" cstate="print"/>
+          <a:stretch>
+            <a:fillRect/>
+          </a:stretch>
+        </p:blipFill>
+        <p:spPr>
+          <a:xfrm>
+            <a:off x="1765828" y="2296710"/>
+            <a:ext cx="2641587" cy="1111035"/>
+          </a:xfrm>
+          <a:prstGeom prst="rect">
+            <a:avLst/>
+          </a:prstGeom>
+        </p:spPr>
+      </p:pic>
+      <p:pic>
+        <p:nvPicPr>
+          <p:cNvPr id="9" name="Picture 2" descr="C:\Users\Caio Proiete\Desktop\telerikLogo-web-1124x449px.jpg">
+            <a:hlinkClick r:id="rId6"/>
+          </p:cNvPr>
+          <p:cNvPicPr>
+            <a:picLocks noChangeAspect="1" noChangeArrowheads="1"/>
+          </p:cNvPicPr>
+          <p:nvPr/>
+        </p:nvPicPr>
+        <p:blipFill>
+          <a:blip r:embed="rId7" cstate="print">
+            <a:extLst/>
+          </a:blip>
+          <a:srcRect/>
+          <a:stretch>
+            <a:fillRect/>
+          </a:stretch>
+        </p:blipFill>
+        <p:spPr bwMode="auto">
+          <a:xfrm>
+            <a:off x="1679613" y="3947438"/>
+            <a:ext cx="2814017" cy="1383514"/>
+          </a:xfrm>
+          <a:prstGeom prst="rect">
+            <a:avLst/>
+          </a:prstGeom>
+          <a:extLst/>
+        </p:spPr>
+      </p:pic>
+    </p:spTree>
+    <p:extLst>
+      <p:ext uri="{BB962C8B-B14F-4D97-AF65-F5344CB8AC3E}">
+        <p14:creationId xmlns:p14="http://schemas.microsoft.com/office/powerpoint/2010/main" xmlns="" val="2040477312"/>
+      </p:ext>
+    </p:extLst>
+  </p:cSld>
+  <p:clrMapOvr>
+    <a:masterClrMapping/>
+  </p:clrMapOvr>
+  <p:timing>
+    <p:tnLst>
+      <p:par>
+        <p:cTn id="1" dur="indefinite" restart="never" nodeType="tmRoot"/>
+      </p:par>
+    </p:tnLst>
+  </p:timing>
+</p:sld>
+</file>
+
+<file path=ppt/slides/slide30.xml><?xml version="1.0" encoding="utf-8"?>
 <p:sld xmlns:a="http://schemas.openxmlformats.org/drawingml/2006/main" xmlns:r="http://schemas.openxmlformats.org/officeDocument/2006/relationships" xmlns:p="http://schemas.openxmlformats.org/presentationml/2006/main">
   <p:cSld>
     <p:spTree>
@@ -10815,7 +12451,7 @@
     </p:spTree>
     <p:extLst>
       <p:ext uri="{BB962C8B-B14F-4D97-AF65-F5344CB8AC3E}">
-        <p14:creationId xmlns="" xmlns:p14="http://schemas.microsoft.com/office/powerpoint/2007/7/12/main" val="564663352"/>
+        <p14:creationId xmlns:p14="http://schemas.microsoft.com/office/powerpoint/2007/7/12/main" xmlns="" val="564663352"/>
       </p:ext>
     </p:extLst>
   </p:cSld>
@@ -11099,7 +12735,7 @@
 </p:sld>
 </file>
 
-<file path=ppt/slides/slide27.xml><?xml version="1.0" encoding="utf-8"?>
+<file path=ppt/slides/slide31.xml><?xml version="1.0" encoding="utf-8"?>
 <p:sld xmlns:a="http://schemas.openxmlformats.org/drawingml/2006/main" xmlns:r="http://schemas.openxmlformats.org/officeDocument/2006/relationships" xmlns:p="http://schemas.openxmlformats.org/presentationml/2006/main">
   <p:cSld>
     <p:spTree>
@@ -11459,7 +13095,7 @@
     </p:spTree>
     <p:extLst>
       <p:ext uri="{BB962C8B-B14F-4D97-AF65-F5344CB8AC3E}">
-        <p14:creationId xmlns="" xmlns:p14="http://schemas.microsoft.com/office/powerpoint/2007/7/12/main" val="564663352"/>
+        <p14:creationId xmlns:p14="http://schemas.microsoft.com/office/powerpoint/2007/7/12/main" xmlns="" val="564663352"/>
       </p:ext>
     </p:extLst>
   </p:cSld>
@@ -11476,7 +13112,7 @@
 </p:sld>
 </file>
 
-<file path=ppt/slides/slide28.xml><?xml version="1.0" encoding="utf-8"?>
+<file path=ppt/slides/slide32.xml><?xml version="1.0" encoding="utf-8"?>
 <p:sld xmlns:a="http://schemas.openxmlformats.org/drawingml/2006/main" xmlns:r="http://schemas.openxmlformats.org/officeDocument/2006/relationships" xmlns:p="http://schemas.openxmlformats.org/presentationml/2006/main">
   <p:cSld>
     <p:spTree>
@@ -11661,7 +13297,7 @@
     </p:spTree>
     <p:extLst>
       <p:ext uri="{BB962C8B-B14F-4D97-AF65-F5344CB8AC3E}">
-        <p14:creationId xmlns="" xmlns:p14="http://schemas.microsoft.com/office/powerpoint/2007/7/12/main" val="564663352"/>
+        <p14:creationId xmlns:p14="http://schemas.microsoft.com/office/powerpoint/2007/7/12/main" xmlns="" val="564663352"/>
       </p:ext>
     </p:extLst>
   </p:cSld>
@@ -11877,7 +13513,7 @@
 </p:sld>
 </file>
 
-<file path=ppt/slides/slide29.xml><?xml version="1.0" encoding="utf-8"?>
+<file path=ppt/slides/slide33.xml><?xml version="1.0" encoding="utf-8"?>
 <p:sld xmlns:a="http://schemas.openxmlformats.org/drawingml/2006/main" xmlns:r="http://schemas.openxmlformats.org/officeDocument/2006/relationships" xmlns:p="http://schemas.openxmlformats.org/presentationml/2006/main">
   <p:cSld>
     <p:spTree>
@@ -12751,7 +14387,7 @@
     </p:spTree>
     <p:extLst>
       <p:ext uri="{BB962C8B-B14F-4D97-AF65-F5344CB8AC3E}">
-        <p14:creationId xmlns="" xmlns:p14="http://schemas.microsoft.com/office/powerpoint/2007/7/12/main" val="564663352"/>
+        <p14:creationId xmlns:p14="http://schemas.microsoft.com/office/powerpoint/2007/7/12/main" xmlns="" val="564663352"/>
       </p:ext>
     </p:extLst>
   </p:cSld>
@@ -12768,296 +14404,7 @@
 </p:sld>
 </file>
 
-<file path=ppt/slides/slide3.xml><?xml version="1.0" encoding="utf-8"?>
-<p:sld xmlns:a="http://schemas.openxmlformats.org/drawingml/2006/main" xmlns:r="http://schemas.openxmlformats.org/officeDocument/2006/relationships" xmlns:p="http://schemas.openxmlformats.org/presentationml/2006/main">
-  <p:cSld>
-    <p:spTree>
-      <p:nvGrpSpPr>
-        <p:cNvPr id="1" name=""/>
-        <p:cNvGrpSpPr/>
-        <p:nvPr/>
-      </p:nvGrpSpPr>
-      <p:grpSpPr>
-        <a:xfrm>
-          <a:off x="0" y="0"/>
-          <a:ext cx="0" cy="0"/>
-          <a:chOff x="0" y="0"/>
-          <a:chExt cx="0" cy="0"/>
-        </a:xfrm>
-      </p:grpSpPr>
-      <p:sp>
-        <p:nvSpPr>
-          <p:cNvPr id="6" name="Title 1"/>
-          <p:cNvSpPr>
-            <a:spLocks noGrp="1"/>
-          </p:cNvSpPr>
-          <p:nvPr>
-            <p:ph type="title"/>
-          </p:nvPr>
-        </p:nvSpPr>
-        <p:spPr>
-          <a:xfrm>
-            <a:off x="2871564" y="548680"/>
-            <a:ext cx="4817740" cy="972108"/>
-          </a:xfrm>
-          <a:effectLst/>
-        </p:spPr>
-        <p:txBody>
-          <a:bodyPr>
-            <a:normAutofit/>
-          </a:bodyPr>
-          <a:lstStyle/>
-          <a:p>
-            <a:pPr algn="just"/>
-            <a:r>
-              <a:rPr lang="pt-PT" dirty="0" smtClean="0"/>
-              <a:t>Nuno Cancelo</a:t>
-            </a:r>
-            <a:endParaRPr lang="pt-PT" dirty="0"/>
-          </a:p>
-        </p:txBody>
-      </p:sp>
-      <p:sp>
-        <p:nvSpPr>
-          <p:cNvPr id="7" name="Content Placeholder 2"/>
-          <p:cNvSpPr>
-            <a:spLocks noGrp="1"/>
-          </p:cNvSpPr>
-          <p:nvPr>
-            <p:ph idx="1"/>
-          </p:nvPr>
-        </p:nvSpPr>
-        <p:spPr>
-          <a:xfrm>
-            <a:off x="704528" y="2492896"/>
-            <a:ext cx="8424936" cy="2980927"/>
-          </a:xfrm>
-        </p:spPr>
-        <p:txBody>
-          <a:bodyPr>
-            <a:noAutofit/>
-          </a:bodyPr>
-          <a:lstStyle/>
-          <a:p>
-            <a:pPr marL="0" indent="0">
-              <a:lnSpc>
-                <a:spcPct val="200000"/>
-              </a:lnSpc>
-            </a:pPr>
-            <a:r>
-              <a:rPr lang="pt-PT" sz="2600" dirty="0" smtClean="0"/>
-              <a:t> Licenciado em Eng. Informática e de Computadores (ISEL)</a:t>
-            </a:r>
-          </a:p>
-          <a:p>
-            <a:pPr marL="0" indent="0">
-              <a:lnSpc>
-                <a:spcPct val="200000"/>
-              </a:lnSpc>
-            </a:pPr>
-            <a:r>
-              <a:rPr lang="pt-PT" sz="2800" dirty="0" smtClean="0"/>
-              <a:t> </a:t>
-            </a:r>
-            <a:r>
-              <a:rPr lang="pt-PT" sz="2600" dirty="0" smtClean="0"/>
-              <a:t>Tirar o mestrado em Eng. Informática (ISCTE)</a:t>
-            </a:r>
-          </a:p>
-          <a:p>
-            <a:pPr marL="0" indent="0">
-              <a:lnSpc>
-                <a:spcPct val="200000"/>
-              </a:lnSpc>
-            </a:pPr>
-            <a:r>
-              <a:rPr lang="pt-PT" sz="2800" dirty="0" smtClean="0"/>
-              <a:t> </a:t>
-            </a:r>
-            <a:r>
-              <a:rPr lang="pt-PT" sz="2600" dirty="0" smtClean="0"/>
-              <a:t>Technical Consultant @ CGI </a:t>
-            </a:r>
-          </a:p>
-          <a:p>
-            <a:pPr marL="0" indent="0"/>
-            <a:endParaRPr lang="pt-PT" sz="2800" dirty="0" smtClean="0"/>
-          </a:p>
-          <a:p>
-            <a:pPr marL="0" indent="0"/>
-            <a:endParaRPr lang="pt-PT" sz="2800" dirty="0" smtClean="0"/>
-          </a:p>
-        </p:txBody>
-      </p:sp>
-      <p:pic>
-        <p:nvPicPr>
-          <p:cNvPr id="4" name="Picture 3" descr="DENNIS-THE-MENACE-1.gif"/>
-          <p:cNvPicPr>
-            <a:picLocks noChangeAspect="1"/>
-          </p:cNvPicPr>
-          <p:nvPr/>
-        </p:nvPicPr>
-        <p:blipFill>
-          <a:blip r:embed="rId2" cstate="print"/>
-          <a:stretch>
-            <a:fillRect/>
-          </a:stretch>
-        </p:blipFill>
-        <p:spPr>
-          <a:xfrm>
-            <a:off x="632520" y="548680"/>
-            <a:ext cx="1905000" cy="1905000"/>
-          </a:xfrm>
-          <a:prstGeom prst="rect">
-            <a:avLst/>
-          </a:prstGeom>
-        </p:spPr>
-      </p:pic>
-      <p:pic>
-        <p:nvPicPr>
-          <p:cNvPr id="5" name="Picture 4" descr="Nuno_Cancelo.jpg"/>
-          <p:cNvPicPr>
-            <a:picLocks noChangeAspect="1"/>
-          </p:cNvPicPr>
-          <p:nvPr/>
-        </p:nvPicPr>
-        <p:blipFill>
-          <a:blip r:embed="rId3" cstate="print"/>
-          <a:stretch>
-            <a:fillRect/>
-          </a:stretch>
-        </p:blipFill>
-        <p:spPr>
-          <a:xfrm>
-            <a:off x="7689304" y="4149080"/>
-            <a:ext cx="1463040" cy="1901952"/>
-          </a:xfrm>
-          <a:prstGeom prst="rect">
-            <a:avLst/>
-          </a:prstGeom>
-        </p:spPr>
-      </p:pic>
-      <p:sp>
-        <p:nvSpPr>
-          <p:cNvPr id="8" name="Title 1"/>
-          <p:cNvSpPr txBox="1">
-            <a:spLocks/>
-          </p:cNvSpPr>
-          <p:nvPr/>
-        </p:nvSpPr>
-        <p:spPr>
-          <a:xfrm>
-            <a:off x="2864768" y="1304764"/>
-            <a:ext cx="5393804" cy="566936"/>
-          </a:xfrm>
-          <a:prstGeom prst="rect">
-            <a:avLst/>
-          </a:prstGeom>
-          <a:effectLst/>
-        </p:spPr>
-        <p:txBody>
-          <a:bodyPr vert="horz" lIns="91440" tIns="45720" rIns="91440" bIns="45720" rtlCol="0" anchor="ctr">
-            <a:normAutofit lnSpcReduction="10000"/>
-          </a:bodyPr>
-          <a:lstStyle/>
-          <a:p>
-            <a:pPr marL="0" marR="0" lvl="0" indent="0" defTabSz="914400" rtl="0" eaLnBrk="1" fontAlgn="auto" latinLnBrk="0" hangingPunct="1">
-              <a:lnSpc>
-                <a:spcPct val="100000"/>
-              </a:lnSpc>
-              <a:spcBef>
-                <a:spcPct val="0"/>
-              </a:spcBef>
-              <a:spcAft>
-                <a:spcPts val="0"/>
-              </a:spcAft>
-              <a:buClrTx/>
-              <a:buSzTx/>
-              <a:buFontTx/>
-              <a:buNone/>
-              <a:tabLst/>
-              <a:defRPr/>
-            </a:pPr>
-            <a:r>
-              <a:rPr kumimoji="0" lang="pt-PT" sz="3200" b="1" i="0" u="none" strike="noStrike" kern="1200" cap="none" spc="0" normalizeH="0" baseline="0" noProof="0" dirty="0" smtClean="0">
-                <a:ln>
-                  <a:noFill/>
-                </a:ln>
-                <a:solidFill>
-                  <a:schemeClr val="tx1"/>
-                </a:solidFill>
-                <a:effectLst/>
-                <a:uLnTx/>
-                <a:uFillTx/>
-                <a:latin typeface="+mj-lt"/>
-                <a:ea typeface="+mj-ea"/>
-                <a:cs typeface="+mj-cs"/>
-              </a:rPr>
-              <a:t>Computer</a:t>
-            </a:r>
-            <a:r>
-              <a:rPr kumimoji="0" lang="pt-PT" sz="3200" b="1" i="0" u="none" strike="noStrike" kern="1200" cap="none" spc="0" normalizeH="0" noProof="0" dirty="0" smtClean="0">
-                <a:ln>
-                  <a:noFill/>
-                </a:ln>
-                <a:solidFill>
-                  <a:schemeClr val="tx1"/>
-                </a:solidFill>
-                <a:effectLst/>
-                <a:uLnTx/>
-                <a:uFillTx/>
-                <a:latin typeface="+mj-lt"/>
-                <a:ea typeface="+mj-ea"/>
-                <a:cs typeface="+mj-cs"/>
-              </a:rPr>
-              <a:t> Science Engineer</a:t>
-            </a:r>
-            <a:endParaRPr kumimoji="0" lang="pt-PT" sz="3200" b="1" i="0" u="none" strike="noStrike" kern="1200" cap="none" spc="0" normalizeH="0" baseline="0" noProof="0" dirty="0">
-              <a:ln>
-                <a:noFill/>
-              </a:ln>
-              <a:solidFill>
-                <a:schemeClr val="tx1"/>
-              </a:solidFill>
-              <a:effectLst/>
-              <a:uLnTx/>
-              <a:uFillTx/>
-              <a:latin typeface="+mj-lt"/>
-              <a:ea typeface="+mj-ea"/>
-              <a:cs typeface="+mj-cs"/>
-            </a:endParaRPr>
-          </a:p>
-        </p:txBody>
-      </p:sp>
-    </p:spTree>
-    <p:extLst>
-      <p:ext uri="{BB962C8B-B14F-4D97-AF65-F5344CB8AC3E}">
-        <p14:creationId xmlns="" xmlns:p14="http://schemas.microsoft.com/office/powerpoint/2007/7/12/main" val="1875469109"/>
-      </p:ext>
-    </p:extLst>
-  </p:cSld>
-  <p:clrMapOvr>
-    <a:masterClrMapping/>
-  </p:clrMapOvr>
-  <mc:AlternateContent xmlns:mc="http://schemas.openxmlformats.org/markup-compatibility/2006">
-    <mc:Choice xmlns="" xmlns:p14="http://schemas.microsoft.com/office/powerpoint/2007/7/12/main" Requires="p14">
-      <p:transition spd="slow" p14:dur="2000"/>
-    </mc:Choice>
-    <mc:Fallback>
-      <p:transition spd="slow"/>
-    </mc:Fallback>
-  </mc:AlternateContent>
-  <p:timing>
-    <p:tnLst>
-      <p:par>
-        <p:cTn id="1" dur="indefinite" restart="never" nodeType="tmRoot"/>
-      </p:par>
-    </p:tnLst>
-  </p:timing>
-</p:sld>
-</file>
-
-<file path=ppt/slides/slide30.xml><?xml version="1.0" encoding="utf-8"?>
+<file path=ppt/slides/slide34.xml><?xml version="1.0" encoding="utf-8"?>
 <p:sld xmlns:a="http://schemas.openxmlformats.org/drawingml/2006/main" xmlns:r="http://schemas.openxmlformats.org/officeDocument/2006/relationships" xmlns:p="http://schemas.openxmlformats.org/presentationml/2006/main">
   <p:cSld>
     <p:spTree>
@@ -13230,7 +14577,7 @@
     </p:spTree>
     <p:extLst>
       <p:ext uri="{BB962C8B-B14F-4D97-AF65-F5344CB8AC3E}">
-        <p14:creationId xmlns="" xmlns:p14="http://schemas.microsoft.com/office/powerpoint/2007/7/12/main" val="564663352"/>
+        <p14:creationId xmlns:p14="http://schemas.microsoft.com/office/powerpoint/2007/7/12/main" xmlns="" val="564663352"/>
       </p:ext>
     </p:extLst>
   </p:cSld>
@@ -13420,7 +14767,7 @@
 </p:sld>
 </file>
 
-<file path=ppt/slides/slide31.xml><?xml version="1.0" encoding="utf-8"?>
+<file path=ppt/slides/slide35.xml><?xml version="1.0" encoding="utf-8"?>
 <p:sld xmlns:a="http://schemas.openxmlformats.org/drawingml/2006/main" xmlns:r="http://schemas.openxmlformats.org/officeDocument/2006/relationships" xmlns:p="http://schemas.openxmlformats.org/presentationml/2006/main">
   <p:cSld>
     <p:spTree>
@@ -13917,7 +15264,7 @@
     </p:spTree>
     <p:extLst>
       <p:ext uri="{BB962C8B-B14F-4D97-AF65-F5344CB8AC3E}">
-        <p14:creationId xmlns="" xmlns:p14="http://schemas.microsoft.com/office/powerpoint/2007/7/12/main" val="564663352"/>
+        <p14:creationId xmlns:p14="http://schemas.microsoft.com/office/powerpoint/2007/7/12/main" xmlns="" val="564663352"/>
       </p:ext>
     </p:extLst>
   </p:cSld>
@@ -13934,7 +15281,7 @@
 </p:sld>
 </file>
 
-<file path=ppt/slides/slide32.xml><?xml version="1.0" encoding="utf-8"?>
+<file path=ppt/slides/slide36.xml><?xml version="1.0" encoding="utf-8"?>
 <p:sld xmlns:a="http://schemas.openxmlformats.org/drawingml/2006/main" xmlns:r="http://schemas.openxmlformats.org/officeDocument/2006/relationships" xmlns:p="http://schemas.openxmlformats.org/presentationml/2006/main">
   <p:cSld>
     <p:spTree>
@@ -14105,7 +15452,7 @@
     </p:spTree>
     <p:extLst>
       <p:ext uri="{BB962C8B-B14F-4D97-AF65-F5344CB8AC3E}">
-        <p14:creationId xmlns="" xmlns:p14="http://schemas.microsoft.com/office/powerpoint/2007/7/12/main" val="564663352"/>
+        <p14:creationId xmlns:p14="http://schemas.microsoft.com/office/powerpoint/2007/7/12/main" xmlns="" val="564663352"/>
       </p:ext>
     </p:extLst>
   </p:cSld>
@@ -14401,7 +15748,7 @@
 </p:sld>
 </file>
 
-<file path=ppt/slides/slide33.xml><?xml version="1.0" encoding="utf-8"?>
+<file path=ppt/slides/slide37.xml><?xml version="1.0" encoding="utf-8"?>
 <p:sld xmlns:a="http://schemas.openxmlformats.org/drawingml/2006/main" xmlns:r="http://schemas.openxmlformats.org/officeDocument/2006/relationships" xmlns:p="http://schemas.openxmlformats.org/presentationml/2006/main">
   <p:cSld>
     <p:spTree>
@@ -14566,7 +15913,7 @@
     </p:spTree>
     <p:extLst>
       <p:ext uri="{BB962C8B-B14F-4D97-AF65-F5344CB8AC3E}">
-        <p14:creationId xmlns="" xmlns:p14="http://schemas.microsoft.com/office/powerpoint/2007/7/12/main" val="564663352"/>
+        <p14:creationId xmlns:p14="http://schemas.microsoft.com/office/powerpoint/2007/7/12/main" xmlns="" val="564663352"/>
       </p:ext>
     </p:extLst>
   </p:cSld>
@@ -14862,7 +16209,7 @@
 </p:sld>
 </file>
 
-<file path=ppt/slides/slide34.xml><?xml version="1.0" encoding="utf-8"?>
+<file path=ppt/slides/slide38.xml><?xml version="1.0" encoding="utf-8"?>
 <p:sld xmlns:a="http://schemas.openxmlformats.org/drawingml/2006/main" xmlns:r="http://schemas.openxmlformats.org/officeDocument/2006/relationships" xmlns:p="http://schemas.openxmlformats.org/presentationml/2006/main">
   <p:cSld>
     <p:spTree>
@@ -15049,7 +16396,7 @@
     </p:spTree>
     <p:extLst>
       <p:ext uri="{BB962C8B-B14F-4D97-AF65-F5344CB8AC3E}">
-        <p14:creationId xmlns="" xmlns:p14="http://schemas.microsoft.com/office/powerpoint/2007/7/12/main" val="564663352"/>
+        <p14:creationId xmlns:p14="http://schemas.microsoft.com/office/powerpoint/2007/7/12/main" xmlns="" val="564663352"/>
       </p:ext>
     </p:extLst>
   </p:cSld>
@@ -15376,7 +16723,7 @@
 </p:sld>
 </file>
 
-<file path=ppt/slides/slide35.xml><?xml version="1.0" encoding="utf-8"?>
+<file path=ppt/slides/slide39.xml><?xml version="1.0" encoding="utf-8"?>
 <p:sld xmlns:a="http://schemas.openxmlformats.org/drawingml/2006/main" xmlns:r="http://schemas.openxmlformats.org/officeDocument/2006/relationships" xmlns:p="http://schemas.openxmlformats.org/presentationml/2006/main">
   <p:cSld>
     <p:spTree>
@@ -15463,7 +16810,7 @@
     </p:spTree>
     <p:extLst>
       <p:ext uri="{BB962C8B-B14F-4D97-AF65-F5344CB8AC3E}">
-        <p14:creationId xmlns="" xmlns:p14="http://schemas.microsoft.com/office/powerpoint/2007/7/12/main" val="967988230"/>
+        <p14:creationId xmlns:p14="http://schemas.microsoft.com/office/powerpoint/2007/7/12/main" xmlns="" val="967988230"/>
       </p:ext>
     </p:extLst>
   </p:cSld>
@@ -15471,7 +16818,7 @@
     <a:masterClrMapping/>
   </p:clrMapOvr>
   <mc:AlternateContent xmlns:mc="http://schemas.openxmlformats.org/markup-compatibility/2006">
-    <mc:Choice xmlns="" xmlns:p14="http://schemas.microsoft.com/office/powerpoint/2007/7/12/main" Requires="p14">
+    <mc:Choice xmlns:p14="http://schemas.microsoft.com/office/powerpoint/2007/7/12/main" xmlns="" Requires="p14">
       <p:transition p14:dur="0"/>
     </mc:Choice>
     <mc:Fallback>
@@ -15488,7 +16835,108 @@
 </p:sld>
 </file>
 
-<file path=ppt/slides/slide36.xml><?xml version="1.0" encoding="utf-8"?>
+<file path=ppt/slides/slide4.xml><?xml version="1.0" encoding="utf-8"?>
+<p:sld xmlns:a="http://schemas.openxmlformats.org/drawingml/2006/main" xmlns:r="http://schemas.openxmlformats.org/officeDocument/2006/relationships" xmlns:p="http://schemas.openxmlformats.org/presentationml/2006/main">
+  <p:cSld>
+    <p:spTree>
+      <p:nvGrpSpPr>
+        <p:cNvPr id="1" name=""/>
+        <p:cNvGrpSpPr/>
+        <p:nvPr/>
+      </p:nvGrpSpPr>
+      <p:grpSpPr>
+        <a:xfrm>
+          <a:off x="0" y="0"/>
+          <a:ext cx="0" cy="0"/>
+          <a:chOff x="0" y="0"/>
+          <a:chExt cx="0" cy="0"/>
+        </a:xfrm>
+      </p:grpSpPr>
+      <p:sp>
+        <p:nvSpPr>
+          <p:cNvPr id="2" name="Title 1"/>
+          <p:cNvSpPr>
+            <a:spLocks noGrp="1"/>
+          </p:cNvSpPr>
+          <p:nvPr>
+            <p:ph type="title"/>
+          </p:nvPr>
+        </p:nvSpPr>
+        <p:spPr/>
+        <p:txBody>
+          <a:bodyPr/>
+          <a:lstStyle/>
+          <a:p>
+            <a:r>
+              <a:rPr lang="pt-PT" dirty="0" smtClean="0"/>
+              <a:t>Patrocinadores “Bronze”</a:t>
+            </a:r>
+            <a:endParaRPr lang="pt-PT" dirty="0"/>
+          </a:p>
+        </p:txBody>
+      </p:sp>
+      <p:pic>
+        <p:nvPicPr>
+          <p:cNvPr id="3076" name="Picture 4" descr="http://www.survs.com/about/mediakit/survs_logo_color_large.jpg"/>
+          <p:cNvPicPr>
+            <a:picLocks noChangeAspect="1" noChangeArrowheads="1"/>
+          </p:cNvPicPr>
+          <p:nvPr/>
+        </p:nvPicPr>
+        <p:blipFill>
+          <a:blip r:embed="rId2" cstate="print">
+            <a:extLst>
+              <a:ext uri="{28A0092B-C50C-407E-A947-70E740481C1C}">
+                <a14:useLocalDpi xmlns:a14="http://schemas.microsoft.com/office/drawing/2010/main" xmlns="" val="0"/>
+              </a:ext>
+            </a:extLst>
+          </a:blip>
+          <a:srcRect/>
+          <a:stretch>
+            <a:fillRect/>
+          </a:stretch>
+        </p:blipFill>
+        <p:spPr bwMode="auto">
+          <a:xfrm>
+            <a:off x="3171893" y="2492898"/>
+            <a:ext cx="3360783" cy="1850473"/>
+          </a:xfrm>
+          <a:prstGeom prst="rect">
+            <a:avLst/>
+          </a:prstGeom>
+          <a:noFill/>
+          <a:extLst>
+            <a:ext uri="{909E8E84-426E-40DD-AFC4-6F175D3DCCD1}">
+              <a14:hiddenFill xmlns:a14="http://schemas.microsoft.com/office/drawing/2010/main" xmlns="">
+                <a:solidFill>
+                  <a:srgbClr val="FFFFFF"/>
+                </a:solidFill>
+              </a14:hiddenFill>
+            </a:ext>
+          </a:extLst>
+        </p:spPr>
+      </p:pic>
+    </p:spTree>
+    <p:extLst>
+      <p:ext uri="{BB962C8B-B14F-4D97-AF65-F5344CB8AC3E}">
+        <p14:creationId xmlns:p14="http://schemas.microsoft.com/office/powerpoint/2010/main" xmlns="" val="779863630"/>
+      </p:ext>
+    </p:extLst>
+  </p:cSld>
+  <p:clrMapOvr>
+    <a:masterClrMapping/>
+  </p:clrMapOvr>
+  <p:timing>
+    <p:tnLst>
+      <p:par>
+        <p:cTn id="1" dur="indefinite" restart="never" nodeType="tmRoot"/>
+      </p:par>
+    </p:tnLst>
+  </p:timing>
+</p:sld>
+</file>
+
+<file path=ppt/slides/slide40.xml><?xml version="1.0" encoding="utf-8"?>
 <p:sld xmlns:a="http://schemas.openxmlformats.org/drawingml/2006/main" xmlns:r="http://schemas.openxmlformats.org/officeDocument/2006/relationships" xmlns:p="http://schemas.openxmlformats.org/presentationml/2006/main">
   <p:cSld>
     <p:spTree>
@@ -15572,7 +17020,7 @@
     </p:spTree>
     <p:extLst>
       <p:ext uri="{BB962C8B-B14F-4D97-AF65-F5344CB8AC3E}">
-        <p14:creationId xmlns="" xmlns:p14="http://schemas.microsoft.com/office/powerpoint/2007/7/12/main" val="967988230"/>
+        <p14:creationId xmlns:p14="http://schemas.microsoft.com/office/powerpoint/2007/7/12/main" xmlns="" val="967988230"/>
       </p:ext>
     </p:extLst>
   </p:cSld>
@@ -15580,7 +17028,7 @@
     <a:masterClrMapping/>
   </p:clrMapOvr>
   <mc:AlternateContent xmlns:mc="http://schemas.openxmlformats.org/markup-compatibility/2006">
-    <mc:Choice xmlns="" xmlns:p14="http://schemas.microsoft.com/office/powerpoint/2007/7/12/main" Requires="p14">
+    <mc:Choice xmlns:p14="http://schemas.microsoft.com/office/powerpoint/2007/7/12/main" xmlns="" Requires="p14">
       <p:transition p14:dur="0"/>
     </mc:Choice>
     <mc:Fallback>
@@ -15597,7 +17045,7 @@
 </p:sld>
 </file>
 
-<file path=ppt/slides/slide37.xml><?xml version="1.0" encoding="utf-8"?>
+<file path=ppt/slides/slide41.xml><?xml version="1.0" encoding="utf-8"?>
 <p:sld xmlns:a="http://schemas.openxmlformats.org/drawingml/2006/main" xmlns:r="http://schemas.openxmlformats.org/officeDocument/2006/relationships" xmlns:p="http://schemas.openxmlformats.org/presentationml/2006/main">
   <p:cSld>
     <p:spTree>
@@ -15688,7 +17136,7 @@
 </p:sld>
 </file>
 
-<file path=ppt/slides/slide38.xml><?xml version="1.0" encoding="utf-8"?>
+<file path=ppt/slides/slide42.xml><?xml version="1.0" encoding="utf-8"?>
 <p:sld xmlns:a="http://schemas.openxmlformats.org/drawingml/2006/main" xmlns:r="http://schemas.openxmlformats.org/officeDocument/2006/relationships" xmlns:p="http://schemas.openxmlformats.org/presentationml/2006/main">
   <p:cSld>
     <p:spTree>
@@ -15851,7 +17299,7 @@
     </p:spTree>
     <p:extLst>
       <p:ext uri="{BB962C8B-B14F-4D97-AF65-F5344CB8AC3E}">
-        <p14:creationId xmlns="" xmlns:p14="http://schemas.microsoft.com/office/powerpoint/2007/7/12/main" val="564663352"/>
+        <p14:creationId xmlns:p14="http://schemas.microsoft.com/office/powerpoint/2007/7/12/main" xmlns="" val="564663352"/>
       </p:ext>
     </p:extLst>
   </p:cSld>
@@ -16165,7 +17613,7 @@
 </p:sld>
 </file>
 
-<file path=ppt/slides/slide39.xml><?xml version="1.0" encoding="utf-8"?>
+<file path=ppt/slides/slide43.xml><?xml version="1.0" encoding="utf-8"?>
 <p:sld xmlns:a="http://schemas.openxmlformats.org/drawingml/2006/main" xmlns:r="http://schemas.openxmlformats.org/officeDocument/2006/relationships" xmlns:p="http://schemas.openxmlformats.org/presentationml/2006/main">
   <p:cSld>
     <p:spTree>
@@ -16317,7 +17765,7 @@
     </p:spTree>
     <p:extLst>
       <p:ext uri="{BB962C8B-B14F-4D97-AF65-F5344CB8AC3E}">
-        <p14:creationId xmlns="" xmlns:p14="http://schemas.microsoft.com/office/powerpoint/2007/7/12/main" val="564663352"/>
+        <p14:creationId xmlns:p14="http://schemas.microsoft.com/office/powerpoint/2007/7/12/main" xmlns="" val="564663352"/>
       </p:ext>
     </p:extLst>
   </p:cSld>
@@ -16502,129 +17950,7 @@
 </p:sld>
 </file>
 
-<file path=ppt/slides/slide4.xml><?xml version="1.0" encoding="utf-8"?>
-<p:sld xmlns:a="http://schemas.openxmlformats.org/drawingml/2006/main" xmlns:r="http://schemas.openxmlformats.org/officeDocument/2006/relationships" xmlns:p="http://schemas.openxmlformats.org/presentationml/2006/main">
-  <p:cSld>
-    <p:spTree>
-      <p:nvGrpSpPr>
-        <p:cNvPr id="1" name=""/>
-        <p:cNvGrpSpPr/>
-        <p:nvPr/>
-      </p:nvGrpSpPr>
-      <p:grpSpPr>
-        <a:xfrm>
-          <a:off x="0" y="0"/>
-          <a:ext cx="0" cy="0"/>
-          <a:chOff x="0" y="0"/>
-          <a:chExt cx="0" cy="0"/>
-        </a:xfrm>
-      </p:grpSpPr>
-      <p:sp>
-        <p:nvSpPr>
-          <p:cNvPr id="2" name="Title 1"/>
-          <p:cNvSpPr>
-            <a:spLocks noGrp="1"/>
-          </p:cNvSpPr>
-          <p:nvPr>
-            <p:ph type="title"/>
-          </p:nvPr>
-        </p:nvSpPr>
-        <p:spPr/>
-        <p:txBody>
-          <a:bodyPr/>
-          <a:lstStyle/>
-          <a:p>
-            <a:r>
-              <a:rPr lang="pt-PT" dirty="0" smtClean="0"/>
-              <a:t>Agenda</a:t>
-            </a:r>
-            <a:endParaRPr lang="pt-PT" dirty="0"/>
-          </a:p>
-        </p:txBody>
-      </p:sp>
-      <p:sp>
-        <p:nvSpPr>
-          <p:cNvPr id="4" name="Content Placeholder 3"/>
-          <p:cNvSpPr>
-            <a:spLocks noGrp="1"/>
-          </p:cNvSpPr>
-          <p:nvPr>
-            <p:ph idx="1"/>
-          </p:nvPr>
-        </p:nvSpPr>
-        <p:spPr>
-          <a:xfrm>
-            <a:off x="596516" y="1556792"/>
-            <a:ext cx="8915400" cy="4525963"/>
-          </a:xfrm>
-        </p:spPr>
-        <p:txBody>
-          <a:bodyPr>
-            <a:normAutofit/>
-          </a:bodyPr>
-          <a:lstStyle/>
-          <a:p>
-            <a:r>
-              <a:rPr lang="pt-PT" sz="4000" dirty="0" smtClean="0"/>
-              <a:t>Why Templating</a:t>
-            </a:r>
-          </a:p>
-          <a:p>
-            <a:r>
-              <a:rPr lang="pt-PT" sz="4000" dirty="0" smtClean="0"/>
-              <a:t>NVelocity</a:t>
-            </a:r>
-          </a:p>
-          <a:p>
-            <a:r>
-              <a:rPr lang="pt-PT" sz="4000" dirty="0" smtClean="0"/>
-              <a:t>Sintaxe</a:t>
-            </a:r>
-          </a:p>
-          <a:p>
-            <a:pPr lvl="1"/>
-            <a:r>
-              <a:rPr lang="pt-PT" dirty="0" smtClean="0"/>
-              <a:t>Referências</a:t>
-            </a:r>
-          </a:p>
-          <a:p>
-            <a:pPr lvl="1"/>
-            <a:r>
-              <a:rPr lang="pt-PT" dirty="0" smtClean="0"/>
-              <a:t>Diretivas</a:t>
-            </a:r>
-          </a:p>
-          <a:p>
-            <a:pPr lvl="1"/>
-            <a:r>
-              <a:rPr lang="pt-PT" dirty="0" smtClean="0"/>
-              <a:t>Pontas Soltas</a:t>
-            </a:r>
-          </a:p>
-        </p:txBody>
-      </p:sp>
-    </p:spTree>
-    <p:extLst>
-      <p:ext uri="{BB962C8B-B14F-4D97-AF65-F5344CB8AC3E}">
-        <p14:creationId xmlns="" xmlns:p14="http://schemas.microsoft.com/office/powerpoint/2007/7/12/main" val="242698022"/>
-      </p:ext>
-    </p:extLst>
-  </p:cSld>
-  <p:clrMapOvr>
-    <a:masterClrMapping/>
-  </p:clrMapOvr>
-  <p:timing>
-    <p:tnLst>
-      <p:par>
-        <p:cTn id="1" dur="indefinite" restart="never" nodeType="tmRoot"/>
-      </p:par>
-    </p:tnLst>
-  </p:timing>
-</p:sld>
-</file>
-
-<file path=ppt/slides/slide40.xml><?xml version="1.0" encoding="utf-8"?>
+<file path=ppt/slides/slide44.xml><?xml version="1.0" encoding="utf-8"?>
 <p:sld xmlns:a="http://schemas.openxmlformats.org/drawingml/2006/main" xmlns:r="http://schemas.openxmlformats.org/officeDocument/2006/relationships" xmlns:p="http://schemas.openxmlformats.org/presentationml/2006/main">
   <p:cSld>
     <p:spTree>
@@ -16816,7 +18142,7 @@
     </p:spTree>
     <p:extLst>
       <p:ext uri="{BB962C8B-B14F-4D97-AF65-F5344CB8AC3E}">
-        <p14:creationId xmlns="" xmlns:p14="http://schemas.microsoft.com/office/powerpoint/2007/7/12/main" val="564663352"/>
+        <p14:creationId xmlns:p14="http://schemas.microsoft.com/office/powerpoint/2007/7/12/main" xmlns="" val="564663352"/>
       </p:ext>
     </p:extLst>
   </p:cSld>
@@ -17050,7 +18376,7 @@
 </p:sld>
 </file>
 
-<file path=ppt/slides/slide41.xml><?xml version="1.0" encoding="utf-8"?>
+<file path=ppt/slides/slide45.xml><?xml version="1.0" encoding="utf-8"?>
 <p:sld xmlns:a="http://schemas.openxmlformats.org/drawingml/2006/main" xmlns:r="http://schemas.openxmlformats.org/officeDocument/2006/relationships" xmlns:p="http://schemas.openxmlformats.org/presentationml/2006/main">
   <p:cSld>
     <p:spTree>
@@ -17119,13 +18445,8 @@
             </a:pPr>
             <a:r>
               <a:rPr lang="pt-PT" sz="2800" dirty="0" smtClean="0"/>
-              <a:t>Numero da Iteração através </a:t>
-            </a:r>
-            <a:r>
-              <a:rPr lang="pt-PT" sz="2800" dirty="0" smtClean="0"/>
-              <a:t>$velocityCount</a:t>
-            </a:r>
-            <a:endParaRPr lang="pt-PT" sz="2800" dirty="0" smtClean="0"/>
+              <a:t>Numero da Iteração através $velocityCount</a:t>
+            </a:r>
           </a:p>
           <a:p>
             <a:pPr>
@@ -17157,11 +18478,7 @@
             </a:pPr>
             <a:r>
               <a:rPr lang="pt-PT" sz="1600" dirty="0" smtClean="0"/>
-              <a:t>$Events.get_Item(3</a:t>
-            </a:r>
-            <a:r>
-              <a:rPr lang="pt-PT" sz="1600" dirty="0" smtClean="0"/>
-              <a:t>)</a:t>
+              <a:t>$Events.get_Item(3)</a:t>
             </a:r>
           </a:p>
           <a:p>
@@ -17172,11 +18489,7 @@
             </a:pPr>
             <a:r>
               <a:rPr lang="pt-PT" sz="1600" dirty="0" smtClean="0"/>
-              <a:t>$Events.get_Item(3).</a:t>
-            </a:r>
-            <a:r>
-              <a:rPr lang="pt-PT" sz="1600" dirty="0" smtClean="0"/>
-              <a:t>EventName</a:t>
+              <a:t>$Events.get_Item(3).EventName</a:t>
             </a:r>
           </a:p>
           <a:p>
@@ -17189,7 +18502,6 @@
               <a:rPr lang="pt-PT" sz="1600" dirty="0" smtClean="0"/>
               <a:t>$Events.get_Item(3).EventLocalization</a:t>
             </a:r>
-            <a:endParaRPr lang="pt-PT" sz="1600" dirty="0" smtClean="0"/>
           </a:p>
         </p:txBody>
       </p:sp>
@@ -17230,20 +18542,15 @@
           <a:p>
             <a:r>
               <a:rPr lang="pt-PT" sz="4400" dirty="0" smtClean="0"/>
-              <a:t>VTL </a:t>
-            </a:r>
-            <a:r>
-              <a:rPr lang="pt-PT" sz="4400" dirty="0" smtClean="0"/>
-              <a:t>– Good to Know</a:t>
-            </a:r>
-            <a:endParaRPr lang="pt-PT" sz="4400" dirty="0" smtClean="0"/>
+              <a:t>VTL – Good to Know</a:t>
+            </a:r>
           </a:p>
         </p:txBody>
       </p:sp>
     </p:spTree>
     <p:extLst>
       <p:ext uri="{BB962C8B-B14F-4D97-AF65-F5344CB8AC3E}">
-        <p14:creationId xmlns="" xmlns:p14="http://schemas.microsoft.com/office/powerpoint/2007/7/12/main" val="564663352"/>
+        <p14:creationId xmlns:p14="http://schemas.microsoft.com/office/powerpoint/2007/7/12/main" xmlns="" val="564663352"/>
       </p:ext>
     </p:extLst>
   </p:cSld>
@@ -17508,7 +18815,7 @@
 </p:sld>
 </file>
 
-<file path=ppt/slides/slide42.xml><?xml version="1.0" encoding="utf-8"?>
+<file path=ppt/slides/slide46.xml><?xml version="1.0" encoding="utf-8"?>
 <p:sld xmlns:a="http://schemas.openxmlformats.org/drawingml/2006/main" xmlns:r="http://schemas.openxmlformats.org/officeDocument/2006/relationships" xmlns:p="http://schemas.openxmlformats.org/presentationml/2006/main">
   <p:cSld>
     <p:spTree>
@@ -17659,7 +18966,7 @@
     </p:spTree>
     <p:extLst>
       <p:ext uri="{BB962C8B-B14F-4D97-AF65-F5344CB8AC3E}">
-        <p14:creationId xmlns="" xmlns:p14="http://schemas.microsoft.com/office/powerpoint/2007/7/12/main" val="564663352"/>
+        <p14:creationId xmlns:p14="http://schemas.microsoft.com/office/powerpoint/2007/7/12/main" xmlns="" val="564663352"/>
       </p:ext>
     </p:extLst>
   </p:cSld>
@@ -17991,7 +19298,7 @@
 </p:sld>
 </file>
 
-<file path=ppt/slides/slide43.xml><?xml version="1.0" encoding="utf-8"?>
+<file path=ppt/slides/slide47.xml><?xml version="1.0" encoding="utf-8"?>
 <p:sld xmlns:a="http://schemas.openxmlformats.org/drawingml/2006/main" xmlns:r="http://schemas.openxmlformats.org/officeDocument/2006/relationships" xmlns:p="http://schemas.openxmlformats.org/presentationml/2006/main">
   <p:cSld>
     <p:spTree>
@@ -18030,7 +19337,7 @@
     </p:spTree>
     <p:extLst>
       <p:ext uri="{BB962C8B-B14F-4D97-AF65-F5344CB8AC3E}">
-        <p14:creationId xmlns="" xmlns:p14="http://schemas.microsoft.com/office/powerpoint/2007/7/12/main" val="1125168898"/>
+        <p14:creationId xmlns:p14="http://schemas.microsoft.com/office/powerpoint/2007/7/12/main" xmlns="" val="1125168898"/>
       </p:ext>
     </p:extLst>
   </p:cSld>
@@ -18047,7 +19354,7 @@
 </p:sld>
 </file>
 
-<file path=ppt/slides/slide44.xml><?xml version="1.0" encoding="utf-8"?>
+<file path=ppt/slides/slide48.xml><?xml version="1.0" encoding="utf-8"?>
 <p:sld xmlns:a="http://schemas.openxmlformats.org/drawingml/2006/main" xmlns:r="http://schemas.openxmlformats.org/officeDocument/2006/relationships" xmlns:p="http://schemas.openxmlformats.org/presentationml/2006/main">
   <p:cSld>
     <p:spTree>
@@ -18137,11 +19444,7 @@
             </a:pPr>
             <a:r>
               <a:rPr lang="pt-PT" sz="2400" dirty="0" smtClean="0"/>
-              <a:t>Apache </a:t>
-            </a:r>
-            <a:r>
-              <a:rPr lang="pt-PT" sz="2400" dirty="0" smtClean="0"/>
-              <a:t>Developer Guide  </a:t>
+              <a:t>Apache Developer Guide  </a:t>
             </a:r>
             <a:r>
               <a:rPr lang="pt-PT" sz="1200" dirty="0" smtClean="0"/>
@@ -18185,13 +19488,7 @@
               <a:rPr lang="pt-PT" sz="1800" dirty="0" smtClean="0">
                 <a:hlinkClick r:id="rId4"/>
               </a:rPr>
-              <a:t>http</a:t>
-            </a:r>
-            <a:r>
-              <a:rPr lang="pt-PT" sz="1800" dirty="0" smtClean="0">
-                <a:hlinkClick r:id="rId4"/>
-              </a:rPr>
-              <a:t>://velocity.apache.org/engine/devel/user-guide.html</a:t>
+              <a:t>http://velocity.apache.org/engine/devel/user-guide.html</a:t>
             </a:r>
             <a:r>
               <a:rPr lang="pt-PT" sz="2000" dirty="0" smtClean="0">
@@ -18227,7 +19524,6 @@
               <a:rPr lang="en-US" sz="2000" dirty="0" smtClean="0"/>
               <a:t> </a:t>
             </a:r>
-            <a:endParaRPr lang="en-US" sz="2000" dirty="0" smtClean="0"/>
           </a:p>
           <a:p>
             <a:pPr marL="0" indent="0">
@@ -18266,7 +19562,7 @@
     </p:spTree>
     <p:extLst>
       <p:ext uri="{BB962C8B-B14F-4D97-AF65-F5344CB8AC3E}">
-        <p14:creationId xmlns="" xmlns:p14="http://schemas.microsoft.com/office/powerpoint/2007/7/12/main" val="237563067"/>
+        <p14:creationId xmlns:p14="http://schemas.microsoft.com/office/powerpoint/2007/7/12/main" xmlns="" val="237563067"/>
       </p:ext>
     </p:extLst>
   </p:cSld>
@@ -18283,7 +19579,7 @@
 </p:sld>
 </file>
 
-<file path=ppt/slides/slide45.xml><?xml version="1.0" encoding="utf-8"?>
+<file path=ppt/slides/slide49.xml><?xml version="1.0" encoding="utf-8"?>
 <p:sld xmlns:a="http://schemas.openxmlformats.org/drawingml/2006/main" xmlns:r="http://schemas.openxmlformats.org/officeDocument/2006/relationships" xmlns:p="http://schemas.openxmlformats.org/presentationml/2006/main">
   <p:cSld>
     <p:spTree>
@@ -18317,162 +19613,506 @@
           <a:p>
             <a:r>
               <a:rPr lang="pt-PT" dirty="0" smtClean="0"/>
-              <a:t>Patrocinador desta reunião</a:t>
+              <a:t>Patrocinador “GOLD”</a:t>
             </a:r>
             <a:endParaRPr lang="pt-PT" dirty="0"/>
           </a:p>
         </p:txBody>
       </p:sp>
-      <p:sp>
-        <p:nvSpPr>
-          <p:cNvPr id="6" name="AutoShape 2" descr="https://extranet.novabase.pt/http/0/acura.novabase.intra/irj/servlet/prt/portal/prtroot/com.sap.km.cm.docs/documents/Intranet%20Novabase/Downloads/Normas%20e%20Procedimentos/Comunica%c3%a7%c3%a3o%20e%20Marketing/Log%c3%b3tipo%20e%20outros%20elementos%20gr%c3%a1ficos_files/Logotipo%20Novabase_files/Novabase_logo1.gif"/>
-          <p:cNvSpPr>
-            <a:spLocks noChangeAspect="1" noChangeArrowheads="1"/>
-          </p:cNvSpPr>
+      <p:pic>
+        <p:nvPicPr>
+          <p:cNvPr id="2050" name="Picture 2" descr="F:\Users\Caio Proiete\Desktop\gold-sponsor.png"/>
+          <p:cNvPicPr>
+            <a:picLocks noChangeAspect="1" noChangeArrowheads="1"/>
+          </p:cNvPicPr>
           <p:nvPr/>
-        </p:nvSpPr>
+        </p:nvPicPr>
+        <p:blipFill>
+          <a:blip r:embed="rId2" cstate="print">
+            <a:extLst>
+              <a:ext uri="{28A0092B-C50C-407E-A947-70E740481C1C}">
+                <a14:useLocalDpi xmlns:a14="http://schemas.microsoft.com/office/drawing/2010/main" xmlns="" val="0"/>
+              </a:ext>
+            </a:extLst>
+          </a:blip>
+          <a:stretch>
+            <a:fillRect/>
+          </a:stretch>
+        </p:blipFill>
         <p:spPr bwMode="auto">
           <a:xfrm>
-            <a:off x="63500" y="-136525"/>
-            <a:ext cx="304800" cy="304800"/>
+            <a:off x="7936831" y="190195"/>
+            <a:ext cx="905158" cy="1798647"/>
           </a:xfrm>
           <a:prstGeom prst="rect">
             <a:avLst/>
           </a:prstGeom>
+          <a:noFill/>
           <a:extLst>
-            <a:ext uri="{909E8E84-426E-40dd-AFC4-6F175D3DCCD1}">
-              <a14:hiddenFill xmlns="" xmlns:a14="http://schemas.microsoft.com/office/drawing/2007/7/7/main">
+            <a:ext uri="{909E8E84-426E-40DD-AFC4-6F175D3DCCD1}">
+              <a14:hiddenFill xmlns:a14="http://schemas.microsoft.com/office/drawing/2010/main" xmlns="">
                 <a:solidFill>
-                  <a:srgbClr xmlns:mc="http://schemas.openxmlformats.org/markup-compatibility/2006" val="FFFFFF" mc:Ignorable=""/>
+                  <a:srgbClr val="FFFFFF"/>
                 </a:solidFill>
               </a14:hiddenFill>
             </a:ext>
           </a:extLst>
         </p:spPr>
+      </p:pic>
+      <p:sp>
+        <p:nvSpPr>
+          <p:cNvPr id="5" name="Rectangle 2"/>
+          <p:cNvSpPr txBox="1">
+            <a:spLocks noChangeArrowheads="1"/>
+          </p:cNvSpPr>
+          <p:nvPr/>
+        </p:nvSpPr>
+        <p:spPr>
+          <a:xfrm>
+            <a:off x="1091570" y="4725144"/>
+            <a:ext cx="8145905" cy="940120"/>
+          </a:xfrm>
+          <a:prstGeom prst="rect">
+            <a:avLst/>
+          </a:prstGeom>
+          <a:ln/>
+        </p:spPr>
         <p:txBody>
-          <a:bodyPr vert="horz" wrap="square" lIns="91440" tIns="45720" rIns="91440" bIns="45720" numCol="1" anchor="t" anchorCtr="0" compatLnSpc="1">
-            <a:prstTxWarp prst="textNoShape">
-              <a:avLst/>
-            </a:prstTxWarp>
+          <a:bodyPr vert="horz" lIns="91440" tIns="45720" rIns="91440" bIns="45720" rtlCol="0">
+            <a:normAutofit/>
           </a:bodyPr>
-          <a:lstStyle/>
-          <a:p>
-            <a:endParaRPr lang="pt-PT"/>
+          <a:lstStyle>
+            <a:lvl1pPr marL="342900" indent="-342900" algn="l" defTabSz="914400" rtl="0" eaLnBrk="1" latinLnBrk="0" hangingPunct="1">
+              <a:spcBef>
+                <a:spcPct val="20000"/>
+              </a:spcBef>
+              <a:buFont typeface="Arial" pitchFamily="34" charset="0"/>
+              <a:buChar char="•"/>
+              <a:defRPr sz="4400" kern="1200">
+                <a:solidFill>
+                  <a:schemeClr val="tx1"/>
+                </a:solidFill>
+                <a:latin typeface="+mn-lt"/>
+                <a:ea typeface="+mn-ea"/>
+                <a:cs typeface="+mn-cs"/>
+              </a:defRPr>
+            </a:lvl1pPr>
+            <a:lvl2pPr marL="742950" indent="-285750" algn="l" defTabSz="914400" rtl="0" eaLnBrk="1" latinLnBrk="0" hangingPunct="1">
+              <a:spcBef>
+                <a:spcPct val="20000"/>
+              </a:spcBef>
+              <a:buFont typeface="Arial" pitchFamily="34" charset="0"/>
+              <a:buChar char="–"/>
+              <a:defRPr sz="4000" kern="1200">
+                <a:solidFill>
+                  <a:schemeClr val="tx1"/>
+                </a:solidFill>
+                <a:latin typeface="+mn-lt"/>
+                <a:ea typeface="+mn-ea"/>
+                <a:cs typeface="+mn-cs"/>
+              </a:defRPr>
+            </a:lvl2pPr>
+            <a:lvl3pPr marL="1143000" indent="-228600" algn="l" defTabSz="914400" rtl="0" eaLnBrk="1" latinLnBrk="0" hangingPunct="1">
+              <a:spcBef>
+                <a:spcPct val="20000"/>
+              </a:spcBef>
+              <a:buFont typeface="Arial" pitchFamily="34" charset="0"/>
+              <a:buChar char="•"/>
+              <a:defRPr sz="3600" kern="1200">
+                <a:solidFill>
+                  <a:schemeClr val="tx1"/>
+                </a:solidFill>
+                <a:latin typeface="+mn-lt"/>
+                <a:ea typeface="+mn-ea"/>
+                <a:cs typeface="+mn-cs"/>
+              </a:defRPr>
+            </a:lvl3pPr>
+            <a:lvl4pPr marL="1600200" indent="-228600" algn="l" defTabSz="914400" rtl="0" eaLnBrk="1" latinLnBrk="0" hangingPunct="1">
+              <a:spcBef>
+                <a:spcPct val="20000"/>
+              </a:spcBef>
+              <a:buFont typeface="Arial" pitchFamily="34" charset="0"/>
+              <a:buChar char="–"/>
+              <a:defRPr sz="3200" kern="1200">
+                <a:solidFill>
+                  <a:schemeClr val="tx1"/>
+                </a:solidFill>
+                <a:latin typeface="+mn-lt"/>
+                <a:ea typeface="+mn-ea"/>
+                <a:cs typeface="+mn-cs"/>
+              </a:defRPr>
+            </a:lvl4pPr>
+            <a:lvl5pPr marL="2057400" indent="-228600" algn="l" defTabSz="914400" rtl="0" eaLnBrk="1" latinLnBrk="0" hangingPunct="1">
+              <a:spcBef>
+                <a:spcPct val="20000"/>
+              </a:spcBef>
+              <a:buFont typeface="Arial" pitchFamily="34" charset="0"/>
+              <a:buChar char="»"/>
+              <a:defRPr sz="3200" kern="1200">
+                <a:solidFill>
+                  <a:schemeClr val="tx1"/>
+                </a:solidFill>
+                <a:latin typeface="+mn-lt"/>
+                <a:ea typeface="+mn-ea"/>
+                <a:cs typeface="+mn-cs"/>
+              </a:defRPr>
+            </a:lvl5pPr>
+            <a:lvl6pPr marL="2514600" indent="-228600" algn="l" defTabSz="914400" rtl="0" eaLnBrk="1" latinLnBrk="0" hangingPunct="1">
+              <a:spcBef>
+                <a:spcPct val="20000"/>
+              </a:spcBef>
+              <a:buFont typeface="Arial" pitchFamily="34" charset="0"/>
+              <a:buChar char="•"/>
+              <a:defRPr sz="2000" kern="1200">
+                <a:solidFill>
+                  <a:schemeClr val="tx1"/>
+                </a:solidFill>
+                <a:latin typeface="+mn-lt"/>
+                <a:ea typeface="+mn-ea"/>
+                <a:cs typeface="+mn-cs"/>
+              </a:defRPr>
+            </a:lvl6pPr>
+            <a:lvl7pPr marL="2971800" indent="-228600" algn="l" defTabSz="914400" rtl="0" eaLnBrk="1" latinLnBrk="0" hangingPunct="1">
+              <a:spcBef>
+                <a:spcPct val="20000"/>
+              </a:spcBef>
+              <a:buFont typeface="Arial" pitchFamily="34" charset="0"/>
+              <a:buChar char="•"/>
+              <a:defRPr sz="2000" kern="1200">
+                <a:solidFill>
+                  <a:schemeClr val="tx1"/>
+                </a:solidFill>
+                <a:latin typeface="+mn-lt"/>
+                <a:ea typeface="+mn-ea"/>
+                <a:cs typeface="+mn-cs"/>
+              </a:defRPr>
+            </a:lvl7pPr>
+            <a:lvl8pPr marL="3429000" indent="-228600" algn="l" defTabSz="914400" rtl="0" eaLnBrk="1" latinLnBrk="0" hangingPunct="1">
+              <a:spcBef>
+                <a:spcPct val="20000"/>
+              </a:spcBef>
+              <a:buFont typeface="Arial" pitchFamily="34" charset="0"/>
+              <a:buChar char="•"/>
+              <a:defRPr sz="2000" kern="1200">
+                <a:solidFill>
+                  <a:schemeClr val="tx1"/>
+                </a:solidFill>
+                <a:latin typeface="+mn-lt"/>
+                <a:ea typeface="+mn-ea"/>
+                <a:cs typeface="+mn-cs"/>
+              </a:defRPr>
+            </a:lvl8pPr>
+            <a:lvl9pPr marL="3886200" indent="-228600" algn="l" defTabSz="914400" rtl="0" eaLnBrk="1" latinLnBrk="0" hangingPunct="1">
+              <a:spcBef>
+                <a:spcPct val="20000"/>
+              </a:spcBef>
+              <a:buFont typeface="Arial" pitchFamily="34" charset="0"/>
+              <a:buChar char="•"/>
+              <a:defRPr sz="2000" kern="1200">
+                <a:solidFill>
+                  <a:schemeClr val="tx1"/>
+                </a:solidFill>
+                <a:latin typeface="+mn-lt"/>
+                <a:ea typeface="+mn-ea"/>
+                <a:cs typeface="+mn-cs"/>
+              </a:defRPr>
+            </a:lvl9pPr>
+          </a:lstStyle>
+          <a:p>
+            <a:pPr marL="0" indent="0">
+              <a:buNone/>
+            </a:pPr>
+            <a:r>
+              <a:rPr lang="en-US" sz="3200" dirty="0">
+                <a:effectLst>
+                  <a:outerShdw blurRad="38100" dist="38100" dir="2700000" algn="tl">
+                    <a:srgbClr val="000000">
+                      <a:alpha val="43137"/>
+                    </a:srgbClr>
+                  </a:outerShdw>
+                </a:effectLst>
+                <a:latin typeface="+mj-lt"/>
+                <a:sym typeface="Helvetica Neue" charset="0"/>
+              </a:rPr>
+              <a:t>Twitter: @</a:t>
+            </a:r>
+            <a:r>
+              <a:rPr lang="en-US" sz="3200" dirty="0" err="1">
+                <a:effectLst>
+                  <a:outerShdw blurRad="38100" dist="38100" dir="2700000" algn="tl">
+                    <a:srgbClr val="000000">
+                      <a:alpha val="43137"/>
+                    </a:srgbClr>
+                  </a:outerShdw>
+                </a:effectLst>
+                <a:latin typeface="+mj-lt"/>
+                <a:sym typeface="Helvetica Neue" charset="0"/>
+              </a:rPr>
+              <a:t>PTMicrosoft</a:t>
+            </a:r>
+            <a:endParaRPr lang="en-US" sz="3200" dirty="0">
+              <a:effectLst>
+                <a:outerShdw blurRad="38100" dist="38100" dir="2700000" algn="tl">
+                  <a:srgbClr val="000000">
+                    <a:alpha val="43137"/>
+                  </a:srgbClr>
+                </a:outerShdw>
+              </a:effectLst>
+              <a:latin typeface="+mj-lt"/>
+              <a:sym typeface="Helvetica Neue" charset="0"/>
+            </a:endParaRPr>
           </a:p>
         </p:txBody>
       </p:sp>
       <p:sp>
         <p:nvSpPr>
-          <p:cNvPr id="7" name="AutoShape 4" descr="https://extranet.novabase.pt/http/0/acura.novabase.intra/irj/servlet/prt/portal/prtroot/com.sap.km.cm.docs/documents/Intranet%20Novabase/Downloads/Normas%20e%20Procedimentos/Comunica%c3%a7%c3%a3o%20e%20Marketing/Log%c3%b3tipo%20e%20outros%20elementos%20gr%c3%a1ficos_files/Logotipo%20Novabase_files/Novabase_logo1.gif"/>
-          <p:cNvSpPr>
-            <a:spLocks noChangeAspect="1" noChangeArrowheads="1"/>
+          <p:cNvPr id="6" name="Rectangle 2"/>
+          <p:cNvSpPr txBox="1">
+            <a:spLocks noChangeArrowheads="1"/>
           </p:cNvSpPr>
           <p:nvPr/>
         </p:nvSpPr>
-        <p:spPr bwMode="auto">
+        <p:spPr>
           <a:xfrm>
-            <a:off x="215900" y="15875"/>
-            <a:ext cx="304800" cy="304800"/>
+            <a:off x="1100572" y="5085184"/>
+            <a:ext cx="5333095" cy="794742"/>
           </a:xfrm>
           <a:prstGeom prst="rect">
             <a:avLst/>
           </a:prstGeom>
-          <a:extLst>
-            <a:ext uri="{909E8E84-426E-40dd-AFC4-6F175D3DCCD1}">
-              <a14:hiddenFill xmlns="" xmlns:a14="http://schemas.microsoft.com/office/drawing/2007/7/7/main">
-                <a:solidFill>
-                  <a:srgbClr xmlns:mc="http://schemas.openxmlformats.org/markup-compatibility/2006" val="FFFFFF" mc:Ignorable=""/>
-                </a:solidFill>
-              </a14:hiddenFill>
-            </a:ext>
-          </a:extLst>
+          <a:ln/>
         </p:spPr>
         <p:txBody>
-          <a:bodyPr vert="horz" wrap="square" lIns="91440" tIns="45720" rIns="91440" bIns="45720" numCol="1" anchor="t" anchorCtr="0" compatLnSpc="1">
-            <a:prstTxWarp prst="textNoShape">
-              <a:avLst/>
-            </a:prstTxWarp>
+          <a:bodyPr vert="horz" lIns="91440" tIns="45720" rIns="91440" bIns="45720" rtlCol="0">
+            <a:normAutofit fontScale="92500"/>
           </a:bodyPr>
-          <a:lstStyle/>
-          <a:p>
-            <a:endParaRPr lang="pt-PT"/>
+          <a:lstStyle>
+            <a:lvl1pPr marL="342900" indent="-342900" algn="l" defTabSz="914400" rtl="0" eaLnBrk="1" latinLnBrk="0" hangingPunct="1">
+              <a:spcBef>
+                <a:spcPct val="20000"/>
+              </a:spcBef>
+              <a:buFont typeface="Arial" pitchFamily="34" charset="0"/>
+              <a:buChar char="•"/>
+              <a:defRPr sz="4400" kern="1200">
+                <a:solidFill>
+                  <a:schemeClr val="tx1"/>
+                </a:solidFill>
+                <a:latin typeface="+mn-lt"/>
+                <a:ea typeface="+mn-ea"/>
+                <a:cs typeface="+mn-cs"/>
+              </a:defRPr>
+            </a:lvl1pPr>
+            <a:lvl2pPr marL="742950" indent="-285750" algn="l" defTabSz="914400" rtl="0" eaLnBrk="1" latinLnBrk="0" hangingPunct="1">
+              <a:spcBef>
+                <a:spcPct val="20000"/>
+              </a:spcBef>
+              <a:buFont typeface="Arial" pitchFamily="34" charset="0"/>
+              <a:buChar char="–"/>
+              <a:defRPr sz="4000" kern="1200">
+                <a:solidFill>
+                  <a:schemeClr val="tx1"/>
+                </a:solidFill>
+                <a:latin typeface="+mn-lt"/>
+                <a:ea typeface="+mn-ea"/>
+                <a:cs typeface="+mn-cs"/>
+              </a:defRPr>
+            </a:lvl2pPr>
+            <a:lvl3pPr marL="1143000" indent="-228600" algn="l" defTabSz="914400" rtl="0" eaLnBrk="1" latinLnBrk="0" hangingPunct="1">
+              <a:spcBef>
+                <a:spcPct val="20000"/>
+              </a:spcBef>
+              <a:buFont typeface="Arial" pitchFamily="34" charset="0"/>
+              <a:buChar char="•"/>
+              <a:defRPr sz="3600" kern="1200">
+                <a:solidFill>
+                  <a:schemeClr val="tx1"/>
+                </a:solidFill>
+                <a:latin typeface="+mn-lt"/>
+                <a:ea typeface="+mn-ea"/>
+                <a:cs typeface="+mn-cs"/>
+              </a:defRPr>
+            </a:lvl3pPr>
+            <a:lvl4pPr marL="1600200" indent="-228600" algn="l" defTabSz="914400" rtl="0" eaLnBrk="1" latinLnBrk="0" hangingPunct="1">
+              <a:spcBef>
+                <a:spcPct val="20000"/>
+              </a:spcBef>
+              <a:buFont typeface="Arial" pitchFamily="34" charset="0"/>
+              <a:buChar char="–"/>
+              <a:defRPr sz="3200" kern="1200">
+                <a:solidFill>
+                  <a:schemeClr val="tx1"/>
+                </a:solidFill>
+                <a:latin typeface="+mn-lt"/>
+                <a:ea typeface="+mn-ea"/>
+                <a:cs typeface="+mn-cs"/>
+              </a:defRPr>
+            </a:lvl4pPr>
+            <a:lvl5pPr marL="2057400" indent="-228600" algn="l" defTabSz="914400" rtl="0" eaLnBrk="1" latinLnBrk="0" hangingPunct="1">
+              <a:spcBef>
+                <a:spcPct val="20000"/>
+              </a:spcBef>
+              <a:buFont typeface="Arial" pitchFamily="34" charset="0"/>
+              <a:buChar char="»"/>
+              <a:defRPr sz="3200" kern="1200">
+                <a:solidFill>
+                  <a:schemeClr val="tx1"/>
+                </a:solidFill>
+                <a:latin typeface="+mn-lt"/>
+                <a:ea typeface="+mn-ea"/>
+                <a:cs typeface="+mn-cs"/>
+              </a:defRPr>
+            </a:lvl5pPr>
+            <a:lvl6pPr marL="2514600" indent="-228600" algn="l" defTabSz="914400" rtl="0" eaLnBrk="1" latinLnBrk="0" hangingPunct="1">
+              <a:spcBef>
+                <a:spcPct val="20000"/>
+              </a:spcBef>
+              <a:buFont typeface="Arial" pitchFamily="34" charset="0"/>
+              <a:buChar char="•"/>
+              <a:defRPr sz="2000" kern="1200">
+                <a:solidFill>
+                  <a:schemeClr val="tx1"/>
+                </a:solidFill>
+                <a:latin typeface="+mn-lt"/>
+                <a:ea typeface="+mn-ea"/>
+                <a:cs typeface="+mn-cs"/>
+              </a:defRPr>
+            </a:lvl6pPr>
+            <a:lvl7pPr marL="2971800" indent="-228600" algn="l" defTabSz="914400" rtl="0" eaLnBrk="1" latinLnBrk="0" hangingPunct="1">
+              <a:spcBef>
+                <a:spcPct val="20000"/>
+              </a:spcBef>
+              <a:buFont typeface="Arial" pitchFamily="34" charset="0"/>
+              <a:buChar char="•"/>
+              <a:defRPr sz="2000" kern="1200">
+                <a:solidFill>
+                  <a:schemeClr val="tx1"/>
+                </a:solidFill>
+                <a:latin typeface="+mn-lt"/>
+                <a:ea typeface="+mn-ea"/>
+                <a:cs typeface="+mn-cs"/>
+              </a:defRPr>
+            </a:lvl7pPr>
+            <a:lvl8pPr marL="3429000" indent="-228600" algn="l" defTabSz="914400" rtl="0" eaLnBrk="1" latinLnBrk="0" hangingPunct="1">
+              <a:spcBef>
+                <a:spcPct val="20000"/>
+              </a:spcBef>
+              <a:buFont typeface="Arial" pitchFamily="34" charset="0"/>
+              <a:buChar char="•"/>
+              <a:defRPr sz="2000" kern="1200">
+                <a:solidFill>
+                  <a:schemeClr val="tx1"/>
+                </a:solidFill>
+                <a:latin typeface="+mn-lt"/>
+                <a:ea typeface="+mn-ea"/>
+                <a:cs typeface="+mn-cs"/>
+              </a:defRPr>
+            </a:lvl8pPr>
+            <a:lvl9pPr marL="3886200" indent="-228600" algn="l" defTabSz="914400" rtl="0" eaLnBrk="1" latinLnBrk="0" hangingPunct="1">
+              <a:spcBef>
+                <a:spcPct val="20000"/>
+              </a:spcBef>
+              <a:buFont typeface="Arial" pitchFamily="34" charset="0"/>
+              <a:buChar char="•"/>
+              <a:defRPr sz="2000" kern="1200">
+                <a:solidFill>
+                  <a:schemeClr val="tx1"/>
+                </a:solidFill>
+                <a:latin typeface="+mn-lt"/>
+                <a:ea typeface="+mn-ea"/>
+                <a:cs typeface="+mn-cs"/>
+              </a:defRPr>
+            </a:lvl9pPr>
+          </a:lstStyle>
+          <a:p>
+            <a:pPr marL="0" indent="0">
+              <a:buNone/>
+            </a:pPr>
+            <a:r>
+              <a:rPr lang="en-US" sz="2800" dirty="0">
+                <a:effectLst>
+                  <a:outerShdw blurRad="38100" dist="38100" dir="2700000" algn="tl">
+                    <a:srgbClr val="000000">
+                      <a:alpha val="43137"/>
+                    </a:srgbClr>
+                  </a:outerShdw>
+                </a:effectLst>
+                <a:sym typeface="Helvetica Neue" charset="0"/>
+              </a:rPr>
+              <a:t>http://www.microsoft.com/portugal</a:t>
+            </a:r>
           </a:p>
         </p:txBody>
       </p:sp>
-      <p:sp>
-        <p:nvSpPr>
-          <p:cNvPr id="8" name="AutoShape 6" descr="https://extranet.novabase.pt/http/0/acura.novabase.intra/irj/servlet/prt/portal/prtroot/com.sap.km.cm.docs/documents/Intranet%20Novabase/Downloads/Normas%20e%20Procedimentos/Comunica%c3%a7%c3%a3o%20e%20Marketing/Log%c3%b3tipo%20e%20outros%20elementos%20gr%c3%a1ficos_files/Logotipo%20Novabase_files/Novabase_logo1.gif"/>
-          <p:cNvSpPr>
-            <a:spLocks noChangeAspect="1" noChangeArrowheads="1"/>
-          </p:cNvSpPr>
+      <p:pic>
+        <p:nvPicPr>
+          <p:cNvPr id="7" name="Picture 3">
+            <a:hlinkClick r:id="rId3"/>
+          </p:cNvPr>
+          <p:cNvPicPr>
+            <a:picLocks noChangeAspect="1" noChangeArrowheads="1"/>
+          </p:cNvPicPr>
           <p:nvPr/>
-        </p:nvSpPr>
+        </p:nvPicPr>
+        <p:blipFill>
+          <a:blip r:embed="rId4" cstate="print">
+            <a:extLst>
+              <a:ext uri="{28A0092B-C50C-407E-A947-70E740481C1C}">
+                <a14:useLocalDpi xmlns:a14="http://schemas.microsoft.com/office/drawing/2010/main" xmlns="" val="0"/>
+              </a:ext>
+            </a:extLst>
+          </a:blip>
+          <a:srcRect/>
+          <a:stretch>
+            <a:fillRect/>
+          </a:stretch>
+        </p:blipFill>
         <p:spPr bwMode="auto">
           <a:xfrm>
-            <a:off x="368300" y="168275"/>
-            <a:ext cx="304800" cy="304800"/>
+            <a:off x="1501118" y="2348882"/>
+            <a:ext cx="7017316" cy="1967855"/>
           </a:xfrm>
           <a:prstGeom prst="rect">
             <a:avLst/>
           </a:prstGeom>
+          <a:noFill/>
+          <a:ln>
+            <a:noFill/>
+          </a:ln>
+          <a:effectLst/>
           <a:extLst>
-            <a:ext uri="{909E8E84-426E-40dd-AFC4-6F175D3DCCD1}">
-              <a14:hiddenFill xmlns="" xmlns:a14="http://schemas.microsoft.com/office/drawing/2007/7/7/main">
+            <a:ext uri="{909E8E84-426E-40DD-AFC4-6F175D3DCCD1}">
+              <a14:hiddenFill xmlns:a14="http://schemas.microsoft.com/office/drawing/2010/main" xmlns="">
                 <a:solidFill>
-                  <a:srgbClr xmlns:mc="http://schemas.openxmlformats.org/markup-compatibility/2006" val="FFFFFF" mc:Ignorable=""/>
+                  <a:schemeClr val="accent1"/>
                 </a:solidFill>
               </a14:hiddenFill>
             </a:ext>
+            <a:ext uri="{91240B29-F687-4F45-9708-019B960494DF}">
+              <a14:hiddenLine xmlns:a14="http://schemas.microsoft.com/office/drawing/2010/main" xmlns="" w="9525">
+                <a:solidFill>
+                  <a:schemeClr val="tx1"/>
+                </a:solidFill>
+                <a:miter lim="800000"/>
+                <a:headEnd/>
+                <a:tailEnd/>
+              </a14:hiddenLine>
+            </a:ext>
+            <a:ext uri="{AF507438-7753-43E0-B8FC-AC1667EBCBE1}">
+              <a14:hiddenEffects xmlns:a14="http://schemas.microsoft.com/office/drawing/2010/main" xmlns="">
+                <a:effectLst>
+                  <a:outerShdw dist="35921" dir="2700000" algn="ctr" rotWithShape="0">
+                    <a:schemeClr val="bg2"/>
+                  </a:outerShdw>
+                </a:effectLst>
+              </a14:hiddenEffects>
+            </a:ext>
           </a:extLst>
         </p:spPr>
-        <p:txBody>
-          <a:bodyPr vert="horz" wrap="square" lIns="91440" tIns="45720" rIns="91440" bIns="45720" numCol="1" anchor="t" anchorCtr="0" compatLnSpc="1">
-            <a:prstTxWarp prst="textNoShape">
-              <a:avLst/>
-            </a:prstTxWarp>
-          </a:bodyPr>
-          <a:lstStyle/>
-          <a:p>
-            <a:endParaRPr lang="pt-PT"/>
-          </a:p>
-        </p:txBody>
-      </p:sp>
-      <p:sp>
-        <p:nvSpPr>
-          <p:cNvPr id="9" name="Content Placeholder 2"/>
-          <p:cNvSpPr>
-            <a:spLocks noGrp="1"/>
-          </p:cNvSpPr>
-          <p:nvPr>
-            <p:ph idx="1"/>
-          </p:nvPr>
-        </p:nvSpPr>
-        <p:spPr>
-          <a:xfrm>
-            <a:off x="495300" y="1600201"/>
-            <a:ext cx="8915400" cy="2185989"/>
-          </a:xfrm>
-        </p:spPr>
-        <p:txBody>
-          <a:bodyPr>
-            <a:noAutofit/>
-          </a:bodyPr>
-          <a:lstStyle/>
-          <a:p>
-            <a:pPr marL="0" indent="0">
-              <a:buNone/>
-            </a:pPr>
-            <a:r>
-              <a:rPr lang="pt-PT" sz="2800" dirty="0" smtClean="0"/>
-              <a:t>&lt;Logo do(s) patrocinador(es)&gt;</a:t>
-            </a:r>
-          </a:p>
-        </p:txBody>
-      </p:sp>
+      </p:pic>
     </p:spTree>
     <p:extLst>
       <p:ext uri="{BB962C8B-B14F-4D97-AF65-F5344CB8AC3E}">
-        <p14:creationId xmlns="" xmlns:p14="http://schemas.microsoft.com/office/powerpoint/2007/7/12/main" val="3704673230"/>
+        <p14:creationId xmlns:p14="http://schemas.microsoft.com/office/powerpoint/2010/main" xmlns="" val="4211405270"/>
       </p:ext>
     </p:extLst>
   </p:cSld>
@@ -18489,7 +20129,675 @@
 </p:sld>
 </file>
 
-<file path=ppt/slides/slide46.xml><?xml version="1.0" encoding="utf-8"?>
+<file path=ppt/slides/slide5.xml><?xml version="1.0" encoding="utf-8"?>
+<p:sld xmlns:a="http://schemas.openxmlformats.org/drawingml/2006/main" xmlns:r="http://schemas.openxmlformats.org/officeDocument/2006/relationships" xmlns:p="http://schemas.openxmlformats.org/presentationml/2006/main">
+  <p:cSld>
+    <p:spTree>
+      <p:nvGrpSpPr>
+        <p:cNvPr id="1" name=""/>
+        <p:cNvGrpSpPr/>
+        <p:nvPr/>
+      </p:nvGrpSpPr>
+      <p:grpSpPr>
+        <a:xfrm>
+          <a:off x="0" y="0"/>
+          <a:ext cx="0" cy="0"/>
+          <a:chOff x="0" y="0"/>
+          <a:chExt cx="0" cy="0"/>
+        </a:xfrm>
+      </p:grpSpPr>
+      <p:sp>
+        <p:nvSpPr>
+          <p:cNvPr id="2" name="Title 1"/>
+          <p:cNvSpPr>
+            <a:spLocks noGrp="1"/>
+          </p:cNvSpPr>
+          <p:nvPr>
+            <p:ph type="title"/>
+          </p:nvPr>
+        </p:nvSpPr>
+        <p:spPr/>
+        <p:txBody>
+          <a:bodyPr/>
+          <a:lstStyle/>
+          <a:p>
+            <a:r>
+              <a:rPr lang="pt-PT" dirty="0"/>
+              <a:t>Próximas reuniões presenciais</a:t>
+            </a:r>
+          </a:p>
+        </p:txBody>
+      </p:sp>
+      <p:sp>
+        <p:nvSpPr>
+          <p:cNvPr id="4" name="Content Placeholder 5"/>
+          <p:cNvSpPr>
+            <a:spLocks noGrp="1"/>
+          </p:cNvSpPr>
+          <p:nvPr>
+            <p:ph idx="1"/>
+          </p:nvPr>
+        </p:nvSpPr>
+        <p:spPr>
+          <a:xfrm>
+            <a:off x="681038" y="1825625"/>
+            <a:ext cx="8543925" cy="4351338"/>
+          </a:xfrm>
+        </p:spPr>
+        <p:txBody>
+          <a:bodyPr>
+            <a:noAutofit/>
+          </a:bodyPr>
+          <a:lstStyle/>
+          <a:p>
+            <a:pPr marL="0" indent="0">
+              <a:buNone/>
+            </a:pPr>
+            <a:r>
+              <a:rPr lang="pt-PT" sz="2600" dirty="0" smtClean="0">
+                <a:solidFill>
+                  <a:schemeClr val="bg1">
+                    <a:lumMod val="50000"/>
+                  </a:schemeClr>
+                </a:solidFill>
+              </a:rPr>
+              <a:t>23/11/2013 </a:t>
+            </a:r>
+            <a:r>
+              <a:rPr lang="pt-PT" sz="2600" dirty="0">
+                <a:solidFill>
+                  <a:schemeClr val="bg1">
+                    <a:lumMod val="50000"/>
+                  </a:schemeClr>
+                </a:solidFill>
+              </a:rPr>
+              <a:t>– Novembro (Lisboa)</a:t>
+            </a:r>
+          </a:p>
+          <a:p>
+            <a:pPr marL="0" indent="0">
+              <a:buNone/>
+            </a:pPr>
+            <a:r>
+              <a:rPr lang="pt-PT" sz="2600" dirty="0" smtClean="0"/>
+              <a:t>30/11/2013 </a:t>
+            </a:r>
+            <a:r>
+              <a:rPr lang="pt-PT" sz="2600" dirty="0"/>
+              <a:t>– </a:t>
+            </a:r>
+            <a:r>
+              <a:rPr lang="pt-PT" sz="2600" dirty="0" smtClean="0"/>
+              <a:t>Novembro (Porto)</a:t>
+            </a:r>
+            <a:endParaRPr lang="pt-PT" sz="2600" dirty="0"/>
+          </a:p>
+          <a:p>
+            <a:pPr marL="0" indent="0">
+              <a:buNone/>
+            </a:pPr>
+            <a:r>
+              <a:rPr lang="pt-PT" sz="2600" dirty="0"/>
+              <a:t>14/12/2013 – Dezembro (Lisboa)</a:t>
+            </a:r>
+          </a:p>
+          <a:p>
+            <a:pPr marL="0" indent="0">
+              <a:buNone/>
+            </a:pPr>
+            <a:r>
+              <a:rPr lang="pt-PT" sz="2600" dirty="0"/>
+              <a:t>18/01/2014 – Janeiro (Lisboa)</a:t>
+            </a:r>
+          </a:p>
+          <a:p>
+            <a:pPr marL="0" indent="0">
+              <a:buNone/>
+            </a:pPr>
+            <a:endParaRPr lang="pt-PT" sz="2600" dirty="0"/>
+          </a:p>
+          <a:p>
+            <a:pPr marL="0" indent="0">
+              <a:buNone/>
+            </a:pPr>
+            <a:endParaRPr lang="pt-PT" sz="2600" dirty="0"/>
+          </a:p>
+          <a:p>
+            <a:pPr marL="0" indent="0">
+              <a:buNone/>
+            </a:pPr>
+            <a:r>
+              <a:rPr lang="pt-PT" sz="3494" dirty="0">
+                <a:solidFill>
+                  <a:srgbClr val="0070C0"/>
+                </a:solidFill>
+              </a:rPr>
+              <a:t>Reserva estes dias na agenda! :)</a:t>
+            </a:r>
+          </a:p>
+          <a:p>
+            <a:pPr marL="0" indent="0">
+              <a:buNone/>
+            </a:pPr>
+            <a:r>
+              <a:rPr lang="pt-PT" sz="3494" dirty="0">
+                <a:solidFill>
+                  <a:srgbClr val="0070C0"/>
+                </a:solidFill>
+              </a:rPr>
+              <a:t/>
+            </a:r>
+            <a:br>
+              <a:rPr lang="pt-PT" sz="3494" dirty="0">
+                <a:solidFill>
+                  <a:srgbClr val="0070C0"/>
+                </a:solidFill>
+              </a:rPr>
+            </a:br>
+            <a:endParaRPr lang="pt-PT" sz="3494" dirty="0">
+              <a:solidFill>
+                <a:srgbClr val="0070C0"/>
+              </a:solidFill>
+            </a:endParaRPr>
+          </a:p>
+        </p:txBody>
+      </p:sp>
+    </p:spTree>
+    <p:extLst>
+      <p:ext uri="{BB962C8B-B14F-4D97-AF65-F5344CB8AC3E}">
+        <p14:creationId xmlns:p14="http://schemas.microsoft.com/office/powerpoint/2010/main" xmlns="" val="807882491"/>
+      </p:ext>
+    </p:extLst>
+  </p:cSld>
+  <p:clrMapOvr>
+    <a:masterClrMapping/>
+  </p:clrMapOvr>
+  <p:timing>
+    <p:tnLst>
+      <p:par>
+        <p:cTn id="1" dur="indefinite" restart="never" nodeType="tmRoot"/>
+      </p:par>
+    </p:tnLst>
+  </p:timing>
+</p:sld>
+</file>
+
+<file path=ppt/slides/slide50.xml><?xml version="1.0" encoding="utf-8"?>
+<p:sld xmlns:a="http://schemas.openxmlformats.org/drawingml/2006/main" xmlns:r="http://schemas.openxmlformats.org/officeDocument/2006/relationships" xmlns:p="http://schemas.openxmlformats.org/presentationml/2006/main">
+  <p:cSld>
+    <p:spTree>
+      <p:nvGrpSpPr>
+        <p:cNvPr id="1" name=""/>
+        <p:cNvGrpSpPr/>
+        <p:nvPr/>
+      </p:nvGrpSpPr>
+      <p:grpSpPr>
+        <a:xfrm>
+          <a:off x="0" y="0"/>
+          <a:ext cx="0" cy="0"/>
+          <a:chOff x="0" y="0"/>
+          <a:chExt cx="0" cy="0"/>
+        </a:xfrm>
+      </p:grpSpPr>
+      <p:sp>
+        <p:nvSpPr>
+          <p:cNvPr id="2" name="Title 1"/>
+          <p:cNvSpPr>
+            <a:spLocks noGrp="1"/>
+          </p:cNvSpPr>
+          <p:nvPr>
+            <p:ph type="title"/>
+          </p:nvPr>
+        </p:nvSpPr>
+        <p:spPr/>
+        <p:txBody>
+          <a:bodyPr/>
+          <a:lstStyle/>
+          <a:p>
+            <a:r>
+              <a:rPr lang="pt-PT" dirty="0" smtClean="0"/>
+              <a:t>Patrocinadores “Silver”</a:t>
+            </a:r>
+            <a:endParaRPr lang="pt-PT" dirty="0"/>
+          </a:p>
+        </p:txBody>
+      </p:sp>
+      <p:pic>
+        <p:nvPicPr>
+          <p:cNvPr id="8" name="Picture 2" descr="F:\NetPonto\Media\Imagens\Patrocinadores\pluralsight-logo-for-sponsorships-large.png">
+            <a:hlinkClick r:id="rId2"/>
+          </p:cNvPr>
+          <p:cNvPicPr>
+            <a:picLocks noChangeAspect="1" noChangeArrowheads="1"/>
+          </p:cNvPicPr>
+          <p:nvPr/>
+        </p:nvPicPr>
+        <p:blipFill>
+          <a:blip r:embed="rId3" cstate="print">
+            <a:extLst>
+              <a:ext uri="{28A0092B-C50C-407E-A947-70E740481C1C}">
+                <a14:useLocalDpi xmlns:a14="http://schemas.microsoft.com/office/drawing/2010/main" xmlns="" val="0"/>
+              </a:ext>
+            </a:extLst>
+          </a:blip>
+          <a:srcRect/>
+          <a:stretch>
+            <a:fillRect/>
+          </a:stretch>
+        </p:blipFill>
+        <p:spPr bwMode="auto">
+          <a:xfrm>
+            <a:off x="5681971" y="4254081"/>
+            <a:ext cx="2641586" cy="770229"/>
+          </a:xfrm>
+          <a:prstGeom prst="rect">
+            <a:avLst/>
+          </a:prstGeom>
+          <a:noFill/>
+          <a:extLst>
+            <a:ext uri="{909E8E84-426E-40DD-AFC4-6F175D3DCCD1}">
+              <a14:hiddenFill xmlns:a14="http://schemas.microsoft.com/office/drawing/2010/main" xmlns="">
+                <a:solidFill>
+                  <a:srgbClr val="FFFFFF"/>
+                </a:solidFill>
+              </a14:hiddenFill>
+            </a:ext>
+          </a:extLst>
+        </p:spPr>
+      </p:pic>
+      <p:pic>
+        <p:nvPicPr>
+          <p:cNvPr id="3" name="Picture 2"/>
+          <p:cNvPicPr>
+            <a:picLocks noChangeAspect="1"/>
+          </p:cNvPicPr>
+          <p:nvPr/>
+        </p:nvPicPr>
+        <p:blipFill>
+          <a:blip r:embed="rId4" cstate="print"/>
+          <a:stretch>
+            <a:fillRect/>
+          </a:stretch>
+        </p:blipFill>
+        <p:spPr>
+          <a:xfrm>
+            <a:off x="5304040" y="2495039"/>
+            <a:ext cx="3397448" cy="714375"/>
+          </a:xfrm>
+          <a:prstGeom prst="rect">
+            <a:avLst/>
+          </a:prstGeom>
+        </p:spPr>
+      </p:pic>
+      <p:pic>
+        <p:nvPicPr>
+          <p:cNvPr id="7" name="Picture 6"/>
+          <p:cNvPicPr>
+            <a:picLocks noChangeAspect="1"/>
+          </p:cNvPicPr>
+          <p:nvPr/>
+        </p:nvPicPr>
+        <p:blipFill>
+          <a:blip r:embed="rId5" cstate="print"/>
+          <a:stretch>
+            <a:fillRect/>
+          </a:stretch>
+        </p:blipFill>
+        <p:spPr>
+          <a:xfrm>
+            <a:off x="1765828" y="2296710"/>
+            <a:ext cx="2641587" cy="1111035"/>
+          </a:xfrm>
+          <a:prstGeom prst="rect">
+            <a:avLst/>
+          </a:prstGeom>
+        </p:spPr>
+      </p:pic>
+      <p:pic>
+        <p:nvPicPr>
+          <p:cNvPr id="9" name="Picture 2" descr="C:\Users\Caio Proiete\Desktop\telerikLogo-web-1124x449px.jpg">
+            <a:hlinkClick r:id="rId6"/>
+          </p:cNvPr>
+          <p:cNvPicPr>
+            <a:picLocks noChangeAspect="1" noChangeArrowheads="1"/>
+          </p:cNvPicPr>
+          <p:nvPr/>
+        </p:nvPicPr>
+        <p:blipFill>
+          <a:blip r:embed="rId7" cstate="print">
+            <a:extLst/>
+          </a:blip>
+          <a:srcRect/>
+          <a:stretch>
+            <a:fillRect/>
+          </a:stretch>
+        </p:blipFill>
+        <p:spPr bwMode="auto">
+          <a:xfrm>
+            <a:off x="1679613" y="3947438"/>
+            <a:ext cx="2814017" cy="1383514"/>
+          </a:xfrm>
+          <a:prstGeom prst="rect">
+            <a:avLst/>
+          </a:prstGeom>
+          <a:extLst/>
+        </p:spPr>
+      </p:pic>
+    </p:spTree>
+    <p:extLst>
+      <p:ext uri="{BB962C8B-B14F-4D97-AF65-F5344CB8AC3E}">
+        <p14:creationId xmlns:p14="http://schemas.microsoft.com/office/powerpoint/2010/main" xmlns="" val="2040477312"/>
+      </p:ext>
+    </p:extLst>
+  </p:cSld>
+  <p:clrMapOvr>
+    <a:masterClrMapping/>
+  </p:clrMapOvr>
+  <p:timing>
+    <p:tnLst>
+      <p:par>
+        <p:cTn id="1" dur="indefinite" restart="never" nodeType="tmRoot"/>
+      </p:par>
+    </p:tnLst>
+  </p:timing>
+</p:sld>
+</file>
+
+<file path=ppt/slides/slide51.xml><?xml version="1.0" encoding="utf-8"?>
+<p:sld xmlns:a="http://schemas.openxmlformats.org/drawingml/2006/main" xmlns:r="http://schemas.openxmlformats.org/officeDocument/2006/relationships" xmlns:p="http://schemas.openxmlformats.org/presentationml/2006/main">
+  <p:cSld>
+    <p:spTree>
+      <p:nvGrpSpPr>
+        <p:cNvPr id="1" name=""/>
+        <p:cNvGrpSpPr/>
+        <p:nvPr/>
+      </p:nvGrpSpPr>
+      <p:grpSpPr>
+        <a:xfrm>
+          <a:off x="0" y="0"/>
+          <a:ext cx="0" cy="0"/>
+          <a:chOff x="0" y="0"/>
+          <a:chExt cx="0" cy="0"/>
+        </a:xfrm>
+      </p:grpSpPr>
+      <p:sp>
+        <p:nvSpPr>
+          <p:cNvPr id="2" name="Title 1"/>
+          <p:cNvSpPr>
+            <a:spLocks noGrp="1"/>
+          </p:cNvSpPr>
+          <p:nvPr>
+            <p:ph type="title"/>
+          </p:nvPr>
+        </p:nvSpPr>
+        <p:spPr/>
+        <p:txBody>
+          <a:bodyPr/>
+          <a:lstStyle/>
+          <a:p>
+            <a:r>
+              <a:rPr lang="pt-PT" dirty="0" smtClean="0"/>
+              <a:t>Patrocinadores “Bronze”</a:t>
+            </a:r>
+            <a:endParaRPr lang="pt-PT" dirty="0"/>
+          </a:p>
+        </p:txBody>
+      </p:sp>
+      <p:pic>
+        <p:nvPicPr>
+          <p:cNvPr id="3076" name="Picture 4" descr="http://www.survs.com/about/mediakit/survs_logo_color_large.jpg"/>
+          <p:cNvPicPr>
+            <a:picLocks noChangeAspect="1" noChangeArrowheads="1"/>
+          </p:cNvPicPr>
+          <p:nvPr/>
+        </p:nvPicPr>
+        <p:blipFill>
+          <a:blip r:embed="rId2" cstate="print">
+            <a:extLst>
+              <a:ext uri="{28A0092B-C50C-407E-A947-70E740481C1C}">
+                <a14:useLocalDpi xmlns:a14="http://schemas.microsoft.com/office/drawing/2010/main" xmlns="" val="0"/>
+              </a:ext>
+            </a:extLst>
+          </a:blip>
+          <a:srcRect/>
+          <a:stretch>
+            <a:fillRect/>
+          </a:stretch>
+        </p:blipFill>
+        <p:spPr bwMode="auto">
+          <a:xfrm>
+            <a:off x="3171893" y="2492898"/>
+            <a:ext cx="3360783" cy="1850473"/>
+          </a:xfrm>
+          <a:prstGeom prst="rect">
+            <a:avLst/>
+          </a:prstGeom>
+          <a:noFill/>
+          <a:extLst>
+            <a:ext uri="{909E8E84-426E-40DD-AFC4-6F175D3DCCD1}">
+              <a14:hiddenFill xmlns:a14="http://schemas.microsoft.com/office/drawing/2010/main" xmlns="">
+                <a:solidFill>
+                  <a:srgbClr val="FFFFFF"/>
+                </a:solidFill>
+              </a14:hiddenFill>
+            </a:ext>
+          </a:extLst>
+        </p:spPr>
+      </p:pic>
+    </p:spTree>
+    <p:extLst>
+      <p:ext uri="{BB962C8B-B14F-4D97-AF65-F5344CB8AC3E}">
+        <p14:creationId xmlns:p14="http://schemas.microsoft.com/office/powerpoint/2010/main" xmlns="" val="779863630"/>
+      </p:ext>
+    </p:extLst>
+  </p:cSld>
+  <p:clrMapOvr>
+    <a:masterClrMapping/>
+  </p:clrMapOvr>
+  <p:timing>
+    <p:tnLst>
+      <p:par>
+        <p:cTn id="1" dur="indefinite" restart="never" nodeType="tmRoot"/>
+      </p:par>
+    </p:tnLst>
+  </p:timing>
+</p:sld>
+</file>
+
+<file path=ppt/slides/slide52.xml><?xml version="1.0" encoding="utf-8"?>
+<p:sld xmlns:a="http://schemas.openxmlformats.org/drawingml/2006/main" xmlns:r="http://schemas.openxmlformats.org/officeDocument/2006/relationships" xmlns:p="http://schemas.openxmlformats.org/presentationml/2006/main">
+  <p:cSld>
+    <p:spTree>
+      <p:nvGrpSpPr>
+        <p:cNvPr id="1" name=""/>
+        <p:cNvGrpSpPr/>
+        <p:nvPr/>
+      </p:nvGrpSpPr>
+      <p:grpSpPr>
+        <a:xfrm>
+          <a:off x="0" y="0"/>
+          <a:ext cx="0" cy="0"/>
+          <a:chOff x="0" y="0"/>
+          <a:chExt cx="0" cy="0"/>
+        </a:xfrm>
+      </p:grpSpPr>
+      <p:sp>
+        <p:nvSpPr>
+          <p:cNvPr id="2" name="Title 1"/>
+          <p:cNvSpPr>
+            <a:spLocks noGrp="1"/>
+          </p:cNvSpPr>
+          <p:nvPr>
+            <p:ph type="title"/>
+          </p:nvPr>
+        </p:nvSpPr>
+        <p:spPr/>
+        <p:txBody>
+          <a:bodyPr/>
+          <a:lstStyle/>
+          <a:p>
+            <a:r>
+              <a:rPr lang="pt-PT" dirty="0"/>
+              <a:t>Próximas reuniões presenciais</a:t>
+            </a:r>
+          </a:p>
+        </p:txBody>
+      </p:sp>
+      <p:sp>
+        <p:nvSpPr>
+          <p:cNvPr id="4" name="Content Placeholder 5"/>
+          <p:cNvSpPr>
+            <a:spLocks noGrp="1"/>
+          </p:cNvSpPr>
+          <p:nvPr>
+            <p:ph idx="1"/>
+          </p:nvPr>
+        </p:nvSpPr>
+        <p:spPr>
+          <a:xfrm>
+            <a:off x="681038" y="1825625"/>
+            <a:ext cx="8543925" cy="4351338"/>
+          </a:xfrm>
+        </p:spPr>
+        <p:txBody>
+          <a:bodyPr>
+            <a:noAutofit/>
+          </a:bodyPr>
+          <a:lstStyle/>
+          <a:p>
+            <a:pPr marL="0" indent="0">
+              <a:buNone/>
+            </a:pPr>
+            <a:r>
+              <a:rPr lang="pt-PT" sz="2600" dirty="0" smtClean="0">
+                <a:solidFill>
+                  <a:schemeClr val="bg1">
+                    <a:lumMod val="50000"/>
+                  </a:schemeClr>
+                </a:solidFill>
+              </a:rPr>
+              <a:t>23/11/2013 </a:t>
+            </a:r>
+            <a:r>
+              <a:rPr lang="pt-PT" sz="2600" dirty="0">
+                <a:solidFill>
+                  <a:schemeClr val="bg1">
+                    <a:lumMod val="50000"/>
+                  </a:schemeClr>
+                </a:solidFill>
+              </a:rPr>
+              <a:t>– Novembro (Lisboa)</a:t>
+            </a:r>
+          </a:p>
+          <a:p>
+            <a:pPr marL="0" indent="0">
+              <a:buNone/>
+            </a:pPr>
+            <a:r>
+              <a:rPr lang="pt-PT" sz="2600" dirty="0" smtClean="0"/>
+              <a:t>30/11/2013 </a:t>
+            </a:r>
+            <a:r>
+              <a:rPr lang="pt-PT" sz="2600" dirty="0"/>
+              <a:t>– </a:t>
+            </a:r>
+            <a:r>
+              <a:rPr lang="pt-PT" sz="2600" dirty="0" smtClean="0"/>
+              <a:t>Novembro (Porto)</a:t>
+            </a:r>
+            <a:endParaRPr lang="pt-PT" sz="2600" dirty="0"/>
+          </a:p>
+          <a:p>
+            <a:pPr marL="0" indent="0">
+              <a:buNone/>
+            </a:pPr>
+            <a:r>
+              <a:rPr lang="pt-PT" sz="2600" dirty="0"/>
+              <a:t>14/12/2013 – Dezembro (Lisboa)</a:t>
+            </a:r>
+          </a:p>
+          <a:p>
+            <a:pPr marL="0" indent="0">
+              <a:buNone/>
+            </a:pPr>
+            <a:r>
+              <a:rPr lang="pt-PT" sz="2600" dirty="0"/>
+              <a:t>18/01/2014 – Janeiro (Lisboa)</a:t>
+            </a:r>
+          </a:p>
+          <a:p>
+            <a:pPr marL="0" indent="0">
+              <a:buNone/>
+            </a:pPr>
+            <a:endParaRPr lang="pt-PT" sz="2600" dirty="0"/>
+          </a:p>
+          <a:p>
+            <a:pPr marL="0" indent="0">
+              <a:buNone/>
+            </a:pPr>
+            <a:endParaRPr lang="pt-PT" sz="2600" dirty="0"/>
+          </a:p>
+          <a:p>
+            <a:pPr marL="0" indent="0">
+              <a:buNone/>
+            </a:pPr>
+            <a:r>
+              <a:rPr lang="pt-PT" sz="3494" dirty="0">
+                <a:solidFill>
+                  <a:srgbClr val="0070C0"/>
+                </a:solidFill>
+              </a:rPr>
+              <a:t>Reserva estes dias na agenda! :)</a:t>
+            </a:r>
+          </a:p>
+          <a:p>
+            <a:pPr marL="0" indent="0">
+              <a:buNone/>
+            </a:pPr>
+            <a:r>
+              <a:rPr lang="pt-PT" sz="3494" dirty="0">
+                <a:solidFill>
+                  <a:srgbClr val="0070C0"/>
+                </a:solidFill>
+              </a:rPr>
+              <a:t/>
+            </a:r>
+            <a:br>
+              <a:rPr lang="pt-PT" sz="3494" dirty="0">
+                <a:solidFill>
+                  <a:srgbClr val="0070C0"/>
+                </a:solidFill>
+              </a:rPr>
+            </a:br>
+            <a:endParaRPr lang="pt-PT" sz="3494" dirty="0">
+              <a:solidFill>
+                <a:srgbClr val="0070C0"/>
+              </a:solidFill>
+            </a:endParaRPr>
+          </a:p>
+        </p:txBody>
+      </p:sp>
+    </p:spTree>
+    <p:extLst>
+      <p:ext uri="{BB962C8B-B14F-4D97-AF65-F5344CB8AC3E}">
+        <p14:creationId xmlns:p14="http://schemas.microsoft.com/office/powerpoint/2010/main" xmlns="" val="807882491"/>
+      </p:ext>
+    </p:extLst>
+  </p:cSld>
+  <p:clrMapOvr>
+    <a:masterClrMapping/>
+  </p:clrMapOvr>
+  <p:timing>
+    <p:tnLst>
+      <p:par>
+        <p:cTn id="1" dur="indefinite" restart="never" nodeType="tmRoot"/>
+      </p:par>
+    </p:tnLst>
+  </p:timing>
+</p:sld>
+</file>
+
+<file path=ppt/slides/slide53.xml><?xml version="1.0" encoding="utf-8"?>
 <p:sld xmlns:a="http://schemas.openxmlformats.org/drawingml/2006/main" xmlns:r="http://schemas.openxmlformats.org/officeDocument/2006/relationships" xmlns:p="http://schemas.openxmlformats.org/presentationml/2006/main">
   <p:cSld>
     <p:spTree>
@@ -19088,92 +21396,9 @@
     </p:spTree>
     <p:extLst>
       <p:ext uri="{BB962C8B-B14F-4D97-AF65-F5344CB8AC3E}">
-        <p14:creationId xmlns="" xmlns:p14="http://schemas.microsoft.com/office/powerpoint/2007/7/12/main" val="2914442395"/>
+        <p14:creationId xmlns:p14="http://schemas.microsoft.com/office/powerpoint/2007/7/12/main" xmlns="" val="2914442395"/>
       </p:ext>
     </p:extLst>
-  </p:cSld>
-  <p:clrMapOvr>
-    <a:masterClrMapping/>
-  </p:clrMapOvr>
-  <p:timing>
-    <p:tnLst>
-      <p:par>
-        <p:cTn id="1" dur="indefinite" restart="never" nodeType="tmRoot"/>
-      </p:par>
-    </p:tnLst>
-  </p:timing>
-</p:sld>
-</file>
-
-<file path=ppt/slides/slide5.xml><?xml version="1.0" encoding="utf-8"?>
-<p:sld xmlns:a="http://schemas.openxmlformats.org/drawingml/2006/main" xmlns:r="http://schemas.openxmlformats.org/officeDocument/2006/relationships" xmlns:p="http://schemas.openxmlformats.org/presentationml/2006/main">
-  <p:cSld>
-    <p:spTree>
-      <p:nvGrpSpPr>
-        <p:cNvPr id="1" name=""/>
-        <p:cNvGrpSpPr/>
-        <p:nvPr/>
-      </p:nvGrpSpPr>
-      <p:grpSpPr>
-        <a:xfrm>
-          <a:off x="0" y="0"/>
-          <a:ext cx="0" cy="0"/>
-          <a:chOff x="0" y="0"/>
-          <a:chExt cx="0" cy="0"/>
-        </a:xfrm>
-      </p:grpSpPr>
-      <p:sp>
-        <p:nvSpPr>
-          <p:cNvPr id="2" name="Title 1"/>
-          <p:cNvSpPr>
-            <a:spLocks noGrp="1"/>
-          </p:cNvSpPr>
-          <p:nvPr>
-            <p:ph type="title"/>
-          </p:nvPr>
-        </p:nvSpPr>
-        <p:spPr/>
-        <p:txBody>
-          <a:bodyPr/>
-          <a:lstStyle/>
-          <a:p>
-            <a:endParaRPr lang="pt-PT" dirty="0"/>
-          </a:p>
-        </p:txBody>
-      </p:sp>
-      <p:sp>
-        <p:nvSpPr>
-          <p:cNvPr id="3" name="Content Placeholder 2"/>
-          <p:cNvSpPr>
-            <a:spLocks noGrp="1"/>
-          </p:cNvSpPr>
-          <p:nvPr>
-            <p:ph idx="1"/>
-          </p:nvPr>
-        </p:nvSpPr>
-        <p:spPr>
-          <a:xfrm>
-            <a:off x="1838654" y="2957374"/>
-            <a:ext cx="6228692" cy="943253"/>
-          </a:xfrm>
-        </p:spPr>
-        <p:txBody>
-          <a:bodyPr>
-            <a:normAutofit fontScale="70000" lnSpcReduction="20000"/>
-          </a:bodyPr>
-          <a:lstStyle/>
-          <a:p>
-            <a:pPr>
-              <a:buNone/>
-            </a:pPr>
-            <a:r>
-              <a:rPr lang="pt-PT" sz="9600" dirty="0" smtClean="0"/>
-              <a:t>Why Templating?</a:t>
-            </a:r>
-          </a:p>
-        </p:txBody>
-      </p:sp>
-    </p:spTree>
   </p:cSld>
   <p:clrMapOvr>
     <a:masterClrMapping/>
@@ -19207,7 +21432,7 @@
       </p:grpSpPr>
       <p:sp>
         <p:nvSpPr>
-          <p:cNvPr id="2" name="Title 1"/>
+          <p:cNvPr id="6" name="Title 1"/>
           <p:cNvSpPr>
             <a:spLocks noGrp="1"/>
           </p:cNvSpPr>
@@ -19215,14 +21440,20 @@
             <p:ph type="title"/>
           </p:nvPr>
         </p:nvSpPr>
-        <p:spPr/>
+        <p:spPr>
+          <a:xfrm>
+            <a:off x="495300" y="274638"/>
+            <a:ext cx="8915400" cy="1143000"/>
+          </a:xfrm>
+          <a:effectLst/>
+        </p:spPr>
         <p:txBody>
           <a:bodyPr/>
           <a:lstStyle/>
           <a:p>
             <a:r>
               <a:rPr lang="pt-PT" dirty="0" smtClean="0"/>
-              <a:t>Template</a:t>
+              <a:t>Licença</a:t>
             </a:r>
             <a:endParaRPr lang="pt-PT" dirty="0"/>
           </a:p>
@@ -19230,7 +21461,7 @@
       </p:sp>
       <p:sp>
         <p:nvSpPr>
-          <p:cNvPr id="4" name="Content Placeholder 3"/>
+          <p:cNvPr id="7" name="Content Placeholder 2"/>
           <p:cNvSpPr>
             <a:spLocks noGrp="1"/>
           </p:cNvSpPr>
@@ -19238,242 +21469,208 @@
             <p:ph idx="1"/>
           </p:nvPr>
         </p:nvSpPr>
-        <p:spPr/>
+        <p:spPr>
+          <a:xfrm>
+            <a:off x="495300" y="1600201"/>
+            <a:ext cx="8915400" cy="4817131"/>
+          </a:xfrm>
+        </p:spPr>
         <p:txBody>
           <a:bodyPr>
             <a:noAutofit/>
           </a:bodyPr>
           <a:lstStyle/>
           <a:p>
-            <a:pPr lvl="1">
-              <a:lnSpc>
-                <a:spcPct val="200000"/>
-              </a:lnSpc>
+            <a:pPr marL="0" indent="0">
+              <a:buNone/>
             </a:pPr>
             <a:r>
-              <a:rPr lang="pt-PT" sz="3200" dirty="0" smtClean="0"/>
-              <a:t>Utilizado desde o início dos tempos</a:t>
-            </a:r>
-          </a:p>
-          <a:p>
-            <a:pPr lvl="1">
-              <a:lnSpc>
-                <a:spcPct val="200000"/>
-              </a:lnSpc>
+              <a:rPr lang="pt-PT" sz="2800" b="1" u="sng" dirty="0" smtClean="0">
+                <a:solidFill>
+                  <a:srgbClr val="008000"/>
+                </a:solidFill>
+              </a:rPr>
+              <a:t>Attribution 3.0 Unported</a:t>
+            </a:r>
+          </a:p>
+          <a:p>
+            <a:pPr>
+              <a:buNone/>
             </a:pPr>
             <a:r>
-              <a:rPr lang="pt-PT" sz="3200" dirty="0" smtClean="0"/>
-              <a:t>Em diversas áreas</a:t>
-            </a:r>
-          </a:p>
-          <a:p>
-            <a:pPr lvl="1">
-              <a:lnSpc>
-                <a:spcPct val="200000"/>
-              </a:lnSpc>
+              <a:rPr lang="en-US" sz="2800" b="1" dirty="0" smtClean="0">
+                <a:solidFill>
+                  <a:schemeClr val="accent3">
+                    <a:lumMod val="50000"/>
+                  </a:schemeClr>
+                </a:solidFill>
+              </a:rPr>
+              <a:t>You are free:</a:t>
+            </a:r>
+          </a:p>
+          <a:p>
+            <a:r>
+              <a:rPr lang="en-US" sz="2600" b="1" dirty="0" smtClean="0"/>
+              <a:t>to Share</a:t>
+            </a:r>
+            <a:r>
+              <a:rPr lang="en-US" sz="2600" dirty="0" smtClean="0"/>
+              <a:t> -</a:t>
+            </a:r>
+            <a:r>
+              <a:rPr lang="en-US" sz="2800" dirty="0" smtClean="0"/>
+              <a:t> </a:t>
+            </a:r>
+            <a:r>
+              <a:rPr lang="en-US" sz="2400" dirty="0" smtClean="0"/>
+              <a:t>to copy, distribute and transmit the work</a:t>
+            </a:r>
+          </a:p>
+          <a:p>
+            <a:r>
+              <a:rPr lang="en-US" sz="2600" b="1" dirty="0" smtClean="0"/>
+              <a:t>to Remix</a:t>
+            </a:r>
+            <a:r>
+              <a:rPr lang="en-US" sz="2600" dirty="0" smtClean="0"/>
+              <a:t> -</a:t>
+            </a:r>
+            <a:r>
+              <a:rPr lang="en-US" sz="2800" dirty="0" smtClean="0"/>
+              <a:t> </a:t>
+            </a:r>
+            <a:r>
+              <a:rPr lang="en-US" sz="2400" dirty="0" smtClean="0"/>
+              <a:t>to adapt the work to make commercial use of the work</a:t>
+            </a:r>
+          </a:p>
+          <a:p>
+            <a:endParaRPr lang="en-US" sz="2400" dirty="0" smtClean="0"/>
+          </a:p>
+          <a:p>
+            <a:pPr>
+              <a:buNone/>
             </a:pPr>
             <a:r>
-              <a:rPr lang="pt-PT" sz="3200" dirty="0" smtClean="0"/>
-              <a:t>Em todas as empresas</a:t>
-            </a:r>
-          </a:p>
-          <a:p>
-            <a:pPr lvl="1">
-              <a:lnSpc>
-                <a:spcPct val="200000"/>
-              </a:lnSpc>
+              <a:rPr lang="pt-PT" sz="2800" b="1" dirty="0" smtClean="0">
+                <a:solidFill>
+                  <a:schemeClr val="accent3">
+                    <a:lumMod val="50000"/>
+                  </a:schemeClr>
+                </a:solidFill>
+              </a:rPr>
+              <a:t>Under the following conditions:</a:t>
+            </a:r>
+          </a:p>
+          <a:p>
+            <a:pPr>
+              <a:buNone/>
             </a:pPr>
             <a:r>
-              <a:rPr lang="pt-PT" sz="3200" dirty="0" smtClean="0"/>
-              <a:t>É a identificação de um padrão</a:t>
-            </a:r>
+              <a:rPr lang="en-US" sz="2400" b="1" dirty="0" smtClean="0"/>
+              <a:t>Attribution</a:t>
+            </a:r>
+            <a:r>
+              <a:rPr lang="en-US" sz="2400" dirty="0" smtClean="0"/>
+              <a:t> — You must attribute the work in the manner specified by the author or licensor (but not in any way that suggests that they endorse you or your use of the work)</a:t>
+            </a:r>
+          </a:p>
+          <a:p>
+            <a:pPr marL="0" indent="0">
+              <a:buNone/>
+            </a:pPr>
+            <a:endParaRPr lang="pt-PT" sz="1200" dirty="0" smtClean="0"/>
+          </a:p>
+          <a:p>
+            <a:pPr marL="0" indent="0">
+              <a:buNone/>
+            </a:pPr>
+            <a:r>
+              <a:rPr lang="pt-PT" sz="1200" dirty="0" smtClean="0"/>
+              <a:t>Source: </a:t>
+            </a:r>
+            <a:r>
+              <a:rPr lang="pt-PT" sz="1200" dirty="0" smtClean="0">
+                <a:hlinkClick r:id="rId2"/>
+              </a:rPr>
+              <a:t>http://creativecommons.org/licenses/by/3.0/</a:t>
+            </a:r>
+            <a:endParaRPr lang="pt-PT" sz="1200" dirty="0" smtClean="0"/>
           </a:p>
         </p:txBody>
       </p:sp>
+      <p:pic>
+        <p:nvPicPr>
+          <p:cNvPr id="4" name="Picture 3" descr="seal.png"/>
+          <p:cNvPicPr>
+            <a:picLocks noChangeAspect="1"/>
+          </p:cNvPicPr>
+          <p:nvPr/>
+        </p:nvPicPr>
+        <p:blipFill>
+          <a:blip r:embed="rId3" cstate="print"/>
+          <a:stretch>
+            <a:fillRect/>
+          </a:stretch>
+        </p:blipFill>
+        <p:spPr>
+          <a:xfrm>
+            <a:off x="7833320" y="2060848"/>
+            <a:ext cx="1209675" cy="1209675"/>
+          </a:xfrm>
+          <a:prstGeom prst="rect">
+            <a:avLst/>
+          </a:prstGeom>
+        </p:spPr>
+      </p:pic>
+      <p:pic>
+        <p:nvPicPr>
+          <p:cNvPr id="5" name="Picture 4" descr="88x31.png"/>
+          <p:cNvPicPr>
+            <a:picLocks noChangeAspect="1"/>
+          </p:cNvPicPr>
+          <p:nvPr/>
+        </p:nvPicPr>
+        <p:blipFill>
+          <a:blip r:embed="rId4" cstate="print"/>
+          <a:stretch>
+            <a:fillRect/>
+          </a:stretch>
+        </p:blipFill>
+        <p:spPr>
+          <a:xfrm>
+            <a:off x="7869324" y="1592796"/>
+            <a:ext cx="1117460" cy="393651"/>
+          </a:xfrm>
+          <a:prstGeom prst="rect">
+            <a:avLst/>
+          </a:prstGeom>
+        </p:spPr>
+      </p:pic>
     </p:spTree>
     <p:extLst>
       <p:ext uri="{BB962C8B-B14F-4D97-AF65-F5344CB8AC3E}">
-        <p14:creationId xmlns="" xmlns:p14="http://schemas.microsoft.com/office/powerpoint/2007/7/12/main" val="564663352"/>
+        <p14:creationId xmlns="" xmlns:p14="http://schemas.microsoft.com/office/powerpoint/2007/7/12/main" val="1875469109"/>
       </p:ext>
     </p:extLst>
   </p:cSld>
   <p:clrMapOvr>
     <a:masterClrMapping/>
   </p:clrMapOvr>
+  <mc:AlternateContent xmlns:mc="http://schemas.openxmlformats.org/markup-compatibility/2006">
+    <mc:Choice xmlns="" xmlns:p14="http://schemas.microsoft.com/office/powerpoint/2007/7/12/main" Requires="p14">
+      <p:transition spd="slow" p14:dur="2000"/>
+    </mc:Choice>
+    <mc:Fallback>
+      <p:transition spd="slow"/>
+    </mc:Fallback>
+  </mc:AlternateContent>
   <p:timing>
     <p:tnLst>
       <p:par>
-        <p:cTn id="1" dur="indefinite" restart="never" nodeType="tmRoot">
-          <p:childTnLst>
-            <p:seq concurrent="1" nextAc="seek">
-              <p:cTn id="2" dur="indefinite" nodeType="mainSeq">
-                <p:childTnLst>
-                  <p:par>
-                    <p:cTn id="3" fill="hold">
-                      <p:stCondLst>
-                        <p:cond delay="indefinite"/>
-                      </p:stCondLst>
-                      <p:childTnLst>
-                        <p:par>
-                          <p:cTn id="4" fill="hold">
-                            <p:stCondLst>
-                              <p:cond delay="0"/>
-                            </p:stCondLst>
-                            <p:childTnLst>
-                              <p:par>
-                                <p:cTn id="5" presetID="1" presetClass="entr" presetSubtype="0" fill="hold" grpId="0" nodeType="clickEffect">
-                                  <p:stCondLst>
-                                    <p:cond delay="0"/>
-                                  </p:stCondLst>
-                                  <p:childTnLst>
-                                    <p:set>
-                                      <p:cBhvr>
-                                        <p:cTn id="6" dur="1" fill="hold">
-                                          <p:stCondLst>
-                                            <p:cond delay="0"/>
-                                          </p:stCondLst>
-                                        </p:cTn>
-                                        <p:tgtEl>
-                                          <p:spTgt spid="4">
-                                            <p:txEl>
-                                              <p:pRg st="0" end="0"/>
-                                            </p:txEl>
-                                          </p:spTgt>
-                                        </p:tgtEl>
-                                        <p:attrNameLst>
-                                          <p:attrName>style.visibility</p:attrName>
-                                        </p:attrNameLst>
-                                      </p:cBhvr>
-                                      <p:to>
-                                        <p:strVal val="visible"/>
-                                      </p:to>
-                                    </p:set>
-                                  </p:childTnLst>
-                                </p:cTn>
-                              </p:par>
-                              <p:par>
-                                <p:cTn id="7" presetID="1" presetClass="entr" presetSubtype="0" fill="hold" grpId="0" nodeType="withEffect">
-                                  <p:stCondLst>
-                                    <p:cond delay="0"/>
-                                  </p:stCondLst>
-                                  <p:childTnLst>
-                                    <p:set>
-                                      <p:cBhvr>
-                                        <p:cTn id="8" dur="1" fill="hold">
-                                          <p:stCondLst>
-                                            <p:cond delay="0"/>
-                                          </p:stCondLst>
-                                        </p:cTn>
-                                        <p:tgtEl>
-                                          <p:spTgt spid="4">
-                                            <p:txEl>
-                                              <p:pRg st="1" end="1"/>
-                                            </p:txEl>
-                                          </p:spTgt>
-                                        </p:tgtEl>
-                                        <p:attrNameLst>
-                                          <p:attrName>style.visibility</p:attrName>
-                                        </p:attrNameLst>
-                                      </p:cBhvr>
-                                      <p:to>
-                                        <p:strVal val="visible"/>
-                                      </p:to>
-                                    </p:set>
-                                  </p:childTnLst>
-                                </p:cTn>
-                              </p:par>
-                              <p:par>
-                                <p:cTn id="9" presetID="1" presetClass="entr" presetSubtype="0" fill="hold" grpId="0" nodeType="withEffect">
-                                  <p:stCondLst>
-                                    <p:cond delay="0"/>
-                                  </p:stCondLst>
-                                  <p:childTnLst>
-                                    <p:set>
-                                      <p:cBhvr>
-                                        <p:cTn id="10" dur="1" fill="hold">
-                                          <p:stCondLst>
-                                            <p:cond delay="0"/>
-                                          </p:stCondLst>
-                                        </p:cTn>
-                                        <p:tgtEl>
-                                          <p:spTgt spid="4">
-                                            <p:txEl>
-                                              <p:pRg st="2" end="2"/>
-                                            </p:txEl>
-                                          </p:spTgt>
-                                        </p:tgtEl>
-                                        <p:attrNameLst>
-                                          <p:attrName>style.visibility</p:attrName>
-                                        </p:attrNameLst>
-                                      </p:cBhvr>
-                                      <p:to>
-                                        <p:strVal val="visible"/>
-                                      </p:to>
-                                    </p:set>
-                                  </p:childTnLst>
-                                </p:cTn>
-                              </p:par>
-                              <p:par>
-                                <p:cTn id="11" presetID="1" presetClass="entr" presetSubtype="0" fill="hold" grpId="0" nodeType="withEffect">
-                                  <p:stCondLst>
-                                    <p:cond delay="0"/>
-                                  </p:stCondLst>
-                                  <p:childTnLst>
-                                    <p:set>
-                                      <p:cBhvr>
-                                        <p:cTn id="12" dur="1" fill="hold">
-                                          <p:stCondLst>
-                                            <p:cond delay="0"/>
-                                          </p:stCondLst>
-                                        </p:cTn>
-                                        <p:tgtEl>
-                                          <p:spTgt spid="4">
-                                            <p:txEl>
-                                              <p:pRg st="3" end="3"/>
-                                            </p:txEl>
-                                          </p:spTgt>
-                                        </p:tgtEl>
-                                        <p:attrNameLst>
-                                          <p:attrName>style.visibility</p:attrName>
-                                        </p:attrNameLst>
-                                      </p:cBhvr>
-                                      <p:to>
-                                        <p:strVal val="visible"/>
-                                      </p:to>
-                                    </p:set>
-                                  </p:childTnLst>
-                                </p:cTn>
-                              </p:par>
-                            </p:childTnLst>
-                          </p:cTn>
-                        </p:par>
-                      </p:childTnLst>
-                    </p:cTn>
-                  </p:par>
-                </p:childTnLst>
-              </p:cTn>
-              <p:prevCondLst>
-                <p:cond evt="onPrev" delay="0">
-                  <p:tgtEl>
-                    <p:sldTgt/>
-                  </p:tgtEl>
-                </p:cond>
-              </p:prevCondLst>
-              <p:nextCondLst>
-                <p:cond evt="onNext" delay="0">
-                  <p:tgtEl>
-                    <p:sldTgt/>
-                  </p:tgtEl>
-                </p:cond>
-              </p:nextCondLst>
-            </p:seq>
-          </p:childTnLst>
-        </p:cTn>
+        <p:cTn id="1" dur="indefinite" restart="never" nodeType="tmRoot"/>
       </p:par>
     </p:tnLst>
-    <p:bldLst>
-      <p:bldP spid="4" grpId="0" build="p"/>
-    </p:bldLst>
   </p:timing>
 </p:sld>
 </file>
@@ -19497,7 +21694,7 @@
       </p:grpSpPr>
       <p:sp>
         <p:nvSpPr>
-          <p:cNvPr id="2" name="Title 1"/>
+          <p:cNvPr id="6" name="Title 1"/>
           <p:cNvSpPr>
             <a:spLocks noGrp="1"/>
           </p:cNvSpPr>
@@ -19505,14 +21702,23 @@
             <p:ph type="title"/>
           </p:nvPr>
         </p:nvSpPr>
-        <p:spPr/>
+        <p:spPr>
+          <a:xfrm>
+            <a:off x="2871564" y="548680"/>
+            <a:ext cx="4817740" cy="972108"/>
+          </a:xfrm>
+          <a:effectLst/>
+        </p:spPr>
         <p:txBody>
-          <a:bodyPr/>
+          <a:bodyPr>
+            <a:normAutofit/>
+          </a:bodyPr>
           <a:lstStyle/>
           <a:p>
+            <a:pPr algn="just"/>
             <a:r>
               <a:rPr lang="pt-PT" dirty="0" smtClean="0"/>
-              <a:t>Padrões de Desenho</a:t>
+              <a:t>Nuno Cancelo</a:t>
             </a:r>
             <a:endParaRPr lang="pt-PT" dirty="0"/>
           </a:p>
@@ -19520,7 +21726,7 @@
       </p:sp>
       <p:sp>
         <p:nvSpPr>
-          <p:cNvPr id="4" name="Content Placeholder 3"/>
+          <p:cNvPr id="7" name="Content Placeholder 2"/>
           <p:cNvSpPr>
             <a:spLocks noGrp="1"/>
           </p:cNvSpPr>
@@ -19528,363 +21734,232 @@
             <p:ph idx="1"/>
           </p:nvPr>
         </p:nvSpPr>
-        <p:spPr/>
+        <p:spPr>
+          <a:xfrm>
+            <a:off x="704528" y="2492896"/>
+            <a:ext cx="8424936" cy="2980927"/>
+          </a:xfrm>
+        </p:spPr>
         <p:txBody>
           <a:bodyPr>
             <a:noAutofit/>
           </a:bodyPr>
           <a:lstStyle/>
           <a:p>
-            <a:r>
-              <a:rPr lang="pt-PT" sz="3200" dirty="0" smtClean="0"/>
-              <a:t>Separation of Concerns</a:t>
-            </a:r>
-          </a:p>
-          <a:p>
-            <a:pPr lvl="1"/>
+            <a:pPr marL="0" indent="0">
+              <a:lnSpc>
+                <a:spcPct val="200000"/>
+              </a:lnSpc>
+            </a:pPr>
+            <a:r>
+              <a:rPr lang="pt-PT" sz="2600" dirty="0" smtClean="0"/>
+              <a:t> Licenciado em Eng. Informática e de Computadores (ISEL)</a:t>
+            </a:r>
+          </a:p>
+          <a:p>
+            <a:pPr marL="0" indent="0">
+              <a:lnSpc>
+                <a:spcPct val="200000"/>
+              </a:lnSpc>
+            </a:pPr>
             <a:r>
               <a:rPr lang="pt-PT" sz="2800" dirty="0" smtClean="0"/>
-              <a:t>AOP</a:t>
-            </a:r>
-          </a:p>
-          <a:p>
-            <a:pPr lvl="1"/>
+              <a:t> </a:t>
+            </a:r>
+            <a:r>
+              <a:rPr lang="pt-PT" sz="2600" dirty="0" smtClean="0"/>
+              <a:t>Tirar o mestrado em Eng. Informática (ISCTE)</a:t>
+            </a:r>
+          </a:p>
+          <a:p>
+            <a:pPr marL="0" indent="0">
+              <a:lnSpc>
+                <a:spcPct val="200000"/>
+              </a:lnSpc>
+            </a:pPr>
             <a:r>
               <a:rPr lang="pt-PT" sz="2800" dirty="0" smtClean="0"/>
-              <a:t>HTML/CSS/Javascript</a:t>
-            </a:r>
-          </a:p>
-          <a:p>
-            <a:pPr lvl="1"/>
+              <a:t> </a:t>
+            </a:r>
+            <a:r>
+              <a:rPr lang="pt-PT" sz="2600" dirty="0" smtClean="0"/>
+              <a:t>Technical Consultant @ CGI </a:t>
+            </a:r>
+          </a:p>
+          <a:p>
+            <a:pPr marL="0" indent="0"/>
             <a:endParaRPr lang="pt-PT" sz="2800" dirty="0" smtClean="0"/>
           </a:p>
           <a:p>
-            <a:r>
-              <a:rPr lang="pt-PT" sz="3200" dirty="0" smtClean="0"/>
-              <a:t>MVC</a:t>
-            </a:r>
-          </a:p>
-          <a:p>
-            <a:pPr lvl="1"/>
-            <a:r>
-              <a:rPr lang="pt-PT" sz="2800" dirty="0" smtClean="0"/>
-              <a:t>Model </a:t>
-            </a:r>
-          </a:p>
-          <a:p>
-            <a:pPr lvl="1"/>
-            <a:r>
-              <a:rPr lang="pt-PT" sz="2800" dirty="0" smtClean="0"/>
-              <a:t>View</a:t>
-            </a:r>
-          </a:p>
-          <a:p>
-            <a:pPr lvl="1"/>
-            <a:r>
-              <a:rPr lang="pt-PT" sz="2800" dirty="0" smtClean="0"/>
-              <a:t>Controller</a:t>
-            </a:r>
-          </a:p>
-          <a:p>
-            <a:endParaRPr lang="pt-PT" sz="3200" dirty="0" smtClean="0"/>
+            <a:pPr marL="0" indent="0"/>
+            <a:endParaRPr lang="pt-PT" sz="2800" dirty="0" smtClean="0"/>
+          </a:p>
+        </p:txBody>
+      </p:sp>
+      <p:pic>
+        <p:nvPicPr>
+          <p:cNvPr id="4" name="Picture 3" descr="DENNIS-THE-MENACE-1.gif"/>
+          <p:cNvPicPr>
+            <a:picLocks noChangeAspect="1"/>
+          </p:cNvPicPr>
+          <p:nvPr/>
+        </p:nvPicPr>
+        <p:blipFill>
+          <a:blip r:embed="rId2" cstate="print"/>
+          <a:stretch>
+            <a:fillRect/>
+          </a:stretch>
+        </p:blipFill>
+        <p:spPr>
+          <a:xfrm>
+            <a:off x="632520" y="548680"/>
+            <a:ext cx="1905000" cy="1905000"/>
+          </a:xfrm>
+          <a:prstGeom prst="rect">
+            <a:avLst/>
+          </a:prstGeom>
+        </p:spPr>
+      </p:pic>
+      <p:pic>
+        <p:nvPicPr>
+          <p:cNvPr id="5" name="Picture 4" descr="Nuno_Cancelo.jpg"/>
+          <p:cNvPicPr>
+            <a:picLocks noChangeAspect="1"/>
+          </p:cNvPicPr>
+          <p:nvPr/>
+        </p:nvPicPr>
+        <p:blipFill>
+          <a:blip r:embed="rId3" cstate="print"/>
+          <a:stretch>
+            <a:fillRect/>
+          </a:stretch>
+        </p:blipFill>
+        <p:spPr>
+          <a:xfrm>
+            <a:off x="7689304" y="4149080"/>
+            <a:ext cx="1463040" cy="1901952"/>
+          </a:xfrm>
+          <a:prstGeom prst="rect">
+            <a:avLst/>
+          </a:prstGeom>
+        </p:spPr>
+      </p:pic>
+      <p:sp>
+        <p:nvSpPr>
+          <p:cNvPr id="8" name="Title 1"/>
+          <p:cNvSpPr txBox="1">
+            <a:spLocks/>
+          </p:cNvSpPr>
+          <p:nvPr/>
+        </p:nvSpPr>
+        <p:spPr>
+          <a:xfrm>
+            <a:off x="2864768" y="1304764"/>
+            <a:ext cx="5393804" cy="566936"/>
+          </a:xfrm>
+          <a:prstGeom prst="rect">
+            <a:avLst/>
+          </a:prstGeom>
+          <a:effectLst/>
+        </p:spPr>
+        <p:txBody>
+          <a:bodyPr vert="horz" lIns="91440" tIns="45720" rIns="91440" bIns="45720" rtlCol="0" anchor="ctr">
+            <a:normAutofit lnSpcReduction="10000"/>
+          </a:bodyPr>
+          <a:lstStyle/>
+          <a:p>
+            <a:pPr marL="0" marR="0" lvl="0" indent="0" defTabSz="914400" rtl="0" eaLnBrk="1" fontAlgn="auto" latinLnBrk="0" hangingPunct="1">
+              <a:lnSpc>
+                <a:spcPct val="100000"/>
+              </a:lnSpc>
+              <a:spcBef>
+                <a:spcPct val="0"/>
+              </a:spcBef>
+              <a:spcAft>
+                <a:spcPts val="0"/>
+              </a:spcAft>
+              <a:buClrTx/>
+              <a:buSzTx/>
+              <a:buFontTx/>
+              <a:buNone/>
+              <a:tabLst/>
+              <a:defRPr/>
+            </a:pPr>
+            <a:r>
+              <a:rPr kumimoji="0" lang="pt-PT" sz="3200" b="1" i="0" u="none" strike="noStrike" kern="1200" cap="none" spc="0" normalizeH="0" baseline="0" noProof="0" dirty="0" smtClean="0">
+                <a:ln>
+                  <a:noFill/>
+                </a:ln>
+                <a:solidFill>
+                  <a:schemeClr val="tx1"/>
+                </a:solidFill>
+                <a:effectLst/>
+                <a:uLnTx/>
+                <a:uFillTx/>
+                <a:latin typeface="+mj-lt"/>
+                <a:ea typeface="+mj-ea"/>
+                <a:cs typeface="+mj-cs"/>
+              </a:rPr>
+              <a:t>Computer</a:t>
+            </a:r>
+            <a:r>
+              <a:rPr kumimoji="0" lang="pt-PT" sz="3200" b="1" i="0" u="none" strike="noStrike" kern="1200" cap="none" spc="0" normalizeH="0" noProof="0" dirty="0" smtClean="0">
+                <a:ln>
+                  <a:noFill/>
+                </a:ln>
+                <a:solidFill>
+                  <a:schemeClr val="tx1"/>
+                </a:solidFill>
+                <a:effectLst/>
+                <a:uLnTx/>
+                <a:uFillTx/>
+                <a:latin typeface="+mj-lt"/>
+                <a:ea typeface="+mj-ea"/>
+                <a:cs typeface="+mj-cs"/>
+              </a:rPr>
+              <a:t> Science Engineer</a:t>
+            </a:r>
+            <a:endParaRPr kumimoji="0" lang="pt-PT" sz="3200" b="1" i="0" u="none" strike="noStrike" kern="1200" cap="none" spc="0" normalizeH="0" baseline="0" noProof="0" dirty="0">
+              <a:ln>
+                <a:noFill/>
+              </a:ln>
+              <a:solidFill>
+                <a:schemeClr val="tx1"/>
+              </a:solidFill>
+              <a:effectLst/>
+              <a:uLnTx/>
+              <a:uFillTx/>
+              <a:latin typeface="+mj-lt"/>
+              <a:ea typeface="+mj-ea"/>
+              <a:cs typeface="+mj-cs"/>
+            </a:endParaRPr>
           </a:p>
         </p:txBody>
       </p:sp>
     </p:spTree>
     <p:extLst>
       <p:ext uri="{BB962C8B-B14F-4D97-AF65-F5344CB8AC3E}">
-        <p14:creationId xmlns="" xmlns:p14="http://schemas.microsoft.com/office/powerpoint/2007/7/12/main" val="564663352"/>
+        <p14:creationId xmlns:p14="http://schemas.microsoft.com/office/powerpoint/2007/7/12/main" xmlns="" val="1875469109"/>
       </p:ext>
     </p:extLst>
   </p:cSld>
   <p:clrMapOvr>
     <a:masterClrMapping/>
   </p:clrMapOvr>
+  <mc:AlternateContent xmlns:mc="http://schemas.openxmlformats.org/markup-compatibility/2006">
+    <mc:Choice xmlns:p14="http://schemas.microsoft.com/office/powerpoint/2007/7/12/main" xmlns="" Requires="p14">
+      <p:transition spd="slow" p14:dur="2000"/>
+    </mc:Choice>
+    <mc:Fallback>
+      <p:transition spd="slow"/>
+    </mc:Fallback>
+  </mc:AlternateContent>
   <p:timing>
     <p:tnLst>
       <p:par>
-        <p:cTn id="1" dur="indefinite" restart="never" nodeType="tmRoot">
-          <p:childTnLst>
-            <p:seq concurrent="1" nextAc="seek">
-              <p:cTn id="2" dur="indefinite" nodeType="mainSeq">
-                <p:childTnLst>
-                  <p:par>
-                    <p:cTn id="3" fill="hold">
-                      <p:stCondLst>
-                        <p:cond delay="indefinite"/>
-                      </p:stCondLst>
-                      <p:childTnLst>
-                        <p:par>
-                          <p:cTn id="4" fill="hold">
-                            <p:stCondLst>
-                              <p:cond delay="0"/>
-                            </p:stCondLst>
-                            <p:childTnLst>
-                              <p:par>
-                                <p:cTn id="5" presetID="1" presetClass="entr" presetSubtype="0" fill="hold" grpId="0" nodeType="clickEffect">
-                                  <p:stCondLst>
-                                    <p:cond delay="0"/>
-                                  </p:stCondLst>
-                                  <p:childTnLst>
-                                    <p:set>
-                                      <p:cBhvr>
-                                        <p:cTn id="6" dur="1" fill="hold">
-                                          <p:stCondLst>
-                                            <p:cond delay="0"/>
-                                          </p:stCondLst>
-                                        </p:cTn>
-                                        <p:tgtEl>
-                                          <p:spTgt spid="4">
-                                            <p:txEl>
-                                              <p:pRg st="0" end="0"/>
-                                            </p:txEl>
-                                          </p:spTgt>
-                                        </p:tgtEl>
-                                        <p:attrNameLst>
-                                          <p:attrName>style.visibility</p:attrName>
-                                        </p:attrNameLst>
-                                      </p:cBhvr>
-                                      <p:to>
-                                        <p:strVal val="visible"/>
-                                      </p:to>
-                                    </p:set>
-                                  </p:childTnLst>
-                                </p:cTn>
-                              </p:par>
-                              <p:par>
-                                <p:cTn id="7" presetID="1" presetClass="entr" presetSubtype="0" fill="hold" grpId="0" nodeType="withEffect">
-                                  <p:stCondLst>
-                                    <p:cond delay="0"/>
-                                  </p:stCondLst>
-                                  <p:childTnLst>
-                                    <p:set>
-                                      <p:cBhvr>
-                                        <p:cTn id="8" dur="1" fill="hold">
-                                          <p:stCondLst>
-                                            <p:cond delay="0"/>
-                                          </p:stCondLst>
-                                        </p:cTn>
-                                        <p:tgtEl>
-                                          <p:spTgt spid="4">
-                                            <p:txEl>
-                                              <p:pRg st="1" end="1"/>
-                                            </p:txEl>
-                                          </p:spTgt>
-                                        </p:tgtEl>
-                                        <p:attrNameLst>
-                                          <p:attrName>style.visibility</p:attrName>
-                                        </p:attrNameLst>
-                                      </p:cBhvr>
-                                      <p:to>
-                                        <p:strVal val="visible"/>
-                                      </p:to>
-                                    </p:set>
-                                  </p:childTnLst>
-                                </p:cTn>
-                              </p:par>
-                              <p:par>
-                                <p:cTn id="9" presetID="1" presetClass="entr" presetSubtype="0" fill="hold" grpId="0" nodeType="withEffect">
-                                  <p:stCondLst>
-                                    <p:cond delay="0"/>
-                                  </p:stCondLst>
-                                  <p:childTnLst>
-                                    <p:set>
-                                      <p:cBhvr>
-                                        <p:cTn id="10" dur="1" fill="hold">
-                                          <p:stCondLst>
-                                            <p:cond delay="0"/>
-                                          </p:stCondLst>
-                                        </p:cTn>
-                                        <p:tgtEl>
-                                          <p:spTgt spid="4">
-                                            <p:txEl>
-                                              <p:pRg st="2" end="2"/>
-                                            </p:txEl>
-                                          </p:spTgt>
-                                        </p:tgtEl>
-                                        <p:attrNameLst>
-                                          <p:attrName>style.visibility</p:attrName>
-                                        </p:attrNameLst>
-                                      </p:cBhvr>
-                                      <p:to>
-                                        <p:strVal val="visible"/>
-                                      </p:to>
-                                    </p:set>
-                                  </p:childTnLst>
-                                </p:cTn>
-                              </p:par>
-                            </p:childTnLst>
-                          </p:cTn>
-                        </p:par>
-                      </p:childTnLst>
-                    </p:cTn>
-                  </p:par>
-                  <p:par>
-                    <p:cTn id="11" fill="hold">
-                      <p:stCondLst>
-                        <p:cond delay="indefinite"/>
-                      </p:stCondLst>
-                      <p:childTnLst>
-                        <p:par>
-                          <p:cTn id="12" fill="hold">
-                            <p:stCondLst>
-                              <p:cond delay="0"/>
-                            </p:stCondLst>
-                            <p:childTnLst>
-                              <p:par>
-                                <p:cTn id="13" presetID="1" presetClass="entr" presetSubtype="0" fill="hold" grpId="0" nodeType="clickEffect">
-                                  <p:stCondLst>
-                                    <p:cond delay="0"/>
-                                  </p:stCondLst>
-                                  <p:childTnLst>
-                                    <p:set>
-                                      <p:cBhvr>
-                                        <p:cTn id="14" dur="1" fill="hold">
-                                          <p:stCondLst>
-                                            <p:cond delay="0"/>
-                                          </p:stCondLst>
-                                        </p:cTn>
-                                        <p:tgtEl>
-                                          <p:spTgt spid="4">
-                                            <p:txEl>
-                                              <p:pRg st="4" end="4"/>
-                                            </p:txEl>
-                                          </p:spTgt>
-                                        </p:tgtEl>
-                                        <p:attrNameLst>
-                                          <p:attrName>style.visibility</p:attrName>
-                                        </p:attrNameLst>
-                                      </p:cBhvr>
-                                      <p:to>
-                                        <p:strVal val="visible"/>
-                                      </p:to>
-                                    </p:set>
-                                  </p:childTnLst>
-                                </p:cTn>
-                              </p:par>
-                              <p:par>
-                                <p:cTn id="15" presetID="1" presetClass="entr" presetSubtype="0" fill="hold" grpId="0" nodeType="withEffect">
-                                  <p:stCondLst>
-                                    <p:cond delay="0"/>
-                                  </p:stCondLst>
-                                  <p:childTnLst>
-                                    <p:set>
-                                      <p:cBhvr>
-                                        <p:cTn id="16" dur="1" fill="hold">
-                                          <p:stCondLst>
-                                            <p:cond delay="0"/>
-                                          </p:stCondLst>
-                                        </p:cTn>
-                                        <p:tgtEl>
-                                          <p:spTgt spid="4">
-                                            <p:txEl>
-                                              <p:pRg st="5" end="5"/>
-                                            </p:txEl>
-                                          </p:spTgt>
-                                        </p:tgtEl>
-                                        <p:attrNameLst>
-                                          <p:attrName>style.visibility</p:attrName>
-                                        </p:attrNameLst>
-                                      </p:cBhvr>
-                                      <p:to>
-                                        <p:strVal val="visible"/>
-                                      </p:to>
-                                    </p:set>
-                                  </p:childTnLst>
-                                </p:cTn>
-                              </p:par>
-                              <p:par>
-                                <p:cTn id="17" presetID="1" presetClass="entr" presetSubtype="0" fill="hold" grpId="0" nodeType="withEffect">
-                                  <p:stCondLst>
-                                    <p:cond delay="0"/>
-                                  </p:stCondLst>
-                                  <p:childTnLst>
-                                    <p:set>
-                                      <p:cBhvr>
-                                        <p:cTn id="18" dur="1" fill="hold">
-                                          <p:stCondLst>
-                                            <p:cond delay="0"/>
-                                          </p:stCondLst>
-                                        </p:cTn>
-                                        <p:tgtEl>
-                                          <p:spTgt spid="4">
-                                            <p:txEl>
-                                              <p:pRg st="6" end="6"/>
-                                            </p:txEl>
-                                          </p:spTgt>
-                                        </p:tgtEl>
-                                        <p:attrNameLst>
-                                          <p:attrName>style.visibility</p:attrName>
-                                        </p:attrNameLst>
-                                      </p:cBhvr>
-                                      <p:to>
-                                        <p:strVal val="visible"/>
-                                      </p:to>
-                                    </p:set>
-                                  </p:childTnLst>
-                                </p:cTn>
-                              </p:par>
-                              <p:par>
-                                <p:cTn id="19" presetID="1" presetClass="entr" presetSubtype="0" fill="hold" grpId="0" nodeType="withEffect">
-                                  <p:stCondLst>
-                                    <p:cond delay="0"/>
-                                  </p:stCondLst>
-                                  <p:childTnLst>
-                                    <p:set>
-                                      <p:cBhvr>
-                                        <p:cTn id="20" dur="1" fill="hold">
-                                          <p:stCondLst>
-                                            <p:cond delay="0"/>
-                                          </p:stCondLst>
-                                        </p:cTn>
-                                        <p:tgtEl>
-                                          <p:spTgt spid="4">
-                                            <p:txEl>
-                                              <p:pRg st="7" end="7"/>
-                                            </p:txEl>
-                                          </p:spTgt>
-                                        </p:tgtEl>
-                                        <p:attrNameLst>
-                                          <p:attrName>style.visibility</p:attrName>
-                                        </p:attrNameLst>
-                                      </p:cBhvr>
-                                      <p:to>
-                                        <p:strVal val="visible"/>
-                                      </p:to>
-                                    </p:set>
-                                  </p:childTnLst>
-                                </p:cTn>
-                              </p:par>
-                            </p:childTnLst>
-                          </p:cTn>
-                        </p:par>
-                      </p:childTnLst>
-                    </p:cTn>
-                  </p:par>
-                </p:childTnLst>
-              </p:cTn>
-              <p:prevCondLst>
-                <p:cond evt="onPrev" delay="0">
-                  <p:tgtEl>
-                    <p:sldTgt/>
-                  </p:tgtEl>
-                </p:cond>
-              </p:prevCondLst>
-              <p:nextCondLst>
-                <p:cond evt="onNext" delay="0">
-                  <p:tgtEl>
-                    <p:sldTgt/>
-                  </p:tgtEl>
-                </p:cond>
-              </p:nextCondLst>
-            </p:seq>
-          </p:childTnLst>
-        </p:cTn>
+        <p:cTn id="1" dur="indefinite" restart="never" nodeType="tmRoot"/>
       </p:par>
     </p:tnLst>
-    <p:bldLst>
-      <p:bldP spid="4" grpId="0" build="p"/>
-    </p:bldLst>
   </p:timing>
 </p:sld>
 </file>
@@ -19923,7 +21998,7 @@
           <a:p>
             <a:r>
               <a:rPr lang="pt-PT" dirty="0" smtClean="0"/>
-              <a:t>Template Engine</a:t>
+              <a:t>Agenda</a:t>
             </a:r>
             <a:endParaRPr lang="pt-PT" dirty="0"/>
           </a:p>
@@ -19939,77 +22014,54 @@
             <p:ph idx="1"/>
           </p:nvPr>
         </p:nvSpPr>
-        <p:spPr/>
+        <p:spPr>
+          <a:xfrm>
+            <a:off x="596516" y="1556792"/>
+            <a:ext cx="8915400" cy="4525963"/>
+          </a:xfrm>
+        </p:spPr>
         <p:txBody>
           <a:bodyPr>
-            <a:noAutofit/>
+            <a:normAutofit/>
           </a:bodyPr>
           <a:lstStyle/>
           <a:p>
-            <a:pPr>
-              <a:lnSpc>
-                <a:spcPct val="150000"/>
-              </a:lnSpc>
-              <a:buNone/>
-            </a:pPr>
-            <a:r>
-              <a:rPr lang="pt-PT" sz="3200" dirty="0" smtClean="0"/>
-              <a:t>Casos de Uso:</a:t>
-            </a:r>
-          </a:p>
-          <a:p>
-            <a:pPr lvl="1">
-              <a:lnSpc>
-                <a:spcPct val="150000"/>
-              </a:lnSpc>
-            </a:pPr>
-            <a:r>
-              <a:rPr lang="pt-PT" sz="2800" dirty="0" smtClean="0"/>
-              <a:t>Geração de páginas HTML</a:t>
-            </a:r>
-          </a:p>
-          <a:p>
-            <a:pPr lvl="1">
-              <a:lnSpc>
-                <a:spcPct val="150000"/>
-              </a:lnSpc>
-            </a:pPr>
-            <a:r>
-              <a:rPr lang="pt-PT" sz="2800" dirty="0" smtClean="0"/>
-              <a:t>Geração de emails</a:t>
-            </a:r>
-          </a:p>
-          <a:p>
-            <a:pPr lvl="1">
-              <a:lnSpc>
-                <a:spcPct val="150000"/>
-              </a:lnSpc>
-            </a:pPr>
-            <a:r>
-              <a:rPr lang="pt-PT" sz="2800" dirty="0" smtClean="0"/>
-              <a:t>Geração de código automático</a:t>
-            </a:r>
-          </a:p>
-          <a:p>
-            <a:pPr lvl="1">
-              <a:lnSpc>
-                <a:spcPct val="150000"/>
-              </a:lnSpc>
-            </a:pPr>
-            <a:r>
-              <a:rPr lang="pt-PT" sz="2800" dirty="0" smtClean="0"/>
-              <a:t>Geração  de ficheiros em xml</a:t>
-            </a:r>
-          </a:p>
-          <a:p>
-            <a:pPr lvl="1">
-              <a:lnSpc>
-                <a:spcPct val="150000"/>
-              </a:lnSpc>
-            </a:pPr>
-            <a:r>
-              <a:rPr lang="pt-PT" sz="2800" dirty="0" smtClean="0"/>
-              <a:t>Complemento de outras ferramentas</a:t>
+            <a:r>
+              <a:rPr lang="pt-PT" sz="4000" dirty="0" smtClean="0"/>
+              <a:t>Why Templating</a:t>
+            </a:r>
+          </a:p>
+          <a:p>
+            <a:r>
+              <a:rPr lang="pt-PT" sz="4000" dirty="0" smtClean="0"/>
+              <a:t>NVelocity</a:t>
+            </a:r>
+          </a:p>
+          <a:p>
+            <a:r>
+              <a:rPr lang="pt-PT" sz="4000" dirty="0" smtClean="0"/>
+              <a:t>Sintaxe</a:t>
+            </a:r>
+          </a:p>
+          <a:p>
+            <a:pPr lvl="1"/>
+            <a:r>
+              <a:rPr lang="pt-PT" dirty="0" smtClean="0"/>
+              <a:t>Referências</a:t>
+            </a:r>
+          </a:p>
+          <a:p>
+            <a:pPr lvl="1"/>
+            <a:r>
+              <a:rPr lang="pt-PT" dirty="0" smtClean="0"/>
+              <a:t>Diretivas</a:t>
+            </a:r>
+          </a:p>
+          <a:p>
+            <a:pPr lvl="1"/>
+            <a:r>
+              <a:rPr lang="pt-PT" dirty="0" smtClean="0"/>
+              <a:t>Pontas Soltas</a:t>
             </a:r>
           </a:p>
         </p:txBody>
@@ -20017,7 +22069,7 @@
     </p:spTree>
     <p:extLst>
       <p:ext uri="{BB962C8B-B14F-4D97-AF65-F5344CB8AC3E}">
-        <p14:creationId xmlns="" xmlns:p14="http://schemas.microsoft.com/office/powerpoint/2007/7/12/main" val="564663352"/>
+        <p14:creationId xmlns:p14="http://schemas.microsoft.com/office/powerpoint/2007/7/12/main" xmlns="" val="242698022"/>
       </p:ext>
     </p:extLst>
   </p:cSld>
@@ -20027,239 +22079,9 @@
   <p:timing>
     <p:tnLst>
       <p:par>
-        <p:cTn id="1" dur="indefinite" restart="never" nodeType="tmRoot">
-          <p:childTnLst>
-            <p:seq concurrent="1" nextAc="seek">
-              <p:cTn id="2" dur="indefinite" nodeType="mainSeq">
-                <p:childTnLst>
-                  <p:par>
-                    <p:cTn id="3" fill="hold">
-                      <p:stCondLst>
-                        <p:cond delay="indefinite"/>
-                      </p:stCondLst>
-                      <p:childTnLst>
-                        <p:par>
-                          <p:cTn id="4" fill="hold">
-                            <p:stCondLst>
-                              <p:cond delay="0"/>
-                            </p:stCondLst>
-                            <p:childTnLst>
-                              <p:par>
-                                <p:cTn id="5" presetID="1" presetClass="entr" presetSubtype="0" fill="hold" grpId="0" nodeType="clickEffect">
-                                  <p:stCondLst>
-                                    <p:cond delay="0"/>
-                                  </p:stCondLst>
-                                  <p:childTnLst>
-                                    <p:set>
-                                      <p:cBhvr>
-                                        <p:cTn id="6" dur="1" fill="hold">
-                                          <p:stCondLst>
-                                            <p:cond delay="0"/>
-                                          </p:stCondLst>
-                                        </p:cTn>
-                                        <p:tgtEl>
-                                          <p:spTgt spid="4">
-                                            <p:txEl>
-                                              <p:pRg st="0" end="0"/>
-                                            </p:txEl>
-                                          </p:spTgt>
-                                        </p:tgtEl>
-                                        <p:attrNameLst>
-                                          <p:attrName>style.visibility</p:attrName>
-                                        </p:attrNameLst>
-                                      </p:cBhvr>
-                                      <p:to>
-                                        <p:strVal val="visible"/>
-                                      </p:to>
-                                    </p:set>
-                                  </p:childTnLst>
-                                </p:cTn>
-                              </p:par>
-                              <p:par>
-                                <p:cTn id="7" presetID="1" presetClass="entr" presetSubtype="0" fill="hold" grpId="0" nodeType="withEffect">
-                                  <p:stCondLst>
-                                    <p:cond delay="0"/>
-                                  </p:stCondLst>
-                                  <p:childTnLst>
-                                    <p:set>
-                                      <p:cBhvr>
-                                        <p:cTn id="8" dur="1" fill="hold">
-                                          <p:stCondLst>
-                                            <p:cond delay="0"/>
-                                          </p:stCondLst>
-                                        </p:cTn>
-                                        <p:tgtEl>
-                                          <p:spTgt spid="4">
-                                            <p:txEl>
-                                              <p:pRg st="1" end="1"/>
-                                            </p:txEl>
-                                          </p:spTgt>
-                                        </p:tgtEl>
-                                        <p:attrNameLst>
-                                          <p:attrName>style.visibility</p:attrName>
-                                        </p:attrNameLst>
-                                      </p:cBhvr>
-                                      <p:to>
-                                        <p:strVal val="visible"/>
-                                      </p:to>
-                                    </p:set>
-                                  </p:childTnLst>
-                                </p:cTn>
-                              </p:par>
-                              <p:par>
-                                <p:cTn id="9" presetID="1" presetClass="entr" presetSubtype="0" fill="hold" grpId="0" nodeType="withEffect">
-                                  <p:stCondLst>
-                                    <p:cond delay="0"/>
-                                  </p:stCondLst>
-                                  <p:childTnLst>
-                                    <p:set>
-                                      <p:cBhvr>
-                                        <p:cTn id="10" dur="1" fill="hold">
-                                          <p:stCondLst>
-                                            <p:cond delay="0"/>
-                                          </p:stCondLst>
-                                        </p:cTn>
-                                        <p:tgtEl>
-                                          <p:spTgt spid="4">
-                                            <p:txEl>
-                                              <p:pRg st="2" end="2"/>
-                                            </p:txEl>
-                                          </p:spTgt>
-                                        </p:tgtEl>
-                                        <p:attrNameLst>
-                                          <p:attrName>style.visibility</p:attrName>
-                                        </p:attrNameLst>
-                                      </p:cBhvr>
-                                      <p:to>
-                                        <p:strVal val="visible"/>
-                                      </p:to>
-                                    </p:set>
-                                  </p:childTnLst>
-                                </p:cTn>
-                              </p:par>
-                              <p:par>
-                                <p:cTn id="11" presetID="1" presetClass="entr" presetSubtype="0" fill="hold" grpId="0" nodeType="withEffect">
-                                  <p:stCondLst>
-                                    <p:cond delay="0"/>
-                                  </p:stCondLst>
-                                  <p:childTnLst>
-                                    <p:set>
-                                      <p:cBhvr>
-                                        <p:cTn id="12" dur="1" fill="hold">
-                                          <p:stCondLst>
-                                            <p:cond delay="0"/>
-                                          </p:stCondLst>
-                                        </p:cTn>
-                                        <p:tgtEl>
-                                          <p:spTgt spid="4">
-                                            <p:txEl>
-                                              <p:pRg st="3" end="3"/>
-                                            </p:txEl>
-                                          </p:spTgt>
-                                        </p:tgtEl>
-                                        <p:attrNameLst>
-                                          <p:attrName>style.visibility</p:attrName>
-                                        </p:attrNameLst>
-                                      </p:cBhvr>
-                                      <p:to>
-                                        <p:strVal val="visible"/>
-                                      </p:to>
-                                    </p:set>
-                                  </p:childTnLst>
-                                </p:cTn>
-                              </p:par>
-                              <p:par>
-                                <p:cTn id="13" presetID="1" presetClass="entr" presetSubtype="0" fill="hold" grpId="0" nodeType="withEffect">
-                                  <p:stCondLst>
-                                    <p:cond delay="0"/>
-                                  </p:stCondLst>
-                                  <p:childTnLst>
-                                    <p:set>
-                                      <p:cBhvr>
-                                        <p:cTn id="14" dur="1" fill="hold">
-                                          <p:stCondLst>
-                                            <p:cond delay="0"/>
-                                          </p:stCondLst>
-                                        </p:cTn>
-                                        <p:tgtEl>
-                                          <p:spTgt spid="4">
-                                            <p:txEl>
-                                              <p:pRg st="4" end="4"/>
-                                            </p:txEl>
-                                          </p:spTgt>
-                                        </p:tgtEl>
-                                        <p:attrNameLst>
-                                          <p:attrName>style.visibility</p:attrName>
-                                        </p:attrNameLst>
-                                      </p:cBhvr>
-                                      <p:to>
-                                        <p:strVal val="visible"/>
-                                      </p:to>
-                                    </p:set>
-                                  </p:childTnLst>
-                                </p:cTn>
-                              </p:par>
-                              <p:par>
-                                <p:cTn id="15" presetID="1" presetClass="entr" presetSubtype="0" fill="hold" grpId="0" nodeType="withEffect">
-                                  <p:stCondLst>
-                                    <p:cond delay="0"/>
-                                  </p:stCondLst>
-                                  <p:childTnLst>
-                                    <p:set>
-                                      <p:cBhvr>
-                                        <p:cTn id="16" dur="1" fill="hold">
-                                          <p:stCondLst>
-                                            <p:cond delay="0"/>
-                                          </p:stCondLst>
-                                        </p:cTn>
-                                        <p:tgtEl>
-                                          <p:spTgt spid="4">
-                                            <p:txEl>
-                                              <p:pRg st="5" end="5"/>
-                                            </p:txEl>
-                                          </p:spTgt>
-                                        </p:tgtEl>
-                                        <p:attrNameLst>
-                                          <p:attrName>style.visibility</p:attrName>
-                                        </p:attrNameLst>
-                                      </p:cBhvr>
-                                      <p:to>
-                                        <p:strVal val="visible"/>
-                                      </p:to>
-                                    </p:set>
-                                  </p:childTnLst>
-                                </p:cTn>
-                              </p:par>
-                            </p:childTnLst>
-                          </p:cTn>
-                        </p:par>
-                      </p:childTnLst>
-                    </p:cTn>
-                  </p:par>
-                </p:childTnLst>
-              </p:cTn>
-              <p:prevCondLst>
-                <p:cond evt="onPrev" delay="0">
-                  <p:tgtEl>
-                    <p:sldTgt/>
-                  </p:tgtEl>
-                </p:cond>
-              </p:prevCondLst>
-              <p:nextCondLst>
-                <p:cond evt="onNext" delay="0">
-                  <p:tgtEl>
-                    <p:sldTgt/>
-                  </p:tgtEl>
-                </p:cond>
-              </p:nextCondLst>
-            </p:seq>
-          </p:childTnLst>
-        </p:cTn>
+        <p:cTn id="1" dur="indefinite" restart="never" nodeType="tmRoot"/>
       </p:par>
     </p:tnLst>
-    <p:bldLst>
-      <p:bldP spid="4" grpId="0" build="p"/>
-    </p:bldLst>
   </p:timing>
 </p:sld>
 </file>
@@ -20312,13 +22134,13 @@
         </p:nvSpPr>
         <p:spPr>
           <a:xfrm>
-            <a:off x="2324708" y="2521751"/>
-            <a:ext cx="5256584" cy="1814499"/>
+            <a:off x="1838654" y="2957374"/>
+            <a:ext cx="6228692" cy="943253"/>
           </a:xfrm>
         </p:spPr>
         <p:txBody>
           <a:bodyPr>
-            <a:normAutofit/>
+            <a:normAutofit fontScale="70000" lnSpcReduction="20000"/>
           </a:bodyPr>
           <a:lstStyle/>
           <a:p>
@@ -20327,9 +22149,8 @@
             </a:pPr>
             <a:r>
               <a:rPr lang="pt-PT" sz="9600" dirty="0" smtClean="0"/>
-              <a:t>NVelocity</a:t>
-            </a:r>
-            <a:endParaRPr lang="pt-PT" sz="9600" dirty="0"/>
+              <a:t>Why Templating?</a:t>
+            </a:r>
           </a:p>
         </p:txBody>
       </p:sp>
